--- a/月報システム化提案.pptx
+++ b/月報システム化提案.pptx
@@ -1369,6 +1369,13 @@
         </dgm:presLayoutVars>
       </dgm:prSet>
       <dgm:spPr/>
+      <dgm:t>
+        <a:bodyPr/>
+        <a:lstStyle/>
+        <a:p>
+          <a:endParaRPr kumimoji="1" lang="ja-JP" altLang="en-US"/>
+        </a:p>
+      </dgm:t>
     </dgm:pt>
     <dgm:pt modelId="{3120E5FA-F315-4B50-9CBE-10143E5DFFB8}" type="pres">
       <dgm:prSet presAssocID="{E164911D-41C0-41AD-BFD4-B8091C9AE415}" presName="root1" presStyleCnt="0"/>
@@ -1381,6 +1388,13 @@
         </dgm:presLayoutVars>
       </dgm:prSet>
       <dgm:spPr/>
+      <dgm:t>
+        <a:bodyPr/>
+        <a:lstStyle/>
+        <a:p>
+          <a:endParaRPr kumimoji="1" lang="ja-JP" altLang="en-US"/>
+        </a:p>
+      </dgm:t>
     </dgm:pt>
     <dgm:pt modelId="{5D597C0F-2237-4F12-950C-D26B8F09A573}" type="pres">
       <dgm:prSet presAssocID="{E164911D-41C0-41AD-BFD4-B8091C9AE415}" presName="level2hierChild" presStyleCnt="0"/>
@@ -1389,10 +1403,24 @@
     <dgm:pt modelId="{5C94A537-F670-4876-9327-9280C8C56023}" type="pres">
       <dgm:prSet presAssocID="{A0559AFC-F7C9-40A3-85C8-C1718708DC40}" presName="conn2-1" presStyleLbl="parChTrans1D2" presStyleIdx="0" presStyleCnt="1"/>
       <dgm:spPr/>
+      <dgm:t>
+        <a:bodyPr/>
+        <a:lstStyle/>
+        <a:p>
+          <a:endParaRPr kumimoji="1" lang="ja-JP" altLang="en-US"/>
+        </a:p>
+      </dgm:t>
     </dgm:pt>
     <dgm:pt modelId="{75F5CFBF-8828-4BF9-816E-859BC8ED4F44}" type="pres">
       <dgm:prSet presAssocID="{A0559AFC-F7C9-40A3-85C8-C1718708DC40}" presName="connTx" presStyleLbl="parChTrans1D2" presStyleIdx="0" presStyleCnt="1"/>
       <dgm:spPr/>
+      <dgm:t>
+        <a:bodyPr/>
+        <a:lstStyle/>
+        <a:p>
+          <a:endParaRPr kumimoji="1" lang="ja-JP" altLang="en-US"/>
+        </a:p>
+      </dgm:t>
     </dgm:pt>
     <dgm:pt modelId="{CC0B07CC-6EFB-4554-9B13-41EC108C832E}" type="pres">
       <dgm:prSet presAssocID="{33878004-7D2A-4F72-BEDB-5D0AB58F15AC}" presName="root2" presStyleCnt="0"/>
@@ -1405,6 +1433,13 @@
         </dgm:presLayoutVars>
       </dgm:prSet>
       <dgm:spPr/>
+      <dgm:t>
+        <a:bodyPr/>
+        <a:lstStyle/>
+        <a:p>
+          <a:endParaRPr kumimoji="1" lang="ja-JP" altLang="en-US"/>
+        </a:p>
+      </dgm:t>
     </dgm:pt>
     <dgm:pt modelId="{E74F55B6-9477-45DF-AC5A-F4A1CB999028}" type="pres">
       <dgm:prSet presAssocID="{33878004-7D2A-4F72-BEDB-5D0AB58F15AC}" presName="level3hierChild" presStyleCnt="0"/>
@@ -1413,10 +1448,24 @@
     <dgm:pt modelId="{B1A8CFDC-B7E6-4059-86E3-411E6B63764B}" type="pres">
       <dgm:prSet presAssocID="{420A7C68-5D43-4EB6-AFB7-75822302A846}" presName="conn2-1" presStyleLbl="parChTrans1D3" presStyleIdx="0" presStyleCnt="3"/>
       <dgm:spPr/>
+      <dgm:t>
+        <a:bodyPr/>
+        <a:lstStyle/>
+        <a:p>
+          <a:endParaRPr kumimoji="1" lang="ja-JP" altLang="en-US"/>
+        </a:p>
+      </dgm:t>
     </dgm:pt>
     <dgm:pt modelId="{2783DBF3-317F-4536-8771-9AD6DFDD1314}" type="pres">
       <dgm:prSet presAssocID="{420A7C68-5D43-4EB6-AFB7-75822302A846}" presName="connTx" presStyleLbl="parChTrans1D3" presStyleIdx="0" presStyleCnt="3"/>
       <dgm:spPr/>
+      <dgm:t>
+        <a:bodyPr/>
+        <a:lstStyle/>
+        <a:p>
+          <a:endParaRPr kumimoji="1" lang="ja-JP" altLang="en-US"/>
+        </a:p>
+      </dgm:t>
     </dgm:pt>
     <dgm:pt modelId="{31830C5C-B709-4E82-AF62-EC1CA2A6A4F7}" type="pres">
       <dgm:prSet presAssocID="{376B09F4-2D5B-4689-8EC4-FB34E6F5B1E9}" presName="root2" presStyleCnt="0"/>
@@ -1429,6 +1478,13 @@
         </dgm:presLayoutVars>
       </dgm:prSet>
       <dgm:spPr/>
+      <dgm:t>
+        <a:bodyPr/>
+        <a:lstStyle/>
+        <a:p>
+          <a:endParaRPr kumimoji="1" lang="ja-JP" altLang="en-US"/>
+        </a:p>
+      </dgm:t>
     </dgm:pt>
     <dgm:pt modelId="{C4FEABA7-2F24-4312-BD76-4C20CF02764E}" type="pres">
       <dgm:prSet presAssocID="{376B09F4-2D5B-4689-8EC4-FB34E6F5B1E9}" presName="level3hierChild" presStyleCnt="0"/>
@@ -1437,10 +1493,24 @@
     <dgm:pt modelId="{C9B6AA4F-3B14-43B1-86AC-5C1E9D1ED055}" type="pres">
       <dgm:prSet presAssocID="{129AA29F-A958-46F2-B74F-1427BE8052EA}" presName="conn2-1" presStyleLbl="parChTrans1D3" presStyleIdx="1" presStyleCnt="3"/>
       <dgm:spPr/>
+      <dgm:t>
+        <a:bodyPr/>
+        <a:lstStyle/>
+        <a:p>
+          <a:endParaRPr kumimoji="1" lang="ja-JP" altLang="en-US"/>
+        </a:p>
+      </dgm:t>
     </dgm:pt>
     <dgm:pt modelId="{0953D620-6695-42B6-BD58-86B865F665DF}" type="pres">
       <dgm:prSet presAssocID="{129AA29F-A958-46F2-B74F-1427BE8052EA}" presName="connTx" presStyleLbl="parChTrans1D3" presStyleIdx="1" presStyleCnt="3"/>
       <dgm:spPr/>
+      <dgm:t>
+        <a:bodyPr/>
+        <a:lstStyle/>
+        <a:p>
+          <a:endParaRPr kumimoji="1" lang="ja-JP" altLang="en-US"/>
+        </a:p>
+      </dgm:t>
     </dgm:pt>
     <dgm:pt modelId="{35E58DC5-40D7-417F-A1AA-D5E17A4CAA40}" type="pres">
       <dgm:prSet presAssocID="{6ED63BC7-73D7-42AA-8C32-20FAF112464A}" presName="root2" presStyleCnt="0"/>
@@ -1453,6 +1523,13 @@
         </dgm:presLayoutVars>
       </dgm:prSet>
       <dgm:spPr/>
+      <dgm:t>
+        <a:bodyPr/>
+        <a:lstStyle/>
+        <a:p>
+          <a:endParaRPr kumimoji="1" lang="ja-JP" altLang="en-US"/>
+        </a:p>
+      </dgm:t>
     </dgm:pt>
     <dgm:pt modelId="{BE36C690-A0CB-45C5-85E0-4071BF29ABD1}" type="pres">
       <dgm:prSet presAssocID="{6ED63BC7-73D7-42AA-8C32-20FAF112464A}" presName="level3hierChild" presStyleCnt="0"/>
@@ -1461,10 +1538,24 @@
     <dgm:pt modelId="{048D6D15-9846-44C3-9CCB-663C86C86465}" type="pres">
       <dgm:prSet presAssocID="{124830B7-D66F-4E70-A22D-04D9E06AB472}" presName="conn2-1" presStyleLbl="parChTrans1D4" presStyleIdx="0" presStyleCnt="3"/>
       <dgm:spPr/>
+      <dgm:t>
+        <a:bodyPr/>
+        <a:lstStyle/>
+        <a:p>
+          <a:endParaRPr kumimoji="1" lang="ja-JP" altLang="en-US"/>
+        </a:p>
+      </dgm:t>
     </dgm:pt>
     <dgm:pt modelId="{BA072A05-6120-4845-8F2D-A6D90D1BECB8}" type="pres">
       <dgm:prSet presAssocID="{124830B7-D66F-4E70-A22D-04D9E06AB472}" presName="connTx" presStyleLbl="parChTrans1D4" presStyleIdx="0" presStyleCnt="3"/>
       <dgm:spPr/>
+      <dgm:t>
+        <a:bodyPr/>
+        <a:lstStyle/>
+        <a:p>
+          <a:endParaRPr kumimoji="1" lang="ja-JP" altLang="en-US"/>
+        </a:p>
+      </dgm:t>
     </dgm:pt>
     <dgm:pt modelId="{55F7C349-1922-4139-A1D0-C0BD4ED2A46C}" type="pres">
       <dgm:prSet presAssocID="{B2B57D14-083A-441F-A384-0BCFD5F8F362}" presName="root2" presStyleCnt="0"/>
@@ -1492,10 +1583,24 @@
     <dgm:pt modelId="{C9BB74AF-030F-4CA5-8A14-E9B74F3B9177}" type="pres">
       <dgm:prSet presAssocID="{42AACD0A-5BFC-48B7-BF2F-7EFEB20806CE}" presName="conn2-1" presStyleLbl="parChTrans1D3" presStyleIdx="2" presStyleCnt="3"/>
       <dgm:spPr/>
+      <dgm:t>
+        <a:bodyPr/>
+        <a:lstStyle/>
+        <a:p>
+          <a:endParaRPr kumimoji="1" lang="ja-JP" altLang="en-US"/>
+        </a:p>
+      </dgm:t>
     </dgm:pt>
     <dgm:pt modelId="{3AB2966F-51C8-4712-9488-E33308A531C6}" type="pres">
       <dgm:prSet presAssocID="{42AACD0A-5BFC-48B7-BF2F-7EFEB20806CE}" presName="connTx" presStyleLbl="parChTrans1D3" presStyleIdx="2" presStyleCnt="3"/>
       <dgm:spPr/>
+      <dgm:t>
+        <a:bodyPr/>
+        <a:lstStyle/>
+        <a:p>
+          <a:endParaRPr kumimoji="1" lang="ja-JP" altLang="en-US"/>
+        </a:p>
+      </dgm:t>
     </dgm:pt>
     <dgm:pt modelId="{E18B62C8-24DA-4D9D-AF22-02027BDC5F2A}" type="pres">
       <dgm:prSet presAssocID="{01604493-B99B-4814-ACAE-EF4534CEEECF}" presName="root2" presStyleCnt="0"/>
@@ -1523,10 +1628,24 @@
     <dgm:pt modelId="{9E124E1E-0161-4AC1-87EC-B09B2F219B0F}" type="pres">
       <dgm:prSet presAssocID="{1C096A7E-8FF6-4205-B81F-37441528B91E}" presName="conn2-1" presStyleLbl="parChTrans1D4" presStyleIdx="1" presStyleCnt="3"/>
       <dgm:spPr/>
+      <dgm:t>
+        <a:bodyPr/>
+        <a:lstStyle/>
+        <a:p>
+          <a:endParaRPr kumimoji="1" lang="ja-JP" altLang="en-US"/>
+        </a:p>
+      </dgm:t>
     </dgm:pt>
     <dgm:pt modelId="{795F2234-8ADC-4001-BDDB-49D4CDD506ED}" type="pres">
       <dgm:prSet presAssocID="{1C096A7E-8FF6-4205-B81F-37441528B91E}" presName="connTx" presStyleLbl="parChTrans1D4" presStyleIdx="1" presStyleCnt="3"/>
       <dgm:spPr/>
+      <dgm:t>
+        <a:bodyPr/>
+        <a:lstStyle/>
+        <a:p>
+          <a:endParaRPr kumimoji="1" lang="ja-JP" altLang="en-US"/>
+        </a:p>
+      </dgm:t>
     </dgm:pt>
     <dgm:pt modelId="{2ACDFCF3-997A-4F81-8EA7-BC85025ED7E1}" type="pres">
       <dgm:prSet presAssocID="{550A381F-40F0-4E05-ACCB-D1C9F5A5043C}" presName="root2" presStyleCnt="0"/>
@@ -1554,10 +1673,24 @@
     <dgm:pt modelId="{3AA81311-4EAD-4E7A-8B3C-7384A0FA7427}" type="pres">
       <dgm:prSet presAssocID="{CA6F8972-6CD8-448C-A84D-8256297787F7}" presName="conn2-1" presStyleLbl="parChTrans1D4" presStyleIdx="2" presStyleCnt="3"/>
       <dgm:spPr/>
+      <dgm:t>
+        <a:bodyPr/>
+        <a:lstStyle/>
+        <a:p>
+          <a:endParaRPr kumimoji="1" lang="ja-JP" altLang="en-US"/>
+        </a:p>
+      </dgm:t>
     </dgm:pt>
     <dgm:pt modelId="{9B5EB736-E58D-42A3-9267-3AF2E5669002}" type="pres">
       <dgm:prSet presAssocID="{CA6F8972-6CD8-448C-A84D-8256297787F7}" presName="connTx" presStyleLbl="parChTrans1D4" presStyleIdx="2" presStyleCnt="3"/>
       <dgm:spPr/>
+      <dgm:t>
+        <a:bodyPr/>
+        <a:lstStyle/>
+        <a:p>
+          <a:endParaRPr kumimoji="1" lang="ja-JP" altLang="en-US"/>
+        </a:p>
+      </dgm:t>
     </dgm:pt>
     <dgm:pt modelId="{D4EA5CC4-2527-40D0-9D98-C46C8ED3AFEA}" type="pres">
       <dgm:prSet presAssocID="{37D75798-C063-4D43-885C-5C2CC101A97D}" presName="root2" presStyleCnt="0"/>
@@ -1570,6 +1703,13 @@
         </dgm:presLayoutVars>
       </dgm:prSet>
       <dgm:spPr/>
+      <dgm:t>
+        <a:bodyPr/>
+        <a:lstStyle/>
+        <a:p>
+          <a:endParaRPr kumimoji="1" lang="ja-JP" altLang="en-US"/>
+        </a:p>
+      </dgm:t>
     </dgm:pt>
     <dgm:pt modelId="{82F7D064-5981-448B-B332-2BDED2F3BF0F}" type="pres">
       <dgm:prSet presAssocID="{37D75798-C063-4D43-885C-5C2CC101A97D}" presName="level3hierChild" presStyleCnt="0"/>
@@ -1577,37 +1717,37 @@
     </dgm:pt>
   </dgm:ptLst>
   <dgm:cxnLst>
+    <dgm:cxn modelId="{31A524A3-39E1-4B52-9DC5-85497E165E88}" type="presOf" srcId="{1C096A7E-8FF6-4205-B81F-37441528B91E}" destId="{9E124E1E-0161-4AC1-87EC-B09B2F219B0F}" srcOrd="0" destOrd="0" presId="urn:microsoft.com/office/officeart/2008/layout/HorizontalMultiLevelHierarchy"/>
+    <dgm:cxn modelId="{629D4D23-B4EE-4D2F-AF64-A06C0D99D6EF}" type="presOf" srcId="{550A381F-40F0-4E05-ACCB-D1C9F5A5043C}" destId="{AAE69731-215B-45BC-8E15-2A6F1103ED7E}" srcOrd="0" destOrd="0" presId="urn:microsoft.com/office/officeart/2008/layout/HorizontalMultiLevelHierarchy"/>
+    <dgm:cxn modelId="{4876E1E6-C8FE-4CB7-9BDB-78BB40A4BF62}" type="presOf" srcId="{124830B7-D66F-4E70-A22D-04D9E06AB472}" destId="{048D6D15-9846-44C3-9CCB-663C86C86465}" srcOrd="0" destOrd="0" presId="urn:microsoft.com/office/officeart/2008/layout/HorizontalMultiLevelHierarchy"/>
+    <dgm:cxn modelId="{27AF6F20-3E27-41AC-B190-64EB22B664A3}" type="presOf" srcId="{6ED63BC7-73D7-42AA-8C32-20FAF112464A}" destId="{321BE020-EB98-4638-9EBB-B2C3D28F7A9D}" srcOrd="0" destOrd="0" presId="urn:microsoft.com/office/officeart/2008/layout/HorizontalMultiLevelHierarchy"/>
+    <dgm:cxn modelId="{410D5110-AB10-4AEC-89C3-4EB4BCEA65A8}" type="presOf" srcId="{33878004-7D2A-4F72-BEDB-5D0AB58F15AC}" destId="{BA2C46D1-49F2-4416-B0F1-25FE16F65916}" srcOrd="0" destOrd="0" presId="urn:microsoft.com/office/officeart/2008/layout/HorizontalMultiLevelHierarchy"/>
+    <dgm:cxn modelId="{EBAF8EFB-7609-487B-8495-5FA616576FAB}" type="presOf" srcId="{B2B57D14-083A-441F-A384-0BCFD5F8F362}" destId="{C95A9754-DAC1-48F0-8209-571BF7CDC85A}" srcOrd="0" destOrd="0" presId="urn:microsoft.com/office/officeart/2008/layout/HorizontalMultiLevelHierarchy"/>
+    <dgm:cxn modelId="{E65B95F2-C3FE-4676-AAA9-42230605C4A5}" srcId="{01604493-B99B-4814-ACAE-EF4534CEEECF}" destId="{550A381F-40F0-4E05-ACCB-D1C9F5A5043C}" srcOrd="0" destOrd="0" parTransId="{1C096A7E-8FF6-4205-B81F-37441528B91E}" sibTransId="{A501F06D-82E0-4DE6-9AE9-2167538DECE0}"/>
+    <dgm:cxn modelId="{56E5624C-6F25-4427-9751-9763F6B44168}" type="presOf" srcId="{01604493-B99B-4814-ACAE-EF4534CEEECF}" destId="{F1E4F070-4D42-4CFC-BB13-F40CB6117610}" srcOrd="0" destOrd="0" presId="urn:microsoft.com/office/officeart/2008/layout/HorizontalMultiLevelHierarchy"/>
+    <dgm:cxn modelId="{90D0F8C1-8D0C-4883-A306-FCAE726554E2}" type="presOf" srcId="{129AA29F-A958-46F2-B74F-1427BE8052EA}" destId="{0953D620-6695-42B6-BD58-86B865F665DF}" srcOrd="1" destOrd="0" presId="urn:microsoft.com/office/officeart/2008/layout/HorizontalMultiLevelHierarchy"/>
+    <dgm:cxn modelId="{B704C6F9-0672-4BAD-80A5-2355450F294E}" type="presOf" srcId="{37D75798-C063-4D43-885C-5C2CC101A97D}" destId="{0C332281-900B-440A-A110-24393A013274}" srcOrd="0" destOrd="0" presId="urn:microsoft.com/office/officeart/2008/layout/HorizontalMultiLevelHierarchy"/>
+    <dgm:cxn modelId="{512F7175-D1DC-4A98-8705-1F9D78F217E4}" type="presOf" srcId="{376B09F4-2D5B-4689-8EC4-FB34E6F5B1E9}" destId="{FD4D22A1-EA69-46E1-AD42-248DA7FF3945}" srcOrd="0" destOrd="0" presId="urn:microsoft.com/office/officeart/2008/layout/HorizontalMultiLevelHierarchy"/>
+    <dgm:cxn modelId="{E77D710B-F8B8-45D7-BAB2-1342D44AC065}" srcId="{01604493-B99B-4814-ACAE-EF4534CEEECF}" destId="{37D75798-C063-4D43-885C-5C2CC101A97D}" srcOrd="1" destOrd="0" parTransId="{CA6F8972-6CD8-448C-A84D-8256297787F7}" sibTransId="{CC1562F8-A737-4EE3-AC8F-5672D16E32A7}"/>
+    <dgm:cxn modelId="{D2CB7E7E-3292-42A0-834B-2F9B6991FB5F}" srcId="{33878004-7D2A-4F72-BEDB-5D0AB58F15AC}" destId="{376B09F4-2D5B-4689-8EC4-FB34E6F5B1E9}" srcOrd="0" destOrd="0" parTransId="{420A7C68-5D43-4EB6-AFB7-75822302A846}" sibTransId="{7EBA06D7-F455-4841-8F6A-A8B032555400}"/>
+    <dgm:cxn modelId="{A5F72E82-1C24-4877-A371-CDAF933B5D4F}" type="presOf" srcId="{1C096A7E-8FF6-4205-B81F-37441528B91E}" destId="{795F2234-8ADC-4001-BDDB-49D4CDD506ED}" srcOrd="1" destOrd="0" presId="urn:microsoft.com/office/officeart/2008/layout/HorizontalMultiLevelHierarchy"/>
+    <dgm:cxn modelId="{BC25CCFD-1A50-4152-BFF0-E6B0A65BFCE0}" srcId="{33878004-7D2A-4F72-BEDB-5D0AB58F15AC}" destId="{6ED63BC7-73D7-42AA-8C32-20FAF112464A}" srcOrd="1" destOrd="0" parTransId="{129AA29F-A958-46F2-B74F-1427BE8052EA}" sibTransId="{229F1C12-4DAE-4999-8B03-81254F138021}"/>
+    <dgm:cxn modelId="{002F42B3-40E8-4280-9557-8BE87AECB138}" type="presOf" srcId="{124830B7-D66F-4E70-A22D-04D9E06AB472}" destId="{BA072A05-6120-4845-8F2D-A6D90D1BECB8}" srcOrd="1" destOrd="0" presId="urn:microsoft.com/office/officeart/2008/layout/HorizontalMultiLevelHierarchy"/>
+    <dgm:cxn modelId="{727136FE-AA29-487F-B9DD-E852DB0F9622}" type="presOf" srcId="{CA6F8972-6CD8-448C-A84D-8256297787F7}" destId="{9B5EB736-E58D-42A3-9267-3AF2E5669002}" srcOrd="1" destOrd="0" presId="urn:microsoft.com/office/officeart/2008/layout/HorizontalMultiLevelHierarchy"/>
+    <dgm:cxn modelId="{147DB898-FFCD-4DA5-B634-115026A5B30A}" type="presOf" srcId="{B5357460-0FAD-40CA-BE82-980E0E8EA8E3}" destId="{8A5D712F-6AF2-4319-A6F5-A30D601300D8}" srcOrd="0" destOrd="0" presId="urn:microsoft.com/office/officeart/2008/layout/HorizontalMultiLevelHierarchy"/>
+    <dgm:cxn modelId="{73BBC259-49DD-42BA-8F88-524232B8ECC7}" type="presOf" srcId="{420A7C68-5D43-4EB6-AFB7-75822302A846}" destId="{2783DBF3-317F-4536-8771-9AD6DFDD1314}" srcOrd="1" destOrd="0" presId="urn:microsoft.com/office/officeart/2008/layout/HorizontalMultiLevelHierarchy"/>
+    <dgm:cxn modelId="{0B594901-626F-4C7C-AB3F-CEFA6AE0090C}" srcId="{E164911D-41C0-41AD-BFD4-B8091C9AE415}" destId="{33878004-7D2A-4F72-BEDB-5D0AB58F15AC}" srcOrd="0" destOrd="0" parTransId="{A0559AFC-F7C9-40A3-85C8-C1718708DC40}" sibTransId="{D6D76CC0-6030-401B-97E8-CE355C4FBFC4}"/>
+    <dgm:cxn modelId="{4C212073-535B-40F3-8D36-1B9221ED7666}" srcId="{6ED63BC7-73D7-42AA-8C32-20FAF112464A}" destId="{B2B57D14-083A-441F-A384-0BCFD5F8F362}" srcOrd="0" destOrd="0" parTransId="{124830B7-D66F-4E70-A22D-04D9E06AB472}" sibTransId="{7105C9A8-8219-4B2C-982F-DE81C9325974}"/>
+    <dgm:cxn modelId="{9162D5AE-8B02-4FA2-8046-5074436A082C}" type="presOf" srcId="{CA6F8972-6CD8-448C-A84D-8256297787F7}" destId="{3AA81311-4EAD-4E7A-8B3C-7384A0FA7427}" srcOrd="0" destOrd="0" presId="urn:microsoft.com/office/officeart/2008/layout/HorizontalMultiLevelHierarchy"/>
+    <dgm:cxn modelId="{C3785BD4-5E6D-44D7-B04D-76AAD82858B8}" type="presOf" srcId="{E164911D-41C0-41AD-BFD4-B8091C9AE415}" destId="{22A722A9-2815-423D-8C37-5E5F7385B8FB}" srcOrd="0" destOrd="0" presId="urn:microsoft.com/office/officeart/2008/layout/HorizontalMultiLevelHierarchy"/>
+    <dgm:cxn modelId="{B3A32162-95B4-4665-9E76-C632FE8A0833}" type="presOf" srcId="{129AA29F-A958-46F2-B74F-1427BE8052EA}" destId="{C9B6AA4F-3B14-43B1-86AC-5C1E9D1ED055}" srcOrd="0" destOrd="0" presId="urn:microsoft.com/office/officeart/2008/layout/HorizontalMultiLevelHierarchy"/>
+    <dgm:cxn modelId="{3399B199-5B4F-401D-99E6-BF7AD83FB5BB}" type="presOf" srcId="{42AACD0A-5BFC-48B7-BF2F-7EFEB20806CE}" destId="{3AB2966F-51C8-4712-9488-E33308A531C6}" srcOrd="1" destOrd="0" presId="urn:microsoft.com/office/officeart/2008/layout/HorizontalMultiLevelHierarchy"/>
+    <dgm:cxn modelId="{05FFAAE0-ACF1-4E28-BBE7-4382418BCA57}" srcId="{B5357460-0FAD-40CA-BE82-980E0E8EA8E3}" destId="{E164911D-41C0-41AD-BFD4-B8091C9AE415}" srcOrd="0" destOrd="0" parTransId="{FDB7C482-9992-4BC0-B687-7A27B7C339BC}" sibTransId="{6D28B937-C89D-4738-A88B-D334CEA09F7A}"/>
+    <dgm:cxn modelId="{20701F42-3082-4AC3-9391-BFCDD69DB5D4}" type="presOf" srcId="{A0559AFC-F7C9-40A3-85C8-C1718708DC40}" destId="{5C94A537-F670-4876-9327-9280C8C56023}" srcOrd="0" destOrd="0" presId="urn:microsoft.com/office/officeart/2008/layout/HorizontalMultiLevelHierarchy"/>
     <dgm:cxn modelId="{FE85A76F-99DB-419B-B477-E171F6EE5640}" type="presOf" srcId="{42AACD0A-5BFC-48B7-BF2F-7EFEB20806CE}" destId="{C9BB74AF-030F-4CA5-8A14-E9B74F3B9177}" srcOrd="0" destOrd="0" presId="urn:microsoft.com/office/officeart/2008/layout/HorizontalMultiLevelHierarchy"/>
-    <dgm:cxn modelId="{0B594901-626F-4C7C-AB3F-CEFA6AE0090C}" srcId="{E164911D-41C0-41AD-BFD4-B8091C9AE415}" destId="{33878004-7D2A-4F72-BEDB-5D0AB58F15AC}" srcOrd="0" destOrd="0" parTransId="{A0559AFC-F7C9-40A3-85C8-C1718708DC40}" sibTransId="{D6D76CC0-6030-401B-97E8-CE355C4FBFC4}"/>
-    <dgm:cxn modelId="{D2CB7E7E-3292-42A0-834B-2F9B6991FB5F}" srcId="{33878004-7D2A-4F72-BEDB-5D0AB58F15AC}" destId="{376B09F4-2D5B-4689-8EC4-FB34E6F5B1E9}" srcOrd="0" destOrd="0" parTransId="{420A7C68-5D43-4EB6-AFB7-75822302A846}" sibTransId="{7EBA06D7-F455-4841-8F6A-A8B032555400}"/>
-    <dgm:cxn modelId="{3399B199-5B4F-401D-99E6-BF7AD83FB5BB}" type="presOf" srcId="{42AACD0A-5BFC-48B7-BF2F-7EFEB20806CE}" destId="{3AB2966F-51C8-4712-9488-E33308A531C6}" srcOrd="1" destOrd="0" presId="urn:microsoft.com/office/officeart/2008/layout/HorizontalMultiLevelHierarchy"/>
-    <dgm:cxn modelId="{56E5624C-6F25-4427-9751-9763F6B44168}" type="presOf" srcId="{01604493-B99B-4814-ACAE-EF4534CEEECF}" destId="{F1E4F070-4D42-4CFC-BB13-F40CB6117610}" srcOrd="0" destOrd="0" presId="urn:microsoft.com/office/officeart/2008/layout/HorizontalMultiLevelHierarchy"/>
-    <dgm:cxn modelId="{31A524A3-39E1-4B52-9DC5-85497E165E88}" type="presOf" srcId="{1C096A7E-8FF6-4205-B81F-37441528B91E}" destId="{9E124E1E-0161-4AC1-87EC-B09B2F219B0F}" srcOrd="0" destOrd="0" presId="urn:microsoft.com/office/officeart/2008/layout/HorizontalMultiLevelHierarchy"/>
-    <dgm:cxn modelId="{EBAF8EFB-7609-487B-8495-5FA616576FAB}" type="presOf" srcId="{B2B57D14-083A-441F-A384-0BCFD5F8F362}" destId="{C95A9754-DAC1-48F0-8209-571BF7CDC85A}" srcOrd="0" destOrd="0" presId="urn:microsoft.com/office/officeart/2008/layout/HorizontalMultiLevelHierarchy"/>
-    <dgm:cxn modelId="{90D0F8C1-8D0C-4883-A306-FCAE726554E2}" type="presOf" srcId="{129AA29F-A958-46F2-B74F-1427BE8052EA}" destId="{0953D620-6695-42B6-BD58-86B865F665DF}" srcOrd="1" destOrd="0" presId="urn:microsoft.com/office/officeart/2008/layout/HorizontalMultiLevelHierarchy"/>
-    <dgm:cxn modelId="{727136FE-AA29-487F-B9DD-E852DB0F9622}" type="presOf" srcId="{CA6F8972-6CD8-448C-A84D-8256297787F7}" destId="{9B5EB736-E58D-42A3-9267-3AF2E5669002}" srcOrd="1" destOrd="0" presId="urn:microsoft.com/office/officeart/2008/layout/HorizontalMultiLevelHierarchy"/>
-    <dgm:cxn modelId="{BC25CCFD-1A50-4152-BFF0-E6B0A65BFCE0}" srcId="{33878004-7D2A-4F72-BEDB-5D0AB58F15AC}" destId="{6ED63BC7-73D7-42AA-8C32-20FAF112464A}" srcOrd="1" destOrd="0" parTransId="{129AA29F-A958-46F2-B74F-1427BE8052EA}" sibTransId="{229F1C12-4DAE-4999-8B03-81254F138021}"/>
-    <dgm:cxn modelId="{73BBC259-49DD-42BA-8F88-524232B8ECC7}" type="presOf" srcId="{420A7C68-5D43-4EB6-AFB7-75822302A846}" destId="{2783DBF3-317F-4536-8771-9AD6DFDD1314}" srcOrd="1" destOrd="0" presId="urn:microsoft.com/office/officeart/2008/layout/HorizontalMultiLevelHierarchy"/>
-    <dgm:cxn modelId="{002F42B3-40E8-4280-9557-8BE87AECB138}" type="presOf" srcId="{124830B7-D66F-4E70-A22D-04D9E06AB472}" destId="{BA072A05-6120-4845-8F2D-A6D90D1BECB8}" srcOrd="1" destOrd="0" presId="urn:microsoft.com/office/officeart/2008/layout/HorizontalMultiLevelHierarchy"/>
-    <dgm:cxn modelId="{20701F42-3082-4AC3-9391-BFCDD69DB5D4}" type="presOf" srcId="{A0559AFC-F7C9-40A3-85C8-C1718708DC40}" destId="{5C94A537-F670-4876-9327-9280C8C56023}" srcOrd="0" destOrd="0" presId="urn:microsoft.com/office/officeart/2008/layout/HorizontalMultiLevelHierarchy"/>
-    <dgm:cxn modelId="{410D5110-AB10-4AEC-89C3-4EB4BCEA65A8}" type="presOf" srcId="{33878004-7D2A-4F72-BEDB-5D0AB58F15AC}" destId="{BA2C46D1-49F2-4416-B0F1-25FE16F65916}" srcOrd="0" destOrd="0" presId="urn:microsoft.com/office/officeart/2008/layout/HorizontalMultiLevelHierarchy"/>
-    <dgm:cxn modelId="{27AF6F20-3E27-41AC-B190-64EB22B664A3}" type="presOf" srcId="{6ED63BC7-73D7-42AA-8C32-20FAF112464A}" destId="{321BE020-EB98-4638-9EBB-B2C3D28F7A9D}" srcOrd="0" destOrd="0" presId="urn:microsoft.com/office/officeart/2008/layout/HorizontalMultiLevelHierarchy"/>
+    <dgm:cxn modelId="{56140380-B9E2-429E-A78E-28C2262DFF78}" type="presOf" srcId="{420A7C68-5D43-4EB6-AFB7-75822302A846}" destId="{B1A8CFDC-B7E6-4059-86E3-411E6B63764B}" srcOrd="0" destOrd="0" presId="urn:microsoft.com/office/officeart/2008/layout/HorizontalMultiLevelHierarchy"/>
     <dgm:cxn modelId="{401894A6-3515-433E-B28F-50C90B2D9720}" srcId="{33878004-7D2A-4F72-BEDB-5D0AB58F15AC}" destId="{01604493-B99B-4814-ACAE-EF4534CEEECF}" srcOrd="2" destOrd="0" parTransId="{42AACD0A-5BFC-48B7-BF2F-7EFEB20806CE}" sibTransId="{B323BEF6-400C-4BB2-8275-C521625AA9DA}"/>
-    <dgm:cxn modelId="{4876E1E6-C8FE-4CB7-9BDB-78BB40A4BF62}" type="presOf" srcId="{124830B7-D66F-4E70-A22D-04D9E06AB472}" destId="{048D6D15-9846-44C3-9CCB-663C86C86465}" srcOrd="0" destOrd="0" presId="urn:microsoft.com/office/officeart/2008/layout/HorizontalMultiLevelHierarchy"/>
-    <dgm:cxn modelId="{629D4D23-B4EE-4D2F-AF64-A06C0D99D6EF}" type="presOf" srcId="{550A381F-40F0-4E05-ACCB-D1C9F5A5043C}" destId="{AAE69731-215B-45BC-8E15-2A6F1103ED7E}" srcOrd="0" destOrd="0" presId="urn:microsoft.com/office/officeart/2008/layout/HorizontalMultiLevelHierarchy"/>
-    <dgm:cxn modelId="{A5F72E82-1C24-4877-A371-CDAF933B5D4F}" type="presOf" srcId="{1C096A7E-8FF6-4205-B81F-37441528B91E}" destId="{795F2234-8ADC-4001-BDDB-49D4CDD506ED}" srcOrd="1" destOrd="0" presId="urn:microsoft.com/office/officeart/2008/layout/HorizontalMultiLevelHierarchy"/>
-    <dgm:cxn modelId="{512F7175-D1DC-4A98-8705-1F9D78F217E4}" type="presOf" srcId="{376B09F4-2D5B-4689-8EC4-FB34E6F5B1E9}" destId="{FD4D22A1-EA69-46E1-AD42-248DA7FF3945}" srcOrd="0" destOrd="0" presId="urn:microsoft.com/office/officeart/2008/layout/HorizontalMultiLevelHierarchy"/>
-    <dgm:cxn modelId="{05FFAAE0-ACF1-4E28-BBE7-4382418BCA57}" srcId="{B5357460-0FAD-40CA-BE82-980E0E8EA8E3}" destId="{E164911D-41C0-41AD-BFD4-B8091C9AE415}" srcOrd="0" destOrd="0" parTransId="{FDB7C482-9992-4BC0-B687-7A27B7C339BC}" sibTransId="{6D28B937-C89D-4738-A88B-D334CEA09F7A}"/>
     <dgm:cxn modelId="{A7B7D3C6-C648-4999-B02C-4CED7FB14B1A}" type="presOf" srcId="{A0559AFC-F7C9-40A3-85C8-C1718708DC40}" destId="{75F5CFBF-8828-4BF9-816E-859BC8ED4F44}" srcOrd="1" destOrd="0" presId="urn:microsoft.com/office/officeart/2008/layout/HorizontalMultiLevelHierarchy"/>
-    <dgm:cxn modelId="{E65B95F2-C3FE-4676-AAA9-42230605C4A5}" srcId="{01604493-B99B-4814-ACAE-EF4534CEEECF}" destId="{550A381F-40F0-4E05-ACCB-D1C9F5A5043C}" srcOrd="0" destOrd="0" parTransId="{1C096A7E-8FF6-4205-B81F-37441528B91E}" sibTransId="{A501F06D-82E0-4DE6-9AE9-2167538DECE0}"/>
-    <dgm:cxn modelId="{56140380-B9E2-429E-A78E-28C2262DFF78}" type="presOf" srcId="{420A7C68-5D43-4EB6-AFB7-75822302A846}" destId="{B1A8CFDC-B7E6-4059-86E3-411E6B63764B}" srcOrd="0" destOrd="0" presId="urn:microsoft.com/office/officeart/2008/layout/HorizontalMultiLevelHierarchy"/>
-    <dgm:cxn modelId="{B3A32162-95B4-4665-9E76-C632FE8A0833}" type="presOf" srcId="{129AA29F-A958-46F2-B74F-1427BE8052EA}" destId="{C9B6AA4F-3B14-43B1-86AC-5C1E9D1ED055}" srcOrd="0" destOrd="0" presId="urn:microsoft.com/office/officeart/2008/layout/HorizontalMultiLevelHierarchy"/>
-    <dgm:cxn modelId="{147DB898-FFCD-4DA5-B634-115026A5B30A}" type="presOf" srcId="{B5357460-0FAD-40CA-BE82-980E0E8EA8E3}" destId="{8A5D712F-6AF2-4319-A6F5-A30D601300D8}" srcOrd="0" destOrd="0" presId="urn:microsoft.com/office/officeart/2008/layout/HorizontalMultiLevelHierarchy"/>
-    <dgm:cxn modelId="{4C212073-535B-40F3-8D36-1B9221ED7666}" srcId="{6ED63BC7-73D7-42AA-8C32-20FAF112464A}" destId="{B2B57D14-083A-441F-A384-0BCFD5F8F362}" srcOrd="0" destOrd="0" parTransId="{124830B7-D66F-4E70-A22D-04D9E06AB472}" sibTransId="{7105C9A8-8219-4B2C-982F-DE81C9325974}"/>
-    <dgm:cxn modelId="{E77D710B-F8B8-45D7-BAB2-1342D44AC065}" srcId="{01604493-B99B-4814-ACAE-EF4534CEEECF}" destId="{37D75798-C063-4D43-885C-5C2CC101A97D}" srcOrd="1" destOrd="0" parTransId="{CA6F8972-6CD8-448C-A84D-8256297787F7}" sibTransId="{CC1562F8-A737-4EE3-AC8F-5672D16E32A7}"/>
-    <dgm:cxn modelId="{B704C6F9-0672-4BAD-80A5-2355450F294E}" type="presOf" srcId="{37D75798-C063-4D43-885C-5C2CC101A97D}" destId="{0C332281-900B-440A-A110-24393A013274}" srcOrd="0" destOrd="0" presId="urn:microsoft.com/office/officeart/2008/layout/HorizontalMultiLevelHierarchy"/>
-    <dgm:cxn modelId="{C3785BD4-5E6D-44D7-B04D-76AAD82858B8}" type="presOf" srcId="{E164911D-41C0-41AD-BFD4-B8091C9AE415}" destId="{22A722A9-2815-423D-8C37-5E5F7385B8FB}" srcOrd="0" destOrd="0" presId="urn:microsoft.com/office/officeart/2008/layout/HorizontalMultiLevelHierarchy"/>
-    <dgm:cxn modelId="{9162D5AE-8B02-4FA2-8046-5074436A082C}" type="presOf" srcId="{CA6F8972-6CD8-448C-A84D-8256297787F7}" destId="{3AA81311-4EAD-4E7A-8B3C-7384A0FA7427}" srcOrd="0" destOrd="0" presId="urn:microsoft.com/office/officeart/2008/layout/HorizontalMultiLevelHierarchy"/>
     <dgm:cxn modelId="{63931952-34A4-4B73-A46F-8038887656B4}" type="presParOf" srcId="{8A5D712F-6AF2-4319-A6F5-A30D601300D8}" destId="{3120E5FA-F315-4B50-9CBE-10143E5DFFB8}" srcOrd="0" destOrd="0" presId="urn:microsoft.com/office/officeart/2008/layout/HorizontalMultiLevelHierarchy"/>
     <dgm:cxn modelId="{4785C271-6DF4-4B0F-B178-7C13A9E1039A}" type="presParOf" srcId="{3120E5FA-F315-4B50-9CBE-10143E5DFFB8}" destId="{22A722A9-2815-423D-8C37-5E5F7385B8FB}" srcOrd="0" destOrd="0" presId="urn:microsoft.com/office/officeart/2008/layout/HorizontalMultiLevelHierarchy"/>
     <dgm:cxn modelId="{9F7F4500-58C6-44B8-BF4F-157A5BBD583B}" type="presParOf" srcId="{3120E5FA-F315-4B50-9CBE-10143E5DFFB8}" destId="{5D597C0F-2237-4F12-950C-D26B8F09A573}" srcOrd="1" destOrd="0" presId="urn:microsoft.com/office/officeart/2008/layout/HorizontalMultiLevelHierarchy"/>
@@ -2288,12 +2428,12 @@
         </a:fontRef>
       </dsp:style>
       <dsp:txBody>
-        <a:bodyPr spcFirstLastPara="0" vert="horz" wrap="square" lIns="24130" tIns="24130" rIns="24130" bIns="24130" numCol="1" spcCol="1270" anchor="ctr" anchorCtr="0">
+        <a:bodyPr spcFirstLastPara="0" vert="horz" wrap="square" lIns="19050" tIns="19050" rIns="19050" bIns="19050" numCol="1" spcCol="1270" anchor="ctr" anchorCtr="0">
           <a:noAutofit/>
         </a:bodyPr>
         <a:lstStyle/>
         <a:p>
-          <a:pPr lvl="0" algn="ctr" defTabSz="1689100">
+          <a:pPr lvl="0" algn="ctr" defTabSz="1333500">
             <a:lnSpc>
               <a:spcPct val="90000"/>
             </a:lnSpc>
@@ -2305,10 +2445,10 @@
             </a:spcAft>
           </a:pPr>
           <a:r>
-            <a:rPr kumimoji="1" lang="ja-JP" altLang="en-US" sz="3800" kern="1200" dirty="0" smtClean="0"/>
+            <a:rPr kumimoji="1" lang="ja-JP" altLang="en-US" sz="3000" kern="1200" dirty="0" smtClean="0"/>
             <a:t>ログイン</a:t>
           </a:r>
-          <a:endParaRPr kumimoji="1" lang="ja-JP" altLang="en-US" sz="3800" kern="1200" dirty="0"/>
+          <a:endParaRPr kumimoji="1" lang="ja-JP" altLang="en-US" sz="3000" kern="1200" dirty="0"/>
         </a:p>
       </dsp:txBody>
       <dsp:txXfrm>
@@ -2363,12 +2503,12 @@
         </a:fontRef>
       </dsp:style>
       <dsp:txBody>
-        <a:bodyPr spcFirstLastPara="0" vert="horz" wrap="square" lIns="12700" tIns="12700" rIns="12700" bIns="12700" numCol="1" spcCol="1270" anchor="ctr" anchorCtr="0">
+        <a:bodyPr spcFirstLastPara="0" vert="horz" wrap="square" lIns="13970" tIns="13970" rIns="13970" bIns="13970" numCol="1" spcCol="1270" anchor="ctr" anchorCtr="0">
           <a:noAutofit/>
         </a:bodyPr>
         <a:lstStyle/>
         <a:p>
-          <a:pPr lvl="0" algn="ctr" defTabSz="889000">
+          <a:pPr lvl="0" algn="ctr" defTabSz="977900">
             <a:lnSpc>
               <a:spcPct val="90000"/>
             </a:lnSpc>
@@ -2380,10 +2520,10 @@
             </a:spcAft>
           </a:pPr>
           <a:r>
-            <a:rPr kumimoji="1" lang="ja-JP" altLang="en-US" sz="2000" kern="1200" dirty="0" smtClean="0"/>
+            <a:rPr kumimoji="1" lang="ja-JP" altLang="en-US" sz="2200" kern="1200" dirty="0" smtClean="0"/>
             <a:t>メニュー</a:t>
           </a:r>
-          <a:endParaRPr kumimoji="1" lang="ja-JP" altLang="en-US" sz="2000" kern="1200" dirty="0"/>
+          <a:endParaRPr kumimoji="1" lang="ja-JP" altLang="en-US" sz="2200" kern="1200" dirty="0"/>
         </a:p>
       </dsp:txBody>
       <dsp:txXfrm>
@@ -2438,12 +2578,12 @@
         </a:fontRef>
       </dsp:style>
       <dsp:txBody>
-        <a:bodyPr spcFirstLastPara="0" vert="horz" wrap="square" lIns="12700" tIns="12700" rIns="12700" bIns="12700" numCol="1" spcCol="1270" anchor="ctr" anchorCtr="0">
+        <a:bodyPr spcFirstLastPara="0" vert="horz" wrap="square" lIns="13970" tIns="13970" rIns="13970" bIns="13970" numCol="1" spcCol="1270" anchor="ctr" anchorCtr="0">
           <a:noAutofit/>
         </a:bodyPr>
         <a:lstStyle/>
         <a:p>
-          <a:pPr lvl="0" algn="ctr" defTabSz="889000">
+          <a:pPr lvl="0" algn="ctr" defTabSz="977900">
             <a:lnSpc>
               <a:spcPct val="90000"/>
             </a:lnSpc>
@@ -2455,10 +2595,10 @@
             </a:spcAft>
           </a:pPr>
           <a:r>
-            <a:rPr kumimoji="1" lang="ja-JP" altLang="en-US" sz="2000" kern="1200" dirty="0" smtClean="0"/>
+            <a:rPr kumimoji="1" lang="ja-JP" altLang="en-US" sz="2200" kern="1200" dirty="0" smtClean="0"/>
             <a:t>月報一括承認</a:t>
           </a:r>
-          <a:endParaRPr kumimoji="1" lang="ja-JP" altLang="en-US" sz="2000" kern="1200" dirty="0"/>
+          <a:endParaRPr kumimoji="1" lang="ja-JP" altLang="en-US" sz="2200" kern="1200" dirty="0"/>
         </a:p>
       </dsp:txBody>
       <dsp:txXfrm>
@@ -2513,12 +2653,12 @@
         </a:fontRef>
       </dsp:style>
       <dsp:txBody>
-        <a:bodyPr spcFirstLastPara="0" vert="horz" wrap="square" lIns="12700" tIns="12700" rIns="12700" bIns="12700" numCol="1" spcCol="1270" anchor="ctr" anchorCtr="0">
+        <a:bodyPr spcFirstLastPara="0" vert="horz" wrap="square" lIns="13970" tIns="13970" rIns="13970" bIns="13970" numCol="1" spcCol="1270" anchor="ctr" anchorCtr="0">
           <a:noAutofit/>
         </a:bodyPr>
         <a:lstStyle/>
         <a:p>
-          <a:pPr lvl="0" algn="ctr" defTabSz="889000">
+          <a:pPr lvl="0" algn="ctr" defTabSz="977900">
             <a:lnSpc>
               <a:spcPct val="90000"/>
             </a:lnSpc>
@@ -2530,10 +2670,10 @@
             </a:spcAft>
           </a:pPr>
           <a:r>
-            <a:rPr kumimoji="1" lang="ja-JP" altLang="en-US" sz="2000" kern="1200" dirty="0" smtClean="0"/>
+            <a:rPr kumimoji="1" lang="ja-JP" altLang="en-US" sz="2200" kern="1200" dirty="0" smtClean="0"/>
             <a:t>月報状況一覧</a:t>
           </a:r>
-          <a:endParaRPr kumimoji="1" lang="ja-JP" altLang="en-US" sz="2000" kern="1200" dirty="0"/>
+          <a:endParaRPr kumimoji="1" lang="ja-JP" altLang="en-US" sz="2200" kern="1200" dirty="0"/>
         </a:p>
       </dsp:txBody>
       <dsp:txXfrm>
@@ -2588,12 +2728,12 @@
         </a:fontRef>
       </dsp:style>
       <dsp:txBody>
-        <a:bodyPr spcFirstLastPara="0" vert="horz" wrap="square" lIns="12700" tIns="12700" rIns="12700" bIns="12700" numCol="1" spcCol="1270" anchor="ctr" anchorCtr="0">
+        <a:bodyPr spcFirstLastPara="0" vert="horz" wrap="square" lIns="13970" tIns="13970" rIns="13970" bIns="13970" numCol="1" spcCol="1270" anchor="ctr" anchorCtr="0">
           <a:noAutofit/>
         </a:bodyPr>
         <a:lstStyle/>
         <a:p>
-          <a:pPr lvl="0" algn="ctr" defTabSz="889000">
+          <a:pPr lvl="0" algn="ctr" defTabSz="977900">
             <a:lnSpc>
               <a:spcPct val="90000"/>
             </a:lnSpc>
@@ -2605,14 +2745,14 @@
             </a:spcAft>
           </a:pPr>
           <a:r>
-            <a:rPr kumimoji="1" lang="ja-JP" altLang="en-US" sz="2000" kern="1200" dirty="0" smtClean="0"/>
+            <a:rPr kumimoji="1" lang="ja-JP" altLang="en-US" sz="2200" kern="1200" dirty="0" smtClean="0"/>
             <a:t>月報</a:t>
           </a:r>
           <a:r>
-            <a:rPr kumimoji="1" lang="ja-JP" altLang="en-US" sz="2000" kern="1200" smtClean="0"/>
+            <a:rPr kumimoji="1" lang="ja-JP" altLang="en-US" sz="2200" kern="1200" smtClean="0"/>
             <a:t>申請／承認</a:t>
           </a:r>
-          <a:endParaRPr kumimoji="1" lang="ja-JP" altLang="en-US" sz="2000" kern="1200" dirty="0"/>
+          <a:endParaRPr kumimoji="1" lang="ja-JP" altLang="en-US" sz="2200" kern="1200" dirty="0"/>
         </a:p>
       </dsp:txBody>
       <dsp:txXfrm>
@@ -2667,12 +2807,12 @@
         </a:fontRef>
       </dsp:style>
       <dsp:txBody>
-        <a:bodyPr spcFirstLastPara="0" vert="horz" wrap="square" lIns="12700" tIns="12700" rIns="12700" bIns="12700" numCol="1" spcCol="1270" anchor="ctr" anchorCtr="0">
+        <a:bodyPr spcFirstLastPara="0" vert="horz" wrap="square" lIns="13970" tIns="13970" rIns="13970" bIns="13970" numCol="1" spcCol="1270" anchor="ctr" anchorCtr="0">
           <a:noAutofit/>
         </a:bodyPr>
         <a:lstStyle/>
         <a:p>
-          <a:pPr lvl="0" algn="ctr" defTabSz="889000">
+          <a:pPr lvl="0" algn="ctr" defTabSz="977900">
             <a:lnSpc>
               <a:spcPct val="90000"/>
             </a:lnSpc>
@@ -2684,10 +2824,10 @@
             </a:spcAft>
           </a:pPr>
           <a:r>
-            <a:rPr kumimoji="1" lang="ja-JP" altLang="en-US" sz="2000" kern="1200" dirty="0" smtClean="0"/>
+            <a:rPr kumimoji="1" lang="ja-JP" altLang="en-US" sz="2200" kern="1200" dirty="0" smtClean="0"/>
             <a:t>ユーザマスタ一覧</a:t>
           </a:r>
-          <a:endParaRPr kumimoji="1" lang="ja-JP" altLang="en-US" sz="2000" kern="1200" dirty="0"/>
+          <a:endParaRPr kumimoji="1" lang="ja-JP" altLang="en-US" sz="2200" kern="1200" dirty="0"/>
         </a:p>
       </dsp:txBody>
       <dsp:txXfrm>
@@ -2742,12 +2882,12 @@
         </a:fontRef>
       </dsp:style>
       <dsp:txBody>
-        <a:bodyPr spcFirstLastPara="0" vert="horz" wrap="square" lIns="12700" tIns="12700" rIns="12700" bIns="12700" numCol="1" spcCol="1270" anchor="ctr" anchorCtr="0">
+        <a:bodyPr spcFirstLastPara="0" vert="horz" wrap="square" lIns="13970" tIns="13970" rIns="13970" bIns="13970" numCol="1" spcCol="1270" anchor="ctr" anchorCtr="0">
           <a:noAutofit/>
         </a:bodyPr>
         <a:lstStyle/>
         <a:p>
-          <a:pPr lvl="0" algn="ctr" defTabSz="889000">
+          <a:pPr lvl="0" algn="ctr" defTabSz="977900">
             <a:lnSpc>
               <a:spcPct val="90000"/>
             </a:lnSpc>
@@ -2759,10 +2899,10 @@
             </a:spcAft>
           </a:pPr>
           <a:r>
-            <a:rPr kumimoji="1" lang="ja-JP" altLang="en-US" sz="2000" kern="1200" dirty="0" smtClean="0"/>
+            <a:rPr kumimoji="1" lang="ja-JP" altLang="en-US" sz="2200" kern="1200" dirty="0" smtClean="0"/>
             <a:t>ユーザ登録</a:t>
           </a:r>
-          <a:endParaRPr kumimoji="1" lang="ja-JP" altLang="en-US" sz="2000" kern="1200" dirty="0"/>
+          <a:endParaRPr kumimoji="1" lang="ja-JP" altLang="en-US" sz="2200" kern="1200" dirty="0"/>
         </a:p>
       </dsp:txBody>
       <dsp:txXfrm>
@@ -2817,12 +2957,12 @@
         </a:fontRef>
       </dsp:style>
       <dsp:txBody>
-        <a:bodyPr spcFirstLastPara="0" vert="horz" wrap="square" lIns="12700" tIns="12700" rIns="12700" bIns="12700" numCol="1" spcCol="1270" anchor="ctr" anchorCtr="0">
+        <a:bodyPr spcFirstLastPara="0" vert="horz" wrap="square" lIns="13970" tIns="13970" rIns="13970" bIns="13970" numCol="1" spcCol="1270" anchor="ctr" anchorCtr="0">
           <a:noAutofit/>
         </a:bodyPr>
         <a:lstStyle/>
         <a:p>
-          <a:pPr lvl="0" algn="ctr" defTabSz="889000">
+          <a:pPr lvl="0" algn="ctr" defTabSz="977900">
             <a:lnSpc>
               <a:spcPct val="90000"/>
             </a:lnSpc>
@@ -2834,10 +2974,10 @@
             </a:spcAft>
           </a:pPr>
           <a:r>
-            <a:rPr kumimoji="1" lang="ja-JP" altLang="en-US" sz="2000" kern="1200" dirty="0" smtClean="0"/>
+            <a:rPr kumimoji="1" lang="ja-JP" altLang="en-US" sz="2200" kern="1200" dirty="0" smtClean="0"/>
             <a:t>承認ルート設定</a:t>
           </a:r>
-          <a:endParaRPr kumimoji="1" lang="ja-JP" altLang="en-US" sz="2000" kern="1200" dirty="0"/>
+          <a:endParaRPr kumimoji="1" lang="ja-JP" altLang="en-US" sz="2200" kern="1200" dirty="0"/>
         </a:p>
       </dsp:txBody>
       <dsp:txXfrm>
@@ -4288,7 +4428,7 @@
           <a:p>
             <a:fld id="{BCDAA5EE-A947-4495-AD3A-0037BFB73522}" type="datetimeFigureOut">
               <a:rPr kumimoji="1" lang="ja-JP" altLang="en-US" smtClean="0"/>
-              <a:t>2016/6/14</a:t>
+              <a:t>2016/6/15</a:t>
             </a:fld>
             <a:endParaRPr kumimoji="1" lang="ja-JP" altLang="en-US"/>
           </a:p>
@@ -4453,7 +4593,7 @@
           <a:p>
             <a:fld id="{B865EC08-ADE3-4A7C-8117-50520C10DDF4}" type="datetimeFigureOut">
               <a:rPr kumimoji="1" lang="ja-JP" altLang="en-US" smtClean="0"/>
-              <a:t>2016/6/14</a:t>
+              <a:t>2016/6/15</a:t>
             </a:fld>
             <a:endParaRPr kumimoji="1" lang="ja-JP" altLang="en-US"/>
           </a:p>
@@ -4947,7 +5087,7 @@
           <a:p>
             <a:fld id="{CAC6C4D1-4423-414E-889C-F10741AD3B79}" type="datetime1">
               <a:rPr kumimoji="1" lang="ja-JP" altLang="en-US" smtClean="0"/>
-              <a:t>2016/6/14</a:t>
+              <a:t>2016/6/15</a:t>
             </a:fld>
             <a:endParaRPr kumimoji="1" lang="ja-JP" altLang="en-US"/>
           </a:p>
@@ -5151,7 +5291,7 @@
           <a:p>
             <a:fld id="{346379FB-2AC8-43B8-93B5-58769091B69C}" type="datetime1">
               <a:rPr kumimoji="1" lang="ja-JP" altLang="en-US" smtClean="0"/>
-              <a:t>2016/6/14</a:t>
+              <a:t>2016/6/15</a:t>
             </a:fld>
             <a:endParaRPr kumimoji="1" lang="ja-JP" altLang="en-US"/>
           </a:p>
@@ -5358,7 +5498,7 @@
           <a:p>
             <a:fld id="{9089317B-5568-4B54-96B9-A228DE4FD849}" type="datetime1">
               <a:rPr kumimoji="1" lang="ja-JP" altLang="en-US" smtClean="0"/>
-              <a:t>2016/6/14</a:t>
+              <a:t>2016/6/15</a:t>
             </a:fld>
             <a:endParaRPr kumimoji="1" lang="ja-JP" altLang="en-US"/>
           </a:p>
@@ -5555,7 +5695,7 @@
           <a:p>
             <a:fld id="{4AEA9A1D-6E33-4CE8-8266-F0ADCEDEEDC4}" type="datetime1">
               <a:rPr kumimoji="1" lang="ja-JP" altLang="en-US" smtClean="0"/>
-              <a:t>2016/6/14</a:t>
+              <a:t>2016/6/15</a:t>
             </a:fld>
             <a:endParaRPr kumimoji="1" lang="ja-JP" altLang="en-US"/>
           </a:p>
@@ -5803,7 +5943,7 @@
           <a:p>
             <a:fld id="{1E384A69-1A1B-465E-930C-DBC5C5CD32A8}" type="datetime1">
               <a:rPr kumimoji="1" lang="ja-JP" altLang="en-US" smtClean="0"/>
-              <a:t>2016/6/14</a:t>
+              <a:t>2016/6/15</a:t>
             </a:fld>
             <a:endParaRPr kumimoji="1" lang="ja-JP" altLang="en-US"/>
           </a:p>
@@ -6150,7 +6290,7 @@
           <a:p>
             <a:fld id="{3346FB3B-3767-43ED-BE33-D5DC3A5EEB04}" type="datetime1">
               <a:rPr kumimoji="1" lang="ja-JP" altLang="en-US" smtClean="0"/>
-              <a:t>2016/6/14</a:t>
+              <a:t>2016/6/15</a:t>
             </a:fld>
             <a:endParaRPr kumimoji="1" lang="ja-JP" altLang="en-US"/>
           </a:p>
@@ -6643,7 +6783,7 @@
           <a:p>
             <a:fld id="{91DC7991-8D09-4520-819C-C9FDBA1A81DC}" type="datetime1">
               <a:rPr kumimoji="1" lang="ja-JP" altLang="en-US" smtClean="0"/>
-              <a:t>2016/6/14</a:t>
+              <a:t>2016/6/15</a:t>
             </a:fld>
             <a:endParaRPr kumimoji="1" lang="ja-JP" altLang="en-US"/>
           </a:p>
@@ -6756,7 +6896,7 @@
           <a:p>
             <a:fld id="{E953B60A-2FEE-474F-A37A-5F7446E9A621}" type="datetime1">
               <a:rPr kumimoji="1" lang="ja-JP" altLang="en-US" smtClean="0"/>
-              <a:t>2016/6/14</a:t>
+              <a:t>2016/6/15</a:t>
             </a:fld>
             <a:endParaRPr kumimoji="1" lang="ja-JP" altLang="en-US"/>
           </a:p>
@@ -6846,7 +6986,7 @@
           <a:p>
             <a:fld id="{FA500818-433F-4844-BA6A-3BC06D8D4CAE}" type="datetime1">
               <a:rPr kumimoji="1" lang="ja-JP" altLang="en-US" smtClean="0"/>
-              <a:t>2016/6/14</a:t>
+              <a:t>2016/6/15</a:t>
             </a:fld>
             <a:endParaRPr kumimoji="1" lang="ja-JP" altLang="en-US"/>
           </a:p>
@@ -7035,7 +7175,7 @@
           <a:p>
             <a:fld id="{B4BCAA4E-5F7D-4545-B5D2-D23DF9E06A0E}" type="datetime1">
               <a:rPr kumimoji="1" lang="ja-JP" altLang="en-US" smtClean="0"/>
-              <a:t>2016/6/14</a:t>
+              <a:t>2016/6/15</a:t>
             </a:fld>
             <a:endParaRPr kumimoji="1" lang="ja-JP" altLang="en-US"/>
           </a:p>
@@ -7385,7 +7525,7 @@
           <a:p>
             <a:fld id="{3EAA3131-F9F4-449C-BDE8-BB1F9A4A5F54}" type="datetime1">
               <a:rPr kumimoji="1" lang="ja-JP" altLang="en-US" smtClean="0"/>
-              <a:t>2016/6/14</a:t>
+              <a:t>2016/6/15</a:t>
             </a:fld>
             <a:endParaRPr kumimoji="1" lang="ja-JP" altLang="en-US"/>
           </a:p>
@@ -7796,7 +7936,7 @@
           <a:p>
             <a:fld id="{AF63582A-B701-4162-B5A3-BBEF2FB928E9}" type="datetime1">
               <a:rPr kumimoji="1" lang="ja-JP" altLang="en-US" smtClean="0"/>
-              <a:t>2016/6/14</a:t>
+              <a:t>2016/6/15</a:t>
             </a:fld>
             <a:endParaRPr kumimoji="1" lang="ja-JP" altLang="en-US"/>
           </a:p>
@@ -8292,14 +8432,14 @@
           <p:nvPr>
             <p:extLst>
               <p:ext uri="{D42A27DB-BD31-4B8C-83A1-F6EECF244321}">
-                <p14:modId xmlns:p14="http://schemas.microsoft.com/office/powerpoint/2010/main" val="4187211420"/>
+                <p14:modId xmlns:p14="http://schemas.microsoft.com/office/powerpoint/2010/main" val="840884989"/>
               </p:ext>
             </p:extLst>
           </p:nvPr>
         </p:nvGraphicFramePr>
         <p:xfrm>
-          <a:off x="323527" y="1844826"/>
-          <a:ext cx="7992888" cy="3528396"/>
+          <a:off x="323527" y="1556792"/>
+          <a:ext cx="7992888" cy="4032444"/>
         </p:xfrm>
         <a:graphic>
           <a:graphicData uri="http://schemas.openxmlformats.org/drawingml/2006/table">
@@ -8328,7 +8468,7 @@
                 <a:gridCol w="322520"/>
                 <a:gridCol w="322520"/>
               </a:tblGrid>
-              <a:tr h="294033">
+              <a:tr h="336037">
                 <a:tc>
                   <a:txBody>
                     <a:bodyPr/>
@@ -8336,7 +8476,7 @@
                     <a:p>
                       <a:pPr algn="l" fontAlgn="ctr"/>
                       <a:r>
-                        <a:rPr lang="ja-JP" altLang="en-US" sz="1100" b="1" i="0" u="none" strike="noStrike" dirty="0">
+                        <a:rPr lang="ja-JP" altLang="en-US" sz="1200" b="1" i="0" u="none" strike="noStrike" dirty="0">
                           <a:solidFill>
                             <a:schemeClr val="bg1"/>
                           </a:solidFill>
@@ -8393,7 +8533,7 @@
                     <a:p>
                       <a:pPr algn="l" fontAlgn="ctr"/>
                       <a:r>
-                        <a:rPr lang="ja-JP" altLang="en-US" sz="1100" b="1" i="0" u="none" strike="noStrike" dirty="0">
+                        <a:rPr lang="ja-JP" altLang="en-US" sz="1200" b="1" i="0" u="none" strike="noStrike" dirty="0">
                           <a:solidFill>
                             <a:schemeClr val="bg1"/>
                           </a:solidFill>
@@ -8450,7 +8590,7 @@
                     <a:p>
                       <a:pPr algn="l" fontAlgn="ctr"/>
                       <a:r>
-                        <a:rPr lang="en-US" altLang="ja-JP" sz="1100" b="1" i="0" u="none" strike="noStrike">
+                        <a:rPr lang="en-US" altLang="ja-JP" sz="1200" b="1" i="0" u="none" strike="noStrike">
                           <a:solidFill>
                             <a:schemeClr val="bg1"/>
                           </a:solidFill>
@@ -8460,7 +8600,7 @@
                         <a:t>2016</a:t>
                       </a:r>
                       <a:r>
-                        <a:rPr lang="ja-JP" altLang="en-US" sz="1100" b="1" i="0" u="none" strike="noStrike">
+                        <a:rPr lang="ja-JP" altLang="en-US" sz="1200" b="1" i="0" u="none" strike="noStrike">
                           <a:solidFill>
                             <a:schemeClr val="bg1"/>
                           </a:solidFill>
@@ -8527,7 +8667,7 @@
                     <a:p>
                       <a:pPr algn="l" fontAlgn="ctr"/>
                       <a:r>
-                        <a:rPr lang="ja-JP" altLang="en-US" sz="1100" b="1" i="0" u="none" strike="noStrike">
+                        <a:rPr lang="ja-JP" altLang="en-US" sz="1200" b="1" i="0" u="none" strike="noStrike">
                           <a:solidFill>
                             <a:schemeClr val="bg1"/>
                           </a:solidFill>
@@ -8578,7 +8718,7 @@
                     <a:p>
                       <a:pPr algn="l" fontAlgn="ctr"/>
                       <a:r>
-                        <a:rPr lang="ja-JP" altLang="en-US" sz="1100" b="1" i="0" u="none" strike="noStrike">
+                        <a:rPr lang="ja-JP" altLang="en-US" sz="1200" b="1" i="0" u="none" strike="noStrike">
                           <a:solidFill>
                             <a:schemeClr val="bg1"/>
                           </a:solidFill>
@@ -8629,7 +8769,7 @@
                     <a:p>
                       <a:pPr algn="l" fontAlgn="ctr"/>
                       <a:r>
-                        <a:rPr lang="ja-JP" altLang="en-US" sz="1100" b="1" i="0" u="none" strike="noStrike" dirty="0">
+                        <a:rPr lang="ja-JP" altLang="en-US" sz="1200" b="1" i="0" u="none" strike="noStrike" dirty="0">
                           <a:solidFill>
                             <a:schemeClr val="bg1"/>
                           </a:solidFill>
@@ -8680,7 +8820,7 @@
                     <a:p>
                       <a:pPr algn="l" fontAlgn="ctr"/>
                       <a:r>
-                        <a:rPr lang="ja-JP" altLang="en-US" sz="1100" b="1" i="0" u="none" strike="noStrike" dirty="0">
+                        <a:rPr lang="ja-JP" altLang="en-US" sz="1200" b="1" i="0" u="none" strike="noStrike" dirty="0">
                           <a:solidFill>
                             <a:schemeClr val="bg1"/>
                           </a:solidFill>
@@ -8731,7 +8871,7 @@
                     <a:p>
                       <a:pPr algn="l" fontAlgn="ctr"/>
                       <a:r>
-                        <a:rPr lang="ja-JP" altLang="en-US" sz="1100" b="1" i="0" u="none" strike="noStrike">
+                        <a:rPr lang="ja-JP" altLang="en-US" sz="1200" b="1" i="0" u="none" strike="noStrike">
                           <a:solidFill>
                             <a:schemeClr val="bg1"/>
                           </a:solidFill>
@@ -8788,7 +8928,7 @@
                     <a:p>
                       <a:pPr algn="l" fontAlgn="ctr"/>
                       <a:r>
-                        <a:rPr lang="en-US" altLang="ja-JP" sz="1100" b="1" i="0" u="none" strike="noStrike" dirty="0">
+                        <a:rPr lang="en-US" altLang="ja-JP" sz="1200" b="1" i="0" u="none" strike="noStrike" dirty="0">
                           <a:solidFill>
                             <a:schemeClr val="bg1"/>
                           </a:solidFill>
@@ -8798,7 +8938,7 @@
                         <a:t>2017</a:t>
                       </a:r>
                       <a:r>
-                        <a:rPr lang="ja-JP" altLang="en-US" sz="1100" b="1" i="0" u="none" strike="noStrike" dirty="0">
+                        <a:rPr lang="ja-JP" altLang="en-US" sz="1200" b="1" i="0" u="none" strike="noStrike" dirty="0">
                           <a:solidFill>
                             <a:schemeClr val="bg1"/>
                           </a:solidFill>
@@ -8865,7 +9005,7 @@
                     <a:p>
                       <a:pPr algn="l" fontAlgn="ctr"/>
                       <a:r>
-                        <a:rPr lang="ja-JP" altLang="en-US" sz="1100" b="1" i="0" u="none" strike="noStrike" dirty="0">
+                        <a:rPr lang="ja-JP" altLang="en-US" sz="1200" b="1" i="0" u="none" strike="noStrike" dirty="0">
                           <a:solidFill>
                             <a:schemeClr val="bg1"/>
                           </a:solidFill>
@@ -8916,7 +9056,7 @@
                     <a:p>
                       <a:pPr algn="l" fontAlgn="ctr"/>
                       <a:r>
-                        <a:rPr lang="ja-JP" altLang="en-US" sz="1100" b="1" i="0" u="none" strike="noStrike" dirty="0">
+                        <a:rPr lang="ja-JP" altLang="en-US" sz="1200" b="1" i="0" u="none" strike="noStrike" dirty="0">
                           <a:solidFill>
                             <a:schemeClr val="bg1"/>
                           </a:solidFill>
@@ -8967,7 +9107,7 @@
                     <a:p>
                       <a:pPr algn="l" fontAlgn="ctr"/>
                       <a:r>
-                        <a:rPr lang="ja-JP" altLang="en-US" sz="1100" b="1" i="0" u="none" strike="noStrike">
+                        <a:rPr lang="ja-JP" altLang="en-US" sz="1200" b="1" i="0" u="none" strike="noStrike">
                           <a:solidFill>
                             <a:schemeClr val="bg1"/>
                           </a:solidFill>
@@ -9018,7 +9158,7 @@
                     <a:p>
                       <a:pPr algn="l" fontAlgn="ctr"/>
                       <a:r>
-                        <a:rPr lang="ja-JP" altLang="en-US" sz="1100" b="1" i="0" u="none" strike="noStrike" dirty="0">
+                        <a:rPr lang="ja-JP" altLang="en-US" sz="1200" b="1" i="0" u="none" strike="noStrike" dirty="0">
                           <a:solidFill>
                             <a:schemeClr val="bg1"/>
                           </a:solidFill>
@@ -9069,7 +9209,7 @@
                     <a:p>
                       <a:pPr algn="l" fontAlgn="ctr"/>
                       <a:r>
-                        <a:rPr lang="ja-JP" altLang="en-US" sz="1100" b="1" i="0" u="none" strike="noStrike" dirty="0">
+                        <a:rPr lang="ja-JP" altLang="en-US" sz="1200" b="1" i="0" u="none" strike="noStrike" dirty="0">
                           <a:solidFill>
                             <a:schemeClr val="bg1"/>
                           </a:solidFill>
@@ -9120,7 +9260,7 @@
                     <a:p>
                       <a:pPr algn="l" fontAlgn="ctr"/>
                       <a:r>
-                        <a:rPr lang="ja-JP" altLang="en-US" sz="1100" b="1" i="0" u="none" strike="noStrike">
+                        <a:rPr lang="ja-JP" altLang="en-US" sz="1200" b="1" i="0" u="none" strike="noStrike">
                           <a:solidFill>
                             <a:schemeClr val="bg1"/>
                           </a:solidFill>
@@ -9171,7 +9311,7 @@
                     <a:p>
                       <a:pPr algn="l" fontAlgn="ctr"/>
                       <a:r>
-                        <a:rPr lang="ja-JP" altLang="en-US" sz="1100" b="1" i="0" u="none" strike="noStrike" dirty="0">
+                        <a:rPr lang="ja-JP" altLang="en-US" sz="1200" b="1" i="0" u="none" strike="noStrike" dirty="0">
                           <a:solidFill>
                             <a:schemeClr val="bg1"/>
                           </a:solidFill>
@@ -9222,7 +9362,7 @@
                     <a:p>
                       <a:pPr algn="l" fontAlgn="ctr"/>
                       <a:r>
-                        <a:rPr lang="ja-JP" altLang="en-US" sz="1100" b="1" i="0" u="none" strike="noStrike" dirty="0">
+                        <a:rPr lang="ja-JP" altLang="en-US" sz="1200" b="1" i="0" u="none" strike="noStrike" dirty="0">
                           <a:solidFill>
                             <a:schemeClr val="bg1"/>
                           </a:solidFill>
@@ -9273,7 +9413,7 @@
                     <a:p>
                       <a:pPr algn="l" fontAlgn="ctr"/>
                       <a:r>
-                        <a:rPr lang="ja-JP" altLang="en-US" sz="1100" b="1" i="0" u="none" strike="noStrike" dirty="0">
+                        <a:rPr lang="ja-JP" altLang="en-US" sz="1200" b="1" i="0" u="none" strike="noStrike" dirty="0">
                           <a:solidFill>
                             <a:schemeClr val="bg1"/>
                           </a:solidFill>
@@ -9324,7 +9464,7 @@
                     <a:p>
                       <a:pPr algn="l" fontAlgn="ctr"/>
                       <a:r>
-                        <a:rPr lang="ja-JP" altLang="en-US" sz="1100" b="1" i="0" u="none" strike="noStrike">
+                        <a:rPr lang="ja-JP" altLang="en-US" sz="1200" b="1" i="0" u="none" strike="noStrike">
                           <a:solidFill>
                             <a:schemeClr val="bg1"/>
                           </a:solidFill>
@@ -9375,7 +9515,7 @@
                   </a:tcPr>
                 </a:tc>
               </a:tr>
-              <a:tr h="294033">
+              <a:tr h="336037">
                 <a:tc>
                   <a:txBody>
                     <a:bodyPr/>
@@ -9383,7 +9523,7 @@
                     <a:p>
                       <a:pPr algn="l" fontAlgn="ctr"/>
                       <a:r>
-                        <a:rPr lang="en-US" sz="1100" b="1" i="0" u="none" strike="noStrike">
+                        <a:rPr lang="en-US" sz="1200" b="1" i="0" u="none" strike="noStrike">
                           <a:solidFill>
                             <a:schemeClr val="bg1"/>
                           </a:solidFill>
@@ -9440,7 +9580,7 @@
                     <a:p>
                       <a:pPr algn="l" fontAlgn="ctr"/>
                       <a:r>
-                        <a:rPr lang="ja-JP" altLang="en-US" sz="1100" b="1" i="0" u="none" strike="noStrike">
+                        <a:rPr lang="ja-JP" altLang="en-US" sz="1200" b="1" i="0" u="none" strike="noStrike">
                           <a:solidFill>
                             <a:schemeClr val="bg1"/>
                           </a:solidFill>
@@ -9497,7 +9637,7 @@
                     <a:p>
                       <a:pPr algn="ctr" fontAlgn="ctr"/>
                       <a:r>
-                        <a:rPr lang="en-US" altLang="ja-JP" sz="1100" b="1" i="0" u="none" strike="noStrike" dirty="0">
+                        <a:rPr lang="en-US" altLang="ja-JP" sz="1200" b="1" i="0" u="none" strike="noStrike" dirty="0">
                           <a:solidFill>
                             <a:schemeClr val="bg1"/>
                           </a:solidFill>
@@ -9560,7 +9700,7 @@
                     <a:p>
                       <a:pPr algn="ctr" fontAlgn="ctr"/>
                       <a:r>
-                        <a:rPr lang="en-US" altLang="ja-JP" sz="1100" b="1" i="0" u="none" strike="noStrike" dirty="0">
+                        <a:rPr lang="en-US" altLang="ja-JP" sz="1200" b="1" i="0" u="none" strike="noStrike" dirty="0">
                           <a:solidFill>
                             <a:schemeClr val="bg1"/>
                           </a:solidFill>
@@ -9623,7 +9763,7 @@
                     <a:p>
                       <a:pPr algn="ctr" fontAlgn="ctr"/>
                       <a:r>
-                        <a:rPr lang="en-US" altLang="ja-JP" sz="1100" b="1" i="0" u="none" strike="noStrike">
+                        <a:rPr lang="en-US" altLang="ja-JP" sz="1200" b="1" i="0" u="none" strike="noStrike">
                           <a:solidFill>
                             <a:schemeClr val="bg1"/>
                           </a:solidFill>
@@ -9686,7 +9826,7 @@
                     <a:p>
                       <a:pPr algn="ctr" fontAlgn="ctr"/>
                       <a:r>
-                        <a:rPr lang="en-US" altLang="ja-JP" sz="1100" b="1" i="0" u="none" strike="noStrike" dirty="0">
+                        <a:rPr lang="en-US" altLang="ja-JP" sz="1200" b="1" i="0" u="none" strike="noStrike" dirty="0">
                           <a:solidFill>
                             <a:schemeClr val="bg1"/>
                           </a:solidFill>
@@ -9749,7 +9889,7 @@
                     <a:p>
                       <a:pPr algn="ctr" fontAlgn="ctr"/>
                       <a:r>
-                        <a:rPr lang="en-US" altLang="ja-JP" sz="1100" b="1" i="0" u="none" strike="noStrike" dirty="0">
+                        <a:rPr lang="en-US" altLang="ja-JP" sz="1200" b="1" i="0" u="none" strike="noStrike" dirty="0">
                           <a:solidFill>
                             <a:schemeClr val="bg1"/>
                           </a:solidFill>
@@ -9812,7 +9952,7 @@
                     <a:p>
                       <a:pPr algn="ctr" fontAlgn="ctr"/>
                       <a:r>
-                        <a:rPr lang="en-US" altLang="ja-JP" sz="1100" b="1" i="0" u="none" strike="noStrike">
+                        <a:rPr lang="en-US" altLang="ja-JP" sz="1200" b="1" i="0" u="none" strike="noStrike">
                           <a:solidFill>
                             <a:schemeClr val="bg1"/>
                           </a:solidFill>
@@ -9875,7 +10015,7 @@
                     <a:p>
                       <a:pPr algn="ctr" fontAlgn="ctr"/>
                       <a:r>
-                        <a:rPr lang="en-US" altLang="ja-JP" sz="1100" b="1" i="0" u="none" strike="noStrike">
+                        <a:rPr lang="en-US" altLang="ja-JP" sz="1200" b="1" i="0" u="none" strike="noStrike">
                           <a:solidFill>
                             <a:schemeClr val="bg1"/>
                           </a:solidFill>
@@ -9938,7 +10078,7 @@
                     <a:p>
                       <a:pPr algn="ctr" fontAlgn="ctr"/>
                       <a:r>
-                        <a:rPr lang="en-US" altLang="ja-JP" sz="1100" b="1" i="0" u="none" strike="noStrike" dirty="0">
+                        <a:rPr lang="en-US" altLang="ja-JP" sz="1200" b="1" i="0" u="none" strike="noStrike" dirty="0">
                           <a:solidFill>
                             <a:schemeClr val="bg1"/>
                           </a:solidFill>
@@ -10001,7 +10141,7 @@
                     <a:p>
                       <a:pPr algn="ctr" fontAlgn="ctr"/>
                       <a:r>
-                        <a:rPr lang="en-US" altLang="ja-JP" sz="1100" b="1" i="0" u="none" strike="noStrike">
+                        <a:rPr lang="en-US" altLang="ja-JP" sz="1200" b="1" i="0" u="none" strike="noStrike">
                           <a:solidFill>
                             <a:schemeClr val="bg1"/>
                           </a:solidFill>
@@ -10064,7 +10204,7 @@
                     <a:p>
                       <a:pPr algn="ctr" fontAlgn="ctr"/>
                       <a:r>
-                        <a:rPr lang="en-US" altLang="ja-JP" sz="1100" b="1" i="0" u="none" strike="noStrike">
+                        <a:rPr lang="en-US" altLang="ja-JP" sz="1200" b="1" i="0" u="none" strike="noStrike">
                           <a:solidFill>
                             <a:schemeClr val="bg1"/>
                           </a:solidFill>
@@ -10127,7 +10267,7 @@
                     <a:p>
                       <a:pPr algn="ctr" fontAlgn="ctr"/>
                       <a:r>
-                        <a:rPr lang="en-US" altLang="ja-JP" sz="1100" b="1" i="0" u="none" strike="noStrike">
+                        <a:rPr lang="en-US" altLang="ja-JP" sz="1200" b="1" i="0" u="none" strike="noStrike">
                           <a:solidFill>
                             <a:schemeClr val="bg1"/>
                           </a:solidFill>
@@ -10190,7 +10330,7 @@
                     <a:p>
                       <a:pPr algn="ctr" fontAlgn="ctr"/>
                       <a:r>
-                        <a:rPr lang="en-US" altLang="ja-JP" sz="1100" b="1" i="0" u="none" strike="noStrike">
+                        <a:rPr lang="en-US" altLang="ja-JP" sz="1200" b="1" i="0" u="none" strike="noStrike">
                           <a:solidFill>
                             <a:schemeClr val="bg1"/>
                           </a:solidFill>
@@ -10253,7 +10393,7 @@
                     <a:p>
                       <a:pPr algn="ctr" fontAlgn="ctr"/>
                       <a:r>
-                        <a:rPr lang="en-US" altLang="ja-JP" sz="1100" b="1" i="0" u="none" strike="noStrike">
+                        <a:rPr lang="en-US" altLang="ja-JP" sz="1200" b="1" i="0" u="none" strike="noStrike">
                           <a:solidFill>
                             <a:schemeClr val="bg1"/>
                           </a:solidFill>
@@ -10316,7 +10456,7 @@
                     <a:p>
                       <a:pPr algn="ctr" fontAlgn="ctr"/>
                       <a:r>
-                        <a:rPr lang="en-US" altLang="ja-JP" sz="1100" b="1" i="0" u="none" strike="noStrike">
+                        <a:rPr lang="en-US" altLang="ja-JP" sz="1200" b="1" i="0" u="none" strike="noStrike">
                           <a:solidFill>
                             <a:schemeClr val="bg1"/>
                           </a:solidFill>
@@ -10379,7 +10519,7 @@
                     <a:p>
                       <a:pPr algn="ctr" fontAlgn="ctr"/>
                       <a:r>
-                        <a:rPr lang="en-US" altLang="ja-JP" sz="1100" b="1" i="0" u="none" strike="noStrike">
+                        <a:rPr lang="en-US" altLang="ja-JP" sz="1200" b="1" i="0" u="none" strike="noStrike">
                           <a:solidFill>
                             <a:schemeClr val="bg1"/>
                           </a:solidFill>
@@ -10442,7 +10582,7 @@
                     <a:p>
                       <a:pPr algn="ctr" fontAlgn="ctr"/>
                       <a:r>
-                        <a:rPr lang="en-US" altLang="ja-JP" sz="1100" b="1" i="0" u="none" strike="noStrike">
+                        <a:rPr lang="en-US" altLang="ja-JP" sz="1200" b="1" i="0" u="none" strike="noStrike">
                           <a:solidFill>
                             <a:schemeClr val="bg1"/>
                           </a:solidFill>
@@ -10505,7 +10645,7 @@
                     <a:p>
                       <a:pPr algn="ctr" fontAlgn="ctr"/>
                       <a:r>
-                        <a:rPr lang="en-US" altLang="ja-JP" sz="1100" b="1" i="0" u="none" strike="noStrike" dirty="0">
+                        <a:rPr lang="en-US" altLang="ja-JP" sz="1200" b="1" i="0" u="none" strike="noStrike" dirty="0">
                           <a:solidFill>
                             <a:schemeClr val="bg1"/>
                           </a:solidFill>
@@ -10568,7 +10708,7 @@
                     <a:p>
                       <a:pPr algn="ctr" fontAlgn="ctr"/>
                       <a:r>
-                        <a:rPr lang="en-US" altLang="ja-JP" sz="1100" b="1" i="0" u="none" strike="noStrike" dirty="0">
+                        <a:rPr lang="en-US" altLang="ja-JP" sz="1200" b="1" i="0" u="none" strike="noStrike" dirty="0">
                           <a:solidFill>
                             <a:schemeClr val="bg1"/>
                           </a:solidFill>
@@ -10631,7 +10771,7 @@
                     <a:p>
                       <a:pPr algn="ctr" fontAlgn="ctr"/>
                       <a:r>
-                        <a:rPr lang="en-US" altLang="ja-JP" sz="1100" b="1" i="0" u="none" strike="noStrike" dirty="0">
+                        <a:rPr lang="en-US" altLang="ja-JP" sz="1200" b="1" i="0" u="none" strike="noStrike" dirty="0">
                           <a:solidFill>
                             <a:schemeClr val="bg1"/>
                           </a:solidFill>
@@ -10688,7 +10828,7 @@
                   </a:tcPr>
                 </a:tc>
               </a:tr>
-              <a:tr h="294033">
+              <a:tr h="336037">
                 <a:tc>
                   <a:txBody>
                     <a:bodyPr/>
@@ -10696,7 +10836,7 @@
                     <a:p>
                       <a:pPr algn="ctr" fontAlgn="ctr"/>
                       <a:r>
-                        <a:rPr lang="en-US" altLang="ja-JP" sz="1100" b="0" i="0" u="none" strike="noStrike">
+                        <a:rPr lang="en-US" altLang="ja-JP" sz="1200" b="0" i="0" u="none" strike="noStrike">
                           <a:solidFill>
                             <a:srgbClr val="000000"/>
                           </a:solidFill>
@@ -10753,7 +10893,7 @@
                     <a:p>
                       <a:pPr algn="l" fontAlgn="ctr"/>
                       <a:r>
-                        <a:rPr lang="ja-JP" altLang="en-US" sz="1100" b="0" i="0" u="none" strike="noStrike" dirty="0">
+                        <a:rPr lang="ja-JP" altLang="en-US" sz="1200" b="0" i="0" u="none" strike="noStrike" dirty="0">
                           <a:solidFill>
                             <a:srgbClr val="000000"/>
                           </a:solidFill>
@@ -10810,7 +10950,7 @@
                     <a:p>
                       <a:pPr algn="ctr" fontAlgn="ctr"/>
                       <a:r>
-                        <a:rPr lang="ja-JP" altLang="en-US" sz="1100" b="0" i="0" u="none" strike="noStrike" dirty="0" smtClean="0">
+                        <a:rPr lang="ja-JP" altLang="en-US" sz="1200" b="0" i="0" u="none" strike="noStrike" dirty="0" smtClean="0">
                           <a:solidFill>
                             <a:srgbClr val="000000"/>
                           </a:solidFill>
@@ -10819,7 +10959,7 @@
                         </a:rPr>
                         <a:t>→</a:t>
                       </a:r>
-                      <a:endParaRPr lang="ja-JP" altLang="en-US" sz="1100" b="0" i="0" u="none" strike="noStrike" dirty="0">
+                      <a:endParaRPr lang="ja-JP" altLang="en-US" sz="1200" b="0" i="0" u="none" strike="noStrike" dirty="0">
                         <a:solidFill>
                           <a:srgbClr val="000000"/>
                         </a:solidFill>
@@ -10880,7 +11020,7 @@
                     <a:p>
                       <a:pPr algn="ctr" fontAlgn="ctr"/>
                       <a:r>
-                        <a:rPr lang="ja-JP" altLang="en-US" sz="1100" b="0" i="0" u="none" strike="noStrike" dirty="0" smtClean="0">
+                        <a:rPr lang="ja-JP" altLang="en-US" sz="1200" b="0" i="0" u="none" strike="noStrike" dirty="0" smtClean="0">
                           <a:solidFill>
                             <a:srgbClr val="000000"/>
                           </a:solidFill>
@@ -10889,7 +11029,7 @@
                         </a:rPr>
                         <a:t>→</a:t>
                       </a:r>
-                      <a:endParaRPr lang="ja-JP" altLang="en-US" sz="1100" b="0" i="0" u="none" strike="noStrike" dirty="0">
+                      <a:endParaRPr lang="ja-JP" altLang="en-US" sz="1200" b="0" i="0" u="none" strike="noStrike" dirty="0">
                         <a:solidFill>
                           <a:srgbClr val="000000"/>
                         </a:solidFill>
@@ -10949,7 +11089,7 @@
                     <a:lstStyle/>
                     <a:p>
                       <a:pPr algn="ctr" fontAlgn="ctr"/>
-                      <a:endParaRPr lang="ja-JP" altLang="en-US" sz="1100" b="0" i="0" u="none" strike="noStrike" dirty="0">
+                      <a:endParaRPr lang="ja-JP" altLang="en-US" sz="1200" b="0" i="0" u="none" strike="noStrike" dirty="0">
                         <a:solidFill>
                           <a:srgbClr val="000000"/>
                         </a:solidFill>
@@ -11003,7 +11143,7 @@
                     <a:lstStyle/>
                     <a:p>
                       <a:pPr algn="ctr" fontAlgn="ctr"/>
-                      <a:endParaRPr lang="ja-JP" altLang="en-US" sz="1100" b="0" i="0" u="none" strike="noStrike">
+                      <a:endParaRPr lang="ja-JP" altLang="en-US" sz="1200" b="0" i="0" u="none" strike="noStrike">
                         <a:solidFill>
                           <a:srgbClr val="000000"/>
                         </a:solidFill>
@@ -11057,7 +11197,7 @@
                     <a:lstStyle/>
                     <a:p>
                       <a:pPr algn="ctr" fontAlgn="ctr"/>
-                      <a:endParaRPr lang="ja-JP" altLang="en-US" sz="1100" b="0" i="0" u="none" strike="noStrike" dirty="0">
+                      <a:endParaRPr lang="ja-JP" altLang="en-US" sz="1200" b="0" i="0" u="none" strike="noStrike" dirty="0">
                         <a:solidFill>
                           <a:srgbClr val="000000"/>
                         </a:solidFill>
@@ -11111,7 +11251,7 @@
                     <a:lstStyle/>
                     <a:p>
                       <a:pPr algn="ctr" fontAlgn="ctr"/>
-                      <a:endParaRPr lang="ja-JP" altLang="en-US" sz="1100" b="0" i="0" u="none" strike="noStrike">
+                      <a:endParaRPr lang="ja-JP" altLang="en-US" sz="1200" b="0" i="0" u="none" strike="noStrike">
                         <a:solidFill>
                           <a:srgbClr val="000000"/>
                         </a:solidFill>
@@ -11165,7 +11305,7 @@
                     <a:lstStyle/>
                     <a:p>
                       <a:pPr algn="ctr" fontAlgn="ctr"/>
-                      <a:endParaRPr lang="ja-JP" altLang="en-US" sz="1100" b="0" i="0" u="none" strike="noStrike">
+                      <a:endParaRPr lang="ja-JP" altLang="en-US" sz="1200" b="0" i="0" u="none" strike="noStrike">
                         <a:solidFill>
                           <a:srgbClr val="000000"/>
                         </a:solidFill>
@@ -11219,7 +11359,7 @@
                     <a:lstStyle/>
                     <a:p>
                       <a:pPr algn="ctr" fontAlgn="ctr"/>
-                      <a:endParaRPr lang="ja-JP" altLang="en-US" sz="1100" b="0" i="0" u="none" strike="noStrike">
+                      <a:endParaRPr lang="ja-JP" altLang="en-US" sz="1200" b="0" i="0" u="none" strike="noStrike">
                         <a:solidFill>
                           <a:srgbClr val="000000"/>
                         </a:solidFill>
@@ -11273,7 +11413,7 @@
                     <a:lstStyle/>
                     <a:p>
                       <a:pPr algn="ctr" fontAlgn="ctr"/>
-                      <a:endParaRPr lang="ja-JP" altLang="en-US" sz="1100" b="0" i="0" u="none" strike="noStrike">
+                      <a:endParaRPr lang="ja-JP" altLang="en-US" sz="1200" b="0" i="0" u="none" strike="noStrike">
                         <a:solidFill>
                           <a:srgbClr val="000000"/>
                         </a:solidFill>
@@ -11327,7 +11467,7 @@
                     <a:lstStyle/>
                     <a:p>
                       <a:pPr algn="ctr" fontAlgn="ctr"/>
-                      <a:endParaRPr lang="ja-JP" altLang="en-US" sz="1100" b="0" i="0" u="none" strike="noStrike">
+                      <a:endParaRPr lang="ja-JP" altLang="en-US" sz="1200" b="0" i="0" u="none" strike="noStrike">
                         <a:solidFill>
                           <a:srgbClr val="000000"/>
                         </a:solidFill>
@@ -11381,7 +11521,7 @@
                     <a:lstStyle/>
                     <a:p>
                       <a:pPr algn="ctr" fontAlgn="ctr"/>
-                      <a:endParaRPr lang="ja-JP" altLang="en-US" sz="1100" b="0" i="0" u="none" strike="noStrike" dirty="0">
+                      <a:endParaRPr lang="ja-JP" altLang="en-US" sz="1200" b="0" i="0" u="none" strike="noStrike" dirty="0">
                         <a:solidFill>
                           <a:srgbClr val="000000"/>
                         </a:solidFill>
@@ -11435,7 +11575,7 @@
                     <a:lstStyle/>
                     <a:p>
                       <a:pPr algn="ctr" fontAlgn="ctr"/>
-                      <a:endParaRPr lang="ja-JP" altLang="en-US" sz="1100" b="0" i="0" u="none" strike="noStrike" dirty="0">
+                      <a:endParaRPr lang="ja-JP" altLang="en-US" sz="1200" b="0" i="0" u="none" strike="noStrike" dirty="0">
                         <a:solidFill>
                           <a:srgbClr val="000000"/>
                         </a:solidFill>
@@ -11489,7 +11629,7 @@
                     <a:lstStyle/>
                     <a:p>
                       <a:pPr algn="ctr" fontAlgn="ctr"/>
-                      <a:endParaRPr lang="ja-JP" altLang="en-US" sz="1100" b="0" i="0" u="none" strike="noStrike" dirty="0">
+                      <a:endParaRPr lang="ja-JP" altLang="en-US" sz="1200" b="0" i="0" u="none" strike="noStrike" dirty="0">
                         <a:solidFill>
                           <a:srgbClr val="000000"/>
                         </a:solidFill>
@@ -11543,7 +11683,7 @@
                     <a:lstStyle/>
                     <a:p>
                       <a:pPr algn="ctr" fontAlgn="ctr"/>
-                      <a:endParaRPr lang="ja-JP" altLang="en-US" sz="1100" b="0" i="0" u="none" strike="noStrike">
+                      <a:endParaRPr lang="ja-JP" altLang="en-US" sz="1200" b="0" i="0" u="none" strike="noStrike">
                         <a:solidFill>
                           <a:srgbClr val="000000"/>
                         </a:solidFill>
@@ -11597,7 +11737,7 @@
                     <a:lstStyle/>
                     <a:p>
                       <a:pPr algn="ctr" fontAlgn="ctr"/>
-                      <a:endParaRPr lang="ja-JP" altLang="en-US" sz="1100" b="0" i="0" u="none" strike="noStrike" dirty="0">
+                      <a:endParaRPr lang="ja-JP" altLang="en-US" sz="1200" b="0" i="0" u="none" strike="noStrike" dirty="0">
                         <a:solidFill>
                           <a:srgbClr val="000000"/>
                         </a:solidFill>
@@ -11651,7 +11791,7 @@
                     <a:lstStyle/>
                     <a:p>
                       <a:pPr algn="ctr" fontAlgn="ctr"/>
-                      <a:endParaRPr lang="ja-JP" altLang="en-US" sz="1100" b="0" i="0" u="none" strike="noStrike" dirty="0">
+                      <a:endParaRPr lang="ja-JP" altLang="en-US" sz="1200" b="0" i="0" u="none" strike="noStrike" dirty="0">
                         <a:solidFill>
                           <a:srgbClr val="000000"/>
                         </a:solidFill>
@@ -11705,7 +11845,7 @@
                     <a:lstStyle/>
                     <a:p>
                       <a:pPr algn="ctr" fontAlgn="ctr"/>
-                      <a:endParaRPr lang="ja-JP" altLang="en-US" sz="1100" b="0" i="0" u="none" strike="noStrike" dirty="0">
+                      <a:endParaRPr lang="ja-JP" altLang="en-US" sz="1200" b="0" i="0" u="none" strike="noStrike" dirty="0">
                         <a:solidFill>
                           <a:srgbClr val="000000"/>
                         </a:solidFill>
@@ -11759,7 +11899,7 @@
                     <a:lstStyle/>
                     <a:p>
                       <a:pPr algn="ctr" fontAlgn="ctr"/>
-                      <a:endParaRPr lang="ja-JP" altLang="en-US" sz="1100" b="0" i="0" u="none" strike="noStrike" dirty="0">
+                      <a:endParaRPr lang="ja-JP" altLang="en-US" sz="1200" b="0" i="0" u="none" strike="noStrike" dirty="0">
                         <a:solidFill>
                           <a:srgbClr val="000000"/>
                         </a:solidFill>
@@ -11813,7 +11953,7 @@
                     <a:lstStyle/>
                     <a:p>
                       <a:pPr algn="ctr" fontAlgn="ctr"/>
-                      <a:endParaRPr lang="ja-JP" altLang="en-US" sz="1100" b="0" i="0" u="none" strike="noStrike" dirty="0">
+                      <a:endParaRPr lang="ja-JP" altLang="en-US" sz="1200" b="0" i="0" u="none" strike="noStrike" dirty="0">
                         <a:solidFill>
                           <a:srgbClr val="000000"/>
                         </a:solidFill>
@@ -11862,7 +12002,7 @@
                   </a:tcPr>
                 </a:tc>
               </a:tr>
-              <a:tr h="294033">
+              <a:tr h="336037">
                 <a:tc>
                   <a:txBody>
                     <a:bodyPr/>
@@ -11870,7 +12010,7 @@
                     <a:p>
                       <a:pPr algn="ctr" fontAlgn="ctr"/>
                       <a:r>
-                        <a:rPr lang="en-US" altLang="ja-JP" sz="1100" b="0" i="0" u="none" strike="noStrike">
+                        <a:rPr lang="en-US" altLang="ja-JP" sz="1200" b="0" i="0" u="none" strike="noStrike">
                           <a:solidFill>
                             <a:srgbClr val="000000"/>
                           </a:solidFill>
@@ -11927,7 +12067,7 @@
                     <a:p>
                       <a:pPr algn="l" fontAlgn="ctr"/>
                       <a:r>
-                        <a:rPr lang="ja-JP" altLang="en-US" sz="1100" b="0" i="0" u="none" strike="noStrike" dirty="0">
+                        <a:rPr lang="ja-JP" altLang="en-US" sz="1200" b="0" i="0" u="none" strike="noStrike" dirty="0">
                           <a:solidFill>
                             <a:srgbClr val="000000"/>
                           </a:solidFill>
@@ -11983,7 +12123,7 @@
                     <a:lstStyle/>
                     <a:p>
                       <a:pPr algn="ctr" fontAlgn="ctr"/>
-                      <a:endParaRPr lang="ja-JP" altLang="en-US" sz="1100" b="0" i="0" u="none" strike="noStrike">
+                      <a:endParaRPr lang="ja-JP" altLang="en-US" sz="1200" b="0" i="0" u="none" strike="noStrike">
                         <a:solidFill>
                           <a:srgbClr val="000000"/>
                         </a:solidFill>
@@ -12037,7 +12177,7 @@
                     <a:lstStyle/>
                     <a:p>
                       <a:pPr algn="ctr" fontAlgn="ctr"/>
-                      <a:endParaRPr lang="ja-JP" altLang="en-US" sz="1100" b="0" i="0" u="none" strike="noStrike" dirty="0">
+                      <a:endParaRPr lang="ja-JP" altLang="en-US" sz="1200" b="0" i="0" u="none" strike="noStrike" dirty="0">
                         <a:solidFill>
                           <a:srgbClr val="000000"/>
                         </a:solidFill>
@@ -12092,7 +12232,7 @@
                     <a:p>
                       <a:pPr algn="ctr" fontAlgn="ctr"/>
                       <a:r>
-                        <a:rPr lang="ja-JP" altLang="en-US" sz="1100" b="0" i="0" u="none" strike="noStrike" dirty="0" smtClean="0">
+                        <a:rPr lang="ja-JP" altLang="en-US" sz="1200" b="0" i="0" u="none" strike="noStrike" dirty="0" smtClean="0">
                           <a:solidFill>
                             <a:srgbClr val="000000"/>
                           </a:solidFill>
@@ -12101,7 +12241,7 @@
                         </a:rPr>
                         <a:t>→</a:t>
                       </a:r>
-                      <a:endParaRPr lang="ja-JP" altLang="en-US" sz="1100" b="0" i="0" u="none" strike="noStrike" dirty="0">
+                      <a:endParaRPr lang="ja-JP" altLang="en-US" sz="1200" b="0" i="0" u="none" strike="noStrike" dirty="0">
                         <a:solidFill>
                           <a:srgbClr val="000000"/>
                         </a:solidFill>
@@ -12162,7 +12302,7 @@
                     <a:p>
                       <a:pPr algn="ctr" fontAlgn="ctr"/>
                       <a:r>
-                        <a:rPr lang="ja-JP" altLang="en-US" sz="1100" b="0" i="0" u="none" strike="noStrike" dirty="0" smtClean="0">
+                        <a:rPr lang="ja-JP" altLang="en-US" sz="1200" b="0" i="0" u="none" strike="noStrike" dirty="0" smtClean="0">
                           <a:solidFill>
                             <a:srgbClr val="000000"/>
                           </a:solidFill>
@@ -12171,7 +12311,7 @@
                         </a:rPr>
                         <a:t>→</a:t>
                       </a:r>
-                      <a:endParaRPr lang="ja-JP" altLang="en-US" sz="1100" b="0" i="0" u="none" strike="noStrike" dirty="0">
+                      <a:endParaRPr lang="ja-JP" altLang="en-US" sz="1200" b="0" i="0" u="none" strike="noStrike" dirty="0">
                         <a:solidFill>
                           <a:srgbClr val="000000"/>
                         </a:solidFill>
@@ -12231,7 +12371,7 @@
                     <a:lstStyle/>
                     <a:p>
                       <a:pPr algn="ctr" fontAlgn="ctr"/>
-                      <a:endParaRPr lang="ja-JP" altLang="en-US" sz="1100" b="0" i="0" u="none" strike="noStrike">
+                      <a:endParaRPr lang="ja-JP" altLang="en-US" sz="1200" b="0" i="0" u="none" strike="noStrike">
                         <a:solidFill>
                           <a:srgbClr val="000000"/>
                         </a:solidFill>
@@ -12285,7 +12425,7 @@
                     <a:lstStyle/>
                     <a:p>
                       <a:pPr algn="ctr" fontAlgn="ctr"/>
-                      <a:endParaRPr lang="ja-JP" altLang="en-US" sz="1100" b="0" i="0" u="none" strike="noStrike">
+                      <a:endParaRPr lang="ja-JP" altLang="en-US" sz="1200" b="0" i="0" u="none" strike="noStrike">
                         <a:solidFill>
                           <a:srgbClr val="000000"/>
                         </a:solidFill>
@@ -12339,7 +12479,7 @@
                     <a:lstStyle/>
                     <a:p>
                       <a:pPr algn="ctr" fontAlgn="ctr"/>
-                      <a:endParaRPr lang="ja-JP" altLang="en-US" sz="1100" b="0" i="0" u="none" strike="noStrike">
+                      <a:endParaRPr lang="ja-JP" altLang="en-US" sz="1200" b="0" i="0" u="none" strike="noStrike">
                         <a:solidFill>
                           <a:srgbClr val="000000"/>
                         </a:solidFill>
@@ -12393,7 +12533,7 @@
                     <a:lstStyle/>
                     <a:p>
                       <a:pPr algn="ctr" fontAlgn="ctr"/>
-                      <a:endParaRPr lang="ja-JP" altLang="en-US" sz="1100" b="0" i="0" u="none" strike="noStrike">
+                      <a:endParaRPr lang="ja-JP" altLang="en-US" sz="1200" b="0" i="0" u="none" strike="noStrike">
                         <a:solidFill>
                           <a:srgbClr val="000000"/>
                         </a:solidFill>
@@ -12447,7 +12587,7 @@
                     <a:lstStyle/>
                     <a:p>
                       <a:pPr algn="ctr" fontAlgn="ctr"/>
-                      <a:endParaRPr lang="ja-JP" altLang="en-US" sz="1100" b="0" i="0" u="none" strike="noStrike">
+                      <a:endParaRPr lang="ja-JP" altLang="en-US" sz="1200" b="0" i="0" u="none" strike="noStrike">
                         <a:solidFill>
                           <a:srgbClr val="000000"/>
                         </a:solidFill>
@@ -12501,7 +12641,7 @@
                     <a:lstStyle/>
                     <a:p>
                       <a:pPr algn="ctr" fontAlgn="ctr"/>
-                      <a:endParaRPr lang="ja-JP" altLang="en-US" sz="1100" b="0" i="0" u="none" strike="noStrike">
+                      <a:endParaRPr lang="ja-JP" altLang="en-US" sz="1200" b="0" i="0" u="none" strike="noStrike">
                         <a:solidFill>
                           <a:srgbClr val="000000"/>
                         </a:solidFill>
@@ -12555,7 +12695,7 @@
                     <a:lstStyle/>
                     <a:p>
                       <a:pPr algn="ctr" fontAlgn="ctr"/>
-                      <a:endParaRPr lang="ja-JP" altLang="en-US" sz="1100" b="0" i="0" u="none" strike="noStrike">
+                      <a:endParaRPr lang="ja-JP" altLang="en-US" sz="1200" b="0" i="0" u="none" strike="noStrike">
                         <a:solidFill>
                           <a:srgbClr val="000000"/>
                         </a:solidFill>
@@ -12609,7 +12749,7 @@
                     <a:lstStyle/>
                     <a:p>
                       <a:pPr algn="ctr" fontAlgn="ctr"/>
-                      <a:endParaRPr lang="ja-JP" altLang="en-US" sz="1100" b="0" i="0" u="none" strike="noStrike">
+                      <a:endParaRPr lang="ja-JP" altLang="en-US" sz="1200" b="0" i="0" u="none" strike="noStrike">
                         <a:solidFill>
                           <a:srgbClr val="000000"/>
                         </a:solidFill>
@@ -12663,7 +12803,7 @@
                     <a:lstStyle/>
                     <a:p>
                       <a:pPr algn="ctr" fontAlgn="ctr"/>
-                      <a:endParaRPr lang="ja-JP" altLang="en-US" sz="1100" b="0" i="0" u="none" strike="noStrike" dirty="0">
+                      <a:endParaRPr lang="ja-JP" altLang="en-US" sz="1200" b="0" i="0" u="none" strike="noStrike" dirty="0">
                         <a:solidFill>
                           <a:srgbClr val="000000"/>
                         </a:solidFill>
@@ -12717,7 +12857,7 @@
                     <a:lstStyle/>
                     <a:p>
                       <a:pPr algn="ctr" fontAlgn="ctr"/>
-                      <a:endParaRPr lang="ja-JP" altLang="en-US" sz="1100" b="0" i="0" u="none" strike="noStrike" dirty="0">
+                      <a:endParaRPr lang="ja-JP" altLang="en-US" sz="1200" b="0" i="0" u="none" strike="noStrike" dirty="0">
                         <a:solidFill>
                           <a:srgbClr val="000000"/>
                         </a:solidFill>
@@ -12771,7 +12911,7 @@
                     <a:lstStyle/>
                     <a:p>
                       <a:pPr algn="ctr" fontAlgn="ctr"/>
-                      <a:endParaRPr lang="ja-JP" altLang="en-US" sz="1100" b="0" i="0" u="none" strike="noStrike" dirty="0">
+                      <a:endParaRPr lang="ja-JP" altLang="en-US" sz="1200" b="0" i="0" u="none" strike="noStrike" dirty="0">
                         <a:solidFill>
                           <a:srgbClr val="000000"/>
                         </a:solidFill>
@@ -12825,7 +12965,7 @@
                     <a:lstStyle/>
                     <a:p>
                       <a:pPr algn="ctr" fontAlgn="ctr"/>
-                      <a:endParaRPr lang="ja-JP" altLang="en-US" sz="1100" b="0" i="0" u="none" strike="noStrike" dirty="0">
+                      <a:endParaRPr lang="ja-JP" altLang="en-US" sz="1200" b="0" i="0" u="none" strike="noStrike" dirty="0">
                         <a:solidFill>
                           <a:srgbClr val="000000"/>
                         </a:solidFill>
@@ -12879,7 +13019,7 @@
                     <a:lstStyle/>
                     <a:p>
                       <a:pPr algn="ctr" fontAlgn="ctr"/>
-                      <a:endParaRPr lang="ja-JP" altLang="en-US" sz="1100" b="0" i="0" u="none" strike="noStrike">
+                      <a:endParaRPr lang="ja-JP" altLang="en-US" sz="1200" b="0" i="0" u="none" strike="noStrike">
                         <a:solidFill>
                           <a:srgbClr val="000000"/>
                         </a:solidFill>
@@ -12933,7 +13073,7 @@
                     <a:lstStyle/>
                     <a:p>
                       <a:pPr algn="ctr" fontAlgn="ctr"/>
-                      <a:endParaRPr lang="ja-JP" altLang="en-US" sz="1100" b="0" i="0" u="none" strike="noStrike" dirty="0">
+                      <a:endParaRPr lang="ja-JP" altLang="en-US" sz="1200" b="0" i="0" u="none" strike="noStrike" dirty="0">
                         <a:solidFill>
                           <a:srgbClr val="000000"/>
                         </a:solidFill>
@@ -12987,7 +13127,7 @@
                     <a:lstStyle/>
                     <a:p>
                       <a:pPr algn="ctr" fontAlgn="ctr"/>
-                      <a:endParaRPr lang="ja-JP" altLang="en-US" sz="1100" b="0" i="0" u="none" strike="noStrike" dirty="0">
+                      <a:endParaRPr lang="ja-JP" altLang="en-US" sz="1200" b="0" i="0" u="none" strike="noStrike" dirty="0">
                         <a:solidFill>
                           <a:srgbClr val="000000"/>
                         </a:solidFill>
@@ -13036,7 +13176,7 @@
                   </a:tcPr>
                 </a:tc>
               </a:tr>
-              <a:tr h="294033">
+              <a:tr h="336037">
                 <a:tc>
                   <a:txBody>
                     <a:bodyPr/>
@@ -13044,7 +13184,7 @@
                     <a:p>
                       <a:pPr algn="ctr" fontAlgn="ctr"/>
                       <a:r>
-                        <a:rPr lang="en-US" altLang="ja-JP" sz="1100" b="0" i="0" u="none" strike="noStrike">
+                        <a:rPr lang="en-US" altLang="ja-JP" sz="1200" b="0" i="0" u="none" strike="noStrike">
                           <a:solidFill>
                             <a:srgbClr val="000000"/>
                           </a:solidFill>
@@ -13101,7 +13241,7 @@
                     <a:p>
                       <a:pPr algn="l" fontAlgn="ctr"/>
                       <a:r>
-                        <a:rPr lang="ja-JP" altLang="en-US" sz="1100" b="0" i="0" u="none" strike="noStrike" dirty="0">
+                        <a:rPr lang="ja-JP" altLang="en-US" sz="1200" b="0" i="0" u="none" strike="noStrike" dirty="0">
                           <a:solidFill>
                             <a:srgbClr val="000000"/>
                           </a:solidFill>
@@ -13157,7 +13297,7 @@
                     <a:lstStyle/>
                     <a:p>
                       <a:pPr algn="ctr" fontAlgn="ctr"/>
-                      <a:endParaRPr lang="ja-JP" altLang="en-US" sz="1100" b="0" i="0" u="none" strike="noStrike">
+                      <a:endParaRPr lang="ja-JP" altLang="en-US" sz="1200" b="0" i="0" u="none" strike="noStrike">
                         <a:solidFill>
                           <a:srgbClr val="000000"/>
                         </a:solidFill>
@@ -13211,7 +13351,7 @@
                     <a:lstStyle/>
                     <a:p>
                       <a:pPr algn="ctr" fontAlgn="ctr"/>
-                      <a:endParaRPr lang="ja-JP" altLang="en-US" sz="1100" b="0" i="0" u="none" strike="noStrike">
+                      <a:endParaRPr lang="ja-JP" altLang="en-US" sz="1200" b="0" i="0" u="none" strike="noStrike" dirty="0">
                         <a:solidFill>
                           <a:srgbClr val="000000"/>
                         </a:solidFill>
@@ -13265,7 +13405,7 @@
                     <a:lstStyle/>
                     <a:p>
                       <a:pPr algn="ctr" fontAlgn="ctr"/>
-                      <a:endParaRPr lang="ja-JP" altLang="en-US" sz="1100" b="0" i="0" u="none" strike="noStrike" dirty="0">
+                      <a:endParaRPr lang="ja-JP" altLang="en-US" sz="1200" b="0" i="0" u="none" strike="noStrike" dirty="0">
                         <a:solidFill>
                           <a:srgbClr val="000000"/>
                         </a:solidFill>
@@ -13319,7 +13459,7 @@
                     <a:lstStyle/>
                     <a:p>
                       <a:pPr algn="ctr" fontAlgn="ctr"/>
-                      <a:endParaRPr lang="ja-JP" altLang="en-US" sz="1100" b="0" i="0" u="none" strike="noStrike">
+                      <a:endParaRPr lang="ja-JP" altLang="en-US" sz="1200" b="0" i="0" u="none" strike="noStrike">
                         <a:solidFill>
                           <a:srgbClr val="000000"/>
                         </a:solidFill>
@@ -13374,7 +13514,7 @@
                     <a:p>
                       <a:pPr algn="ctr" fontAlgn="ctr"/>
                       <a:r>
-                        <a:rPr lang="ja-JP" altLang="en-US" sz="1100" b="0" i="0" u="none" strike="noStrike" dirty="0" smtClean="0">
+                        <a:rPr lang="ja-JP" altLang="en-US" sz="1200" b="0" i="0" u="none" strike="noStrike" dirty="0" smtClean="0">
                           <a:solidFill>
                             <a:srgbClr val="000000"/>
                           </a:solidFill>
@@ -13383,7 +13523,7 @@
                         </a:rPr>
                         <a:t>→</a:t>
                       </a:r>
-                      <a:endParaRPr lang="ja-JP" altLang="en-US" sz="1100" b="0" i="0" u="none" strike="noStrike" dirty="0">
+                      <a:endParaRPr lang="ja-JP" altLang="en-US" sz="1200" b="0" i="0" u="none" strike="noStrike" dirty="0">
                         <a:solidFill>
                           <a:srgbClr val="000000"/>
                         </a:solidFill>
@@ -13444,7 +13584,7 @@
                     <a:p>
                       <a:pPr algn="ctr" fontAlgn="ctr"/>
                       <a:r>
-                        <a:rPr lang="ja-JP" altLang="en-US" sz="1100" b="0" i="0" u="none" strike="noStrike" dirty="0" smtClean="0">
+                        <a:rPr lang="ja-JP" altLang="en-US" sz="1200" b="0" i="0" u="none" strike="noStrike" dirty="0" smtClean="0">
                           <a:solidFill>
                             <a:srgbClr val="000000"/>
                           </a:solidFill>
@@ -13453,7 +13593,7 @@
                         </a:rPr>
                         <a:t>→</a:t>
                       </a:r>
-                      <a:endParaRPr lang="ja-JP" altLang="en-US" sz="1100" b="0" i="0" u="none" strike="noStrike" dirty="0">
+                      <a:endParaRPr lang="ja-JP" altLang="en-US" sz="1200" b="0" i="0" u="none" strike="noStrike" dirty="0">
                         <a:solidFill>
                           <a:srgbClr val="000000"/>
                         </a:solidFill>
@@ -13513,7 +13653,7 @@
                     <a:lstStyle/>
                     <a:p>
                       <a:pPr algn="ctr" fontAlgn="ctr"/>
-                      <a:endParaRPr lang="ja-JP" altLang="en-US" sz="1100" b="0" i="0" u="none" strike="noStrike">
+                      <a:endParaRPr lang="ja-JP" altLang="en-US" sz="1200" b="0" i="0" u="none" strike="noStrike">
                         <a:solidFill>
                           <a:srgbClr val="000000"/>
                         </a:solidFill>
@@ -13567,7 +13707,7 @@
                     <a:lstStyle/>
                     <a:p>
                       <a:pPr algn="ctr" fontAlgn="ctr"/>
-                      <a:endParaRPr lang="ja-JP" altLang="en-US" sz="1100" b="0" i="0" u="none" strike="noStrike">
+                      <a:endParaRPr lang="ja-JP" altLang="en-US" sz="1200" b="0" i="0" u="none" strike="noStrike">
                         <a:solidFill>
                           <a:srgbClr val="000000"/>
                         </a:solidFill>
@@ -13621,7 +13761,7 @@
                     <a:lstStyle/>
                     <a:p>
                       <a:pPr algn="ctr" fontAlgn="ctr"/>
-                      <a:endParaRPr lang="ja-JP" altLang="en-US" sz="1100" b="0" i="0" u="none" strike="noStrike" dirty="0">
+                      <a:endParaRPr lang="ja-JP" altLang="en-US" sz="1200" b="0" i="0" u="none" strike="noStrike" dirty="0">
                         <a:solidFill>
                           <a:srgbClr val="000000"/>
                         </a:solidFill>
@@ -13675,7 +13815,7 @@
                     <a:lstStyle/>
                     <a:p>
                       <a:pPr algn="ctr" fontAlgn="ctr"/>
-                      <a:endParaRPr lang="ja-JP" altLang="en-US" sz="1100" b="0" i="0" u="none" strike="noStrike">
+                      <a:endParaRPr lang="ja-JP" altLang="en-US" sz="1200" b="0" i="0" u="none" strike="noStrike">
                         <a:solidFill>
                           <a:srgbClr val="000000"/>
                         </a:solidFill>
@@ -13729,7 +13869,7 @@
                     <a:lstStyle/>
                     <a:p>
                       <a:pPr algn="ctr" fontAlgn="ctr"/>
-                      <a:endParaRPr lang="ja-JP" altLang="en-US" sz="1100" b="0" i="0" u="none" strike="noStrike">
+                      <a:endParaRPr lang="ja-JP" altLang="en-US" sz="1200" b="0" i="0" u="none" strike="noStrike">
                         <a:solidFill>
                           <a:srgbClr val="000000"/>
                         </a:solidFill>
@@ -13783,7 +13923,7 @@
                     <a:lstStyle/>
                     <a:p>
                       <a:pPr algn="ctr" fontAlgn="ctr"/>
-                      <a:endParaRPr lang="ja-JP" altLang="en-US" sz="1100" b="0" i="0" u="none" strike="noStrike">
+                      <a:endParaRPr lang="ja-JP" altLang="en-US" sz="1200" b="0" i="0" u="none" strike="noStrike">
                         <a:solidFill>
                           <a:srgbClr val="000000"/>
                         </a:solidFill>
@@ -13837,7 +13977,7 @@
                     <a:lstStyle/>
                     <a:p>
                       <a:pPr algn="ctr" fontAlgn="ctr"/>
-                      <a:endParaRPr lang="ja-JP" altLang="en-US" sz="1100" b="0" i="0" u="none" strike="noStrike">
+                      <a:endParaRPr lang="ja-JP" altLang="en-US" sz="1200" b="0" i="0" u="none" strike="noStrike">
                         <a:solidFill>
                           <a:srgbClr val="000000"/>
                         </a:solidFill>
@@ -13891,7 +14031,7 @@
                     <a:lstStyle/>
                     <a:p>
                       <a:pPr algn="ctr" fontAlgn="ctr"/>
-                      <a:endParaRPr lang="ja-JP" altLang="en-US" sz="1100" b="0" i="0" u="none" strike="noStrike">
+                      <a:endParaRPr lang="ja-JP" altLang="en-US" sz="1200" b="0" i="0" u="none" strike="noStrike">
                         <a:solidFill>
                           <a:srgbClr val="000000"/>
                         </a:solidFill>
@@ -13945,7 +14085,7 @@
                     <a:lstStyle/>
                     <a:p>
                       <a:pPr algn="ctr" fontAlgn="ctr"/>
-                      <a:endParaRPr lang="ja-JP" altLang="en-US" sz="1100" b="0" i="0" u="none" strike="noStrike">
+                      <a:endParaRPr lang="ja-JP" altLang="en-US" sz="1200" b="0" i="0" u="none" strike="noStrike">
                         <a:solidFill>
                           <a:srgbClr val="000000"/>
                         </a:solidFill>
@@ -13999,7 +14139,7 @@
                     <a:lstStyle/>
                     <a:p>
                       <a:pPr algn="ctr" fontAlgn="ctr"/>
-                      <a:endParaRPr lang="ja-JP" altLang="en-US" sz="1100" b="0" i="0" u="none" strike="noStrike" dirty="0">
+                      <a:endParaRPr lang="ja-JP" altLang="en-US" sz="1200" b="0" i="0" u="none" strike="noStrike" dirty="0">
                         <a:solidFill>
                           <a:srgbClr val="000000"/>
                         </a:solidFill>
@@ -14053,7 +14193,7 @@
                     <a:lstStyle/>
                     <a:p>
                       <a:pPr algn="ctr" fontAlgn="ctr"/>
-                      <a:endParaRPr lang="ja-JP" altLang="en-US" sz="1100" b="0" i="0" u="none" strike="noStrike" dirty="0">
+                      <a:endParaRPr lang="ja-JP" altLang="en-US" sz="1200" b="0" i="0" u="none" strike="noStrike" dirty="0">
                         <a:solidFill>
                           <a:srgbClr val="000000"/>
                         </a:solidFill>
@@ -14107,7 +14247,7 @@
                     <a:lstStyle/>
                     <a:p>
                       <a:pPr algn="ctr" fontAlgn="ctr"/>
-                      <a:endParaRPr lang="ja-JP" altLang="en-US" sz="1100" b="0" i="0" u="none" strike="noStrike" dirty="0">
+                      <a:endParaRPr lang="ja-JP" altLang="en-US" sz="1200" b="0" i="0" u="none" strike="noStrike" dirty="0">
                         <a:solidFill>
                           <a:srgbClr val="000000"/>
                         </a:solidFill>
@@ -14161,7 +14301,7 @@
                     <a:lstStyle/>
                     <a:p>
                       <a:pPr algn="ctr" fontAlgn="ctr"/>
-                      <a:endParaRPr lang="ja-JP" altLang="en-US" sz="1100" b="0" i="0" u="none" strike="noStrike">
+                      <a:endParaRPr lang="ja-JP" altLang="en-US" sz="1200" b="0" i="0" u="none" strike="noStrike">
                         <a:solidFill>
                           <a:srgbClr val="000000"/>
                         </a:solidFill>
@@ -14210,7 +14350,7 @@
                   </a:tcPr>
                 </a:tc>
               </a:tr>
-              <a:tr h="294033">
+              <a:tr h="336037">
                 <a:tc>
                   <a:txBody>
                     <a:bodyPr/>
@@ -14218,7 +14358,7 @@
                     <a:p>
                       <a:pPr algn="ctr" fontAlgn="ctr"/>
                       <a:r>
-                        <a:rPr lang="en-US" altLang="ja-JP" sz="1100" b="0" i="0" u="none" strike="noStrike">
+                        <a:rPr lang="en-US" altLang="ja-JP" sz="1200" b="0" i="0" u="none" strike="noStrike">
                           <a:solidFill>
                             <a:srgbClr val="000000"/>
                           </a:solidFill>
@@ -14275,7 +14415,7 @@
                     <a:p>
                       <a:pPr algn="l" fontAlgn="ctr"/>
                       <a:r>
-                        <a:rPr lang="ja-JP" altLang="en-US" sz="1100" b="0" i="0" u="none" strike="noStrike" dirty="0">
+                        <a:rPr lang="ja-JP" altLang="en-US" sz="1200" b="0" i="0" u="none" strike="noStrike" dirty="0">
                           <a:solidFill>
                             <a:srgbClr val="000000"/>
                           </a:solidFill>
@@ -14331,7 +14471,7 @@
                     <a:lstStyle/>
                     <a:p>
                       <a:pPr algn="ctr" fontAlgn="ctr"/>
-                      <a:endParaRPr lang="ja-JP" altLang="en-US" sz="1100" b="0" i="0" u="none" strike="noStrike">
+                      <a:endParaRPr lang="ja-JP" altLang="en-US" sz="1200" b="0" i="0" u="none" strike="noStrike">
                         <a:solidFill>
                           <a:srgbClr val="000000"/>
                         </a:solidFill>
@@ -14385,7 +14525,7 @@
                     <a:lstStyle/>
                     <a:p>
                       <a:pPr algn="ctr" fontAlgn="ctr"/>
-                      <a:endParaRPr lang="ja-JP" altLang="en-US" sz="1100" b="0" i="0" u="none" strike="noStrike">
+                      <a:endParaRPr lang="ja-JP" altLang="en-US" sz="1200" b="0" i="0" u="none" strike="noStrike">
                         <a:solidFill>
                           <a:srgbClr val="000000"/>
                         </a:solidFill>
@@ -14439,7 +14579,7 @@
                     <a:lstStyle/>
                     <a:p>
                       <a:pPr algn="ctr" fontAlgn="ctr"/>
-                      <a:endParaRPr lang="ja-JP" altLang="en-US" sz="1100" b="0" i="0" u="none" strike="noStrike" dirty="0">
+                      <a:endParaRPr lang="ja-JP" altLang="en-US" sz="1200" b="0" i="0" u="none" strike="noStrike" dirty="0">
                         <a:solidFill>
                           <a:srgbClr val="000000"/>
                         </a:solidFill>
@@ -14493,7 +14633,7 @@
                     <a:lstStyle/>
                     <a:p>
                       <a:pPr algn="ctr" fontAlgn="ctr"/>
-                      <a:endParaRPr lang="ja-JP" altLang="en-US" sz="1100" b="0" i="0" u="none" strike="noStrike">
+                      <a:endParaRPr lang="ja-JP" altLang="en-US" sz="1200" b="0" i="0" u="none" strike="noStrike">
                         <a:solidFill>
                           <a:srgbClr val="000000"/>
                         </a:solidFill>
@@ -14547,7 +14687,7 @@
                     <a:lstStyle/>
                     <a:p>
                       <a:pPr algn="ctr" fontAlgn="ctr"/>
-                      <a:endParaRPr lang="ja-JP" altLang="en-US" sz="1100" b="0" i="0" u="none" strike="noStrike" dirty="0">
+                      <a:endParaRPr lang="ja-JP" altLang="en-US" sz="1200" b="0" i="0" u="none" strike="noStrike" dirty="0">
                         <a:solidFill>
                           <a:srgbClr val="000000"/>
                         </a:solidFill>
@@ -14601,7 +14741,7 @@
                     <a:lstStyle/>
                     <a:p>
                       <a:pPr algn="ctr" fontAlgn="ctr"/>
-                      <a:endParaRPr lang="ja-JP" altLang="en-US" sz="1100" b="0" i="0" u="none" strike="noStrike" dirty="0">
+                      <a:endParaRPr lang="ja-JP" altLang="en-US" sz="1200" b="0" i="0" u="none" strike="noStrike" dirty="0">
                         <a:solidFill>
                           <a:srgbClr val="000000"/>
                         </a:solidFill>
@@ -14656,7 +14796,7 @@
                     <a:p>
                       <a:pPr algn="ctr" fontAlgn="ctr"/>
                       <a:r>
-                        <a:rPr lang="ja-JP" altLang="en-US" sz="1100" b="0" i="0" u="none" strike="noStrike" dirty="0" smtClean="0">
+                        <a:rPr lang="ja-JP" altLang="en-US" sz="1200" b="0" i="0" u="none" strike="noStrike" dirty="0" smtClean="0">
                           <a:solidFill>
                             <a:srgbClr val="000000"/>
                           </a:solidFill>
@@ -14665,7 +14805,7 @@
                         </a:rPr>
                         <a:t>→</a:t>
                       </a:r>
-                      <a:endParaRPr lang="ja-JP" altLang="en-US" sz="1100" b="0" i="0" u="none" strike="noStrike" dirty="0">
+                      <a:endParaRPr lang="ja-JP" altLang="en-US" sz="1200" b="0" i="0" u="none" strike="noStrike" dirty="0">
                         <a:solidFill>
                           <a:srgbClr val="000000"/>
                         </a:solidFill>
@@ -14725,7 +14865,7 @@
                     <a:lstStyle/>
                     <a:p>
                       <a:pPr algn="ctr" fontAlgn="ctr"/>
-                      <a:endParaRPr lang="ja-JP" altLang="en-US" sz="1100" b="0" i="0" u="none" strike="noStrike">
+                      <a:endParaRPr lang="ja-JP" altLang="en-US" sz="1200" b="0" i="0" u="none" strike="noStrike">
                         <a:solidFill>
                           <a:srgbClr val="000000"/>
                         </a:solidFill>
@@ -14779,7 +14919,7 @@
                     <a:lstStyle/>
                     <a:p>
                       <a:pPr algn="ctr" fontAlgn="ctr"/>
-                      <a:endParaRPr lang="ja-JP" altLang="en-US" sz="1100" b="0" i="0" u="none" strike="noStrike">
+                      <a:endParaRPr lang="ja-JP" altLang="en-US" sz="1200" b="0" i="0" u="none" strike="noStrike">
                         <a:solidFill>
                           <a:srgbClr val="000000"/>
                         </a:solidFill>
@@ -14833,7 +14973,7 @@
                     <a:lstStyle/>
                     <a:p>
                       <a:pPr algn="ctr" fontAlgn="ctr"/>
-                      <a:endParaRPr lang="ja-JP" altLang="en-US" sz="1100" b="0" i="0" u="none" strike="noStrike">
+                      <a:endParaRPr lang="ja-JP" altLang="en-US" sz="1200" b="0" i="0" u="none" strike="noStrike">
                         <a:solidFill>
                           <a:srgbClr val="000000"/>
                         </a:solidFill>
@@ -14887,7 +15027,7 @@
                     <a:lstStyle/>
                     <a:p>
                       <a:pPr algn="ctr" fontAlgn="ctr"/>
-                      <a:endParaRPr lang="ja-JP" altLang="en-US" sz="1100" b="0" i="0" u="none" strike="noStrike">
+                      <a:endParaRPr lang="ja-JP" altLang="en-US" sz="1200" b="0" i="0" u="none" strike="noStrike">
                         <a:solidFill>
                           <a:srgbClr val="000000"/>
                         </a:solidFill>
@@ -14941,7 +15081,7 @@
                     <a:lstStyle/>
                     <a:p>
                       <a:pPr algn="ctr" fontAlgn="ctr"/>
-                      <a:endParaRPr lang="ja-JP" altLang="en-US" sz="1100" b="0" i="0" u="none" strike="noStrike">
+                      <a:endParaRPr lang="ja-JP" altLang="en-US" sz="1200" b="0" i="0" u="none" strike="noStrike">
                         <a:solidFill>
                           <a:srgbClr val="000000"/>
                         </a:solidFill>
@@ -14995,7 +15135,7 @@
                     <a:lstStyle/>
                     <a:p>
                       <a:pPr algn="ctr" fontAlgn="ctr"/>
-                      <a:endParaRPr lang="ja-JP" altLang="en-US" sz="1100" b="0" i="0" u="none" strike="noStrike">
+                      <a:endParaRPr lang="ja-JP" altLang="en-US" sz="1200" b="0" i="0" u="none" strike="noStrike">
                         <a:solidFill>
                           <a:srgbClr val="000000"/>
                         </a:solidFill>
@@ -15049,7 +15189,7 @@
                     <a:lstStyle/>
                     <a:p>
                       <a:pPr algn="ctr" fontAlgn="ctr"/>
-                      <a:endParaRPr lang="ja-JP" altLang="en-US" sz="1100" b="0" i="0" u="none" strike="noStrike">
+                      <a:endParaRPr lang="ja-JP" altLang="en-US" sz="1200" b="0" i="0" u="none" strike="noStrike">
                         <a:solidFill>
                           <a:srgbClr val="000000"/>
                         </a:solidFill>
@@ -15103,7 +15243,7 @@
                     <a:lstStyle/>
                     <a:p>
                       <a:pPr algn="ctr" fontAlgn="ctr"/>
-                      <a:endParaRPr lang="ja-JP" altLang="en-US" sz="1100" b="0" i="0" u="none" strike="noStrike">
+                      <a:endParaRPr lang="ja-JP" altLang="en-US" sz="1200" b="0" i="0" u="none" strike="noStrike">
                         <a:solidFill>
                           <a:srgbClr val="000000"/>
                         </a:solidFill>
@@ -15157,7 +15297,7 @@
                     <a:lstStyle/>
                     <a:p>
                       <a:pPr algn="ctr" fontAlgn="ctr"/>
-                      <a:endParaRPr lang="ja-JP" altLang="en-US" sz="1100" b="0" i="0" u="none" strike="noStrike">
+                      <a:endParaRPr lang="ja-JP" altLang="en-US" sz="1200" b="0" i="0" u="none" strike="noStrike">
                         <a:solidFill>
                           <a:srgbClr val="000000"/>
                         </a:solidFill>
@@ -15211,7 +15351,7 @@
                     <a:lstStyle/>
                     <a:p>
                       <a:pPr algn="ctr" fontAlgn="ctr"/>
-                      <a:endParaRPr lang="ja-JP" altLang="en-US" sz="1100" b="0" i="0" u="none" strike="noStrike">
+                      <a:endParaRPr lang="ja-JP" altLang="en-US" sz="1200" b="0" i="0" u="none" strike="noStrike">
                         <a:solidFill>
                           <a:srgbClr val="000000"/>
                         </a:solidFill>
@@ -15265,7 +15405,7 @@
                     <a:lstStyle/>
                     <a:p>
                       <a:pPr algn="ctr" fontAlgn="ctr"/>
-                      <a:endParaRPr lang="ja-JP" altLang="en-US" sz="1100" b="0" i="0" u="none" strike="noStrike">
+                      <a:endParaRPr lang="ja-JP" altLang="en-US" sz="1200" b="0" i="0" u="none" strike="noStrike">
                         <a:solidFill>
                           <a:srgbClr val="000000"/>
                         </a:solidFill>
@@ -15319,7 +15459,7 @@
                     <a:lstStyle/>
                     <a:p>
                       <a:pPr algn="ctr" fontAlgn="ctr"/>
-                      <a:endParaRPr lang="ja-JP" altLang="en-US" sz="1100" b="0" i="0" u="none" strike="noStrike">
+                      <a:endParaRPr lang="ja-JP" altLang="en-US" sz="1200" b="0" i="0" u="none" strike="noStrike">
                         <a:solidFill>
                           <a:srgbClr val="000000"/>
                         </a:solidFill>
@@ -15368,7 +15508,7 @@
                   </a:tcPr>
                 </a:tc>
               </a:tr>
-              <a:tr h="294033">
+              <a:tr h="336037">
                 <a:tc>
                   <a:txBody>
                     <a:bodyPr/>
@@ -15376,7 +15516,7 @@
                     <a:p>
                       <a:pPr algn="ctr" fontAlgn="ctr"/>
                       <a:r>
-                        <a:rPr lang="en-US" altLang="ja-JP" sz="1100" b="0" i="0" u="none" strike="noStrike">
+                        <a:rPr lang="en-US" altLang="ja-JP" sz="1200" b="0" i="0" u="none" strike="noStrike">
                           <a:solidFill>
                             <a:srgbClr val="000000"/>
                           </a:solidFill>
@@ -15433,7 +15573,7 @@
                     <a:p>
                       <a:pPr algn="l" fontAlgn="ctr"/>
                       <a:r>
-                        <a:rPr lang="en-US" sz="1100" b="0" i="0" u="none" strike="noStrike" dirty="0">
+                        <a:rPr lang="en-US" sz="1200" b="0" i="0" u="none" strike="noStrike" dirty="0">
                           <a:solidFill>
                             <a:srgbClr val="000000"/>
                           </a:solidFill>
@@ -15443,7 +15583,7 @@
                         <a:t>PJ</a:t>
                       </a:r>
                       <a:r>
-                        <a:rPr lang="ja-JP" altLang="en-US" sz="1100" b="0" i="0" u="none" strike="noStrike" dirty="0">
+                        <a:rPr lang="ja-JP" altLang="en-US" sz="1200" b="0" i="0" u="none" strike="noStrike" dirty="0">
                           <a:solidFill>
                             <a:srgbClr val="000000"/>
                           </a:solidFill>
@@ -15499,7 +15639,7 @@
                     <a:lstStyle/>
                     <a:p>
                       <a:pPr algn="ctr" fontAlgn="ctr"/>
-                      <a:endParaRPr lang="ja-JP" altLang="en-US" sz="1100" b="0" i="0" u="none" strike="noStrike">
+                      <a:endParaRPr lang="ja-JP" altLang="en-US" sz="1200" b="0" i="0" u="none" strike="noStrike">
                         <a:solidFill>
                           <a:srgbClr val="000000"/>
                         </a:solidFill>
@@ -15553,7 +15693,7 @@
                     <a:lstStyle/>
                     <a:p>
                       <a:pPr algn="ctr" fontAlgn="ctr"/>
-                      <a:endParaRPr lang="ja-JP" altLang="en-US" sz="1100" b="0" i="0" u="none" strike="noStrike">
+                      <a:endParaRPr lang="ja-JP" altLang="en-US" sz="1200" b="0" i="0" u="none" strike="noStrike">
                         <a:solidFill>
                           <a:srgbClr val="000000"/>
                         </a:solidFill>
@@ -15607,7 +15747,7 @@
                     <a:lstStyle/>
                     <a:p>
                       <a:pPr algn="ctr" fontAlgn="ctr"/>
-                      <a:endParaRPr lang="ja-JP" altLang="en-US" sz="1100" b="0" i="0" u="none" strike="noStrike">
+                      <a:endParaRPr lang="ja-JP" altLang="en-US" sz="1200" b="0" i="0" u="none" strike="noStrike">
                         <a:solidFill>
                           <a:srgbClr val="000000"/>
                         </a:solidFill>
@@ -15661,7 +15801,7 @@
                     <a:lstStyle/>
                     <a:p>
                       <a:pPr algn="ctr" fontAlgn="ctr"/>
-                      <a:endParaRPr lang="ja-JP" altLang="en-US" sz="1100" b="0" i="0" u="none" strike="noStrike">
+                      <a:endParaRPr lang="ja-JP" altLang="en-US" sz="1200" b="0" i="0" u="none" strike="noStrike">
                         <a:solidFill>
                           <a:srgbClr val="000000"/>
                         </a:solidFill>
@@ -15715,7 +15855,7 @@
                     <a:lstStyle/>
                     <a:p>
                       <a:pPr algn="ctr" fontAlgn="ctr"/>
-                      <a:endParaRPr lang="ja-JP" altLang="en-US" sz="1100" b="0" i="0" u="none" strike="noStrike">
+                      <a:endParaRPr lang="ja-JP" altLang="en-US" sz="1200" b="0" i="0" u="none" strike="noStrike">
                         <a:solidFill>
                           <a:srgbClr val="000000"/>
                         </a:solidFill>
@@ -15769,7 +15909,7 @@
                     <a:lstStyle/>
                     <a:p>
                       <a:pPr algn="ctr" fontAlgn="ctr"/>
-                      <a:endParaRPr lang="ja-JP" altLang="en-US" sz="1100" b="0" i="0" u="none" strike="noStrike">
+                      <a:endParaRPr lang="ja-JP" altLang="en-US" sz="1200" b="0" i="0" u="none" strike="noStrike">
                         <a:solidFill>
                           <a:srgbClr val="000000"/>
                         </a:solidFill>
@@ -15823,7 +15963,7 @@
                     <a:lstStyle/>
                     <a:p>
                       <a:pPr algn="ctr" fontAlgn="ctr"/>
-                      <a:endParaRPr lang="ja-JP" altLang="en-US" sz="1100" b="0" i="0" u="none" strike="noStrike" dirty="0">
+                      <a:endParaRPr lang="ja-JP" altLang="en-US" sz="1200" b="0" i="0" u="none" strike="noStrike" dirty="0">
                         <a:solidFill>
                           <a:srgbClr val="000000"/>
                         </a:solidFill>
@@ -15878,7 +16018,7 @@
                     <a:p>
                       <a:pPr algn="ctr" fontAlgn="ctr"/>
                       <a:r>
-                        <a:rPr lang="ja-JP" altLang="en-US" sz="1100" b="0" i="0" u="none" strike="noStrike" dirty="0" smtClean="0">
+                        <a:rPr lang="ja-JP" altLang="en-US" sz="1200" b="0" i="0" u="none" strike="noStrike" dirty="0" smtClean="0">
                           <a:solidFill>
                             <a:srgbClr val="000000"/>
                           </a:solidFill>
@@ -15887,7 +16027,7 @@
                         </a:rPr>
                         <a:t>→</a:t>
                       </a:r>
-                      <a:endParaRPr lang="ja-JP" altLang="en-US" sz="1100" b="0" i="0" u="none" strike="noStrike" dirty="0">
+                      <a:endParaRPr lang="ja-JP" altLang="en-US" sz="1200" b="0" i="0" u="none" strike="noStrike" dirty="0">
                         <a:solidFill>
                           <a:srgbClr val="000000"/>
                         </a:solidFill>
@@ -15948,7 +16088,7 @@
                     <a:p>
                       <a:pPr algn="ctr" fontAlgn="ctr"/>
                       <a:r>
-                        <a:rPr lang="ja-JP" altLang="en-US" sz="1100" b="0" i="0" u="none" strike="noStrike" dirty="0" smtClean="0">
+                        <a:rPr lang="ja-JP" altLang="en-US" sz="1200" b="0" i="0" u="none" strike="noStrike" dirty="0" smtClean="0">
                           <a:solidFill>
                             <a:srgbClr val="000000"/>
                           </a:solidFill>
@@ -15957,7 +16097,7 @@
                         </a:rPr>
                         <a:t>→</a:t>
                       </a:r>
-                      <a:endParaRPr lang="ja-JP" altLang="en-US" sz="1100" b="0" i="0" u="none" strike="noStrike" dirty="0">
+                      <a:endParaRPr lang="ja-JP" altLang="en-US" sz="1200" b="0" i="0" u="none" strike="noStrike" dirty="0">
                         <a:solidFill>
                           <a:srgbClr val="000000"/>
                         </a:solidFill>
@@ -16017,7 +16157,7 @@
                     <a:lstStyle/>
                     <a:p>
                       <a:pPr algn="ctr" fontAlgn="ctr"/>
-                      <a:endParaRPr lang="ja-JP" altLang="en-US" sz="1100" b="0" i="0" u="none" strike="noStrike">
+                      <a:endParaRPr lang="ja-JP" altLang="en-US" sz="1200" b="0" i="0" u="none" strike="noStrike">
                         <a:solidFill>
                           <a:srgbClr val="000000"/>
                         </a:solidFill>
@@ -16071,7 +16211,7 @@
                     <a:lstStyle/>
                     <a:p>
                       <a:pPr algn="ctr" fontAlgn="ctr"/>
-                      <a:endParaRPr lang="ja-JP" altLang="en-US" sz="1100" b="0" i="0" u="none" strike="noStrike" dirty="0">
+                      <a:endParaRPr lang="ja-JP" altLang="en-US" sz="1200" b="0" i="0" u="none" strike="noStrike" dirty="0">
                         <a:solidFill>
                           <a:srgbClr val="000000"/>
                         </a:solidFill>
@@ -16125,7 +16265,7 @@
                     <a:lstStyle/>
                     <a:p>
                       <a:pPr algn="ctr" fontAlgn="ctr"/>
-                      <a:endParaRPr lang="ja-JP" altLang="en-US" sz="1100" b="0" i="0" u="none" strike="noStrike">
+                      <a:endParaRPr lang="ja-JP" altLang="en-US" sz="1200" b="0" i="0" u="none" strike="noStrike">
                         <a:solidFill>
                           <a:srgbClr val="000000"/>
                         </a:solidFill>
@@ -16179,7 +16319,7 @@
                     <a:lstStyle/>
                     <a:p>
                       <a:pPr algn="ctr" fontAlgn="ctr"/>
-                      <a:endParaRPr lang="ja-JP" altLang="en-US" sz="1100" b="0" i="0" u="none" strike="noStrike">
+                      <a:endParaRPr lang="ja-JP" altLang="en-US" sz="1200" b="0" i="0" u="none" strike="noStrike">
                         <a:solidFill>
                           <a:srgbClr val="000000"/>
                         </a:solidFill>
@@ -16233,7 +16373,7 @@
                     <a:lstStyle/>
                     <a:p>
                       <a:pPr algn="ctr" fontAlgn="ctr"/>
-                      <a:endParaRPr lang="ja-JP" altLang="en-US" sz="1100" b="0" i="0" u="none" strike="noStrike">
+                      <a:endParaRPr lang="ja-JP" altLang="en-US" sz="1200" b="0" i="0" u="none" strike="noStrike">
                         <a:solidFill>
                           <a:srgbClr val="000000"/>
                         </a:solidFill>
@@ -16287,7 +16427,7 @@
                     <a:lstStyle/>
                     <a:p>
                       <a:pPr algn="ctr" fontAlgn="ctr"/>
-                      <a:endParaRPr lang="ja-JP" altLang="en-US" sz="1100" b="0" i="0" u="none" strike="noStrike">
+                      <a:endParaRPr lang="ja-JP" altLang="en-US" sz="1200" b="0" i="0" u="none" strike="noStrike">
                         <a:solidFill>
                           <a:srgbClr val="000000"/>
                         </a:solidFill>
@@ -16341,7 +16481,7 @@
                     <a:lstStyle/>
                     <a:p>
                       <a:pPr algn="ctr" fontAlgn="ctr"/>
-                      <a:endParaRPr lang="ja-JP" altLang="en-US" sz="1100" b="0" i="0" u="none" strike="noStrike">
+                      <a:endParaRPr lang="ja-JP" altLang="en-US" sz="1200" b="0" i="0" u="none" strike="noStrike">
                         <a:solidFill>
                           <a:srgbClr val="000000"/>
                         </a:solidFill>
@@ -16395,7 +16535,7 @@
                     <a:lstStyle/>
                     <a:p>
                       <a:pPr algn="ctr" fontAlgn="ctr"/>
-                      <a:endParaRPr lang="ja-JP" altLang="en-US" sz="1100" b="0" i="0" u="none" strike="noStrike">
+                      <a:endParaRPr lang="ja-JP" altLang="en-US" sz="1200" b="0" i="0" u="none" strike="noStrike">
                         <a:solidFill>
                           <a:srgbClr val="000000"/>
                         </a:solidFill>
@@ -16449,7 +16589,7 @@
                     <a:lstStyle/>
                     <a:p>
                       <a:pPr algn="ctr" fontAlgn="ctr"/>
-                      <a:endParaRPr lang="ja-JP" altLang="en-US" sz="1100" b="0" i="0" u="none" strike="noStrike">
+                      <a:endParaRPr lang="ja-JP" altLang="en-US" sz="1200" b="0" i="0" u="none" strike="noStrike">
                         <a:solidFill>
                           <a:srgbClr val="000000"/>
                         </a:solidFill>
@@ -16503,7 +16643,7 @@
                     <a:lstStyle/>
                     <a:p>
                       <a:pPr algn="ctr" fontAlgn="ctr"/>
-                      <a:endParaRPr lang="ja-JP" altLang="en-US" sz="1100" b="0" i="0" u="none" strike="noStrike">
+                      <a:endParaRPr lang="ja-JP" altLang="en-US" sz="1200" b="0" i="0" u="none" strike="noStrike">
                         <a:solidFill>
                           <a:srgbClr val="000000"/>
                         </a:solidFill>
@@ -16552,7 +16692,7 @@
                   </a:tcPr>
                 </a:tc>
               </a:tr>
-              <a:tr h="294033">
+              <a:tr h="336037">
                 <a:tc>
                   <a:txBody>
                     <a:bodyPr/>
@@ -16560,7 +16700,7 @@
                     <a:p>
                       <a:pPr algn="ctr" fontAlgn="ctr"/>
                       <a:r>
-                        <a:rPr lang="en-US" altLang="ja-JP" sz="1100" b="0" i="0" u="none" strike="noStrike">
+                        <a:rPr lang="en-US" altLang="ja-JP" sz="1200" b="0" i="0" u="none" strike="noStrike">
                           <a:solidFill>
                             <a:srgbClr val="000000"/>
                           </a:solidFill>
@@ -16617,7 +16757,7 @@
                     <a:p>
                       <a:pPr algn="l" fontAlgn="ctr"/>
                       <a:r>
-                        <a:rPr lang="zh-TW" altLang="en-US" sz="1100" b="0" i="0" u="none" strike="noStrike" dirty="0">
+                        <a:rPr lang="zh-TW" altLang="en-US" sz="1200" b="0" i="0" u="none" strike="noStrike" dirty="0">
                           <a:solidFill>
                             <a:srgbClr val="000000"/>
                           </a:solidFill>
@@ -16627,7 +16767,7 @@
                         <a:t>基本</a:t>
                       </a:r>
                       <a:r>
-                        <a:rPr lang="en-US" altLang="zh-TW" sz="1100" b="0" i="0" u="none" strike="noStrike" dirty="0">
+                        <a:rPr lang="en-US" altLang="zh-TW" sz="1200" b="0" i="0" u="none" strike="noStrike" dirty="0">
                           <a:solidFill>
                             <a:srgbClr val="000000"/>
                           </a:solidFill>
@@ -16637,7 +16777,7 @@
                         <a:t>/</a:t>
                       </a:r>
                       <a:r>
-                        <a:rPr lang="zh-TW" altLang="en-US" sz="1100" b="0" i="0" u="none" strike="noStrike" dirty="0">
+                        <a:rPr lang="zh-TW" altLang="en-US" sz="1200" b="0" i="0" u="none" strike="noStrike" dirty="0">
                           <a:solidFill>
                             <a:srgbClr val="000000"/>
                           </a:solidFill>
@@ -16693,7 +16833,7 @@
                     <a:lstStyle/>
                     <a:p>
                       <a:pPr algn="ctr" fontAlgn="ctr"/>
-                      <a:endParaRPr lang="ja-JP" altLang="en-US" sz="1100" b="0" i="0" u="none" strike="noStrike">
+                      <a:endParaRPr lang="ja-JP" altLang="en-US" sz="1200" b="0" i="0" u="none" strike="noStrike">
                         <a:solidFill>
                           <a:srgbClr val="000000"/>
                         </a:solidFill>
@@ -16747,7 +16887,7 @@
                     <a:lstStyle/>
                     <a:p>
                       <a:pPr algn="ctr" fontAlgn="ctr"/>
-                      <a:endParaRPr lang="ja-JP" altLang="en-US" sz="1100" b="0" i="0" u="none" strike="noStrike">
+                      <a:endParaRPr lang="ja-JP" altLang="en-US" sz="1200" b="0" i="0" u="none" strike="noStrike">
                         <a:solidFill>
                           <a:srgbClr val="000000"/>
                         </a:solidFill>
@@ -16801,7 +16941,7 @@
                     <a:lstStyle/>
                     <a:p>
                       <a:pPr algn="ctr" fontAlgn="ctr"/>
-                      <a:endParaRPr lang="ja-JP" altLang="en-US" sz="1100" b="0" i="0" u="none" strike="noStrike">
+                      <a:endParaRPr lang="ja-JP" altLang="en-US" sz="1200" b="0" i="0" u="none" strike="noStrike">
                         <a:solidFill>
                           <a:srgbClr val="000000"/>
                         </a:solidFill>
@@ -16855,7 +16995,7 @@
                     <a:lstStyle/>
                     <a:p>
                       <a:pPr algn="ctr" fontAlgn="ctr"/>
-                      <a:endParaRPr lang="ja-JP" altLang="en-US" sz="1100" b="0" i="0" u="none" strike="noStrike">
+                      <a:endParaRPr lang="ja-JP" altLang="en-US" sz="1200" b="0" i="0" u="none" strike="noStrike">
                         <a:solidFill>
                           <a:srgbClr val="000000"/>
                         </a:solidFill>
@@ -16909,7 +17049,7 @@
                     <a:lstStyle/>
                     <a:p>
                       <a:pPr algn="ctr" fontAlgn="ctr"/>
-                      <a:endParaRPr lang="ja-JP" altLang="en-US" sz="1100" b="0" i="0" u="none" strike="noStrike" dirty="0">
+                      <a:endParaRPr lang="ja-JP" altLang="en-US" sz="1200" b="0" i="0" u="none" strike="noStrike" dirty="0">
                         <a:solidFill>
                           <a:srgbClr val="000000"/>
                         </a:solidFill>
@@ -16963,7 +17103,7 @@
                     <a:lstStyle/>
                     <a:p>
                       <a:pPr algn="ctr" fontAlgn="ctr"/>
-                      <a:endParaRPr lang="ja-JP" altLang="en-US" sz="1100" b="0" i="0" u="none" strike="noStrike">
+                      <a:endParaRPr lang="ja-JP" altLang="en-US" sz="1200" b="0" i="0" u="none" strike="noStrike">
                         <a:solidFill>
                           <a:srgbClr val="000000"/>
                         </a:solidFill>
@@ -17017,7 +17157,7 @@
                     <a:lstStyle/>
                     <a:p>
                       <a:pPr algn="ctr" fontAlgn="ctr"/>
-                      <a:endParaRPr lang="ja-JP" altLang="en-US" sz="1100" b="0" i="0" u="none" strike="noStrike">
+                      <a:endParaRPr lang="ja-JP" altLang="en-US" sz="1200" b="0" i="0" u="none" strike="noStrike">
                         <a:solidFill>
                           <a:srgbClr val="000000"/>
                         </a:solidFill>
@@ -17071,7 +17211,7 @@
                     <a:lstStyle/>
                     <a:p>
                       <a:pPr algn="ctr" fontAlgn="ctr"/>
-                      <a:endParaRPr lang="ja-JP" altLang="en-US" sz="1100" b="0" i="0" u="none" strike="noStrike">
+                      <a:endParaRPr lang="ja-JP" altLang="en-US" sz="1200" b="0" i="0" u="none" strike="noStrike">
                         <a:solidFill>
                           <a:srgbClr val="000000"/>
                         </a:solidFill>
@@ -17125,7 +17265,7 @@
                     <a:lstStyle/>
                     <a:p>
                       <a:pPr algn="ctr" fontAlgn="ctr"/>
-                      <a:endParaRPr lang="ja-JP" altLang="en-US" sz="1100" b="0" i="0" u="none" strike="noStrike" dirty="0">
+                      <a:endParaRPr lang="ja-JP" altLang="en-US" sz="1200" b="0" i="0" u="none" strike="noStrike" dirty="0">
                         <a:solidFill>
                           <a:srgbClr val="000000"/>
                         </a:solidFill>
@@ -17180,7 +17320,7 @@
                     <a:p>
                       <a:pPr algn="ctr" fontAlgn="ctr"/>
                       <a:r>
-                        <a:rPr lang="ja-JP" altLang="en-US" sz="1100" b="0" i="0" u="none" strike="noStrike" dirty="0" smtClean="0">
+                        <a:rPr lang="ja-JP" altLang="en-US" sz="1200" b="0" i="0" u="none" strike="noStrike" dirty="0" smtClean="0">
                           <a:solidFill>
                             <a:srgbClr val="000000"/>
                           </a:solidFill>
@@ -17189,7 +17329,7 @@
                         </a:rPr>
                         <a:t>→</a:t>
                       </a:r>
-                      <a:endParaRPr lang="ja-JP" altLang="en-US" sz="1100" b="0" i="0" u="none" strike="noStrike" dirty="0">
+                      <a:endParaRPr lang="ja-JP" altLang="en-US" sz="1200" b="0" i="0" u="none" strike="noStrike" dirty="0">
                         <a:solidFill>
                           <a:srgbClr val="000000"/>
                         </a:solidFill>
@@ -17250,7 +17390,7 @@
                     <a:p>
                       <a:pPr algn="ctr" fontAlgn="ctr"/>
                       <a:r>
-                        <a:rPr lang="ja-JP" altLang="en-US" sz="1100" b="0" i="0" u="none" strike="noStrike" dirty="0" smtClean="0">
+                        <a:rPr lang="ja-JP" altLang="en-US" sz="1200" b="0" i="0" u="none" strike="noStrike" dirty="0" smtClean="0">
                           <a:solidFill>
                             <a:srgbClr val="000000"/>
                           </a:solidFill>
@@ -17259,7 +17399,7 @@
                         </a:rPr>
                         <a:t>→</a:t>
                       </a:r>
-                      <a:endParaRPr lang="ja-JP" altLang="en-US" sz="1100" b="0" i="0" u="none" strike="noStrike" dirty="0">
+                      <a:endParaRPr lang="ja-JP" altLang="en-US" sz="1200" b="0" i="0" u="none" strike="noStrike" dirty="0">
                         <a:solidFill>
                           <a:srgbClr val="000000"/>
                         </a:solidFill>
@@ -17319,7 +17459,7 @@
                     <a:lstStyle/>
                     <a:p>
                       <a:pPr algn="ctr" fontAlgn="ctr"/>
-                      <a:endParaRPr lang="ja-JP" altLang="en-US" sz="1100" b="0" i="0" u="none" strike="noStrike">
+                      <a:endParaRPr lang="ja-JP" altLang="en-US" sz="1200" b="0" i="0" u="none" strike="noStrike">
                         <a:solidFill>
                           <a:srgbClr val="000000"/>
                         </a:solidFill>
@@ -17373,7 +17513,7 @@
                     <a:lstStyle/>
                     <a:p>
                       <a:pPr algn="ctr" fontAlgn="ctr"/>
-                      <a:endParaRPr lang="ja-JP" altLang="en-US" sz="1100" b="0" i="0" u="none" strike="noStrike">
+                      <a:endParaRPr lang="ja-JP" altLang="en-US" sz="1200" b="0" i="0" u="none" strike="noStrike">
                         <a:solidFill>
                           <a:srgbClr val="000000"/>
                         </a:solidFill>
@@ -17427,7 +17567,7 @@
                     <a:lstStyle/>
                     <a:p>
                       <a:pPr algn="ctr" fontAlgn="ctr"/>
-                      <a:endParaRPr lang="ja-JP" altLang="en-US" sz="1100" b="0" i="0" u="none" strike="noStrike" dirty="0">
+                      <a:endParaRPr lang="ja-JP" altLang="en-US" sz="1200" b="0" i="0" u="none" strike="noStrike" dirty="0">
                         <a:solidFill>
                           <a:srgbClr val="000000"/>
                         </a:solidFill>
@@ -17481,7 +17621,7 @@
                     <a:lstStyle/>
                     <a:p>
                       <a:pPr algn="ctr" fontAlgn="ctr"/>
-                      <a:endParaRPr lang="ja-JP" altLang="en-US" sz="1100" b="0" i="0" u="none" strike="noStrike">
+                      <a:endParaRPr lang="ja-JP" altLang="en-US" sz="1200" b="0" i="0" u="none" strike="noStrike">
                         <a:solidFill>
                           <a:srgbClr val="000000"/>
                         </a:solidFill>
@@ -17535,7 +17675,7 @@
                     <a:lstStyle/>
                     <a:p>
                       <a:pPr algn="ctr" fontAlgn="ctr"/>
-                      <a:endParaRPr lang="ja-JP" altLang="en-US" sz="1100" b="0" i="0" u="none" strike="noStrike">
+                      <a:endParaRPr lang="ja-JP" altLang="en-US" sz="1200" b="0" i="0" u="none" strike="noStrike">
                         <a:solidFill>
                           <a:srgbClr val="000000"/>
                         </a:solidFill>
@@ -17589,7 +17729,7 @@
                     <a:lstStyle/>
                     <a:p>
                       <a:pPr algn="ctr" fontAlgn="ctr"/>
-                      <a:endParaRPr lang="ja-JP" altLang="en-US" sz="1100" b="0" i="0" u="none" strike="noStrike">
+                      <a:endParaRPr lang="ja-JP" altLang="en-US" sz="1200" b="0" i="0" u="none" strike="noStrike">
                         <a:solidFill>
                           <a:srgbClr val="000000"/>
                         </a:solidFill>
@@ -17643,7 +17783,7 @@
                     <a:lstStyle/>
                     <a:p>
                       <a:pPr algn="ctr" fontAlgn="ctr"/>
-                      <a:endParaRPr lang="ja-JP" altLang="en-US" sz="1100" b="0" i="0" u="none" strike="noStrike">
+                      <a:endParaRPr lang="ja-JP" altLang="en-US" sz="1200" b="0" i="0" u="none" strike="noStrike">
                         <a:solidFill>
                           <a:srgbClr val="000000"/>
                         </a:solidFill>
@@ -17697,7 +17837,7 @@
                     <a:lstStyle/>
                     <a:p>
                       <a:pPr algn="ctr" fontAlgn="ctr"/>
-                      <a:endParaRPr lang="ja-JP" altLang="en-US" sz="1100" b="0" i="0" u="none" strike="noStrike">
+                      <a:endParaRPr lang="ja-JP" altLang="en-US" sz="1200" b="0" i="0" u="none" strike="noStrike">
                         <a:solidFill>
                           <a:srgbClr val="000000"/>
                         </a:solidFill>
@@ -17746,7 +17886,7 @@
                   </a:tcPr>
                 </a:tc>
               </a:tr>
-              <a:tr h="294033">
+              <a:tr h="336037">
                 <a:tc>
                   <a:txBody>
                     <a:bodyPr/>
@@ -17754,7 +17894,7 @@
                     <a:p>
                       <a:pPr algn="ctr" fontAlgn="ctr"/>
                       <a:r>
-                        <a:rPr lang="en-US" altLang="ja-JP" sz="1100" b="0" i="0" u="none" strike="noStrike">
+                        <a:rPr lang="en-US" altLang="ja-JP" sz="1200" b="0" i="0" u="none" strike="noStrike">
                           <a:solidFill>
                             <a:srgbClr val="000000"/>
                           </a:solidFill>
@@ -17811,7 +17951,7 @@
                     <a:p>
                       <a:pPr algn="l" fontAlgn="ctr"/>
                       <a:r>
-                        <a:rPr lang="ja-JP" altLang="en-US" sz="1100" b="0" i="0" u="none" strike="noStrike" dirty="0">
+                        <a:rPr lang="ja-JP" altLang="en-US" sz="1200" b="0" i="0" u="none" strike="noStrike" dirty="0">
                           <a:solidFill>
                             <a:srgbClr val="000000"/>
                           </a:solidFill>
@@ -17867,7 +18007,7 @@
                     <a:lstStyle/>
                     <a:p>
                       <a:pPr algn="ctr" fontAlgn="ctr"/>
-                      <a:endParaRPr lang="ja-JP" altLang="en-US" sz="1100" b="0" i="0" u="none" strike="noStrike">
+                      <a:endParaRPr lang="ja-JP" altLang="en-US" sz="1200" b="0" i="0" u="none" strike="noStrike">
                         <a:solidFill>
                           <a:srgbClr val="000000"/>
                         </a:solidFill>
@@ -17921,7 +18061,7 @@
                     <a:lstStyle/>
                     <a:p>
                       <a:pPr algn="ctr" fontAlgn="ctr"/>
-                      <a:endParaRPr lang="ja-JP" altLang="en-US" sz="1100" b="0" i="0" u="none" strike="noStrike">
+                      <a:endParaRPr lang="ja-JP" altLang="en-US" sz="1200" b="0" i="0" u="none" strike="noStrike">
                         <a:solidFill>
                           <a:srgbClr val="000000"/>
                         </a:solidFill>
@@ -17975,7 +18115,7 @@
                     <a:lstStyle/>
                     <a:p>
                       <a:pPr algn="ctr" fontAlgn="ctr"/>
-                      <a:endParaRPr lang="ja-JP" altLang="en-US" sz="1100" b="0" i="0" u="none" strike="noStrike">
+                      <a:endParaRPr lang="ja-JP" altLang="en-US" sz="1200" b="0" i="0" u="none" strike="noStrike">
                         <a:solidFill>
                           <a:srgbClr val="000000"/>
                         </a:solidFill>
@@ -18029,7 +18169,7 @@
                     <a:lstStyle/>
                     <a:p>
                       <a:pPr algn="ctr" fontAlgn="ctr"/>
-                      <a:endParaRPr lang="ja-JP" altLang="en-US" sz="1100" b="0" i="0" u="none" strike="noStrike">
+                      <a:endParaRPr lang="ja-JP" altLang="en-US" sz="1200" b="0" i="0" u="none" strike="noStrike">
                         <a:solidFill>
                           <a:srgbClr val="000000"/>
                         </a:solidFill>
@@ -18083,7 +18223,7 @@
                     <a:lstStyle/>
                     <a:p>
                       <a:pPr algn="ctr" fontAlgn="ctr"/>
-                      <a:endParaRPr lang="ja-JP" altLang="en-US" sz="1100" b="0" i="0" u="none" strike="noStrike">
+                      <a:endParaRPr lang="ja-JP" altLang="en-US" sz="1200" b="0" i="0" u="none" strike="noStrike">
                         <a:solidFill>
                           <a:srgbClr val="000000"/>
                         </a:solidFill>
@@ -18137,7 +18277,7 @@
                     <a:lstStyle/>
                     <a:p>
                       <a:pPr algn="ctr" fontAlgn="ctr"/>
-                      <a:endParaRPr lang="ja-JP" altLang="en-US" sz="1100" b="0" i="0" u="none" strike="noStrike">
+                      <a:endParaRPr lang="ja-JP" altLang="en-US" sz="1200" b="0" i="0" u="none" strike="noStrike">
                         <a:solidFill>
                           <a:srgbClr val="000000"/>
                         </a:solidFill>
@@ -18191,7 +18331,7 @@
                     <a:lstStyle/>
                     <a:p>
                       <a:pPr algn="ctr" fontAlgn="ctr"/>
-                      <a:endParaRPr lang="ja-JP" altLang="en-US" sz="1100" b="0" i="0" u="none" strike="noStrike">
+                      <a:endParaRPr lang="ja-JP" altLang="en-US" sz="1200" b="0" i="0" u="none" strike="noStrike">
                         <a:solidFill>
                           <a:srgbClr val="000000"/>
                         </a:solidFill>
@@ -18245,7 +18385,7 @@
                     <a:lstStyle/>
                     <a:p>
                       <a:pPr algn="ctr" fontAlgn="ctr"/>
-                      <a:endParaRPr lang="ja-JP" altLang="en-US" sz="1100" b="0" i="0" u="none" strike="noStrike">
+                      <a:endParaRPr lang="ja-JP" altLang="en-US" sz="1200" b="0" i="0" u="none" strike="noStrike">
                         <a:solidFill>
                           <a:srgbClr val="000000"/>
                         </a:solidFill>
@@ -18299,7 +18439,7 @@
                     <a:lstStyle/>
                     <a:p>
                       <a:pPr algn="ctr" fontAlgn="ctr"/>
-                      <a:endParaRPr lang="ja-JP" altLang="en-US" sz="1100" b="0" i="0" u="none" strike="noStrike">
+                      <a:endParaRPr lang="ja-JP" altLang="en-US" sz="1200" b="0" i="0" u="none" strike="noStrike">
                         <a:solidFill>
                           <a:srgbClr val="000000"/>
                         </a:solidFill>
@@ -18353,7 +18493,7 @@
                     <a:lstStyle/>
                     <a:p>
                       <a:pPr algn="ctr" fontAlgn="ctr"/>
-                      <a:endParaRPr lang="ja-JP" altLang="en-US" sz="1100" b="0" i="0" u="none" strike="noStrike">
+                      <a:endParaRPr lang="ja-JP" altLang="en-US" sz="1200" b="0" i="0" u="none" strike="noStrike">
                         <a:solidFill>
                           <a:srgbClr val="000000"/>
                         </a:solidFill>
@@ -18407,7 +18547,7 @@
                     <a:lstStyle/>
                     <a:p>
                       <a:pPr algn="ctr" fontAlgn="ctr"/>
-                      <a:endParaRPr lang="ja-JP" altLang="en-US" sz="1100" b="0" i="0" u="none" strike="noStrike" dirty="0">
+                      <a:endParaRPr lang="ja-JP" altLang="en-US" sz="1200" b="0" i="0" u="none" strike="noStrike" dirty="0">
                         <a:solidFill>
                           <a:srgbClr val="000000"/>
                         </a:solidFill>
@@ -18462,7 +18602,7 @@
                     <a:p>
                       <a:pPr algn="ctr" fontAlgn="ctr"/>
                       <a:r>
-                        <a:rPr lang="ja-JP" altLang="en-US" sz="1100" b="0" i="0" u="none" strike="noStrike" dirty="0" smtClean="0">
+                        <a:rPr lang="ja-JP" altLang="en-US" sz="1200" b="0" i="0" u="none" strike="noStrike" dirty="0" smtClean="0">
                           <a:solidFill>
                             <a:srgbClr val="000000"/>
                           </a:solidFill>
@@ -18471,7 +18611,7 @@
                         </a:rPr>
                         <a:t>→</a:t>
                       </a:r>
-                      <a:endParaRPr lang="ja-JP" altLang="en-US" sz="1100" b="0" i="0" u="none" strike="noStrike" dirty="0">
+                      <a:endParaRPr lang="ja-JP" altLang="en-US" sz="1200" b="0" i="0" u="none" strike="noStrike" dirty="0">
                         <a:solidFill>
                           <a:srgbClr val="000000"/>
                         </a:solidFill>
@@ -18532,7 +18672,7 @@
                     <a:p>
                       <a:pPr algn="ctr" fontAlgn="ctr"/>
                       <a:r>
-                        <a:rPr lang="ja-JP" altLang="en-US" sz="1100" b="0" i="0" u="none" strike="noStrike" dirty="0" smtClean="0">
+                        <a:rPr lang="ja-JP" altLang="en-US" sz="1200" b="0" i="0" u="none" strike="noStrike" dirty="0" smtClean="0">
                           <a:solidFill>
                             <a:srgbClr val="000000"/>
                           </a:solidFill>
@@ -18541,7 +18681,7 @@
                         </a:rPr>
                         <a:t>→</a:t>
                       </a:r>
-                      <a:endParaRPr lang="ja-JP" altLang="en-US" sz="1100" b="0" i="0" u="none" strike="noStrike" dirty="0">
+                      <a:endParaRPr lang="ja-JP" altLang="en-US" sz="1200" b="0" i="0" u="none" strike="noStrike" dirty="0">
                         <a:solidFill>
                           <a:srgbClr val="000000"/>
                         </a:solidFill>
@@ -18602,7 +18742,7 @@
                     <a:p>
                       <a:pPr algn="ctr" fontAlgn="ctr"/>
                       <a:r>
-                        <a:rPr lang="ja-JP" altLang="en-US" sz="1100" b="0" i="0" u="none" strike="noStrike" dirty="0" smtClean="0">
+                        <a:rPr lang="ja-JP" altLang="en-US" sz="1200" b="0" i="0" u="none" strike="noStrike" dirty="0" smtClean="0">
                           <a:solidFill>
                             <a:srgbClr val="000000"/>
                           </a:solidFill>
@@ -18611,7 +18751,7 @@
                         </a:rPr>
                         <a:t>→</a:t>
                       </a:r>
-                      <a:endParaRPr lang="ja-JP" altLang="en-US" sz="1100" b="0" i="0" u="none" strike="noStrike" dirty="0">
+                      <a:endParaRPr lang="ja-JP" altLang="en-US" sz="1200" b="0" i="0" u="none" strike="noStrike" dirty="0">
                         <a:solidFill>
                           <a:srgbClr val="000000"/>
                         </a:solidFill>
@@ -18672,7 +18812,7 @@
                     <a:p>
                       <a:pPr algn="ctr" fontAlgn="ctr"/>
                       <a:r>
-                        <a:rPr lang="ja-JP" altLang="en-US" sz="1100" b="0" i="0" u="none" strike="noStrike" dirty="0" smtClean="0">
+                        <a:rPr lang="ja-JP" altLang="en-US" sz="1200" b="0" i="0" u="none" strike="noStrike" dirty="0" smtClean="0">
                           <a:solidFill>
                             <a:srgbClr val="000000"/>
                           </a:solidFill>
@@ -18681,7 +18821,7 @@
                         </a:rPr>
                         <a:t>→</a:t>
                       </a:r>
-                      <a:endParaRPr lang="ja-JP" altLang="en-US" sz="1100" b="0" i="0" u="none" strike="noStrike" dirty="0">
+                      <a:endParaRPr lang="ja-JP" altLang="en-US" sz="1200" b="0" i="0" u="none" strike="noStrike" dirty="0">
                         <a:solidFill>
                           <a:srgbClr val="000000"/>
                         </a:solidFill>
@@ -18741,7 +18881,7 @@
                     <a:lstStyle/>
                     <a:p>
                       <a:pPr algn="ctr" fontAlgn="ctr"/>
-                      <a:endParaRPr lang="ja-JP" altLang="en-US" sz="1100" b="0" i="0" u="none" strike="noStrike" dirty="0">
+                      <a:endParaRPr lang="ja-JP" altLang="en-US" sz="1200" b="0" i="0" u="none" strike="noStrike" dirty="0">
                         <a:solidFill>
                           <a:srgbClr val="000000"/>
                         </a:solidFill>
@@ -18795,7 +18935,7 @@
                     <a:lstStyle/>
                     <a:p>
                       <a:pPr algn="ctr" fontAlgn="ctr"/>
-                      <a:endParaRPr lang="ja-JP" altLang="en-US" sz="1100" b="0" i="0" u="none" strike="noStrike">
+                      <a:endParaRPr lang="ja-JP" altLang="en-US" sz="1200" b="0" i="0" u="none" strike="noStrike">
                         <a:solidFill>
                           <a:srgbClr val="000000"/>
                         </a:solidFill>
@@ -18849,7 +18989,7 @@
                     <a:lstStyle/>
                     <a:p>
                       <a:pPr algn="ctr" fontAlgn="ctr"/>
-                      <a:endParaRPr lang="ja-JP" altLang="en-US" sz="1100" b="0" i="0" u="none" strike="noStrike">
+                      <a:endParaRPr lang="ja-JP" altLang="en-US" sz="1200" b="0" i="0" u="none" strike="noStrike">
                         <a:solidFill>
                           <a:srgbClr val="000000"/>
                         </a:solidFill>
@@ -18903,7 +19043,7 @@
                     <a:lstStyle/>
                     <a:p>
                       <a:pPr algn="ctr" fontAlgn="ctr"/>
-                      <a:endParaRPr lang="ja-JP" altLang="en-US" sz="1100" b="0" i="0" u="none" strike="noStrike">
+                      <a:endParaRPr lang="ja-JP" altLang="en-US" sz="1200" b="0" i="0" u="none" strike="noStrike">
                         <a:solidFill>
                           <a:srgbClr val="000000"/>
                         </a:solidFill>
@@ -18952,7 +19092,7 @@
                   </a:tcPr>
                 </a:tc>
               </a:tr>
-              <a:tr h="294033">
+              <a:tr h="336037">
                 <a:tc>
                   <a:txBody>
                     <a:bodyPr/>
@@ -18960,7 +19100,7 @@
                     <a:p>
                       <a:pPr algn="ctr" fontAlgn="ctr"/>
                       <a:r>
-                        <a:rPr lang="en-US" altLang="ja-JP" sz="1100" b="0" i="0" u="none" strike="noStrike">
+                        <a:rPr lang="en-US" altLang="ja-JP" sz="1200" b="0" i="0" u="none" strike="noStrike">
                           <a:solidFill>
                             <a:srgbClr val="000000"/>
                           </a:solidFill>
@@ -19017,7 +19157,7 @@
                     <a:p>
                       <a:pPr algn="l" fontAlgn="ctr"/>
                       <a:r>
-                        <a:rPr lang="ja-JP" altLang="en-US" sz="1100" b="0" i="0" u="none" strike="noStrike" dirty="0">
+                        <a:rPr lang="ja-JP" altLang="en-US" sz="1200" b="0" i="0" u="none" strike="noStrike" dirty="0">
                           <a:solidFill>
                             <a:srgbClr val="000000"/>
                           </a:solidFill>
@@ -19027,7 +19167,7 @@
                         <a:t>結合</a:t>
                       </a:r>
                       <a:r>
-                        <a:rPr lang="en-US" altLang="ja-JP" sz="1100" b="0" i="0" u="none" strike="noStrike" dirty="0">
+                        <a:rPr lang="en-US" altLang="ja-JP" sz="1200" b="0" i="0" u="none" strike="noStrike" dirty="0">
                           <a:solidFill>
                             <a:srgbClr val="000000"/>
                           </a:solidFill>
@@ -19037,7 +19177,7 @@
                         <a:t>/</a:t>
                       </a:r>
                       <a:r>
-                        <a:rPr lang="ja-JP" altLang="en-US" sz="1100" b="0" i="0" u="none" strike="noStrike" dirty="0">
+                        <a:rPr lang="ja-JP" altLang="en-US" sz="1200" b="0" i="0" u="none" strike="noStrike" dirty="0">
                           <a:solidFill>
                             <a:srgbClr val="000000"/>
                           </a:solidFill>
@@ -19093,7 +19233,7 @@
                     <a:lstStyle/>
                     <a:p>
                       <a:pPr algn="ctr" fontAlgn="ctr"/>
-                      <a:endParaRPr lang="ja-JP" altLang="en-US" sz="1100" b="0" i="0" u="none" strike="noStrike">
+                      <a:endParaRPr lang="ja-JP" altLang="en-US" sz="1200" b="0" i="0" u="none" strike="noStrike">
                         <a:solidFill>
                           <a:srgbClr val="000000"/>
                         </a:solidFill>
@@ -19147,7 +19287,7 @@
                     <a:lstStyle/>
                     <a:p>
                       <a:pPr algn="ctr" fontAlgn="ctr"/>
-                      <a:endParaRPr lang="ja-JP" altLang="en-US" sz="1100" b="0" i="0" u="none" strike="noStrike">
+                      <a:endParaRPr lang="ja-JP" altLang="en-US" sz="1200" b="0" i="0" u="none" strike="noStrike">
                         <a:solidFill>
                           <a:srgbClr val="000000"/>
                         </a:solidFill>
@@ -19201,7 +19341,7 @@
                     <a:lstStyle/>
                     <a:p>
                       <a:pPr algn="ctr" fontAlgn="ctr"/>
-                      <a:endParaRPr lang="ja-JP" altLang="en-US" sz="1100" b="0" i="0" u="none" strike="noStrike">
+                      <a:endParaRPr lang="ja-JP" altLang="en-US" sz="1200" b="0" i="0" u="none" strike="noStrike">
                         <a:solidFill>
                           <a:srgbClr val="000000"/>
                         </a:solidFill>
@@ -19255,7 +19395,7 @@
                     <a:lstStyle/>
                     <a:p>
                       <a:pPr algn="ctr" fontAlgn="ctr"/>
-                      <a:endParaRPr lang="ja-JP" altLang="en-US" sz="1100" b="0" i="0" u="none" strike="noStrike">
+                      <a:endParaRPr lang="ja-JP" altLang="en-US" sz="1200" b="0" i="0" u="none" strike="noStrike">
                         <a:solidFill>
                           <a:srgbClr val="000000"/>
                         </a:solidFill>
@@ -19309,7 +19449,7 @@
                     <a:lstStyle/>
                     <a:p>
                       <a:pPr algn="ctr" fontAlgn="ctr"/>
-                      <a:endParaRPr lang="ja-JP" altLang="en-US" sz="1100" b="0" i="0" u="none" strike="noStrike">
+                      <a:endParaRPr lang="ja-JP" altLang="en-US" sz="1200" b="0" i="0" u="none" strike="noStrike">
                         <a:solidFill>
                           <a:srgbClr val="000000"/>
                         </a:solidFill>
@@ -19363,7 +19503,7 @@
                     <a:lstStyle/>
                     <a:p>
                       <a:pPr algn="ctr" fontAlgn="ctr"/>
-                      <a:endParaRPr lang="ja-JP" altLang="en-US" sz="1100" b="0" i="0" u="none" strike="noStrike">
+                      <a:endParaRPr lang="ja-JP" altLang="en-US" sz="1200" b="0" i="0" u="none" strike="noStrike">
                         <a:solidFill>
                           <a:srgbClr val="000000"/>
                         </a:solidFill>
@@ -19417,7 +19557,7 @@
                     <a:lstStyle/>
                     <a:p>
                       <a:pPr algn="ctr" fontAlgn="ctr"/>
-                      <a:endParaRPr lang="ja-JP" altLang="en-US" sz="1100" b="0" i="0" u="none" strike="noStrike">
+                      <a:endParaRPr lang="ja-JP" altLang="en-US" sz="1200" b="0" i="0" u="none" strike="noStrike">
                         <a:solidFill>
                           <a:srgbClr val="000000"/>
                         </a:solidFill>
@@ -19471,7 +19611,7 @@
                     <a:lstStyle/>
                     <a:p>
                       <a:pPr algn="ctr" fontAlgn="ctr"/>
-                      <a:endParaRPr lang="ja-JP" altLang="en-US" sz="1100" b="0" i="0" u="none" strike="noStrike">
+                      <a:endParaRPr lang="ja-JP" altLang="en-US" sz="1200" b="0" i="0" u="none" strike="noStrike">
                         <a:solidFill>
                           <a:srgbClr val="000000"/>
                         </a:solidFill>
@@ -19525,7 +19665,7 @@
                     <a:lstStyle/>
                     <a:p>
                       <a:pPr algn="ctr" fontAlgn="ctr"/>
-                      <a:endParaRPr lang="ja-JP" altLang="en-US" sz="1100" b="0" i="0" u="none" strike="noStrike">
+                      <a:endParaRPr lang="ja-JP" altLang="en-US" sz="1200" b="0" i="0" u="none" strike="noStrike">
                         <a:solidFill>
                           <a:srgbClr val="000000"/>
                         </a:solidFill>
@@ -19579,7 +19719,7 @@
                     <a:lstStyle/>
                     <a:p>
                       <a:pPr algn="ctr" fontAlgn="ctr"/>
-                      <a:endParaRPr lang="ja-JP" altLang="en-US" sz="1100" b="0" i="0" u="none" strike="noStrike">
+                      <a:endParaRPr lang="ja-JP" altLang="en-US" sz="1200" b="0" i="0" u="none" strike="noStrike">
                         <a:solidFill>
                           <a:srgbClr val="000000"/>
                         </a:solidFill>
@@ -19633,7 +19773,7 @@
                     <a:lstStyle/>
                     <a:p>
                       <a:pPr algn="ctr" fontAlgn="ctr"/>
-                      <a:endParaRPr lang="ja-JP" altLang="en-US" sz="1100" b="0" i="0" u="none" strike="noStrike">
+                      <a:endParaRPr lang="ja-JP" altLang="en-US" sz="1200" b="0" i="0" u="none" strike="noStrike">
                         <a:solidFill>
                           <a:srgbClr val="000000"/>
                         </a:solidFill>
@@ -19687,7 +19827,7 @@
                     <a:lstStyle/>
                     <a:p>
                       <a:pPr algn="ctr" fontAlgn="ctr"/>
-                      <a:endParaRPr lang="ja-JP" altLang="en-US" sz="1100" b="0" i="0" u="none" strike="noStrike">
+                      <a:endParaRPr lang="ja-JP" altLang="en-US" sz="1200" b="0" i="0" u="none" strike="noStrike">
                         <a:solidFill>
                           <a:srgbClr val="000000"/>
                         </a:solidFill>
@@ -19741,7 +19881,7 @@
                     <a:lstStyle/>
                     <a:p>
                       <a:pPr algn="ctr" fontAlgn="ctr"/>
-                      <a:endParaRPr lang="ja-JP" altLang="en-US" sz="1100" b="0" i="0" u="none" strike="noStrike" dirty="0">
+                      <a:endParaRPr lang="ja-JP" altLang="en-US" sz="1200" b="0" i="0" u="none" strike="noStrike" dirty="0">
                         <a:solidFill>
                           <a:srgbClr val="000000"/>
                         </a:solidFill>
@@ -19795,7 +19935,7 @@
                     <a:lstStyle/>
                     <a:p>
                       <a:pPr algn="ctr" fontAlgn="ctr"/>
-                      <a:endParaRPr lang="ja-JP" altLang="en-US" sz="1100" b="0" i="0" u="none" strike="noStrike" dirty="0">
+                      <a:endParaRPr lang="ja-JP" altLang="en-US" sz="1200" b="0" i="0" u="none" strike="noStrike" dirty="0">
                         <a:solidFill>
                           <a:srgbClr val="000000"/>
                         </a:solidFill>
@@ -19849,7 +19989,7 @@
                     <a:lstStyle/>
                     <a:p>
                       <a:pPr algn="ctr" fontAlgn="ctr"/>
-                      <a:endParaRPr lang="ja-JP" altLang="en-US" sz="1100" b="0" i="0" u="none" strike="noStrike" dirty="0">
+                      <a:endParaRPr lang="ja-JP" altLang="en-US" sz="1200" b="0" i="0" u="none" strike="noStrike" dirty="0">
                         <a:solidFill>
                           <a:srgbClr val="000000"/>
                         </a:solidFill>
@@ -19904,7 +20044,7 @@
                     <a:p>
                       <a:pPr algn="ctr" fontAlgn="ctr"/>
                       <a:r>
-                        <a:rPr lang="ja-JP" altLang="en-US" sz="1100" b="0" i="0" u="none" strike="noStrike" dirty="0" smtClean="0">
+                        <a:rPr lang="ja-JP" altLang="en-US" sz="1200" b="0" i="0" u="none" strike="noStrike" dirty="0" smtClean="0">
                           <a:solidFill>
                             <a:srgbClr val="000000"/>
                           </a:solidFill>
@@ -19913,7 +20053,7 @@
                         </a:rPr>
                         <a:t>→</a:t>
                       </a:r>
-                      <a:endParaRPr lang="ja-JP" altLang="en-US" sz="1100" b="0" i="0" u="none" strike="noStrike" dirty="0">
+                      <a:endParaRPr lang="ja-JP" altLang="en-US" sz="1200" b="0" i="0" u="none" strike="noStrike" dirty="0">
                         <a:solidFill>
                           <a:srgbClr val="000000"/>
                         </a:solidFill>
@@ -19973,7 +20113,7 @@
                     <a:lstStyle/>
                     <a:p>
                       <a:pPr algn="ctr" fontAlgn="ctr"/>
-                      <a:endParaRPr lang="ja-JP" altLang="en-US" sz="1100" b="0" i="0" u="none" strike="noStrike" dirty="0">
+                      <a:endParaRPr lang="ja-JP" altLang="en-US" sz="1200" b="0" i="0" u="none" strike="noStrike" dirty="0">
                         <a:solidFill>
                           <a:srgbClr val="000000"/>
                         </a:solidFill>
@@ -20027,7 +20167,7 @@
                     <a:lstStyle/>
                     <a:p>
                       <a:pPr algn="ctr" fontAlgn="ctr"/>
-                      <a:endParaRPr lang="ja-JP" altLang="en-US" sz="1100" b="0" i="0" u="none" strike="noStrike">
+                      <a:endParaRPr lang="ja-JP" altLang="en-US" sz="1200" b="0" i="0" u="none" strike="noStrike">
                         <a:solidFill>
                           <a:srgbClr val="000000"/>
                         </a:solidFill>
@@ -20081,7 +20221,7 @@
                     <a:lstStyle/>
                     <a:p>
                       <a:pPr algn="ctr" fontAlgn="ctr"/>
-                      <a:endParaRPr lang="ja-JP" altLang="en-US" sz="1100" b="0" i="0" u="none" strike="noStrike">
+                      <a:endParaRPr lang="ja-JP" altLang="en-US" sz="1200" b="0" i="0" u="none" strike="noStrike">
                         <a:solidFill>
                           <a:srgbClr val="000000"/>
                         </a:solidFill>
@@ -20130,7 +20270,7 @@
                   </a:tcPr>
                 </a:tc>
               </a:tr>
-              <a:tr h="294033">
+              <a:tr h="336037">
                 <a:tc>
                   <a:txBody>
                     <a:bodyPr/>
@@ -20138,7 +20278,7 @@
                     <a:p>
                       <a:pPr algn="ctr" fontAlgn="ctr"/>
                       <a:r>
-                        <a:rPr lang="en-US" altLang="ja-JP" sz="1100" b="0" i="0" u="none" strike="noStrike">
+                        <a:rPr lang="en-US" altLang="ja-JP" sz="1200" b="0" i="0" u="none" strike="noStrike">
                           <a:solidFill>
                             <a:srgbClr val="000000"/>
                           </a:solidFill>
@@ -20195,7 +20335,7 @@
                     <a:p>
                       <a:pPr algn="l" fontAlgn="ctr"/>
                       <a:r>
-                        <a:rPr lang="ja-JP" altLang="en-US" sz="1100" b="0" i="0" u="none" strike="noStrike" dirty="0">
+                        <a:rPr lang="ja-JP" altLang="en-US" sz="1200" b="0" i="0" u="none" strike="noStrike" dirty="0">
                           <a:solidFill>
                             <a:srgbClr val="000000"/>
                           </a:solidFill>
@@ -20251,7 +20391,7 @@
                     <a:lstStyle/>
                     <a:p>
                       <a:pPr algn="ctr" fontAlgn="ctr"/>
-                      <a:endParaRPr lang="ja-JP" altLang="en-US" sz="1100" b="0" i="0" u="none" strike="noStrike">
+                      <a:endParaRPr lang="ja-JP" altLang="en-US" sz="1200" b="0" i="0" u="none" strike="noStrike">
                         <a:solidFill>
                           <a:srgbClr val="000000"/>
                         </a:solidFill>
@@ -20305,7 +20445,7 @@
                     <a:lstStyle/>
                     <a:p>
                       <a:pPr algn="ctr" fontAlgn="ctr"/>
-                      <a:endParaRPr lang="ja-JP" altLang="en-US" sz="1100" b="0" i="0" u="none" strike="noStrike">
+                      <a:endParaRPr lang="ja-JP" altLang="en-US" sz="1200" b="0" i="0" u="none" strike="noStrike">
                         <a:solidFill>
                           <a:srgbClr val="000000"/>
                         </a:solidFill>
@@ -20359,7 +20499,7 @@
                     <a:lstStyle/>
                     <a:p>
                       <a:pPr algn="ctr" fontAlgn="ctr"/>
-                      <a:endParaRPr lang="ja-JP" altLang="en-US" sz="1100" b="0" i="0" u="none" strike="noStrike">
+                      <a:endParaRPr lang="ja-JP" altLang="en-US" sz="1200" b="0" i="0" u="none" strike="noStrike">
                         <a:solidFill>
                           <a:srgbClr val="000000"/>
                         </a:solidFill>
@@ -20413,7 +20553,7 @@
                     <a:lstStyle/>
                     <a:p>
                       <a:pPr algn="ctr" fontAlgn="ctr"/>
-                      <a:endParaRPr lang="ja-JP" altLang="en-US" sz="1100" b="0" i="0" u="none" strike="noStrike">
+                      <a:endParaRPr lang="ja-JP" altLang="en-US" sz="1200" b="0" i="0" u="none" strike="noStrike">
                         <a:solidFill>
                           <a:srgbClr val="000000"/>
                         </a:solidFill>
@@ -20467,7 +20607,7 @@
                     <a:lstStyle/>
                     <a:p>
                       <a:pPr algn="ctr" fontAlgn="ctr"/>
-                      <a:endParaRPr lang="ja-JP" altLang="en-US" sz="1100" b="0" i="0" u="none" strike="noStrike">
+                      <a:endParaRPr lang="ja-JP" altLang="en-US" sz="1200" b="0" i="0" u="none" strike="noStrike">
                         <a:solidFill>
                           <a:srgbClr val="000000"/>
                         </a:solidFill>
@@ -20521,7 +20661,7 @@
                     <a:lstStyle/>
                     <a:p>
                       <a:pPr algn="ctr" fontAlgn="ctr"/>
-                      <a:endParaRPr lang="ja-JP" altLang="en-US" sz="1100" b="0" i="0" u="none" strike="noStrike">
+                      <a:endParaRPr lang="ja-JP" altLang="en-US" sz="1200" b="0" i="0" u="none" strike="noStrike">
                         <a:solidFill>
                           <a:srgbClr val="000000"/>
                         </a:solidFill>
@@ -20575,7 +20715,7 @@
                     <a:lstStyle/>
                     <a:p>
                       <a:pPr algn="ctr" fontAlgn="ctr"/>
-                      <a:endParaRPr lang="ja-JP" altLang="en-US" sz="1100" b="0" i="0" u="none" strike="noStrike">
+                      <a:endParaRPr lang="ja-JP" altLang="en-US" sz="1200" b="0" i="0" u="none" strike="noStrike">
                         <a:solidFill>
                           <a:srgbClr val="000000"/>
                         </a:solidFill>
@@ -20629,7 +20769,7 @@
                     <a:lstStyle/>
                     <a:p>
                       <a:pPr algn="ctr" fontAlgn="ctr"/>
-                      <a:endParaRPr lang="ja-JP" altLang="en-US" sz="1100" b="0" i="0" u="none" strike="noStrike">
+                      <a:endParaRPr lang="ja-JP" altLang="en-US" sz="1200" b="0" i="0" u="none" strike="noStrike">
                         <a:solidFill>
                           <a:srgbClr val="000000"/>
                         </a:solidFill>
@@ -20683,7 +20823,7 @@
                     <a:lstStyle/>
                     <a:p>
                       <a:pPr algn="ctr" fontAlgn="ctr"/>
-                      <a:endParaRPr lang="ja-JP" altLang="en-US" sz="1100" b="0" i="0" u="none" strike="noStrike">
+                      <a:endParaRPr lang="ja-JP" altLang="en-US" sz="1200" b="0" i="0" u="none" strike="noStrike">
                         <a:solidFill>
                           <a:srgbClr val="000000"/>
                         </a:solidFill>
@@ -20737,7 +20877,7 @@
                     <a:lstStyle/>
                     <a:p>
                       <a:pPr algn="ctr" fontAlgn="ctr"/>
-                      <a:endParaRPr lang="ja-JP" altLang="en-US" sz="1100" b="0" i="0" u="none" strike="noStrike">
+                      <a:endParaRPr lang="ja-JP" altLang="en-US" sz="1200" b="0" i="0" u="none" strike="noStrike">
                         <a:solidFill>
                           <a:srgbClr val="000000"/>
                         </a:solidFill>
@@ -20791,7 +20931,7 @@
                     <a:lstStyle/>
                     <a:p>
                       <a:pPr algn="ctr" fontAlgn="ctr"/>
-                      <a:endParaRPr lang="ja-JP" altLang="en-US" sz="1100" b="0" i="0" u="none" strike="noStrike">
+                      <a:endParaRPr lang="ja-JP" altLang="en-US" sz="1200" b="0" i="0" u="none" strike="noStrike">
                         <a:solidFill>
                           <a:srgbClr val="000000"/>
                         </a:solidFill>
@@ -20845,7 +20985,7 @@
                     <a:lstStyle/>
                     <a:p>
                       <a:pPr algn="ctr" fontAlgn="ctr"/>
-                      <a:endParaRPr lang="ja-JP" altLang="en-US" sz="1100" b="0" i="0" u="none" strike="noStrike">
+                      <a:endParaRPr lang="ja-JP" altLang="en-US" sz="1200" b="0" i="0" u="none" strike="noStrike">
                         <a:solidFill>
                           <a:srgbClr val="000000"/>
                         </a:solidFill>
@@ -20899,7 +21039,7 @@
                     <a:lstStyle/>
                     <a:p>
                       <a:pPr algn="ctr" fontAlgn="ctr"/>
-                      <a:endParaRPr lang="ja-JP" altLang="en-US" sz="1100" b="0" i="0" u="none" strike="noStrike">
+                      <a:endParaRPr lang="ja-JP" altLang="en-US" sz="1200" b="0" i="0" u="none" strike="noStrike">
                         <a:solidFill>
                           <a:srgbClr val="000000"/>
                         </a:solidFill>
@@ -20953,7 +21093,7 @@
                     <a:lstStyle/>
                     <a:p>
                       <a:pPr algn="ctr" fontAlgn="ctr"/>
-                      <a:endParaRPr lang="ja-JP" altLang="en-US" sz="1100" b="0" i="0" u="none" strike="noStrike">
+                      <a:endParaRPr lang="ja-JP" altLang="en-US" sz="1200" b="0" i="0" u="none" strike="noStrike">
                         <a:solidFill>
                           <a:srgbClr val="000000"/>
                         </a:solidFill>
@@ -21007,7 +21147,7 @@
                     <a:lstStyle/>
                     <a:p>
                       <a:pPr algn="ctr" fontAlgn="ctr"/>
-                      <a:endParaRPr lang="ja-JP" altLang="en-US" sz="1100" b="0" i="0" u="none" strike="noStrike" dirty="0">
+                      <a:endParaRPr lang="ja-JP" altLang="en-US" sz="1200" b="0" i="0" u="none" strike="noStrike" dirty="0">
                         <a:solidFill>
                           <a:srgbClr val="000000"/>
                         </a:solidFill>
@@ -21061,7 +21201,7 @@
                     <a:lstStyle/>
                     <a:p>
                       <a:pPr algn="ctr" fontAlgn="ctr"/>
-                      <a:endParaRPr lang="ja-JP" altLang="en-US" sz="1100" b="0" i="0" u="none" strike="noStrike" dirty="0">
+                      <a:endParaRPr lang="ja-JP" altLang="en-US" sz="1200" b="0" i="0" u="none" strike="noStrike" dirty="0">
                         <a:solidFill>
                           <a:srgbClr val="000000"/>
                         </a:solidFill>
@@ -21116,7 +21256,7 @@
                     <a:p>
                       <a:pPr algn="ctr" fontAlgn="ctr"/>
                       <a:r>
-                        <a:rPr lang="ja-JP" altLang="en-US" sz="1100" b="0" i="0" u="none" strike="noStrike" dirty="0" smtClean="0">
+                        <a:rPr lang="ja-JP" altLang="en-US" sz="1200" b="0" i="0" u="none" strike="noStrike" dirty="0" smtClean="0">
                           <a:solidFill>
                             <a:srgbClr val="000000"/>
                           </a:solidFill>
@@ -21125,7 +21265,7 @@
                         </a:rPr>
                         <a:t>→</a:t>
                       </a:r>
-                      <a:endParaRPr lang="ja-JP" altLang="en-US" sz="1100" b="0" i="0" u="none" strike="noStrike" dirty="0">
+                      <a:endParaRPr lang="ja-JP" altLang="en-US" sz="1200" b="0" i="0" u="none" strike="noStrike" dirty="0">
                         <a:solidFill>
                           <a:srgbClr val="000000"/>
                         </a:solidFill>
@@ -21186,7 +21326,7 @@
                     <a:p>
                       <a:pPr algn="ctr" fontAlgn="ctr"/>
                       <a:r>
-                        <a:rPr lang="ja-JP" altLang="en-US" sz="1100" b="0" i="0" u="none" strike="noStrike" dirty="0" smtClean="0">
+                        <a:rPr lang="ja-JP" altLang="en-US" sz="1200" b="0" i="0" u="none" strike="noStrike" dirty="0" smtClean="0">
                           <a:solidFill>
                             <a:srgbClr val="000000"/>
                           </a:solidFill>
@@ -21195,7 +21335,7 @@
                         </a:rPr>
                         <a:t>→</a:t>
                       </a:r>
-                      <a:endParaRPr lang="ja-JP" altLang="en-US" sz="1100" b="0" i="0" u="none" strike="noStrike" dirty="0">
+                      <a:endParaRPr lang="ja-JP" altLang="en-US" sz="1200" b="0" i="0" u="none" strike="noStrike" dirty="0">
                         <a:solidFill>
                           <a:srgbClr val="000000"/>
                         </a:solidFill>
@@ -21255,7 +21395,7 @@
                     <a:lstStyle/>
                     <a:p>
                       <a:pPr algn="ctr" fontAlgn="ctr"/>
-                      <a:endParaRPr lang="ja-JP" altLang="en-US" sz="1100" b="0" i="0" u="none" strike="noStrike">
+                      <a:endParaRPr lang="ja-JP" altLang="en-US" sz="1200" b="0" i="0" u="none" strike="noStrike">
                         <a:solidFill>
                           <a:srgbClr val="000000"/>
                         </a:solidFill>
@@ -21304,7 +21444,7 @@
                   </a:tcPr>
                 </a:tc>
               </a:tr>
-              <a:tr h="294033">
+              <a:tr h="336037">
                 <a:tc>
                   <a:txBody>
                     <a:bodyPr/>
@@ -21312,7 +21452,7 @@
                     <a:p>
                       <a:pPr algn="ctr" fontAlgn="ctr"/>
                       <a:r>
-                        <a:rPr lang="en-US" altLang="ja-JP" sz="1100" b="0" i="0" u="none" strike="noStrike">
+                        <a:rPr lang="en-US" altLang="ja-JP" sz="1200" b="0" i="0" u="none" strike="noStrike">
                           <a:solidFill>
                             <a:srgbClr val="000000"/>
                           </a:solidFill>
@@ -21369,7 +21509,7 @@
                     <a:p>
                       <a:pPr algn="l" fontAlgn="ctr"/>
                       <a:r>
-                        <a:rPr lang="ja-JP" altLang="en-US" sz="1100" b="0" i="0" u="none" strike="noStrike" dirty="0">
+                        <a:rPr lang="ja-JP" altLang="en-US" sz="1200" b="0" i="0" u="none" strike="noStrike" dirty="0">
                           <a:solidFill>
                             <a:srgbClr val="000000"/>
                           </a:solidFill>
@@ -21425,7 +21565,7 @@
                     <a:lstStyle/>
                     <a:p>
                       <a:pPr algn="ctr" fontAlgn="ctr"/>
-                      <a:endParaRPr lang="ja-JP" altLang="en-US" sz="1100" b="0" i="0" u="none" strike="noStrike" dirty="0">
+                      <a:endParaRPr lang="ja-JP" altLang="en-US" sz="1200" b="0" i="0" u="none" strike="noStrike" dirty="0">
                         <a:solidFill>
                           <a:srgbClr val="000000"/>
                         </a:solidFill>
@@ -21479,7 +21619,7 @@
                     <a:lstStyle/>
                     <a:p>
                       <a:pPr algn="ctr" fontAlgn="ctr"/>
-                      <a:endParaRPr lang="ja-JP" altLang="en-US" sz="1100" b="0" i="0" u="none" strike="noStrike" dirty="0">
+                      <a:endParaRPr lang="ja-JP" altLang="en-US" sz="1200" b="0" i="0" u="none" strike="noStrike" dirty="0">
                         <a:solidFill>
                           <a:srgbClr val="000000"/>
                         </a:solidFill>
@@ -21533,7 +21673,7 @@
                     <a:lstStyle/>
                     <a:p>
                       <a:pPr algn="ctr" fontAlgn="ctr"/>
-                      <a:endParaRPr lang="ja-JP" altLang="en-US" sz="1100" b="0" i="0" u="none" strike="noStrike" dirty="0">
+                      <a:endParaRPr lang="ja-JP" altLang="en-US" sz="1200" b="0" i="0" u="none" strike="noStrike" dirty="0">
                         <a:solidFill>
                           <a:srgbClr val="000000"/>
                         </a:solidFill>
@@ -21587,7 +21727,7 @@
                     <a:lstStyle/>
                     <a:p>
                       <a:pPr algn="ctr" fontAlgn="ctr"/>
-                      <a:endParaRPr lang="ja-JP" altLang="en-US" sz="1100" b="0" i="0" u="none" strike="noStrike" dirty="0">
+                      <a:endParaRPr lang="ja-JP" altLang="en-US" sz="1200" b="0" i="0" u="none" strike="noStrike" dirty="0">
                         <a:solidFill>
                           <a:srgbClr val="000000"/>
                         </a:solidFill>
@@ -21641,7 +21781,7 @@
                     <a:lstStyle/>
                     <a:p>
                       <a:pPr algn="ctr" fontAlgn="ctr"/>
-                      <a:endParaRPr lang="ja-JP" altLang="en-US" sz="1100" b="0" i="0" u="none" strike="noStrike" dirty="0">
+                      <a:endParaRPr lang="ja-JP" altLang="en-US" sz="1200" b="0" i="0" u="none" strike="noStrike" dirty="0">
                         <a:solidFill>
                           <a:srgbClr val="000000"/>
                         </a:solidFill>
@@ -21695,7 +21835,7 @@
                     <a:lstStyle/>
                     <a:p>
                       <a:pPr algn="ctr" fontAlgn="ctr"/>
-                      <a:endParaRPr lang="ja-JP" altLang="en-US" sz="1100" b="0" i="0" u="none" strike="noStrike" dirty="0">
+                      <a:endParaRPr lang="ja-JP" altLang="en-US" sz="1200" b="0" i="0" u="none" strike="noStrike" dirty="0">
                         <a:solidFill>
                           <a:srgbClr val="000000"/>
                         </a:solidFill>
@@ -21749,7 +21889,7 @@
                     <a:lstStyle/>
                     <a:p>
                       <a:pPr algn="ctr" fontAlgn="ctr"/>
-                      <a:endParaRPr lang="ja-JP" altLang="en-US" sz="1100" b="0" i="0" u="none" strike="noStrike" dirty="0">
+                      <a:endParaRPr lang="ja-JP" altLang="en-US" sz="1200" b="0" i="0" u="none" strike="noStrike" dirty="0">
                         <a:solidFill>
                           <a:srgbClr val="000000"/>
                         </a:solidFill>
@@ -21803,7 +21943,7 @@
                     <a:lstStyle/>
                     <a:p>
                       <a:pPr algn="ctr" fontAlgn="ctr"/>
-                      <a:endParaRPr lang="ja-JP" altLang="en-US" sz="1100" b="0" i="0" u="none" strike="noStrike" dirty="0">
+                      <a:endParaRPr lang="ja-JP" altLang="en-US" sz="1200" b="0" i="0" u="none" strike="noStrike" dirty="0">
                         <a:solidFill>
                           <a:srgbClr val="000000"/>
                         </a:solidFill>
@@ -21857,7 +21997,7 @@
                     <a:lstStyle/>
                     <a:p>
                       <a:pPr algn="ctr" fontAlgn="ctr"/>
-                      <a:endParaRPr lang="ja-JP" altLang="en-US" sz="1100" b="0" i="0" u="none" strike="noStrike" dirty="0">
+                      <a:endParaRPr lang="ja-JP" altLang="en-US" sz="1200" b="0" i="0" u="none" strike="noStrike" dirty="0">
                         <a:solidFill>
                           <a:srgbClr val="000000"/>
                         </a:solidFill>
@@ -21911,7 +22051,7 @@
                     <a:lstStyle/>
                     <a:p>
                       <a:pPr algn="ctr" fontAlgn="ctr"/>
-                      <a:endParaRPr lang="ja-JP" altLang="en-US" sz="1100" b="0" i="0" u="none" strike="noStrike" dirty="0">
+                      <a:endParaRPr lang="ja-JP" altLang="en-US" sz="1200" b="0" i="0" u="none" strike="noStrike" dirty="0">
                         <a:solidFill>
                           <a:srgbClr val="000000"/>
                         </a:solidFill>
@@ -21965,7 +22105,7 @@
                     <a:lstStyle/>
                     <a:p>
                       <a:pPr algn="ctr" fontAlgn="ctr"/>
-                      <a:endParaRPr lang="ja-JP" altLang="en-US" sz="1100" b="0" i="0" u="none" strike="noStrike" dirty="0">
+                      <a:endParaRPr lang="ja-JP" altLang="en-US" sz="1200" b="0" i="0" u="none" strike="noStrike" dirty="0">
                         <a:solidFill>
                           <a:srgbClr val="000000"/>
                         </a:solidFill>
@@ -22019,7 +22159,7 @@
                     <a:lstStyle/>
                     <a:p>
                       <a:pPr algn="ctr" fontAlgn="ctr"/>
-                      <a:endParaRPr lang="ja-JP" altLang="en-US" sz="1100" b="0" i="0" u="none" strike="noStrike" dirty="0">
+                      <a:endParaRPr lang="ja-JP" altLang="en-US" sz="1200" b="0" i="0" u="none" strike="noStrike" dirty="0">
                         <a:solidFill>
                           <a:srgbClr val="000000"/>
                         </a:solidFill>
@@ -22073,7 +22213,7 @@
                     <a:lstStyle/>
                     <a:p>
                       <a:pPr algn="ctr" fontAlgn="ctr"/>
-                      <a:endParaRPr lang="ja-JP" altLang="en-US" sz="1100" b="0" i="0" u="none" strike="noStrike" dirty="0">
+                      <a:endParaRPr lang="ja-JP" altLang="en-US" sz="1200" b="0" i="0" u="none" strike="noStrike" dirty="0">
                         <a:solidFill>
                           <a:srgbClr val="000000"/>
                         </a:solidFill>
@@ -22127,7 +22267,7 @@
                     <a:lstStyle/>
                     <a:p>
                       <a:pPr algn="ctr" fontAlgn="ctr"/>
-                      <a:endParaRPr lang="ja-JP" altLang="en-US" sz="1100" b="0" i="0" u="none" strike="noStrike" dirty="0">
+                      <a:endParaRPr lang="ja-JP" altLang="en-US" sz="1200" b="0" i="0" u="none" strike="noStrike" dirty="0">
                         <a:solidFill>
                           <a:srgbClr val="000000"/>
                         </a:solidFill>
@@ -22181,7 +22321,7 @@
                     <a:lstStyle/>
                     <a:p>
                       <a:pPr algn="ctr" fontAlgn="ctr"/>
-                      <a:endParaRPr lang="ja-JP" altLang="en-US" sz="1100" b="0" i="0" u="none" strike="noStrike" dirty="0">
+                      <a:endParaRPr lang="ja-JP" altLang="en-US" sz="1200" b="0" i="0" u="none" strike="noStrike" dirty="0">
                         <a:solidFill>
                           <a:srgbClr val="000000"/>
                         </a:solidFill>
@@ -22235,7 +22375,7 @@
                     <a:lstStyle/>
                     <a:p>
                       <a:pPr algn="ctr" fontAlgn="ctr"/>
-                      <a:endParaRPr lang="ja-JP" altLang="en-US" sz="1100" b="0" i="0" u="none" strike="noStrike" dirty="0">
+                      <a:endParaRPr lang="ja-JP" altLang="en-US" sz="1200" b="0" i="0" u="none" strike="noStrike" dirty="0">
                         <a:solidFill>
                           <a:srgbClr val="000000"/>
                         </a:solidFill>
@@ -22289,7 +22429,7 @@
                     <a:lstStyle/>
                     <a:p>
                       <a:pPr algn="ctr" fontAlgn="ctr"/>
-                      <a:endParaRPr lang="ja-JP" altLang="en-US" sz="1100" b="0" i="0" u="none" strike="noStrike" dirty="0">
+                      <a:endParaRPr lang="ja-JP" altLang="en-US" sz="1200" b="0" i="0" u="none" strike="noStrike" dirty="0">
                         <a:solidFill>
                           <a:srgbClr val="000000"/>
                         </a:solidFill>
@@ -22343,7 +22483,7 @@
                     <a:lstStyle/>
                     <a:p>
                       <a:pPr algn="ctr" fontAlgn="ctr"/>
-                      <a:endParaRPr lang="ja-JP" altLang="en-US" sz="1100" b="0" i="0" u="none" strike="noStrike" dirty="0">
+                      <a:endParaRPr lang="ja-JP" altLang="en-US" sz="1200" b="0" i="0" u="none" strike="noStrike" dirty="0">
                         <a:solidFill>
                           <a:srgbClr val="000000"/>
                         </a:solidFill>
@@ -22398,7 +22538,7 @@
                     <a:p>
                       <a:pPr algn="ctr" fontAlgn="ctr"/>
                       <a:r>
-                        <a:rPr lang="ja-JP" altLang="en-US" sz="1100" b="0" i="0" u="none" strike="noStrike" dirty="0" smtClean="0">
+                        <a:rPr lang="ja-JP" altLang="en-US" sz="1200" b="0" i="0" u="none" strike="noStrike" dirty="0" smtClean="0">
                           <a:solidFill>
                             <a:srgbClr val="000000"/>
                           </a:solidFill>
@@ -22407,7 +22547,7 @@
                         </a:rPr>
                         <a:t>→</a:t>
                       </a:r>
-                      <a:endParaRPr lang="ja-JP" altLang="en-US" sz="1100" b="0" i="0" u="none" strike="noStrike" dirty="0">
+                      <a:endParaRPr lang="ja-JP" altLang="en-US" sz="1200" b="0" i="0" u="none" strike="noStrike" dirty="0">
                         <a:solidFill>
                           <a:srgbClr val="000000"/>
                         </a:solidFill>
@@ -26517,11 +26657,7 @@
           <a:p>
             <a:r>
               <a:rPr lang="ja-JP" altLang="en-US" dirty="0" smtClean="0"/>
-              <a:t>５－１．</a:t>
-            </a:r>
-            <a:r>
-              <a:rPr lang="ja-JP" altLang="en-US" dirty="0" smtClean="0"/>
-              <a:t>画面／機能構成</a:t>
+              <a:t>５－１．画面／機能構成</a:t>
             </a:r>
             <a:endParaRPr kumimoji="1" lang="ja-JP" altLang="en-US" dirty="0"/>
           </a:p>
@@ -26686,22 +26822,18 @@
           <a:p>
             <a:pPr algn="ctr"/>
             <a:r>
-              <a:rPr kumimoji="1" lang="ja-JP" altLang="en-US" sz="1100" dirty="0" smtClean="0"/>
-              <a:t>ユーザ</a:t>
+              <a:rPr kumimoji="1" lang="ja-JP" altLang="en-US" sz="1200" dirty="0" smtClean="0"/>
+              <a:t>ユーザ選択</a:t>
             </a:r>
-            <a:r>
-              <a:rPr kumimoji="1" lang="ja-JP" altLang="en-US" sz="1100" dirty="0" smtClean="0"/>
-              <a:t>選択</a:t>
-            </a:r>
-            <a:endParaRPr kumimoji="1" lang="en-US" altLang="ja-JP" sz="1100" dirty="0" smtClean="0"/>
+            <a:endParaRPr kumimoji="1" lang="en-US" altLang="ja-JP" sz="1200" dirty="0" smtClean="0"/>
           </a:p>
           <a:p>
             <a:pPr algn="ctr"/>
             <a:r>
-              <a:rPr kumimoji="1" lang="ja-JP" altLang="en-US" sz="1100" dirty="0" smtClean="0"/>
+              <a:rPr kumimoji="1" lang="ja-JP" altLang="en-US" sz="1200" dirty="0" smtClean="0"/>
               <a:t>ヘルプ画面</a:t>
             </a:r>
-            <a:endParaRPr kumimoji="1" lang="en-US" altLang="ja-JP" sz="1100" dirty="0"/>
+            <a:endParaRPr kumimoji="1" lang="en-US" altLang="ja-JP" sz="1200" dirty="0"/>
           </a:p>
         </p:txBody>
       </p:sp>
@@ -26841,10 +26973,10 @@
           <a:p>
             <a:pPr algn="ctr"/>
             <a:r>
-              <a:rPr kumimoji="1" lang="ja-JP" altLang="en-US" sz="1100" dirty="0" smtClean="0"/>
+              <a:rPr kumimoji="1" lang="ja-JP" altLang="en-US" sz="1200" dirty="0" smtClean="0"/>
               <a:t>メール送信機能</a:t>
             </a:r>
-            <a:endParaRPr kumimoji="1" lang="en-US" altLang="ja-JP" sz="1100" dirty="0"/>
+            <a:endParaRPr kumimoji="1" lang="en-US" altLang="ja-JP" sz="1200" dirty="0"/>
           </a:p>
         </p:txBody>
       </p:sp>
@@ -26926,14 +27058,14 @@
             <p:ph idx="1"/>
             <p:extLst>
               <p:ext uri="{D42A27DB-BD31-4B8C-83A1-F6EECF244321}">
-                <p14:modId xmlns:p14="http://schemas.microsoft.com/office/powerpoint/2010/main" val="175540893"/>
+                <p14:modId xmlns:p14="http://schemas.microsoft.com/office/powerpoint/2010/main" val="3965284707"/>
               </p:ext>
             </p:extLst>
           </p:nvPr>
         </p:nvGraphicFramePr>
         <p:xfrm>
-          <a:off x="323528" y="1484784"/>
-          <a:ext cx="7931225" cy="5112570"/>
+          <a:off x="323528" y="1484785"/>
+          <a:ext cx="7931225" cy="5184573"/>
         </p:xfrm>
         <a:graphic>
           <a:graphicData uri="http://schemas.openxmlformats.org/drawingml/2006/table">
@@ -26947,7 +27079,7 @@
                 <a:gridCol w="3507285"/>
                 <a:gridCol w="2314601"/>
               </a:tblGrid>
-              <a:tr h="300061">
+              <a:tr h="304618">
                 <a:tc>
                   <a:txBody>
                     <a:bodyPr/>
@@ -27053,7 +27185,7 @@
                   <a:tcPr marL="8355" marR="8355" marT="8355" marB="0" anchor="ctr"/>
                 </a:tc>
               </a:tr>
-              <a:tr h="675021">
+              <a:tr h="594870">
                 <a:tc>
                   <a:txBody>
                     <a:bodyPr/>
@@ -27190,7 +27322,7 @@
                   <a:tcPr marL="8355" marR="8355" marT="8355" marB="0" anchor="ctr"/>
                 </a:tc>
               </a:tr>
-              <a:tr h="795336">
+              <a:tr h="594870">
                 <a:tc>
                   <a:txBody>
                     <a:bodyPr/>
@@ -27252,23 +27384,6 @@
                     </a:p>
                     <a:p>
                       <a:pPr algn="l" fontAlgn="ctr"/>
-                      <a:r>
-                        <a:rPr lang="ja-JP" altLang="en-US" sz="1200" u="none" strike="noStrike" dirty="0" smtClean="0">
-                          <a:effectLst/>
-                        </a:rPr>
-                        <a:t>権限者</a:t>
-                      </a:r>
-                      <a:r>
-                        <a:rPr lang="ja-JP" altLang="en-US" sz="1200" u="none" strike="noStrike" dirty="0">
-                          <a:effectLst/>
-                        </a:rPr>
-                        <a:t>によって表示メニューを切り替える。</a:t>
-                      </a:r>
-                      <a:br>
-                        <a:rPr lang="ja-JP" altLang="en-US" sz="1200" u="none" strike="noStrike" dirty="0">
-                          <a:effectLst/>
-                        </a:rPr>
-                      </a:br>
                       <a:r>
                         <a:rPr lang="ja-JP" altLang="en-US" sz="1200" u="none" strike="noStrike" dirty="0" smtClean="0">
                           <a:effectLst/>
@@ -27333,7 +27448,7 @@
                   <a:tcPr marL="8355" marR="8355" marT="8355" marB="0" anchor="ctr"/>
                 </a:tc>
               </a:tr>
-              <a:tr h="841497">
+              <a:tr h="594870">
                 <a:tc>
                   <a:txBody>
                     <a:bodyPr/>
@@ -27363,7 +27478,7 @@
                       <a:r>
                         <a:rPr lang="ja-JP" altLang="en-US" sz="1200" u="none" strike="noStrike" dirty="0">
                           <a:solidFill>
-                            <a:srgbClr val="FF0000"/>
+                            <a:schemeClr val="tx1"/>
                           </a:solidFill>
                           <a:effectLst/>
                         </a:rPr>
@@ -27371,7 +27486,7 @@
                       </a:r>
                       <a:endParaRPr lang="ja-JP" altLang="en-US" sz="1200" b="0" i="0" u="none" strike="noStrike" dirty="0">
                         <a:solidFill>
-                          <a:srgbClr val="FF0000"/>
+                          <a:schemeClr val="tx1"/>
                         </a:solidFill>
                         <a:effectLst/>
                         <a:latin typeface="ＭＳ Ｐゴシック"/>
@@ -27389,7 +27504,7 @@
                       <a:r>
                         <a:rPr lang="ja-JP" altLang="en-US" sz="1200" u="none" strike="noStrike" dirty="0">
                           <a:solidFill>
-                            <a:srgbClr val="FF0000"/>
+                            <a:schemeClr val="tx1"/>
                           </a:solidFill>
                           <a:effectLst/>
                         </a:rPr>
@@ -27398,7 +27513,7 @@
                       <a:br>
                         <a:rPr lang="ja-JP" altLang="en-US" sz="1200" u="none" strike="noStrike" dirty="0">
                           <a:solidFill>
-                            <a:srgbClr val="FF0000"/>
+                            <a:schemeClr val="tx1"/>
                           </a:solidFill>
                           <a:effectLst/>
                         </a:rPr>
@@ -27406,42 +27521,42 @@
                       <a:r>
                         <a:rPr lang="ja-JP" altLang="en-US" sz="1200" u="none" strike="noStrike" dirty="0" smtClean="0">
                           <a:solidFill>
-                            <a:srgbClr val="FF0000"/>
+                            <a:schemeClr val="tx1"/>
                           </a:solidFill>
                           <a:effectLst/>
                         </a:rPr>
-                        <a:t>月報</a:t>
+                        <a:t>月報の一括</a:t>
+                      </a:r>
+                      <a:r>
+                        <a:rPr lang="en-US" altLang="ja-JP" sz="1200" u="none" strike="noStrike" dirty="0" smtClean="0">
+                          <a:solidFill>
+                            <a:schemeClr val="tx1"/>
+                          </a:solidFill>
+                          <a:effectLst/>
+                        </a:rPr>
+                        <a:t>DL</a:t>
+                      </a:r>
+                      <a:r>
+                        <a:rPr lang="ja-JP" altLang="en-US" sz="1200" u="none" strike="noStrike" dirty="0" smtClean="0">
+                          <a:solidFill>
+                            <a:schemeClr val="tx1"/>
+                          </a:solidFill>
+                          <a:effectLst/>
+                        </a:rPr>
+                        <a:t>ダウンロード、否認も</a:t>
                       </a:r>
                       <a:r>
                         <a:rPr lang="ja-JP" altLang="en-US" sz="1200" u="none" strike="noStrike" dirty="0">
                           <a:solidFill>
-                            <a:srgbClr val="FF0000"/>
+                            <a:schemeClr val="tx1"/>
                           </a:solidFill>
                           <a:effectLst/>
                         </a:rPr>
-                        <a:t>を</a:t>
-                      </a:r>
-                      <a:r>
-                        <a:rPr lang="ja-JP" altLang="en-US" sz="1200" u="none" strike="noStrike" dirty="0" smtClean="0">
-                          <a:solidFill>
-                            <a:srgbClr val="FF0000"/>
-                          </a:solidFill>
-                          <a:effectLst/>
-                        </a:rPr>
-                        <a:t>まとめてアップロード、ダウンロード</a:t>
-                      </a:r>
-                      <a:r>
-                        <a:rPr lang="ja-JP" altLang="en-US" sz="1200" u="none" strike="noStrike" dirty="0">
-                          <a:solidFill>
-                            <a:srgbClr val="FF0000"/>
-                          </a:solidFill>
-                          <a:effectLst/>
-                        </a:rPr>
-                        <a:t>、承認、回覧、差し戻しも可能。</a:t>
+                        <a:t>可能。</a:t>
                       </a:r>
                       <a:endParaRPr lang="ja-JP" altLang="en-US" sz="1200" b="0" i="0" u="none" strike="noStrike" dirty="0">
                         <a:solidFill>
-                          <a:srgbClr val="FF0000"/>
+                          <a:schemeClr val="tx1"/>
                         </a:solidFill>
                         <a:effectLst/>
                         <a:latin typeface="ＭＳ Ｐゴシック"/>
@@ -27459,7 +27574,7 @@
                       <a:r>
                         <a:rPr lang="ja-JP" altLang="en-US" sz="1200" u="none" strike="noStrike" dirty="0">
                           <a:solidFill>
-                            <a:srgbClr val="FF0000"/>
+                            <a:schemeClr val="tx1"/>
                           </a:solidFill>
                           <a:effectLst/>
                         </a:rPr>
@@ -27468,7 +27583,7 @@
                       <a:r>
                         <a:rPr lang="ja-JP" altLang="en-US" sz="1200" u="none" strike="noStrike" dirty="0" smtClean="0">
                           <a:solidFill>
-                            <a:srgbClr val="FF0000"/>
+                            <a:schemeClr val="tx1"/>
                           </a:solidFill>
                           <a:effectLst/>
                         </a:rPr>
@@ -27477,7 +27592,7 @@
                       <a:r>
                         <a:rPr lang="ja-JP" altLang="en-US" sz="1200" u="none" strike="noStrike" dirty="0">
                           <a:solidFill>
-                            <a:srgbClr val="FF0000"/>
+                            <a:schemeClr val="tx1"/>
                           </a:solidFill>
                           <a:effectLst/>
                         </a:rPr>
@@ -27486,7 +27601,7 @@
                       <a:br>
                         <a:rPr lang="ja-JP" altLang="en-US" sz="1200" u="none" strike="noStrike" dirty="0">
                           <a:solidFill>
-                            <a:srgbClr val="FF0000"/>
+                            <a:schemeClr val="tx1"/>
                           </a:solidFill>
                           <a:effectLst/>
                         </a:rPr>
@@ -27494,7 +27609,7 @@
                       <a:r>
                         <a:rPr lang="ja-JP" altLang="en-US" sz="1200" u="none" strike="noStrike" dirty="0">
                           <a:solidFill>
-                            <a:srgbClr val="FF0000"/>
+                            <a:schemeClr val="tx1"/>
                           </a:solidFill>
                           <a:effectLst/>
                         </a:rPr>
@@ -27503,68 +27618,28 @@
                       <a:r>
                         <a:rPr lang="en-US" altLang="ja-JP" sz="1200" u="none" strike="noStrike" dirty="0" smtClean="0">
                           <a:solidFill>
-                            <a:srgbClr val="FF0000"/>
+                            <a:schemeClr val="tx1"/>
                           </a:solidFill>
                           <a:effectLst/>
                         </a:rPr>
                         <a:t>DL</a:t>
                       </a:r>
+                    </a:p>
+                    <a:p>
+                      <a:pPr algn="l" fontAlgn="ctr"/>
                       <a:r>
-                        <a:rPr lang="en-US" altLang="ja-JP" sz="1200" u="none" strike="noStrike" dirty="0">
+                        <a:rPr lang="ja-JP" altLang="en-US" sz="1200" b="0" i="0" u="none" strike="noStrike" dirty="0" smtClean="0">
                           <a:solidFill>
-                            <a:srgbClr val="FF0000"/>
+                            <a:schemeClr val="tx1"/>
                           </a:solidFill>
                           <a:effectLst/>
+                          <a:latin typeface="ＭＳ Ｐゴシック"/>
                         </a:rPr>
-                        <a:t/>
-                      </a:r>
-                      <a:br>
-                        <a:rPr lang="en-US" altLang="ja-JP" sz="1200" u="none" strike="noStrike" dirty="0">
-                          <a:solidFill>
-                            <a:srgbClr val="FF0000"/>
-                          </a:solidFill>
-                          <a:effectLst/>
-                        </a:rPr>
-                      </a:br>
-                      <a:r>
-                        <a:rPr lang="ja-JP" altLang="en-US" sz="1200" u="none" strike="noStrike" dirty="0">
-                          <a:solidFill>
-                            <a:srgbClr val="FF0000"/>
-                          </a:solidFill>
-                          <a:effectLst/>
-                        </a:rPr>
-                        <a:t>・月報一括</a:t>
-                      </a:r>
-                      <a:r>
-                        <a:rPr lang="en-US" altLang="ja-JP" sz="1200" u="none" strike="noStrike" dirty="0">
-                          <a:solidFill>
-                            <a:srgbClr val="FF0000"/>
-                          </a:solidFill>
-                          <a:effectLst/>
-                        </a:rPr>
-                        <a:t>UP</a:t>
-                      </a:r>
-                      <a:r>
-                        <a:rPr lang="ja-JP" altLang="en-US" sz="1200" u="none" strike="noStrike" dirty="0" smtClean="0">
-                          <a:solidFill>
-                            <a:srgbClr val="FF0000"/>
-                          </a:solidFill>
-                          <a:effectLst/>
-                        </a:rPr>
-                        <a:t>（承認</a:t>
-                      </a:r>
-                      <a:r>
-                        <a:rPr lang="ja-JP" altLang="en-US" sz="1200" u="none" strike="noStrike" dirty="0">
-                          <a:solidFill>
-                            <a:srgbClr val="FF0000"/>
-                          </a:solidFill>
-                          <a:effectLst/>
-                        </a:rPr>
-                        <a:t>）</a:t>
+                        <a:t>・月報一括否認</a:t>
                       </a:r>
                       <a:endParaRPr lang="ja-JP" altLang="en-US" sz="1200" b="0" i="0" u="none" strike="noStrike" dirty="0">
                         <a:solidFill>
-                          <a:srgbClr val="FF0000"/>
+                          <a:schemeClr val="tx1"/>
                         </a:solidFill>
                         <a:effectLst/>
                         <a:latin typeface="ＭＳ Ｐゴシック"/>
@@ -27574,7 +27649,7 @@
                   <a:tcPr marL="8355" marR="8355" marT="8355" marB="0" anchor="ctr"/>
                 </a:tc>
               </a:tr>
-              <a:tr h="622251">
+              <a:tr h="594870">
                 <a:tc>
                   <a:txBody>
                     <a:bodyPr/>
@@ -27741,7 +27816,189 @@
                   <a:tcPr marL="8355" marR="8355" marT="8355" marB="0" anchor="ctr"/>
                 </a:tc>
               </a:tr>
-              <a:tr h="300061">
+              <a:tr h="594870">
+                <a:tc>
+                  <a:txBody>
+                    <a:bodyPr/>
+                    <a:lstStyle/>
+                    <a:p>
+                      <a:pPr marL="0" indent="0" algn="r" fontAlgn="ctr">
+                        <a:buFont typeface="Arial" panose="020B0604020202020204" pitchFamily="34" charset="0"/>
+                        <a:buNone/>
+                      </a:pPr>
+                      <a:endParaRPr lang="en-US" altLang="ja-JP" sz="1200" b="0" i="0" u="none" strike="noStrike" dirty="0">
+                        <a:solidFill>
+                          <a:srgbClr val="000000"/>
+                        </a:solidFill>
+                        <a:effectLst/>
+                        <a:latin typeface="ＭＳ Ｐゴシック"/>
+                      </a:endParaRPr>
+                    </a:p>
+                  </a:txBody>
+                  <a:tcPr marL="8355" marR="8355" marT="8355" marB="0" anchor="ctr"/>
+                </a:tc>
+                <a:tc>
+                  <a:txBody>
+                    <a:bodyPr/>
+                    <a:lstStyle/>
+                    <a:p>
+                      <a:pPr algn="l" fontAlgn="ctr"/>
+                      <a:r>
+                        <a:rPr lang="ja-JP" altLang="en-US" sz="1200" b="0" i="0" u="none" strike="noStrike" dirty="0" smtClean="0">
+                          <a:solidFill>
+                            <a:srgbClr val="000000"/>
+                          </a:solidFill>
+                          <a:effectLst/>
+                          <a:latin typeface="ＭＳ Ｐゴシック"/>
+                        </a:rPr>
+                        <a:t>月報一括承認画面</a:t>
+                      </a:r>
+                      <a:endParaRPr lang="ja-JP" altLang="en-US" sz="1200" b="0" i="0" u="none" strike="noStrike" dirty="0">
+                        <a:solidFill>
+                          <a:srgbClr val="000000"/>
+                        </a:solidFill>
+                        <a:effectLst/>
+                        <a:latin typeface="ＭＳ Ｐゴシック"/>
+                      </a:endParaRPr>
+                    </a:p>
+                  </a:txBody>
+                  <a:tcPr marL="8355" marR="8355" marT="8355" marB="0" anchor="ctr"/>
+                </a:tc>
+                <a:tc>
+                  <a:txBody>
+                    <a:bodyPr/>
+                    <a:lstStyle/>
+                    <a:p>
+                      <a:pPr algn="l" fontAlgn="ctr"/>
+                      <a:r>
+                        <a:rPr lang="ja-JP" altLang="en-US" sz="1200" b="0" i="0" u="none" strike="noStrike" dirty="0" smtClean="0">
+                          <a:solidFill>
+                            <a:srgbClr val="000000"/>
+                          </a:solidFill>
+                          <a:effectLst/>
+                          <a:latin typeface="ＭＳ Ｐゴシック"/>
+                        </a:rPr>
+                        <a:t>月報を一括で承認する画面。</a:t>
+                      </a:r>
+                      <a:endParaRPr lang="en-US" altLang="ja-JP" sz="1200" b="0" i="0" u="none" strike="noStrike" dirty="0" smtClean="0">
+                        <a:solidFill>
+                          <a:srgbClr val="000000"/>
+                        </a:solidFill>
+                        <a:effectLst/>
+                        <a:latin typeface="ＭＳ Ｐゴシック"/>
+                      </a:endParaRPr>
+                    </a:p>
+                    <a:p>
+                      <a:pPr marL="0" marR="0" indent="0" algn="l" defTabSz="914400" rtl="0" eaLnBrk="1" fontAlgn="ctr" latinLnBrk="0" hangingPunct="1">
+                        <a:lnSpc>
+                          <a:spcPct val="100000"/>
+                        </a:lnSpc>
+                        <a:spcBef>
+                          <a:spcPts val="0"/>
+                        </a:spcBef>
+                        <a:spcAft>
+                          <a:spcPts val="0"/>
+                        </a:spcAft>
+                        <a:buClrTx/>
+                        <a:buSzTx/>
+                        <a:buFontTx/>
+                        <a:buNone/>
+                        <a:tabLst/>
+                        <a:defRPr/>
+                      </a:pPr>
+                      <a:r>
+                        <a:rPr lang="ja-JP" altLang="en-US" sz="1200" b="0" i="0" u="none" strike="noStrike" dirty="0" smtClean="0">
+                          <a:solidFill>
+                            <a:srgbClr val="000000"/>
+                          </a:solidFill>
+                          <a:effectLst/>
+                          <a:latin typeface="ＭＳ Ｐゴシック"/>
+                        </a:rPr>
+                        <a:t>月報を一括</a:t>
+                      </a:r>
+                      <a:r>
+                        <a:rPr lang="en-US" altLang="ja-JP" sz="1200" b="0" i="0" u="none" strike="noStrike" dirty="0" smtClean="0">
+                          <a:solidFill>
+                            <a:srgbClr val="000000"/>
+                          </a:solidFill>
+                          <a:effectLst/>
+                          <a:latin typeface="ＭＳ Ｐゴシック"/>
+                        </a:rPr>
+                        <a:t>UP</a:t>
+                      </a:r>
+                      <a:r>
+                        <a:rPr lang="ja-JP" altLang="en-US" sz="1200" b="0" i="0" u="none" strike="noStrike" dirty="0" smtClean="0">
+                          <a:solidFill>
+                            <a:srgbClr val="000000"/>
+                          </a:solidFill>
+                          <a:effectLst/>
+                          <a:latin typeface="ＭＳ Ｐゴシック"/>
+                        </a:rPr>
+                        <a:t>して承認を行う。</a:t>
+                      </a:r>
+                    </a:p>
+                  </a:txBody>
+                  <a:tcPr marL="8355" marR="8355" marT="8355" marB="0" anchor="ctr"/>
+                </a:tc>
+                <a:tc>
+                  <a:txBody>
+                    <a:bodyPr/>
+                    <a:lstStyle/>
+                    <a:p>
+                      <a:pPr algn="l" fontAlgn="ctr"/>
+                      <a:r>
+                        <a:rPr lang="ja-JP" altLang="en-US" sz="1200" b="0" i="0" u="none" strike="noStrike" dirty="0" smtClean="0">
+                          <a:solidFill>
+                            <a:srgbClr val="000000"/>
+                          </a:solidFill>
+                          <a:effectLst/>
+                          <a:latin typeface="ＭＳ Ｐゴシック"/>
+                        </a:rPr>
+                        <a:t>・月報一括</a:t>
+                      </a:r>
+                      <a:r>
+                        <a:rPr lang="en-US" altLang="ja-JP" sz="1200" b="0" i="0" u="none" strike="noStrike" dirty="0" smtClean="0">
+                          <a:solidFill>
+                            <a:srgbClr val="000000"/>
+                          </a:solidFill>
+                          <a:effectLst/>
+                          <a:latin typeface="ＭＳ Ｐゴシック"/>
+                        </a:rPr>
+                        <a:t>UP(</a:t>
+                      </a:r>
+                      <a:r>
+                        <a:rPr lang="ja-JP" altLang="en-US" sz="1200" b="0" i="0" u="none" strike="noStrike" dirty="0" smtClean="0">
+                          <a:solidFill>
+                            <a:srgbClr val="000000"/>
+                          </a:solidFill>
+                          <a:effectLst/>
+                          <a:latin typeface="ＭＳ Ｐゴシック"/>
+                        </a:rPr>
+                        <a:t>承認</a:t>
+                      </a:r>
+                      <a:r>
+                        <a:rPr lang="en-US" altLang="ja-JP" sz="1200" b="0" i="0" u="none" strike="noStrike" dirty="0" smtClean="0">
+                          <a:solidFill>
+                            <a:srgbClr val="000000"/>
+                          </a:solidFill>
+                          <a:effectLst/>
+                          <a:latin typeface="ＭＳ Ｐゴシック"/>
+                        </a:rPr>
+                        <a:t>)</a:t>
+                      </a:r>
+                      <a:endParaRPr lang="ja-JP" altLang="en-US" sz="1200" b="0" i="0" u="none" strike="noStrike" dirty="0">
+                        <a:solidFill>
+                          <a:srgbClr val="000000"/>
+                        </a:solidFill>
+                        <a:effectLst/>
+                        <a:latin typeface="ＭＳ Ｐゴシック"/>
+                      </a:endParaRPr>
+                    </a:p>
+                  </a:txBody>
+                  <a:tcPr marL="8355" marR="8355" marT="8355" marB="0" anchor="ctr"/>
+                </a:tc>
+              </a:tr>
+              <a:tr h="381121">
                 <a:tc>
                   <a:txBody>
                     <a:bodyPr/>
@@ -27832,7 +28089,7 @@
                   <a:tcPr marL="8355" marR="8355" marT="8355" marB="0" anchor="ctr"/>
                 </a:tc>
               </a:tr>
-              <a:tr h="406021">
+              <a:tr h="381121">
                 <a:tc>
                   <a:txBody>
                     <a:bodyPr/>
@@ -27941,7 +28198,7 @@
                   <a:tcPr marL="8355" marR="8355" marT="8355" marB="0" anchor="ctr"/>
                 </a:tc>
               </a:tr>
-              <a:tr h="300061">
+              <a:tr h="381121">
                 <a:tc>
                   <a:txBody>
                     <a:bodyPr/>
@@ -28032,7 +28289,7 @@
                   <a:tcPr marL="8355" marR="8355" marT="8355" marB="0" anchor="ctr"/>
                 </a:tc>
               </a:tr>
-              <a:tr h="300061">
+              <a:tr h="381121">
                 <a:tc>
                   <a:txBody>
                     <a:bodyPr/>
@@ -28129,7 +28386,7 @@
                   <a:tcPr marL="8355" marR="8355" marT="8355" marB="0" anchor="ctr"/>
                 </a:tc>
               </a:tr>
-              <a:tr h="572200">
+              <a:tr h="381121">
                 <a:tc>
                   <a:txBody>
                     <a:bodyPr/>
@@ -28308,76 +28565,16 @@
         <a:srgbClr val="3EBBF0"/>
       </a:folHlink>
     </a:clrScheme>
-    <a:fontScheme name="Office">
+    <a:fontScheme name="ユーザー定義 2">
       <a:majorFont>
         <a:latin typeface="Cambria"/>
-        <a:ea typeface=""/>
+        <a:ea typeface="Meiryo UI"/>
         <a:cs typeface=""/>
-        <a:font script="Jpan" typeface="ＭＳ ゴシック"/>
-        <a:font script="Hang" typeface="맑은 고딕"/>
-        <a:font script="Hans" typeface="宋体"/>
-        <a:font script="Hant" typeface="新細明體"/>
-        <a:font script="Arab" typeface="Times New Roman"/>
-        <a:font script="Hebr" typeface="Times New Roman"/>
-        <a:font script="Thai" typeface="Angsana New"/>
-        <a:font script="Ethi" typeface="Nyala"/>
-        <a:font script="Beng" typeface="Vrinda"/>
-        <a:font script="Gujr" typeface="Shruti"/>
-        <a:font script="Khmr" typeface="MoolBoran"/>
-        <a:font script="Knda" typeface="Tunga"/>
-        <a:font script="Guru" typeface="Raavi"/>
-        <a:font script="Cans" typeface="Euphemia"/>
-        <a:font script="Cher" typeface="Plantagenet Cherokee"/>
-        <a:font script="Yiii" typeface="Microsoft Yi Baiti"/>
-        <a:font script="Tibt" typeface="Microsoft Himalaya"/>
-        <a:font script="Thaa" typeface="MV Boli"/>
-        <a:font script="Deva" typeface="Mangal"/>
-        <a:font script="Telu" typeface="Gautami"/>
-        <a:font script="Taml" typeface="Latha"/>
-        <a:font script="Syrc" typeface="Estrangelo Edessa"/>
-        <a:font script="Orya" typeface="Kalinga"/>
-        <a:font script="Mlym" typeface="Kartika"/>
-        <a:font script="Laoo" typeface="DokChampa"/>
-        <a:font script="Sinh" typeface="Iskoola Pota"/>
-        <a:font script="Mong" typeface="Mongolian Baiti"/>
-        <a:font script="Viet" typeface="Times New Roman"/>
-        <a:font script="Uigh" typeface="Microsoft Uighur"/>
-        <a:font script="Geor" typeface="Sylfaen"/>
       </a:majorFont>
       <a:minorFont>
         <a:latin typeface="Calibri"/>
-        <a:ea typeface=""/>
+        <a:ea typeface="Meiryo UI"/>
         <a:cs typeface=""/>
-        <a:font script="Jpan" typeface="ＭＳ 明朝"/>
-        <a:font script="Hang" typeface="맑은 고딕"/>
-        <a:font script="Hans" typeface="宋体"/>
-        <a:font script="Hant" typeface="新細明體"/>
-        <a:font script="Arab" typeface="Arial"/>
-        <a:font script="Hebr" typeface="Arial"/>
-        <a:font script="Thai" typeface="Cordia New"/>
-        <a:font script="Ethi" typeface="Nyala"/>
-        <a:font script="Beng" typeface="Vrinda"/>
-        <a:font script="Gujr" typeface="Shruti"/>
-        <a:font script="Khmr" typeface="DaunPenh"/>
-        <a:font script="Knda" typeface="Tunga"/>
-        <a:font script="Guru" typeface="Raavi"/>
-        <a:font script="Cans" typeface="Euphemia"/>
-        <a:font script="Cher" typeface="Plantagenet Cherokee"/>
-        <a:font script="Yiii" typeface="Microsoft Yi Baiti"/>
-        <a:font script="Tibt" typeface="Microsoft Himalaya"/>
-        <a:font script="Thaa" typeface="MV Boli"/>
-        <a:font script="Deva" typeface="Mangal"/>
-        <a:font script="Telu" typeface="Gautami"/>
-        <a:font script="Taml" typeface="Latha"/>
-        <a:font script="Syrc" typeface="Estrangelo Edessa"/>
-        <a:font script="Orya" typeface="Kalinga"/>
-        <a:font script="Mlym" typeface="Kartika"/>
-        <a:font script="Laoo" typeface="DokChampa"/>
-        <a:font script="Sinh" typeface="Iskoola Pota"/>
-        <a:font script="Mong" typeface="Mongolian Baiti"/>
-        <a:font script="Viet" typeface="Arial"/>
-        <a:font script="Uigh" typeface="Microsoft Uighur"/>
-        <a:font script="Geor" typeface="Sylfaen"/>
       </a:minorFont>
     </a:fontScheme>
     <a:fmtScheme name="ナチュラル">

--- a/月報システム化提案.pptx
+++ b/月報システム化提案.pptx
@@ -2,7 +2,7 @@
 <file path=ppt/presentation.xml><?xml version="1.0" encoding="utf-8"?>
 <p:presentation xmlns:a="http://schemas.openxmlformats.org/drawingml/2006/main" xmlns:r="http://schemas.openxmlformats.org/officeDocument/2006/relationships" xmlns:p="http://schemas.openxmlformats.org/presentationml/2006/main" saveSubsetFonts="1">
   <p:sldMasterIdLst>
-    <p:sldMasterId id="2147483660" r:id="rId1"/>
+    <p:sldMasterId id="2147483672" r:id="rId1"/>
   </p:sldMasterIdLst>
   <p:notesMasterIdLst>
     <p:notesMasterId r:id="rId15"/>
@@ -1326,11 +1326,7 @@
         <a:p>
           <a:r>
             <a:rPr kumimoji="1" lang="ja-JP" altLang="en-US" dirty="0" smtClean="0"/>
-            <a:t>月報</a:t>
-          </a:r>
-          <a:r>
-            <a:rPr kumimoji="1" lang="ja-JP" altLang="en-US" dirty="0" smtClean="0"/>
-            <a:t>申請</a:t>
+            <a:t>月報申請</a:t>
           </a:r>
           <a:endParaRPr kumimoji="1" lang="ja-JP" altLang="en-US" dirty="0"/>
         </a:p>
@@ -1620,10 +1616,24 @@
     <dgm:pt modelId="{67736FBD-3205-474D-9F0D-327B7F4057C8}" type="pres">
       <dgm:prSet presAssocID="{861A0A6C-614C-41EF-9F6F-F22C7A389D43}" presName="conn2-1" presStyleLbl="parChTrans1D4" presStyleIdx="1" presStyleCnt="4"/>
       <dgm:spPr/>
+      <dgm:t>
+        <a:bodyPr/>
+        <a:lstStyle/>
+        <a:p>
+          <a:endParaRPr kumimoji="1" lang="ja-JP" altLang="en-US"/>
+        </a:p>
+      </dgm:t>
     </dgm:pt>
     <dgm:pt modelId="{6A39B87F-4922-41EF-AD26-6C2FA2F01021}" type="pres">
       <dgm:prSet presAssocID="{861A0A6C-614C-41EF-9F6F-F22C7A389D43}" presName="connTx" presStyleLbl="parChTrans1D4" presStyleIdx="1" presStyleCnt="4"/>
       <dgm:spPr/>
+      <dgm:t>
+        <a:bodyPr/>
+        <a:lstStyle/>
+        <a:p>
+          <a:endParaRPr kumimoji="1" lang="ja-JP" altLang="en-US"/>
+        </a:p>
+      </dgm:t>
     </dgm:pt>
     <dgm:pt modelId="{7B337599-FC70-409B-8F80-706EC2889499}" type="pres">
       <dgm:prSet presAssocID="{D5BCA32B-0AF1-4BEE-884E-693708E6860E}" presName="root2" presStyleCnt="0"/>
@@ -1785,41 +1795,41 @@
     </dgm:pt>
   </dgm:ptLst>
   <dgm:cxnLst>
+    <dgm:cxn modelId="{CBA6455A-7AB8-4C37-B07D-E46261CC4893}" type="presOf" srcId="{D5BCA32B-0AF1-4BEE-884E-693708E6860E}" destId="{D5585635-B468-46BF-923C-FB387A71F527}" srcOrd="0" destOrd="0" presId="urn:microsoft.com/office/officeart/2008/layout/HorizontalMultiLevelHierarchy"/>
+    <dgm:cxn modelId="{73BBC259-49DD-42BA-8F88-524232B8ECC7}" type="presOf" srcId="{420A7C68-5D43-4EB6-AFB7-75822302A846}" destId="{2783DBF3-317F-4536-8771-9AD6DFDD1314}" srcOrd="1" destOrd="0" presId="urn:microsoft.com/office/officeart/2008/layout/HorizontalMultiLevelHierarchy"/>
     <dgm:cxn modelId="{629D4D23-B4EE-4D2F-AF64-A06C0D99D6EF}" type="presOf" srcId="{550A381F-40F0-4E05-ACCB-D1C9F5A5043C}" destId="{AAE69731-215B-45BC-8E15-2A6F1103ED7E}" srcOrd="0" destOrd="0" presId="urn:microsoft.com/office/officeart/2008/layout/HorizontalMultiLevelHierarchy"/>
-    <dgm:cxn modelId="{BC25CCFD-1A50-4152-BFF0-E6B0A65BFCE0}" srcId="{33878004-7D2A-4F72-BEDB-5D0AB58F15AC}" destId="{6ED63BC7-73D7-42AA-8C32-20FAF112464A}" srcOrd="1" destOrd="0" parTransId="{129AA29F-A958-46F2-B74F-1427BE8052EA}" sibTransId="{229F1C12-4DAE-4999-8B03-81254F138021}"/>
-    <dgm:cxn modelId="{31A524A3-39E1-4B52-9DC5-85497E165E88}" type="presOf" srcId="{1C096A7E-8FF6-4205-B81F-37441528B91E}" destId="{9E124E1E-0161-4AC1-87EC-B09B2F219B0F}" srcOrd="0" destOrd="0" presId="urn:microsoft.com/office/officeart/2008/layout/HorizontalMultiLevelHierarchy"/>
-    <dgm:cxn modelId="{401894A6-3515-433E-B28F-50C90B2D9720}" srcId="{33878004-7D2A-4F72-BEDB-5D0AB58F15AC}" destId="{01604493-B99B-4814-ACAE-EF4534CEEECF}" srcOrd="2" destOrd="0" parTransId="{42AACD0A-5BFC-48B7-BF2F-7EFEB20806CE}" sibTransId="{B323BEF6-400C-4BB2-8275-C521625AA9DA}"/>
-    <dgm:cxn modelId="{90D0F8C1-8D0C-4883-A306-FCAE726554E2}" type="presOf" srcId="{129AA29F-A958-46F2-B74F-1427BE8052EA}" destId="{0953D620-6695-42B6-BD58-86B865F665DF}" srcOrd="1" destOrd="0" presId="urn:microsoft.com/office/officeart/2008/layout/HorizontalMultiLevelHierarchy"/>
-    <dgm:cxn modelId="{512F7175-D1DC-4A98-8705-1F9D78F217E4}" type="presOf" srcId="{376B09F4-2D5B-4689-8EC4-FB34E6F5B1E9}" destId="{FD4D22A1-EA69-46E1-AD42-248DA7FF3945}" srcOrd="0" destOrd="0" presId="urn:microsoft.com/office/officeart/2008/layout/HorizontalMultiLevelHierarchy"/>
-    <dgm:cxn modelId="{05FFAAE0-ACF1-4E28-BBE7-4382418BCA57}" srcId="{B5357460-0FAD-40CA-BE82-980E0E8EA8E3}" destId="{E164911D-41C0-41AD-BFD4-B8091C9AE415}" srcOrd="0" destOrd="0" parTransId="{FDB7C482-9992-4BC0-B687-7A27B7C339BC}" sibTransId="{6D28B937-C89D-4738-A88B-D334CEA09F7A}"/>
     <dgm:cxn modelId="{A5F72E82-1C24-4877-A371-CDAF933B5D4F}" type="presOf" srcId="{1C096A7E-8FF6-4205-B81F-37441528B91E}" destId="{795F2234-8ADC-4001-BDDB-49D4CDD506ED}" srcOrd="1" destOrd="0" presId="urn:microsoft.com/office/officeart/2008/layout/HorizontalMultiLevelHierarchy"/>
-    <dgm:cxn modelId="{B3A32162-95B4-4665-9E76-C632FE8A0833}" type="presOf" srcId="{129AA29F-A958-46F2-B74F-1427BE8052EA}" destId="{C9B6AA4F-3B14-43B1-86AC-5C1E9D1ED055}" srcOrd="0" destOrd="0" presId="urn:microsoft.com/office/officeart/2008/layout/HorizontalMultiLevelHierarchy"/>
-    <dgm:cxn modelId="{0B594901-626F-4C7C-AB3F-CEFA6AE0090C}" srcId="{E164911D-41C0-41AD-BFD4-B8091C9AE415}" destId="{33878004-7D2A-4F72-BEDB-5D0AB58F15AC}" srcOrd="0" destOrd="0" parTransId="{A0559AFC-F7C9-40A3-85C8-C1718708DC40}" sibTransId="{D6D76CC0-6030-401B-97E8-CE355C4FBFC4}"/>
-    <dgm:cxn modelId="{CBA6455A-7AB8-4C37-B07D-E46261CC4893}" type="presOf" srcId="{D5BCA32B-0AF1-4BEE-884E-693708E6860E}" destId="{D5585635-B468-46BF-923C-FB387A71F527}" srcOrd="0" destOrd="0" presId="urn:microsoft.com/office/officeart/2008/layout/HorizontalMultiLevelHierarchy"/>
-    <dgm:cxn modelId="{FE85A76F-99DB-419B-B477-E171F6EE5640}" type="presOf" srcId="{42AACD0A-5BFC-48B7-BF2F-7EFEB20806CE}" destId="{C9BB74AF-030F-4CA5-8A14-E9B74F3B9177}" srcOrd="0" destOrd="0" presId="urn:microsoft.com/office/officeart/2008/layout/HorizontalMultiLevelHierarchy"/>
-    <dgm:cxn modelId="{D2CB7E7E-3292-42A0-834B-2F9B6991FB5F}" srcId="{33878004-7D2A-4F72-BEDB-5D0AB58F15AC}" destId="{376B09F4-2D5B-4689-8EC4-FB34E6F5B1E9}" srcOrd="0" destOrd="0" parTransId="{420A7C68-5D43-4EB6-AFB7-75822302A846}" sibTransId="{7EBA06D7-F455-4841-8F6A-A8B032555400}"/>
-    <dgm:cxn modelId="{EBAF8EFB-7609-487B-8495-5FA616576FAB}" type="presOf" srcId="{B2B57D14-083A-441F-A384-0BCFD5F8F362}" destId="{C95A9754-DAC1-48F0-8209-571BF7CDC85A}" srcOrd="0" destOrd="0" presId="urn:microsoft.com/office/officeart/2008/layout/HorizontalMultiLevelHierarchy"/>
+    <dgm:cxn modelId="{15AAB2DE-71DF-44C2-8E8F-90568B5B18FF}" srcId="{6ED63BC7-73D7-42AA-8C32-20FAF112464A}" destId="{D5BCA32B-0AF1-4BEE-884E-693708E6860E}" srcOrd="1" destOrd="0" parTransId="{861A0A6C-614C-41EF-9F6F-F22C7A389D43}" sibTransId="{5FC360ED-BDA1-4D4E-9D52-262C4D46B584}"/>
+    <dgm:cxn modelId="{E77D710B-F8B8-45D7-BAB2-1342D44AC065}" srcId="{01604493-B99B-4814-ACAE-EF4534CEEECF}" destId="{37D75798-C063-4D43-885C-5C2CC101A97D}" srcOrd="1" destOrd="0" parTransId="{CA6F8972-6CD8-448C-A84D-8256297787F7}" sibTransId="{CC1562F8-A737-4EE3-AC8F-5672D16E32A7}"/>
     <dgm:cxn modelId="{C3785BD4-5E6D-44D7-B04D-76AAD82858B8}" type="presOf" srcId="{E164911D-41C0-41AD-BFD4-B8091C9AE415}" destId="{22A722A9-2815-423D-8C37-5E5F7385B8FB}" srcOrd="0" destOrd="0" presId="urn:microsoft.com/office/officeart/2008/layout/HorizontalMultiLevelHierarchy"/>
+    <dgm:cxn modelId="{3399B199-5B4F-401D-99E6-BF7AD83FB5BB}" type="presOf" srcId="{42AACD0A-5BFC-48B7-BF2F-7EFEB20806CE}" destId="{3AB2966F-51C8-4712-9488-E33308A531C6}" srcOrd="1" destOrd="0" presId="urn:microsoft.com/office/officeart/2008/layout/HorizontalMultiLevelHierarchy"/>
+    <dgm:cxn modelId="{B704C6F9-0672-4BAD-80A5-2355450F294E}" type="presOf" srcId="{37D75798-C063-4D43-885C-5C2CC101A97D}" destId="{0C332281-900B-440A-A110-24393A013274}" srcOrd="0" destOrd="0" presId="urn:microsoft.com/office/officeart/2008/layout/HorizontalMultiLevelHierarchy"/>
+    <dgm:cxn modelId="{A7B7D3C6-C648-4999-B02C-4CED7FB14B1A}" type="presOf" srcId="{A0559AFC-F7C9-40A3-85C8-C1718708DC40}" destId="{75F5CFBF-8828-4BF9-816E-859BC8ED4F44}" srcOrd="1" destOrd="0" presId="urn:microsoft.com/office/officeart/2008/layout/HorizontalMultiLevelHierarchy"/>
     <dgm:cxn modelId="{727136FE-AA29-487F-B9DD-E852DB0F9622}" type="presOf" srcId="{CA6F8972-6CD8-448C-A84D-8256297787F7}" destId="{9B5EB736-E58D-42A3-9267-3AF2E5669002}" srcOrd="1" destOrd="0" presId="urn:microsoft.com/office/officeart/2008/layout/HorizontalMultiLevelHierarchy"/>
     <dgm:cxn modelId="{20701F42-3082-4AC3-9391-BFCDD69DB5D4}" type="presOf" srcId="{A0559AFC-F7C9-40A3-85C8-C1718708DC40}" destId="{5C94A537-F670-4876-9327-9280C8C56023}" srcOrd="0" destOrd="0" presId="urn:microsoft.com/office/officeart/2008/layout/HorizontalMultiLevelHierarchy"/>
-    <dgm:cxn modelId="{4C212073-535B-40F3-8D36-1B9221ED7666}" srcId="{6ED63BC7-73D7-42AA-8C32-20FAF112464A}" destId="{B2B57D14-083A-441F-A384-0BCFD5F8F362}" srcOrd="0" destOrd="0" parTransId="{124830B7-D66F-4E70-A22D-04D9E06AB472}" sibTransId="{7105C9A8-8219-4B2C-982F-DE81C9325974}"/>
     <dgm:cxn modelId="{4876E1E6-C8FE-4CB7-9BDB-78BB40A4BF62}" type="presOf" srcId="{124830B7-D66F-4E70-A22D-04D9E06AB472}" destId="{048D6D15-9846-44C3-9CCB-663C86C86465}" srcOrd="0" destOrd="0" presId="urn:microsoft.com/office/officeart/2008/layout/HorizontalMultiLevelHierarchy"/>
+    <dgm:cxn modelId="{002F42B3-40E8-4280-9557-8BE87AECB138}" type="presOf" srcId="{124830B7-D66F-4E70-A22D-04D9E06AB472}" destId="{BA072A05-6120-4845-8F2D-A6D90D1BECB8}" srcOrd="1" destOrd="0" presId="urn:microsoft.com/office/officeart/2008/layout/HorizontalMultiLevelHierarchy"/>
+    <dgm:cxn modelId="{0B594901-626F-4C7C-AB3F-CEFA6AE0090C}" srcId="{E164911D-41C0-41AD-BFD4-B8091C9AE415}" destId="{33878004-7D2A-4F72-BEDB-5D0AB58F15AC}" srcOrd="0" destOrd="0" parTransId="{A0559AFC-F7C9-40A3-85C8-C1718708DC40}" sibTransId="{D6D76CC0-6030-401B-97E8-CE355C4FBFC4}"/>
+    <dgm:cxn modelId="{90D0F8C1-8D0C-4883-A306-FCAE726554E2}" type="presOf" srcId="{129AA29F-A958-46F2-B74F-1427BE8052EA}" destId="{0953D620-6695-42B6-BD58-86B865F665DF}" srcOrd="1" destOrd="0" presId="urn:microsoft.com/office/officeart/2008/layout/HorizontalMultiLevelHierarchy"/>
     <dgm:cxn modelId="{56140380-B9E2-429E-A78E-28C2262DFF78}" type="presOf" srcId="{420A7C68-5D43-4EB6-AFB7-75822302A846}" destId="{B1A8CFDC-B7E6-4059-86E3-411E6B63764B}" srcOrd="0" destOrd="0" presId="urn:microsoft.com/office/officeart/2008/layout/HorizontalMultiLevelHierarchy"/>
     <dgm:cxn modelId="{9162D5AE-8B02-4FA2-8046-5074436A082C}" type="presOf" srcId="{CA6F8972-6CD8-448C-A84D-8256297787F7}" destId="{3AA81311-4EAD-4E7A-8B3C-7384A0FA7427}" srcOrd="0" destOrd="0" presId="urn:microsoft.com/office/officeart/2008/layout/HorizontalMultiLevelHierarchy"/>
+    <dgm:cxn modelId="{E65B95F2-C3FE-4676-AAA9-42230605C4A5}" srcId="{01604493-B99B-4814-ACAE-EF4534CEEECF}" destId="{550A381F-40F0-4E05-ACCB-D1C9F5A5043C}" srcOrd="0" destOrd="0" parTransId="{1C096A7E-8FF6-4205-B81F-37441528B91E}" sibTransId="{A501F06D-82E0-4DE6-9AE9-2167538DECE0}"/>
+    <dgm:cxn modelId="{05420ED0-9DAF-46D2-A489-E38A9D37FEF2}" type="presOf" srcId="{861A0A6C-614C-41EF-9F6F-F22C7A389D43}" destId="{6A39B87F-4922-41EF-AD26-6C2FA2F01021}" srcOrd="1" destOrd="0" presId="urn:microsoft.com/office/officeart/2008/layout/HorizontalMultiLevelHierarchy"/>
+    <dgm:cxn modelId="{512F7175-D1DC-4A98-8705-1F9D78F217E4}" type="presOf" srcId="{376B09F4-2D5B-4689-8EC4-FB34E6F5B1E9}" destId="{FD4D22A1-EA69-46E1-AD42-248DA7FF3945}" srcOrd="0" destOrd="0" presId="urn:microsoft.com/office/officeart/2008/layout/HorizontalMultiLevelHierarchy"/>
+    <dgm:cxn modelId="{147DB898-FFCD-4DA5-B634-115026A5B30A}" type="presOf" srcId="{B5357460-0FAD-40CA-BE82-980E0E8EA8E3}" destId="{8A5D712F-6AF2-4319-A6F5-A30D601300D8}" srcOrd="0" destOrd="0" presId="urn:microsoft.com/office/officeart/2008/layout/HorizontalMultiLevelHierarchy"/>
+    <dgm:cxn modelId="{401894A6-3515-433E-B28F-50C90B2D9720}" srcId="{33878004-7D2A-4F72-BEDB-5D0AB58F15AC}" destId="{01604493-B99B-4814-ACAE-EF4534CEEECF}" srcOrd="2" destOrd="0" parTransId="{42AACD0A-5BFC-48B7-BF2F-7EFEB20806CE}" sibTransId="{B323BEF6-400C-4BB2-8275-C521625AA9DA}"/>
+    <dgm:cxn modelId="{D2CB7E7E-3292-42A0-834B-2F9B6991FB5F}" srcId="{33878004-7D2A-4F72-BEDB-5D0AB58F15AC}" destId="{376B09F4-2D5B-4689-8EC4-FB34E6F5B1E9}" srcOrd="0" destOrd="0" parTransId="{420A7C68-5D43-4EB6-AFB7-75822302A846}" sibTransId="{7EBA06D7-F455-4841-8F6A-A8B032555400}"/>
+    <dgm:cxn modelId="{FE85A76F-99DB-419B-B477-E171F6EE5640}" type="presOf" srcId="{42AACD0A-5BFC-48B7-BF2F-7EFEB20806CE}" destId="{C9BB74AF-030F-4CA5-8A14-E9B74F3B9177}" srcOrd="0" destOrd="0" presId="urn:microsoft.com/office/officeart/2008/layout/HorizontalMultiLevelHierarchy"/>
+    <dgm:cxn modelId="{B3A32162-95B4-4665-9E76-C632FE8A0833}" type="presOf" srcId="{129AA29F-A958-46F2-B74F-1427BE8052EA}" destId="{C9B6AA4F-3B14-43B1-86AC-5C1E9D1ED055}" srcOrd="0" destOrd="0" presId="urn:microsoft.com/office/officeart/2008/layout/HorizontalMultiLevelHierarchy"/>
+    <dgm:cxn modelId="{BC25CCFD-1A50-4152-BFF0-E6B0A65BFCE0}" srcId="{33878004-7D2A-4F72-BEDB-5D0AB58F15AC}" destId="{6ED63BC7-73D7-42AA-8C32-20FAF112464A}" srcOrd="1" destOrd="0" parTransId="{129AA29F-A958-46F2-B74F-1427BE8052EA}" sibTransId="{229F1C12-4DAE-4999-8B03-81254F138021}"/>
+    <dgm:cxn modelId="{EBAF8EFB-7609-487B-8495-5FA616576FAB}" type="presOf" srcId="{B2B57D14-083A-441F-A384-0BCFD5F8F362}" destId="{C95A9754-DAC1-48F0-8209-571BF7CDC85A}" srcOrd="0" destOrd="0" presId="urn:microsoft.com/office/officeart/2008/layout/HorizontalMultiLevelHierarchy"/>
+    <dgm:cxn modelId="{2715B030-961B-4BE2-A685-1A89A52335BA}" type="presOf" srcId="{861A0A6C-614C-41EF-9F6F-F22C7A389D43}" destId="{67736FBD-3205-474D-9F0D-327B7F4057C8}" srcOrd="0" destOrd="0" presId="urn:microsoft.com/office/officeart/2008/layout/HorizontalMultiLevelHierarchy"/>
+    <dgm:cxn modelId="{05FFAAE0-ACF1-4E28-BBE7-4382418BCA57}" srcId="{B5357460-0FAD-40CA-BE82-980E0E8EA8E3}" destId="{E164911D-41C0-41AD-BFD4-B8091C9AE415}" srcOrd="0" destOrd="0" parTransId="{FDB7C482-9992-4BC0-B687-7A27B7C339BC}" sibTransId="{6D28B937-C89D-4738-A88B-D334CEA09F7A}"/>
+    <dgm:cxn modelId="{56E5624C-6F25-4427-9751-9763F6B44168}" type="presOf" srcId="{01604493-B99B-4814-ACAE-EF4534CEEECF}" destId="{F1E4F070-4D42-4CFC-BB13-F40CB6117610}" srcOrd="0" destOrd="0" presId="urn:microsoft.com/office/officeart/2008/layout/HorizontalMultiLevelHierarchy"/>
+    <dgm:cxn modelId="{4C212073-535B-40F3-8D36-1B9221ED7666}" srcId="{6ED63BC7-73D7-42AA-8C32-20FAF112464A}" destId="{B2B57D14-083A-441F-A384-0BCFD5F8F362}" srcOrd="0" destOrd="0" parTransId="{124830B7-D66F-4E70-A22D-04D9E06AB472}" sibTransId="{7105C9A8-8219-4B2C-982F-DE81C9325974}"/>
+    <dgm:cxn modelId="{27AF6F20-3E27-41AC-B190-64EB22B664A3}" type="presOf" srcId="{6ED63BC7-73D7-42AA-8C32-20FAF112464A}" destId="{321BE020-EB98-4638-9EBB-B2C3D28F7A9D}" srcOrd="0" destOrd="0" presId="urn:microsoft.com/office/officeart/2008/layout/HorizontalMultiLevelHierarchy"/>
+    <dgm:cxn modelId="{31A524A3-39E1-4B52-9DC5-85497E165E88}" type="presOf" srcId="{1C096A7E-8FF6-4205-B81F-37441528B91E}" destId="{9E124E1E-0161-4AC1-87EC-B09B2F219B0F}" srcOrd="0" destOrd="0" presId="urn:microsoft.com/office/officeart/2008/layout/HorizontalMultiLevelHierarchy"/>
     <dgm:cxn modelId="{410D5110-AB10-4AEC-89C3-4EB4BCEA65A8}" type="presOf" srcId="{33878004-7D2A-4F72-BEDB-5D0AB58F15AC}" destId="{BA2C46D1-49F2-4416-B0F1-25FE16F65916}" srcOrd="0" destOrd="0" presId="urn:microsoft.com/office/officeart/2008/layout/HorizontalMultiLevelHierarchy"/>
-    <dgm:cxn modelId="{E77D710B-F8B8-45D7-BAB2-1342D44AC065}" srcId="{01604493-B99B-4814-ACAE-EF4534CEEECF}" destId="{37D75798-C063-4D43-885C-5C2CC101A97D}" srcOrd="1" destOrd="0" parTransId="{CA6F8972-6CD8-448C-A84D-8256297787F7}" sibTransId="{CC1562F8-A737-4EE3-AC8F-5672D16E32A7}"/>
-    <dgm:cxn modelId="{B704C6F9-0672-4BAD-80A5-2355450F294E}" type="presOf" srcId="{37D75798-C063-4D43-885C-5C2CC101A97D}" destId="{0C332281-900B-440A-A110-24393A013274}" srcOrd="0" destOrd="0" presId="urn:microsoft.com/office/officeart/2008/layout/HorizontalMultiLevelHierarchy"/>
-    <dgm:cxn modelId="{3399B199-5B4F-401D-99E6-BF7AD83FB5BB}" type="presOf" srcId="{42AACD0A-5BFC-48B7-BF2F-7EFEB20806CE}" destId="{3AB2966F-51C8-4712-9488-E33308A531C6}" srcOrd="1" destOrd="0" presId="urn:microsoft.com/office/officeart/2008/layout/HorizontalMultiLevelHierarchy"/>
-    <dgm:cxn modelId="{05420ED0-9DAF-46D2-A489-E38A9D37FEF2}" type="presOf" srcId="{861A0A6C-614C-41EF-9F6F-F22C7A389D43}" destId="{6A39B87F-4922-41EF-AD26-6C2FA2F01021}" srcOrd="1" destOrd="0" presId="urn:microsoft.com/office/officeart/2008/layout/HorizontalMultiLevelHierarchy"/>
-    <dgm:cxn modelId="{56E5624C-6F25-4427-9751-9763F6B44168}" type="presOf" srcId="{01604493-B99B-4814-ACAE-EF4534CEEECF}" destId="{F1E4F070-4D42-4CFC-BB13-F40CB6117610}" srcOrd="0" destOrd="0" presId="urn:microsoft.com/office/officeart/2008/layout/HorizontalMultiLevelHierarchy"/>
-    <dgm:cxn modelId="{15AAB2DE-71DF-44C2-8E8F-90568B5B18FF}" srcId="{6ED63BC7-73D7-42AA-8C32-20FAF112464A}" destId="{D5BCA32B-0AF1-4BEE-884E-693708E6860E}" srcOrd="1" destOrd="0" parTransId="{861A0A6C-614C-41EF-9F6F-F22C7A389D43}" sibTransId="{5FC360ED-BDA1-4D4E-9D52-262C4D46B584}"/>
-    <dgm:cxn modelId="{147DB898-FFCD-4DA5-B634-115026A5B30A}" type="presOf" srcId="{B5357460-0FAD-40CA-BE82-980E0E8EA8E3}" destId="{8A5D712F-6AF2-4319-A6F5-A30D601300D8}" srcOrd="0" destOrd="0" presId="urn:microsoft.com/office/officeart/2008/layout/HorizontalMultiLevelHierarchy"/>
-    <dgm:cxn modelId="{27AF6F20-3E27-41AC-B190-64EB22B664A3}" type="presOf" srcId="{6ED63BC7-73D7-42AA-8C32-20FAF112464A}" destId="{321BE020-EB98-4638-9EBB-B2C3D28F7A9D}" srcOrd="0" destOrd="0" presId="urn:microsoft.com/office/officeart/2008/layout/HorizontalMultiLevelHierarchy"/>
-    <dgm:cxn modelId="{A7B7D3C6-C648-4999-B02C-4CED7FB14B1A}" type="presOf" srcId="{A0559AFC-F7C9-40A3-85C8-C1718708DC40}" destId="{75F5CFBF-8828-4BF9-816E-859BC8ED4F44}" srcOrd="1" destOrd="0" presId="urn:microsoft.com/office/officeart/2008/layout/HorizontalMultiLevelHierarchy"/>
-    <dgm:cxn modelId="{002F42B3-40E8-4280-9557-8BE87AECB138}" type="presOf" srcId="{124830B7-D66F-4E70-A22D-04D9E06AB472}" destId="{BA072A05-6120-4845-8F2D-A6D90D1BECB8}" srcOrd="1" destOrd="0" presId="urn:microsoft.com/office/officeart/2008/layout/HorizontalMultiLevelHierarchy"/>
-    <dgm:cxn modelId="{73BBC259-49DD-42BA-8F88-524232B8ECC7}" type="presOf" srcId="{420A7C68-5D43-4EB6-AFB7-75822302A846}" destId="{2783DBF3-317F-4536-8771-9AD6DFDD1314}" srcOrd="1" destOrd="0" presId="urn:microsoft.com/office/officeart/2008/layout/HorizontalMultiLevelHierarchy"/>
-    <dgm:cxn modelId="{E65B95F2-C3FE-4676-AAA9-42230605C4A5}" srcId="{01604493-B99B-4814-ACAE-EF4534CEEECF}" destId="{550A381F-40F0-4E05-ACCB-D1C9F5A5043C}" srcOrd="0" destOrd="0" parTransId="{1C096A7E-8FF6-4205-B81F-37441528B91E}" sibTransId="{A501F06D-82E0-4DE6-9AE9-2167538DECE0}"/>
-    <dgm:cxn modelId="{2715B030-961B-4BE2-A685-1A89A52335BA}" type="presOf" srcId="{861A0A6C-614C-41EF-9F6F-F22C7A389D43}" destId="{67736FBD-3205-474D-9F0D-327B7F4057C8}" srcOrd="0" destOrd="0" presId="urn:microsoft.com/office/officeart/2008/layout/HorizontalMultiLevelHierarchy"/>
     <dgm:cxn modelId="{63931952-34A4-4B73-A46F-8038887656B4}" type="presParOf" srcId="{8A5D712F-6AF2-4319-A6F5-A30D601300D8}" destId="{3120E5FA-F315-4B50-9CBE-10143E5DFFB8}" srcOrd="0" destOrd="0" presId="urn:microsoft.com/office/officeart/2008/layout/HorizontalMultiLevelHierarchy"/>
     <dgm:cxn modelId="{4785C271-6DF4-4B0F-B178-7C13A9E1039A}" type="presParOf" srcId="{3120E5FA-F315-4B50-9CBE-10143E5DFFB8}" destId="{22A722A9-2815-423D-8C37-5E5F7385B8FB}" srcOrd="0" destOrd="0" presId="urn:microsoft.com/office/officeart/2008/layout/HorizontalMultiLevelHierarchy"/>
     <dgm:cxn modelId="{9F7F4500-58C6-44B8-BF4F-157A5BBD583B}" type="presParOf" srcId="{3120E5FA-F315-4B50-9CBE-10143E5DFFB8}" destId="{5D597C0F-2237-4F12-950C-D26B8F09A573}" srcOrd="1" destOrd="0" presId="urn:microsoft.com/office/officeart/2008/layout/HorizontalMultiLevelHierarchy"/>
@@ -1868,14 +1878,14 @@
   <dgm:whole/>
   <dgm:extLst>
     <a:ext uri="http://schemas.microsoft.com/office/drawing/2008/diagram">
-      <dsp:dataModelExt xmlns:dsp="http://schemas.microsoft.com/office/drawing/2008/diagram" xmlns="" relId="rId6" minVer="http://schemas.openxmlformats.org/drawingml/2006/diagram"/>
+      <dsp:dataModelExt xmlns:dsp="http://schemas.microsoft.com/office/drawing/2008/diagram" relId="rId6" minVer="http://schemas.openxmlformats.org/drawingml/2006/diagram"/>
     </a:ext>
   </dgm:extLst>
 </dgm:dataModel>
 </file>
 
 <file path=ppt/diagrams/drawing1.xml><?xml version="1.0" encoding="utf-8"?>
-<dsp:drawing xmlns:dgm="http://schemas.openxmlformats.org/drawingml/2006/diagram" xmlns:a="http://schemas.openxmlformats.org/drawingml/2006/main" xmlns:dsp="http://schemas.microsoft.com/office/drawing/2008/diagram">
+<dsp:drawing xmlns:dgm="http://schemas.openxmlformats.org/drawingml/2006/diagram" xmlns:dsp="http://schemas.microsoft.com/office/drawing/2008/diagram" xmlns:a="http://schemas.openxmlformats.org/drawingml/2006/main">
   <dsp:spTree>
     <dsp:nvGrpSpPr>
       <dsp:cNvPr id="0" name=""/>
@@ -1916,7 +1926,7 @@
           </a:pathLst>
         </a:custGeom>
         <a:noFill/>
-        <a:ln w="12700" cap="flat" cmpd="sng" algn="ctr">
+        <a:ln w="9525" cap="flat" cmpd="sng" algn="ctr">
           <a:solidFill>
             <a:schemeClr val="accent4">
               <a:hueOff val="0"/>
@@ -2000,7 +2010,7 @@
           </a:pathLst>
         </a:custGeom>
         <a:noFill/>
-        <a:ln w="12700" cap="flat" cmpd="sng" algn="ctr">
+        <a:ln w="9525" cap="flat" cmpd="sng" algn="ctr">
           <a:solidFill>
             <a:schemeClr val="accent4">
               <a:hueOff val="0"/>
@@ -2084,7 +2094,7 @@
           </a:pathLst>
         </a:custGeom>
         <a:noFill/>
-        <a:ln w="12700" cap="flat" cmpd="sng" algn="ctr">
+        <a:ln w="9525" cap="flat" cmpd="sng" algn="ctr">
           <a:solidFill>
             <a:schemeClr val="accent3">
               <a:hueOff val="0"/>
@@ -2168,7 +2178,7 @@
           </a:pathLst>
         </a:custGeom>
         <a:noFill/>
-        <a:ln w="12700" cap="flat" cmpd="sng" algn="ctr">
+        <a:ln w="9525" cap="flat" cmpd="sng" algn="ctr">
           <a:solidFill>
             <a:schemeClr val="accent4">
               <a:hueOff val="0"/>
@@ -2252,7 +2262,7 @@
           </a:pathLst>
         </a:custGeom>
         <a:noFill/>
-        <a:ln w="12700" cap="flat" cmpd="sng" algn="ctr">
+        <a:ln w="9525" cap="flat" cmpd="sng" algn="ctr">
           <a:solidFill>
             <a:schemeClr val="accent4">
               <a:hueOff val="0"/>
@@ -2336,7 +2346,7 @@
           </a:pathLst>
         </a:custGeom>
         <a:noFill/>
-        <a:ln w="12700" cap="flat" cmpd="sng" algn="ctr">
+        <a:ln w="9525" cap="flat" cmpd="sng" algn="ctr">
           <a:solidFill>
             <a:schemeClr val="accent3">
               <a:hueOff val="0"/>
@@ -2420,7 +2430,7 @@
           </a:pathLst>
         </a:custGeom>
         <a:noFill/>
-        <a:ln w="12700" cap="flat" cmpd="sng" algn="ctr">
+        <a:ln w="9525" cap="flat" cmpd="sng" algn="ctr">
           <a:solidFill>
             <a:schemeClr val="accent3">
               <a:hueOff val="0"/>
@@ -2498,7 +2508,7 @@
           </a:pathLst>
         </a:custGeom>
         <a:noFill/>
-        <a:ln w="12700" cap="flat" cmpd="sng" algn="ctr">
+        <a:ln w="9525" cap="flat" cmpd="sng" algn="ctr">
           <a:solidFill>
             <a:schemeClr val="accent2">
               <a:hueOff val="0"/>
@@ -2561,21 +2571,60 @@
         <a:prstGeom prst="rect">
           <a:avLst/>
         </a:prstGeom>
-        <a:solidFill>
-          <a:schemeClr val="accent1">
-            <a:hueOff val="0"/>
-            <a:satOff val="0"/>
-            <a:lumOff val="0"/>
-            <a:alphaOff val="0"/>
-          </a:schemeClr>
-        </a:solidFill>
+        <a:gradFill rotWithShape="0">
+          <a:gsLst>
+            <a:gs pos="0">
+              <a:schemeClr val="accent1">
+                <a:hueOff val="0"/>
+                <a:satOff val="0"/>
+                <a:lumOff val="0"/>
+                <a:alphaOff val="0"/>
+                <a:shade val="15000"/>
+                <a:satMod val="180000"/>
+              </a:schemeClr>
+            </a:gs>
+            <a:gs pos="50000">
+              <a:schemeClr val="accent1">
+                <a:hueOff val="0"/>
+                <a:satOff val="0"/>
+                <a:lumOff val="0"/>
+                <a:alphaOff val="0"/>
+                <a:shade val="45000"/>
+                <a:satMod val="170000"/>
+              </a:schemeClr>
+            </a:gs>
+            <a:gs pos="70000">
+              <a:schemeClr val="accent1">
+                <a:hueOff val="0"/>
+                <a:satOff val="0"/>
+                <a:lumOff val="0"/>
+                <a:alphaOff val="0"/>
+                <a:tint val="99000"/>
+                <a:shade val="65000"/>
+                <a:satMod val="155000"/>
+              </a:schemeClr>
+            </a:gs>
+            <a:gs pos="100000">
+              <a:schemeClr val="accent1">
+                <a:hueOff val="0"/>
+                <a:satOff val="0"/>
+                <a:lumOff val="0"/>
+                <a:alphaOff val="0"/>
+                <a:tint val="95500"/>
+                <a:shade val="100000"/>
+                <a:satMod val="155000"/>
+              </a:schemeClr>
+            </a:gs>
+          </a:gsLst>
+          <a:lin ang="16200000" scaled="0"/>
+        </a:gradFill>
         <a:ln>
           <a:noFill/>
         </a:ln>
         <a:effectLst>
-          <a:outerShdw blurRad="50800" dist="25400" algn="bl" rotWithShape="0">
+          <a:outerShdw blurRad="50800" dist="38100" dir="5400000" rotWithShape="0">
             <a:srgbClr val="000000">
-              <a:alpha val="60000"/>
+              <a:alpha val="35000"/>
             </a:srgbClr>
           </a:outerShdw>
         </a:effectLst>
@@ -2595,12 +2644,12 @@
         </a:fontRef>
       </dsp:style>
       <dsp:txBody>
-        <a:bodyPr spcFirstLastPara="0" vert="horz" wrap="square" lIns="19050" tIns="19050" rIns="19050" bIns="19050" numCol="1" spcCol="1270" anchor="ctr" anchorCtr="0">
+        <a:bodyPr spcFirstLastPara="0" vert="horz" wrap="square" lIns="20320" tIns="20320" rIns="20320" bIns="20320" numCol="1" spcCol="1270" anchor="ctr" anchorCtr="0">
           <a:noAutofit/>
         </a:bodyPr>
         <a:lstStyle/>
         <a:p>
-          <a:pPr lvl="0" algn="ctr" defTabSz="1333500">
+          <a:pPr lvl="0" algn="ctr" defTabSz="1422400">
             <a:lnSpc>
               <a:spcPct val="90000"/>
             </a:lnSpc>
@@ -2612,13 +2661,13 @@
             </a:spcAft>
           </a:pPr>
           <a:r>
-            <a:rPr kumimoji="1" lang="ja-JP" altLang="en-US" sz="3000" kern="1200" dirty="0" smtClean="0"/>
+            <a:rPr kumimoji="1" lang="ja-JP" altLang="en-US" sz="3200" kern="1200" dirty="0" smtClean="0"/>
             <a:t>ログイン</a:t>
           </a:r>
-          <a:endParaRPr kumimoji="1" lang="ja-JP" altLang="en-US" sz="3000" kern="1200" dirty="0"/>
+          <a:endParaRPr kumimoji="1" lang="ja-JP" altLang="en-US" sz="3200" kern="1200" dirty="0"/>
         </a:p>
       </dsp:txBody>
-      <dsp:txXfrm rot="16200000">
+      <dsp:txXfrm>
         <a:off x="-1324330" y="1877743"/>
         <a:ext cx="3280864" cy="623364"/>
       </dsp:txXfrm>
@@ -2636,21 +2685,60 @@
         <a:prstGeom prst="rect">
           <a:avLst/>
         </a:prstGeom>
-        <a:solidFill>
-          <a:schemeClr val="accent2">
-            <a:hueOff val="0"/>
-            <a:satOff val="0"/>
-            <a:lumOff val="0"/>
-            <a:alphaOff val="0"/>
-          </a:schemeClr>
-        </a:solidFill>
+        <a:gradFill rotWithShape="0">
+          <a:gsLst>
+            <a:gs pos="0">
+              <a:schemeClr val="accent2">
+                <a:hueOff val="0"/>
+                <a:satOff val="0"/>
+                <a:lumOff val="0"/>
+                <a:alphaOff val="0"/>
+                <a:shade val="15000"/>
+                <a:satMod val="180000"/>
+              </a:schemeClr>
+            </a:gs>
+            <a:gs pos="50000">
+              <a:schemeClr val="accent2">
+                <a:hueOff val="0"/>
+                <a:satOff val="0"/>
+                <a:lumOff val="0"/>
+                <a:alphaOff val="0"/>
+                <a:shade val="45000"/>
+                <a:satMod val="170000"/>
+              </a:schemeClr>
+            </a:gs>
+            <a:gs pos="70000">
+              <a:schemeClr val="accent2">
+                <a:hueOff val="0"/>
+                <a:satOff val="0"/>
+                <a:lumOff val="0"/>
+                <a:alphaOff val="0"/>
+                <a:tint val="99000"/>
+                <a:shade val="65000"/>
+                <a:satMod val="155000"/>
+              </a:schemeClr>
+            </a:gs>
+            <a:gs pos="100000">
+              <a:schemeClr val="accent2">
+                <a:hueOff val="0"/>
+                <a:satOff val="0"/>
+                <a:lumOff val="0"/>
+                <a:alphaOff val="0"/>
+                <a:tint val="95500"/>
+                <a:shade val="100000"/>
+                <a:satMod val="155000"/>
+              </a:schemeClr>
+            </a:gs>
+          </a:gsLst>
+          <a:lin ang="16200000" scaled="0"/>
+        </a:gradFill>
         <a:ln>
           <a:noFill/>
         </a:ln>
         <a:effectLst>
-          <a:outerShdw blurRad="50800" dist="25400" algn="bl" rotWithShape="0">
+          <a:outerShdw blurRad="50800" dist="38100" dir="5400000" rotWithShape="0">
             <a:srgbClr val="000000">
-              <a:alpha val="60000"/>
+              <a:alpha val="35000"/>
             </a:srgbClr>
           </a:outerShdw>
         </a:effectLst>
@@ -2670,12 +2758,12 @@
         </a:fontRef>
       </dsp:style>
       <dsp:txBody>
-        <a:bodyPr spcFirstLastPara="0" vert="horz" wrap="square" lIns="14605" tIns="14605" rIns="14605" bIns="14605" numCol="1" spcCol="1270" anchor="ctr" anchorCtr="0">
+        <a:bodyPr spcFirstLastPara="0" vert="horz" wrap="square" lIns="13335" tIns="13335" rIns="13335" bIns="13335" numCol="1" spcCol="1270" anchor="ctr" anchorCtr="0">
           <a:noAutofit/>
         </a:bodyPr>
         <a:lstStyle/>
         <a:p>
-          <a:pPr lvl="0" algn="ctr" defTabSz="1022350">
+          <a:pPr lvl="0" algn="ctr" defTabSz="933450">
             <a:lnSpc>
               <a:spcPct val="90000"/>
             </a:lnSpc>
@@ -2687,10 +2775,10 @@
             </a:spcAft>
           </a:pPr>
           <a:r>
-            <a:rPr kumimoji="1" lang="ja-JP" altLang="en-US" sz="2300" kern="1200" dirty="0" smtClean="0"/>
+            <a:rPr kumimoji="1" lang="ja-JP" altLang="en-US" sz="2100" kern="1200" dirty="0" smtClean="0"/>
             <a:t>メニュー</a:t>
           </a:r>
-          <a:endParaRPr kumimoji="1" lang="ja-JP" altLang="en-US" sz="2300" kern="1200" dirty="0"/>
+          <a:endParaRPr kumimoji="1" lang="ja-JP" altLang="en-US" sz="2100" kern="1200" dirty="0"/>
         </a:p>
       </dsp:txBody>
       <dsp:txXfrm>
@@ -2711,21 +2799,60 @@
         <a:prstGeom prst="rect">
           <a:avLst/>
         </a:prstGeom>
-        <a:solidFill>
-          <a:schemeClr val="accent3">
-            <a:hueOff val="0"/>
-            <a:satOff val="0"/>
-            <a:lumOff val="0"/>
-            <a:alphaOff val="0"/>
-          </a:schemeClr>
-        </a:solidFill>
+        <a:gradFill rotWithShape="0">
+          <a:gsLst>
+            <a:gs pos="0">
+              <a:schemeClr val="accent3">
+                <a:hueOff val="0"/>
+                <a:satOff val="0"/>
+                <a:lumOff val="0"/>
+                <a:alphaOff val="0"/>
+                <a:shade val="15000"/>
+                <a:satMod val="180000"/>
+              </a:schemeClr>
+            </a:gs>
+            <a:gs pos="50000">
+              <a:schemeClr val="accent3">
+                <a:hueOff val="0"/>
+                <a:satOff val="0"/>
+                <a:lumOff val="0"/>
+                <a:alphaOff val="0"/>
+                <a:shade val="45000"/>
+                <a:satMod val="170000"/>
+              </a:schemeClr>
+            </a:gs>
+            <a:gs pos="70000">
+              <a:schemeClr val="accent3">
+                <a:hueOff val="0"/>
+                <a:satOff val="0"/>
+                <a:lumOff val="0"/>
+                <a:alphaOff val="0"/>
+                <a:tint val="99000"/>
+                <a:shade val="65000"/>
+                <a:satMod val="155000"/>
+              </a:schemeClr>
+            </a:gs>
+            <a:gs pos="100000">
+              <a:schemeClr val="accent3">
+                <a:hueOff val="0"/>
+                <a:satOff val="0"/>
+                <a:lumOff val="0"/>
+                <a:alphaOff val="0"/>
+                <a:tint val="95500"/>
+                <a:shade val="100000"/>
+                <a:satMod val="155000"/>
+              </a:schemeClr>
+            </a:gs>
+          </a:gsLst>
+          <a:lin ang="16200000" scaled="0"/>
+        </a:gradFill>
         <a:ln>
           <a:noFill/>
         </a:ln>
         <a:effectLst>
-          <a:outerShdw blurRad="50800" dist="25400" algn="bl" rotWithShape="0">
+          <a:outerShdw blurRad="50800" dist="38100" dir="5400000" rotWithShape="0">
             <a:srgbClr val="000000">
-              <a:alpha val="60000"/>
+              <a:alpha val="35000"/>
             </a:srgbClr>
           </a:outerShdw>
         </a:effectLst>
@@ -2745,12 +2872,12 @@
         </a:fontRef>
       </dsp:style>
       <dsp:txBody>
-        <a:bodyPr spcFirstLastPara="0" vert="horz" wrap="square" lIns="14605" tIns="14605" rIns="14605" bIns="14605" numCol="1" spcCol="1270" anchor="ctr" anchorCtr="0">
+        <a:bodyPr spcFirstLastPara="0" vert="horz" wrap="square" lIns="13335" tIns="13335" rIns="13335" bIns="13335" numCol="1" spcCol="1270" anchor="ctr" anchorCtr="0">
           <a:noAutofit/>
         </a:bodyPr>
         <a:lstStyle/>
         <a:p>
-          <a:pPr lvl="0" algn="ctr" defTabSz="1022350">
+          <a:pPr lvl="0" algn="ctr" defTabSz="933450">
             <a:lnSpc>
               <a:spcPct val="90000"/>
             </a:lnSpc>
@@ -2762,10 +2889,10 @@
             </a:spcAft>
           </a:pPr>
           <a:r>
-            <a:rPr kumimoji="1" lang="ja-JP" altLang="en-US" sz="2300" kern="1200" dirty="0" smtClean="0"/>
+            <a:rPr kumimoji="1" lang="ja-JP" altLang="en-US" sz="2100" kern="1200" dirty="0" smtClean="0"/>
             <a:t>月報一括承認</a:t>
           </a:r>
-          <a:endParaRPr kumimoji="1" lang="ja-JP" altLang="en-US" sz="2300" kern="1200" dirty="0"/>
+          <a:endParaRPr kumimoji="1" lang="ja-JP" altLang="en-US" sz="2100" kern="1200" dirty="0"/>
         </a:p>
       </dsp:txBody>
       <dsp:txXfrm>
@@ -2786,21 +2913,60 @@
         <a:prstGeom prst="rect">
           <a:avLst/>
         </a:prstGeom>
-        <a:solidFill>
-          <a:schemeClr val="accent3">
-            <a:hueOff val="0"/>
-            <a:satOff val="0"/>
-            <a:lumOff val="0"/>
-            <a:alphaOff val="0"/>
-          </a:schemeClr>
-        </a:solidFill>
+        <a:gradFill rotWithShape="0">
+          <a:gsLst>
+            <a:gs pos="0">
+              <a:schemeClr val="accent3">
+                <a:hueOff val="0"/>
+                <a:satOff val="0"/>
+                <a:lumOff val="0"/>
+                <a:alphaOff val="0"/>
+                <a:shade val="15000"/>
+                <a:satMod val="180000"/>
+              </a:schemeClr>
+            </a:gs>
+            <a:gs pos="50000">
+              <a:schemeClr val="accent3">
+                <a:hueOff val="0"/>
+                <a:satOff val="0"/>
+                <a:lumOff val="0"/>
+                <a:alphaOff val="0"/>
+                <a:shade val="45000"/>
+                <a:satMod val="170000"/>
+              </a:schemeClr>
+            </a:gs>
+            <a:gs pos="70000">
+              <a:schemeClr val="accent3">
+                <a:hueOff val="0"/>
+                <a:satOff val="0"/>
+                <a:lumOff val="0"/>
+                <a:alphaOff val="0"/>
+                <a:tint val="99000"/>
+                <a:shade val="65000"/>
+                <a:satMod val="155000"/>
+              </a:schemeClr>
+            </a:gs>
+            <a:gs pos="100000">
+              <a:schemeClr val="accent3">
+                <a:hueOff val="0"/>
+                <a:satOff val="0"/>
+                <a:lumOff val="0"/>
+                <a:alphaOff val="0"/>
+                <a:tint val="95500"/>
+                <a:shade val="100000"/>
+                <a:satMod val="155000"/>
+              </a:schemeClr>
+            </a:gs>
+          </a:gsLst>
+          <a:lin ang="16200000" scaled="0"/>
+        </a:gradFill>
         <a:ln>
           <a:noFill/>
         </a:ln>
         <a:effectLst>
-          <a:outerShdw blurRad="50800" dist="25400" algn="bl" rotWithShape="0">
+          <a:outerShdw blurRad="50800" dist="38100" dir="5400000" rotWithShape="0">
             <a:srgbClr val="000000">
-              <a:alpha val="60000"/>
+              <a:alpha val="35000"/>
             </a:srgbClr>
           </a:outerShdw>
         </a:effectLst>
@@ -2820,12 +2986,12 @@
         </a:fontRef>
       </dsp:style>
       <dsp:txBody>
-        <a:bodyPr spcFirstLastPara="0" vert="horz" wrap="square" lIns="14605" tIns="14605" rIns="14605" bIns="14605" numCol="1" spcCol="1270" anchor="ctr" anchorCtr="0">
+        <a:bodyPr spcFirstLastPara="0" vert="horz" wrap="square" lIns="13335" tIns="13335" rIns="13335" bIns="13335" numCol="1" spcCol="1270" anchor="ctr" anchorCtr="0">
           <a:noAutofit/>
         </a:bodyPr>
         <a:lstStyle/>
         <a:p>
-          <a:pPr lvl="0" algn="ctr" defTabSz="1022350">
+          <a:pPr lvl="0" algn="ctr" defTabSz="933450">
             <a:lnSpc>
               <a:spcPct val="90000"/>
             </a:lnSpc>
@@ -2837,10 +3003,10 @@
             </a:spcAft>
           </a:pPr>
           <a:r>
-            <a:rPr kumimoji="1" lang="ja-JP" altLang="en-US" sz="2300" kern="1200" dirty="0" smtClean="0"/>
+            <a:rPr kumimoji="1" lang="ja-JP" altLang="en-US" sz="2100" kern="1200" dirty="0" smtClean="0"/>
             <a:t>月報状況一覧</a:t>
           </a:r>
-          <a:endParaRPr kumimoji="1" lang="ja-JP" altLang="en-US" sz="2300" kern="1200" dirty="0"/>
+          <a:endParaRPr kumimoji="1" lang="ja-JP" altLang="en-US" sz="2100" kern="1200" dirty="0"/>
         </a:p>
       </dsp:txBody>
       <dsp:txXfrm>
@@ -2861,21 +3027,60 @@
         <a:prstGeom prst="rect">
           <a:avLst/>
         </a:prstGeom>
-        <a:solidFill>
-          <a:schemeClr val="accent4">
-            <a:hueOff val="0"/>
-            <a:satOff val="0"/>
-            <a:lumOff val="0"/>
-            <a:alphaOff val="0"/>
-          </a:schemeClr>
-        </a:solidFill>
+        <a:gradFill rotWithShape="0">
+          <a:gsLst>
+            <a:gs pos="0">
+              <a:schemeClr val="accent4">
+                <a:hueOff val="0"/>
+                <a:satOff val="0"/>
+                <a:lumOff val="0"/>
+                <a:alphaOff val="0"/>
+                <a:shade val="15000"/>
+                <a:satMod val="180000"/>
+              </a:schemeClr>
+            </a:gs>
+            <a:gs pos="50000">
+              <a:schemeClr val="accent4">
+                <a:hueOff val="0"/>
+                <a:satOff val="0"/>
+                <a:lumOff val="0"/>
+                <a:alphaOff val="0"/>
+                <a:shade val="45000"/>
+                <a:satMod val="170000"/>
+              </a:schemeClr>
+            </a:gs>
+            <a:gs pos="70000">
+              <a:schemeClr val="accent4">
+                <a:hueOff val="0"/>
+                <a:satOff val="0"/>
+                <a:lumOff val="0"/>
+                <a:alphaOff val="0"/>
+                <a:tint val="99000"/>
+                <a:shade val="65000"/>
+                <a:satMod val="155000"/>
+              </a:schemeClr>
+            </a:gs>
+            <a:gs pos="100000">
+              <a:schemeClr val="accent4">
+                <a:hueOff val="0"/>
+                <a:satOff val="0"/>
+                <a:lumOff val="0"/>
+                <a:alphaOff val="0"/>
+                <a:tint val="95500"/>
+                <a:shade val="100000"/>
+                <a:satMod val="155000"/>
+              </a:schemeClr>
+            </a:gs>
+          </a:gsLst>
+          <a:lin ang="16200000" scaled="0"/>
+        </a:gradFill>
         <a:ln>
           <a:noFill/>
         </a:ln>
         <a:effectLst>
-          <a:outerShdw blurRad="50800" dist="25400" algn="bl" rotWithShape="0">
+          <a:outerShdw blurRad="50800" dist="38100" dir="5400000" rotWithShape="0">
             <a:srgbClr val="000000">
-              <a:alpha val="60000"/>
+              <a:alpha val="35000"/>
             </a:srgbClr>
           </a:outerShdw>
         </a:effectLst>
@@ -2895,12 +3100,12 @@
         </a:fontRef>
       </dsp:style>
       <dsp:txBody>
-        <a:bodyPr spcFirstLastPara="0" vert="horz" wrap="square" lIns="14605" tIns="14605" rIns="14605" bIns="14605" numCol="1" spcCol="1270" anchor="ctr" anchorCtr="0">
+        <a:bodyPr spcFirstLastPara="0" vert="horz" wrap="square" lIns="13335" tIns="13335" rIns="13335" bIns="13335" numCol="1" spcCol="1270" anchor="ctr" anchorCtr="0">
           <a:noAutofit/>
         </a:bodyPr>
         <a:lstStyle/>
         <a:p>
-          <a:pPr lvl="0" algn="ctr" defTabSz="1022350">
+          <a:pPr lvl="0" algn="ctr" defTabSz="933450">
             <a:lnSpc>
               <a:spcPct val="90000"/>
             </a:lnSpc>
@@ -2912,14 +3117,10 @@
             </a:spcAft>
           </a:pPr>
           <a:r>
-            <a:rPr kumimoji="1" lang="ja-JP" altLang="en-US" sz="2300" kern="1200" dirty="0" smtClean="0"/>
-            <a:t>月報</a:t>
+            <a:rPr kumimoji="1" lang="ja-JP" altLang="en-US" sz="2100" kern="1200" dirty="0" smtClean="0"/>
+            <a:t>月報申請</a:t>
           </a:r>
-          <a:r>
-            <a:rPr kumimoji="1" lang="ja-JP" altLang="en-US" sz="2300" kern="1200" dirty="0" smtClean="0"/>
-            <a:t>申請</a:t>
-          </a:r>
-          <a:endParaRPr kumimoji="1" lang="ja-JP" altLang="en-US" sz="2300" kern="1200" dirty="0"/>
+          <a:endParaRPr kumimoji="1" lang="ja-JP" altLang="en-US" sz="2100" kern="1200" dirty="0"/>
         </a:p>
       </dsp:txBody>
       <dsp:txXfrm>
@@ -2940,21 +3141,60 @@
         <a:prstGeom prst="rect">
           <a:avLst/>
         </a:prstGeom>
-        <a:solidFill>
-          <a:schemeClr val="accent4">
-            <a:hueOff val="0"/>
-            <a:satOff val="0"/>
-            <a:lumOff val="0"/>
-            <a:alphaOff val="0"/>
-          </a:schemeClr>
-        </a:solidFill>
+        <a:gradFill rotWithShape="0">
+          <a:gsLst>
+            <a:gs pos="0">
+              <a:schemeClr val="accent4">
+                <a:hueOff val="0"/>
+                <a:satOff val="0"/>
+                <a:lumOff val="0"/>
+                <a:alphaOff val="0"/>
+                <a:shade val="15000"/>
+                <a:satMod val="180000"/>
+              </a:schemeClr>
+            </a:gs>
+            <a:gs pos="50000">
+              <a:schemeClr val="accent4">
+                <a:hueOff val="0"/>
+                <a:satOff val="0"/>
+                <a:lumOff val="0"/>
+                <a:alphaOff val="0"/>
+                <a:shade val="45000"/>
+                <a:satMod val="170000"/>
+              </a:schemeClr>
+            </a:gs>
+            <a:gs pos="70000">
+              <a:schemeClr val="accent4">
+                <a:hueOff val="0"/>
+                <a:satOff val="0"/>
+                <a:lumOff val="0"/>
+                <a:alphaOff val="0"/>
+                <a:tint val="99000"/>
+                <a:shade val="65000"/>
+                <a:satMod val="155000"/>
+              </a:schemeClr>
+            </a:gs>
+            <a:gs pos="100000">
+              <a:schemeClr val="accent4">
+                <a:hueOff val="0"/>
+                <a:satOff val="0"/>
+                <a:lumOff val="0"/>
+                <a:alphaOff val="0"/>
+                <a:tint val="95500"/>
+                <a:shade val="100000"/>
+                <a:satMod val="155000"/>
+              </a:schemeClr>
+            </a:gs>
+          </a:gsLst>
+          <a:lin ang="16200000" scaled="0"/>
+        </a:gradFill>
         <a:ln>
           <a:noFill/>
         </a:ln>
         <a:effectLst>
-          <a:outerShdw blurRad="50800" dist="25400" algn="bl" rotWithShape="0">
+          <a:outerShdw blurRad="50800" dist="38100" dir="5400000" rotWithShape="0">
             <a:srgbClr val="000000">
-              <a:alpha val="60000"/>
+              <a:alpha val="35000"/>
             </a:srgbClr>
           </a:outerShdw>
         </a:effectLst>
@@ -2974,12 +3214,12 @@
         </a:fontRef>
       </dsp:style>
       <dsp:txBody>
-        <a:bodyPr spcFirstLastPara="0" vert="horz" wrap="square" lIns="14605" tIns="14605" rIns="14605" bIns="14605" numCol="1" spcCol="1270" anchor="ctr" anchorCtr="0">
+        <a:bodyPr spcFirstLastPara="0" vert="horz" wrap="square" lIns="13335" tIns="13335" rIns="13335" bIns="13335" numCol="1" spcCol="1270" anchor="ctr" anchorCtr="0">
           <a:noAutofit/>
         </a:bodyPr>
         <a:lstStyle/>
         <a:p>
-          <a:pPr lvl="0" algn="ctr" defTabSz="1022350">
+          <a:pPr lvl="0" algn="ctr" defTabSz="933450">
             <a:lnSpc>
               <a:spcPct val="90000"/>
             </a:lnSpc>
@@ -2991,10 +3231,10 @@
             </a:spcAft>
           </a:pPr>
           <a:r>
-            <a:rPr kumimoji="1" lang="ja-JP" altLang="en-US" sz="2300" kern="1200" dirty="0" smtClean="0"/>
+            <a:rPr kumimoji="1" lang="ja-JP" altLang="en-US" sz="2100" kern="1200" dirty="0" smtClean="0"/>
             <a:t>月報承認・否認</a:t>
           </a:r>
-          <a:endParaRPr kumimoji="1" lang="ja-JP" altLang="en-US" sz="2300" kern="1200" dirty="0"/>
+          <a:endParaRPr kumimoji="1" lang="ja-JP" altLang="en-US" sz="2100" kern="1200" dirty="0"/>
         </a:p>
       </dsp:txBody>
       <dsp:txXfrm>
@@ -3015,21 +3255,60 @@
         <a:prstGeom prst="rect">
           <a:avLst/>
         </a:prstGeom>
-        <a:solidFill>
-          <a:schemeClr val="accent3">
-            <a:hueOff val="0"/>
-            <a:satOff val="0"/>
-            <a:lumOff val="0"/>
-            <a:alphaOff val="0"/>
-          </a:schemeClr>
-        </a:solidFill>
+        <a:gradFill rotWithShape="0">
+          <a:gsLst>
+            <a:gs pos="0">
+              <a:schemeClr val="accent3">
+                <a:hueOff val="0"/>
+                <a:satOff val="0"/>
+                <a:lumOff val="0"/>
+                <a:alphaOff val="0"/>
+                <a:shade val="15000"/>
+                <a:satMod val="180000"/>
+              </a:schemeClr>
+            </a:gs>
+            <a:gs pos="50000">
+              <a:schemeClr val="accent3">
+                <a:hueOff val="0"/>
+                <a:satOff val="0"/>
+                <a:lumOff val="0"/>
+                <a:alphaOff val="0"/>
+                <a:shade val="45000"/>
+                <a:satMod val="170000"/>
+              </a:schemeClr>
+            </a:gs>
+            <a:gs pos="70000">
+              <a:schemeClr val="accent3">
+                <a:hueOff val="0"/>
+                <a:satOff val="0"/>
+                <a:lumOff val="0"/>
+                <a:alphaOff val="0"/>
+                <a:tint val="99000"/>
+                <a:shade val="65000"/>
+                <a:satMod val="155000"/>
+              </a:schemeClr>
+            </a:gs>
+            <a:gs pos="100000">
+              <a:schemeClr val="accent3">
+                <a:hueOff val="0"/>
+                <a:satOff val="0"/>
+                <a:lumOff val="0"/>
+                <a:alphaOff val="0"/>
+                <a:tint val="95500"/>
+                <a:shade val="100000"/>
+                <a:satMod val="155000"/>
+              </a:schemeClr>
+            </a:gs>
+          </a:gsLst>
+          <a:lin ang="16200000" scaled="0"/>
+        </a:gradFill>
         <a:ln>
           <a:noFill/>
         </a:ln>
         <a:effectLst>
-          <a:outerShdw blurRad="50800" dist="25400" algn="bl" rotWithShape="0">
+          <a:outerShdw blurRad="50800" dist="38100" dir="5400000" rotWithShape="0">
             <a:srgbClr val="000000">
-              <a:alpha val="60000"/>
+              <a:alpha val="35000"/>
             </a:srgbClr>
           </a:outerShdw>
         </a:effectLst>
@@ -3049,12 +3328,12 @@
         </a:fontRef>
       </dsp:style>
       <dsp:txBody>
-        <a:bodyPr spcFirstLastPara="0" vert="horz" wrap="square" lIns="14605" tIns="14605" rIns="14605" bIns="14605" numCol="1" spcCol="1270" anchor="ctr" anchorCtr="0">
+        <a:bodyPr spcFirstLastPara="0" vert="horz" wrap="square" lIns="13335" tIns="13335" rIns="13335" bIns="13335" numCol="1" spcCol="1270" anchor="ctr" anchorCtr="0">
           <a:noAutofit/>
         </a:bodyPr>
         <a:lstStyle/>
         <a:p>
-          <a:pPr lvl="0" algn="ctr" defTabSz="1022350">
+          <a:pPr lvl="0" algn="ctr" defTabSz="933450">
             <a:lnSpc>
               <a:spcPct val="90000"/>
             </a:lnSpc>
@@ -3066,10 +3345,10 @@
             </a:spcAft>
           </a:pPr>
           <a:r>
-            <a:rPr kumimoji="1" lang="ja-JP" altLang="en-US" sz="2300" kern="1200" dirty="0" smtClean="0"/>
+            <a:rPr kumimoji="1" lang="ja-JP" altLang="en-US" sz="2100" kern="1200" dirty="0" smtClean="0"/>
             <a:t>ユーザマスタ一覧</a:t>
           </a:r>
-          <a:endParaRPr kumimoji="1" lang="ja-JP" altLang="en-US" sz="2300" kern="1200" dirty="0"/>
+          <a:endParaRPr kumimoji="1" lang="ja-JP" altLang="en-US" sz="2100" kern="1200" dirty="0"/>
         </a:p>
       </dsp:txBody>
       <dsp:txXfrm>
@@ -3090,21 +3369,60 @@
         <a:prstGeom prst="rect">
           <a:avLst/>
         </a:prstGeom>
-        <a:solidFill>
-          <a:schemeClr val="accent4">
-            <a:hueOff val="0"/>
-            <a:satOff val="0"/>
-            <a:lumOff val="0"/>
-            <a:alphaOff val="0"/>
-          </a:schemeClr>
-        </a:solidFill>
+        <a:gradFill rotWithShape="0">
+          <a:gsLst>
+            <a:gs pos="0">
+              <a:schemeClr val="accent4">
+                <a:hueOff val="0"/>
+                <a:satOff val="0"/>
+                <a:lumOff val="0"/>
+                <a:alphaOff val="0"/>
+                <a:shade val="15000"/>
+                <a:satMod val="180000"/>
+              </a:schemeClr>
+            </a:gs>
+            <a:gs pos="50000">
+              <a:schemeClr val="accent4">
+                <a:hueOff val="0"/>
+                <a:satOff val="0"/>
+                <a:lumOff val="0"/>
+                <a:alphaOff val="0"/>
+                <a:shade val="45000"/>
+                <a:satMod val="170000"/>
+              </a:schemeClr>
+            </a:gs>
+            <a:gs pos="70000">
+              <a:schemeClr val="accent4">
+                <a:hueOff val="0"/>
+                <a:satOff val="0"/>
+                <a:lumOff val="0"/>
+                <a:alphaOff val="0"/>
+                <a:tint val="99000"/>
+                <a:shade val="65000"/>
+                <a:satMod val="155000"/>
+              </a:schemeClr>
+            </a:gs>
+            <a:gs pos="100000">
+              <a:schemeClr val="accent4">
+                <a:hueOff val="0"/>
+                <a:satOff val="0"/>
+                <a:lumOff val="0"/>
+                <a:alphaOff val="0"/>
+                <a:tint val="95500"/>
+                <a:shade val="100000"/>
+                <a:satMod val="155000"/>
+              </a:schemeClr>
+            </a:gs>
+          </a:gsLst>
+          <a:lin ang="16200000" scaled="0"/>
+        </a:gradFill>
         <a:ln>
           <a:noFill/>
         </a:ln>
         <a:effectLst>
-          <a:outerShdw blurRad="50800" dist="25400" algn="bl" rotWithShape="0">
+          <a:outerShdw blurRad="50800" dist="38100" dir="5400000" rotWithShape="0">
             <a:srgbClr val="000000">
-              <a:alpha val="60000"/>
+              <a:alpha val="35000"/>
             </a:srgbClr>
           </a:outerShdw>
         </a:effectLst>
@@ -3124,12 +3442,12 @@
         </a:fontRef>
       </dsp:style>
       <dsp:txBody>
-        <a:bodyPr spcFirstLastPara="0" vert="horz" wrap="square" lIns="14605" tIns="14605" rIns="14605" bIns="14605" numCol="1" spcCol="1270" anchor="ctr" anchorCtr="0">
+        <a:bodyPr spcFirstLastPara="0" vert="horz" wrap="square" lIns="13335" tIns="13335" rIns="13335" bIns="13335" numCol="1" spcCol="1270" anchor="ctr" anchorCtr="0">
           <a:noAutofit/>
         </a:bodyPr>
         <a:lstStyle/>
         <a:p>
-          <a:pPr lvl="0" algn="ctr" defTabSz="1022350">
+          <a:pPr lvl="0" algn="ctr" defTabSz="933450">
             <a:lnSpc>
               <a:spcPct val="90000"/>
             </a:lnSpc>
@@ -3141,10 +3459,10 @@
             </a:spcAft>
           </a:pPr>
           <a:r>
-            <a:rPr kumimoji="1" lang="ja-JP" altLang="en-US" sz="2300" kern="1200" dirty="0" smtClean="0"/>
+            <a:rPr kumimoji="1" lang="ja-JP" altLang="en-US" sz="2100" kern="1200" dirty="0" smtClean="0"/>
             <a:t>ユーザ登録</a:t>
           </a:r>
-          <a:endParaRPr kumimoji="1" lang="ja-JP" altLang="en-US" sz="2300" kern="1200" dirty="0"/>
+          <a:endParaRPr kumimoji="1" lang="ja-JP" altLang="en-US" sz="2100" kern="1200" dirty="0"/>
         </a:p>
       </dsp:txBody>
       <dsp:txXfrm>
@@ -3165,21 +3483,60 @@
         <a:prstGeom prst="rect">
           <a:avLst/>
         </a:prstGeom>
-        <a:solidFill>
-          <a:schemeClr val="accent4">
-            <a:hueOff val="0"/>
-            <a:satOff val="0"/>
-            <a:lumOff val="0"/>
-            <a:alphaOff val="0"/>
-          </a:schemeClr>
-        </a:solidFill>
+        <a:gradFill rotWithShape="0">
+          <a:gsLst>
+            <a:gs pos="0">
+              <a:schemeClr val="accent4">
+                <a:hueOff val="0"/>
+                <a:satOff val="0"/>
+                <a:lumOff val="0"/>
+                <a:alphaOff val="0"/>
+                <a:shade val="15000"/>
+                <a:satMod val="180000"/>
+              </a:schemeClr>
+            </a:gs>
+            <a:gs pos="50000">
+              <a:schemeClr val="accent4">
+                <a:hueOff val="0"/>
+                <a:satOff val="0"/>
+                <a:lumOff val="0"/>
+                <a:alphaOff val="0"/>
+                <a:shade val="45000"/>
+                <a:satMod val="170000"/>
+              </a:schemeClr>
+            </a:gs>
+            <a:gs pos="70000">
+              <a:schemeClr val="accent4">
+                <a:hueOff val="0"/>
+                <a:satOff val="0"/>
+                <a:lumOff val="0"/>
+                <a:alphaOff val="0"/>
+                <a:tint val="99000"/>
+                <a:shade val="65000"/>
+                <a:satMod val="155000"/>
+              </a:schemeClr>
+            </a:gs>
+            <a:gs pos="100000">
+              <a:schemeClr val="accent4">
+                <a:hueOff val="0"/>
+                <a:satOff val="0"/>
+                <a:lumOff val="0"/>
+                <a:alphaOff val="0"/>
+                <a:tint val="95500"/>
+                <a:shade val="100000"/>
+                <a:satMod val="155000"/>
+              </a:schemeClr>
+            </a:gs>
+          </a:gsLst>
+          <a:lin ang="16200000" scaled="0"/>
+        </a:gradFill>
         <a:ln>
           <a:noFill/>
         </a:ln>
         <a:effectLst>
-          <a:outerShdw blurRad="50800" dist="25400" algn="bl" rotWithShape="0">
+          <a:outerShdw blurRad="50800" dist="38100" dir="5400000" rotWithShape="0">
             <a:srgbClr val="000000">
-              <a:alpha val="60000"/>
+              <a:alpha val="35000"/>
             </a:srgbClr>
           </a:outerShdw>
         </a:effectLst>
@@ -3199,12 +3556,12 @@
         </a:fontRef>
       </dsp:style>
       <dsp:txBody>
-        <a:bodyPr spcFirstLastPara="0" vert="horz" wrap="square" lIns="14605" tIns="14605" rIns="14605" bIns="14605" numCol="1" spcCol="1270" anchor="ctr" anchorCtr="0">
+        <a:bodyPr spcFirstLastPara="0" vert="horz" wrap="square" lIns="13335" tIns="13335" rIns="13335" bIns="13335" numCol="1" spcCol="1270" anchor="ctr" anchorCtr="0">
           <a:noAutofit/>
         </a:bodyPr>
         <a:lstStyle/>
         <a:p>
-          <a:pPr lvl="0" algn="ctr" defTabSz="1022350">
+          <a:pPr lvl="0" algn="ctr" defTabSz="933450">
             <a:lnSpc>
               <a:spcPct val="90000"/>
             </a:lnSpc>
@@ -3216,10 +3573,10 @@
             </a:spcAft>
           </a:pPr>
           <a:r>
-            <a:rPr kumimoji="1" lang="ja-JP" altLang="en-US" sz="2300" kern="1200" dirty="0" smtClean="0"/>
+            <a:rPr kumimoji="1" lang="ja-JP" altLang="en-US" sz="2100" kern="1200" dirty="0" smtClean="0"/>
             <a:t>承認ルート設定</a:t>
           </a:r>
-          <a:endParaRPr kumimoji="1" lang="ja-JP" altLang="en-US" sz="2300" kern="1200" dirty="0"/>
+          <a:endParaRPr kumimoji="1" lang="ja-JP" altLang="en-US" sz="2100" kern="1200" dirty="0"/>
         </a:p>
       </dsp:txBody>
       <dsp:txXfrm>
@@ -4671,7 +5028,7 @@
             <a:fld id="{BCDAA5EE-A947-4495-AD3A-0037BFB73522}" type="datetimeFigureOut">
               <a:rPr kumimoji="1" lang="ja-JP" altLang="en-US" smtClean="0"/>
               <a:pPr/>
-              <a:t>2016/6/16</a:t>
+              <a:t>2016/6/17</a:t>
             </a:fld>
             <a:endParaRPr kumimoji="1" lang="ja-JP" altLang="en-US"/>
           </a:p>
@@ -4738,7 +5095,7 @@
             <a:fld id="{82F83612-9275-4DC1-A944-3BFEC8BF768F}" type="slidenum">
               <a:rPr kumimoji="1" lang="ja-JP" altLang="en-US" smtClean="0"/>
               <a:pPr/>
-              <a:t>&lt;#&gt;</a:t>
+              <a:t>‹#›</a:t>
             </a:fld>
             <a:endParaRPr kumimoji="1" lang="ja-JP" altLang="en-US"/>
           </a:p>
@@ -4747,7 +5104,7 @@
     </p:spTree>
     <p:extLst>
       <p:ext uri="{BB962C8B-B14F-4D97-AF65-F5344CB8AC3E}">
-        <p14:creationId xmlns:p14="http://schemas.microsoft.com/office/powerpoint/2010/main" xmlns="" val="2208753837"/>
+        <p14:creationId xmlns:p14="http://schemas.microsoft.com/office/powerpoint/2010/main" val="2208753837"/>
       </p:ext>
     </p:extLst>
   </p:cSld>
@@ -4838,7 +5195,7 @@
             <a:fld id="{B865EC08-ADE3-4A7C-8117-50520C10DDF4}" type="datetimeFigureOut">
               <a:rPr kumimoji="1" lang="ja-JP" altLang="en-US" smtClean="0"/>
               <a:pPr/>
-              <a:t>2016/6/16</a:t>
+              <a:t>2016/6/17</a:t>
             </a:fld>
             <a:endParaRPr kumimoji="1" lang="ja-JP" altLang="en-US"/>
           </a:p>
@@ -5030,7 +5387,7 @@
             <a:fld id="{110D8F48-DEFC-4A68-B774-8C3AE0822D57}" type="slidenum">
               <a:rPr kumimoji="1" lang="ja-JP" altLang="en-US" smtClean="0"/>
               <a:pPr/>
-              <a:t>&lt;#&gt;</a:t>
+              <a:t>‹#›</a:t>
             </a:fld>
             <a:endParaRPr kumimoji="1" lang="ja-JP" altLang="en-US"/>
           </a:p>
@@ -5039,7 +5396,7 @@
     </p:spTree>
     <p:extLst>
       <p:ext uri="{BB962C8B-B14F-4D97-AF65-F5344CB8AC3E}">
-        <p14:creationId xmlns:p14="http://schemas.microsoft.com/office/powerpoint/2010/main" xmlns="" val="1815087394"/>
+        <p14:creationId xmlns:p14="http://schemas.microsoft.com/office/powerpoint/2010/main" val="1815087394"/>
       </p:ext>
     </p:extLst>
   </p:cSld>
@@ -5140,7 +5497,7 @@
 </file>
 
 <file path=ppt/slideLayouts/slideLayout1.xml><?xml version="1.0" encoding="utf-8"?>
-<p:sldLayout xmlns:a="http://schemas.openxmlformats.org/drawingml/2006/main" xmlns:r="http://schemas.openxmlformats.org/officeDocument/2006/relationships" xmlns:p="http://schemas.openxmlformats.org/presentationml/2006/main" type="title" preserve="1">
+<p:sldLayout xmlns:a="http://schemas.openxmlformats.org/drawingml/2006/main" xmlns:r="http://schemas.openxmlformats.org/officeDocument/2006/relationships" xmlns:p="http://schemas.openxmlformats.org/presentationml/2006/main" showMasterSp="0" type="title" preserve="1">
   <p:cSld name="タイトル スライド">
     <p:spTree>
       <p:nvGrpSpPr>
@@ -5158,7 +5515,79 @@
       </p:grpSpPr>
       <p:sp>
         <p:nvSpPr>
-          <p:cNvPr id="2" name="Title 1"/>
+          <p:cNvPr id="10" name="直角三角形 9"/>
+          <p:cNvSpPr/>
+          <p:nvPr/>
+        </p:nvSpPr>
+        <p:spPr>
+          <a:xfrm>
+            <a:off x="-2" y="4664147"/>
+            <a:ext cx="9151089" cy="0"/>
+          </a:xfrm>
+          <a:prstGeom prst="rtTriangle">
+            <a:avLst/>
+          </a:prstGeom>
+          <a:gradFill flip="none" rotWithShape="1">
+            <a:gsLst>
+              <a:gs pos="0">
+                <a:schemeClr val="accent1">
+                  <a:shade val="35000"/>
+                  <a:satMod val="170000"/>
+                  <a:alpha val="100000"/>
+                </a:schemeClr>
+              </a:gs>
+              <a:gs pos="55000">
+                <a:schemeClr val="accent1">
+                  <a:tint val="90000"/>
+                  <a:satMod val="150000"/>
+                  <a:alpha val="100000"/>
+                </a:schemeClr>
+              </a:gs>
+              <a:gs pos="100000">
+                <a:schemeClr val="accent1">
+                  <a:shade val="35000"/>
+                  <a:satMod val="170000"/>
+                  <a:alpha val="100000"/>
+                </a:schemeClr>
+              </a:gs>
+            </a:gsLst>
+            <a:lin ang="3000000" scaled="1"/>
+            <a:tileRect/>
+          </a:gradFill>
+          <a:ln w="12700" cap="rnd" cmpd="thickThin" algn="ctr">
+            <a:noFill/>
+            <a:prstDash val="solid"/>
+          </a:ln>
+          <a:effectLst/>
+        </p:spPr>
+        <p:style>
+          <a:lnRef idx="3">
+            <a:schemeClr val="lt1"/>
+          </a:lnRef>
+          <a:fillRef idx="1">
+            <a:schemeClr val="accent1"/>
+          </a:fillRef>
+          <a:effectRef idx="1">
+            <a:schemeClr val="accent1"/>
+          </a:effectRef>
+          <a:fontRef idx="minor">
+            <a:schemeClr val="lt1"/>
+          </a:fontRef>
+        </p:style>
+        <p:txBody>
+          <a:bodyPr anchor="ctr"/>
+          <a:lstStyle>
+            <a:extLst/>
+          </a:lstStyle>
+          <a:p>
+            <a:pPr algn="ctr" eaLnBrk="1" latinLnBrk="0" hangingPunct="1"/>
+            <a:endParaRPr kumimoji="0" lang="en-US"/>
+          </a:p>
+        </p:txBody>
+      </p:sp>
+      <p:sp>
+        <p:nvSpPr>
+          <p:cNvPr id="9" name="タイトル 8"/>
           <p:cNvSpPr>
             <a:spLocks noGrp="1"/>
           </p:cNvSpPr>
@@ -5168,36 +5597,50 @@
         </p:nvSpPr>
         <p:spPr>
           <a:xfrm>
-            <a:off x="685800" y="1905000"/>
-            <a:ext cx="7543800" cy="2593975"/>
+            <a:off x="685800" y="1752601"/>
+            <a:ext cx="7772400" cy="1829761"/>
           </a:xfrm>
         </p:spPr>
         <p:txBody>
-          <a:bodyPr anchor="b"/>
+          <a:bodyPr vert="horz" anchor="b">
+            <a:normAutofit/>
+            <a:scene3d>
+              <a:camera prst="orthographicFront"/>
+              <a:lightRig rig="soft" dir="t"/>
+            </a:scene3d>
+            <a:sp3d prstMaterial="softEdge">
+              <a:bevelT w="25400" h="25400"/>
+            </a:sp3d>
+          </a:bodyPr>
           <a:lstStyle>
-            <a:lvl1pPr>
-              <a:defRPr sz="6600">
-                <a:ln>
-                  <a:noFill/>
-                </a:ln>
+            <a:lvl1pPr algn="r">
+              <a:defRPr sz="4800" b="1">
                 <a:solidFill>
                   <a:schemeClr val="tx2"/>
                 </a:solidFill>
+                <a:effectLst>
+                  <a:outerShdw blurRad="31750" dist="25400" dir="5400000" algn="tl" rotWithShape="0">
+                    <a:srgbClr val="000000">
+                      <a:alpha val="25000"/>
+                    </a:srgbClr>
+                  </a:outerShdw>
+                </a:effectLst>
               </a:defRPr>
             </a:lvl1pPr>
+            <a:extLst/>
           </a:lstStyle>
           <a:p>
             <a:r>
-              <a:rPr lang="ja-JP" altLang="en-US" smtClean="0"/>
+              <a:rPr kumimoji="0" lang="ja-JP" altLang="en-US" smtClean="0"/>
               <a:t>マスター タイトルの書式設定</a:t>
             </a:r>
-            <a:endParaRPr lang="en-US" dirty="0"/>
+            <a:endParaRPr kumimoji="0" lang="en-US"/>
           </a:p>
         </p:txBody>
       </p:sp>
       <p:sp>
         <p:nvSpPr>
-          <p:cNvPr id="3" name="Subtitle 2"/>
+          <p:cNvPr id="17" name="サブタイトル 16"/>
           <p:cNvSpPr>
             <a:spLocks noGrp="1"/>
           </p:cNvSpPr>
@@ -5207,118 +5650,454 @@
         </p:nvSpPr>
         <p:spPr>
           <a:xfrm>
-            <a:off x="685800" y="4572000"/>
-            <a:ext cx="6461760" cy="1066800"/>
+            <a:off x="685800" y="3611607"/>
+            <a:ext cx="7772400" cy="1199704"/>
           </a:xfrm>
         </p:spPr>
         <p:txBody>
-          <a:bodyPr anchor="t">
-            <a:normAutofit/>
-          </a:bodyPr>
+          <a:bodyPr lIns="45720" rIns="45720"/>
           <a:lstStyle>
-            <a:lvl1pPr marL="0" indent="0" algn="l">
+            <a:lvl1pPr marL="0" marR="64008" indent="0" algn="r">
               <a:buNone/>
-              <a:defRPr sz="2000">
+              <a:defRPr>
                 <a:solidFill>
-                  <a:schemeClr val="tx1">
-                    <a:tint val="75000"/>
-                  </a:schemeClr>
+                  <a:schemeClr val="tx2"/>
                 </a:solidFill>
               </a:defRPr>
             </a:lvl1pPr>
             <a:lvl2pPr marL="457200" indent="0" algn="ctr">
               <a:buNone/>
-              <a:defRPr>
-                <a:solidFill>
-                  <a:schemeClr val="tx1">
-                    <a:tint val="75000"/>
-                  </a:schemeClr>
-                </a:solidFill>
-              </a:defRPr>
             </a:lvl2pPr>
             <a:lvl3pPr marL="914400" indent="0" algn="ctr">
               <a:buNone/>
-              <a:defRPr>
-                <a:solidFill>
-                  <a:schemeClr val="tx1">
-                    <a:tint val="75000"/>
-                  </a:schemeClr>
-                </a:solidFill>
-              </a:defRPr>
             </a:lvl3pPr>
             <a:lvl4pPr marL="1371600" indent="0" algn="ctr">
               <a:buNone/>
-              <a:defRPr>
-                <a:solidFill>
-                  <a:schemeClr val="tx1">
-                    <a:tint val="75000"/>
-                  </a:schemeClr>
-                </a:solidFill>
-              </a:defRPr>
             </a:lvl4pPr>
             <a:lvl5pPr marL="1828800" indent="0" algn="ctr">
               <a:buNone/>
-              <a:defRPr>
-                <a:solidFill>
-                  <a:schemeClr val="tx1">
-                    <a:tint val="75000"/>
-                  </a:schemeClr>
-                </a:solidFill>
-              </a:defRPr>
             </a:lvl5pPr>
             <a:lvl6pPr marL="2286000" indent="0" algn="ctr">
               <a:buNone/>
-              <a:defRPr>
-                <a:solidFill>
-                  <a:schemeClr val="tx1">
-                    <a:tint val="75000"/>
-                  </a:schemeClr>
-                </a:solidFill>
-              </a:defRPr>
             </a:lvl6pPr>
             <a:lvl7pPr marL="2743200" indent="0" algn="ctr">
               <a:buNone/>
-              <a:defRPr>
-                <a:solidFill>
-                  <a:schemeClr val="tx1">
-                    <a:tint val="75000"/>
-                  </a:schemeClr>
-                </a:solidFill>
-              </a:defRPr>
             </a:lvl7pPr>
             <a:lvl8pPr marL="3200400" indent="0" algn="ctr">
               <a:buNone/>
-              <a:defRPr>
-                <a:solidFill>
-                  <a:schemeClr val="tx1">
-                    <a:tint val="75000"/>
-                  </a:schemeClr>
-                </a:solidFill>
-              </a:defRPr>
             </a:lvl8pPr>
             <a:lvl9pPr marL="3657600" indent="0" algn="ctr">
               <a:buNone/>
-              <a:defRPr>
-                <a:solidFill>
-                  <a:schemeClr val="tx1">
-                    <a:tint val="75000"/>
-                  </a:schemeClr>
-                </a:solidFill>
-              </a:defRPr>
             </a:lvl9pPr>
+            <a:extLst/>
           </a:lstStyle>
           <a:p>
             <a:r>
-              <a:rPr lang="ja-JP" altLang="en-US" smtClean="0"/>
+              <a:rPr kumimoji="0" lang="ja-JP" altLang="en-US" smtClean="0"/>
               <a:t>マスター サブタイトルの書式設定</a:t>
             </a:r>
-            <a:endParaRPr lang="en-US" dirty="0"/>
+            <a:endParaRPr kumimoji="0" lang="en-US"/>
           </a:p>
         </p:txBody>
       </p:sp>
+      <p:grpSp>
+        <p:nvGrpSpPr>
+          <p:cNvPr id="2" name="グループ化 1"/>
+          <p:cNvGrpSpPr/>
+          <p:nvPr/>
+        </p:nvGrpSpPr>
+        <p:grpSpPr>
+          <a:xfrm>
+            <a:off x="-3765" y="4953000"/>
+            <a:ext cx="9147765" cy="1912088"/>
+            <a:chOff x="-3765" y="4832896"/>
+            <a:chExt cx="9147765" cy="2032192"/>
+          </a:xfrm>
+        </p:grpSpPr>
+        <p:sp>
+          <p:nvSpPr>
+            <p:cNvPr id="7" name="フリーフォーム 6"/>
+            <p:cNvSpPr>
+              <a:spLocks/>
+            </p:cNvSpPr>
+            <p:nvPr/>
+          </p:nvSpPr>
+          <p:spPr bwMode="auto">
+            <a:xfrm>
+              <a:off x="1687513" y="4832896"/>
+              <a:ext cx="7456487" cy="518816"/>
+            </a:xfrm>
+            <a:custGeom>
+              <a:avLst>
+                <a:gd name="A1" fmla="val 0"/>
+                <a:gd name="A2" fmla="val 0"/>
+                <a:gd name="A3" fmla="val 0"/>
+                <a:gd name="A4" fmla="val 0"/>
+                <a:gd name="A5" fmla="val 0"/>
+                <a:gd name="A6" fmla="val 0"/>
+                <a:gd name="A7" fmla="val 0"/>
+                <a:gd name="A8" fmla="val 0"/>
+              </a:avLst>
+              <a:gdLst/>
+              <a:ahLst/>
+              <a:cxnLst>
+                <a:cxn ang="0">
+                  <a:pos x="4697" y="0"/>
+                </a:cxn>
+                <a:cxn ang="0">
+                  <a:pos x="4697" y="367"/>
+                </a:cxn>
+                <a:cxn ang="0">
+                  <a:pos x="0" y="218"/>
+                </a:cxn>
+                <a:cxn ang="0">
+                  <a:pos x="4697" y="0"/>
+                </a:cxn>
+              </a:cxnLst>
+              <a:rect l="0" t="0" r="0" b="0"/>
+              <a:pathLst>
+                <a:path w="4697" h="367">
+                  <a:moveTo>
+                    <a:pt x="4697" y="0"/>
+                  </a:moveTo>
+                  <a:lnTo>
+                    <a:pt x="4697" y="367"/>
+                  </a:lnTo>
+                  <a:lnTo>
+                    <a:pt x="0" y="218"/>
+                  </a:lnTo>
+                  <a:lnTo>
+                    <a:pt x="4697" y="0"/>
+                  </a:lnTo>
+                  <a:close/>
+                </a:path>
+              </a:pathLst>
+            </a:custGeom>
+            <a:solidFill>
+              <a:schemeClr val="accent1">
+                <a:tint val="65000"/>
+                <a:satMod val="115000"/>
+                <a:alpha val="40000"/>
+              </a:schemeClr>
+            </a:solidFill>
+            <a:ln w="9525" cap="flat" cmpd="sng" algn="ctr">
+              <a:noFill/>
+              <a:prstDash val="solid"/>
+              <a:round/>
+              <a:headEnd type="none" w="med" len="med"/>
+              <a:tailEnd type="none" w="med" len="med"/>
+            </a:ln>
+            <a:effectLst/>
+          </p:spPr>
+          <p:txBody>
+            <a:bodyPr vert="horz" wrap="square" lIns="91440" tIns="45720" rIns="91440" bIns="45720" anchor="t" compatLnSpc="1"/>
+            <a:lstStyle>
+              <a:extLst/>
+            </a:lstStyle>
+            <a:p>
+              <a:endParaRPr kumimoji="0" lang="en-US"/>
+            </a:p>
+          </p:txBody>
+        </p:sp>
+        <p:sp>
+          <p:nvSpPr>
+            <p:cNvPr id="8" name="フリーフォーム 7"/>
+            <p:cNvSpPr>
+              <a:spLocks/>
+            </p:cNvSpPr>
+            <p:nvPr/>
+          </p:nvSpPr>
+          <p:spPr bwMode="auto">
+            <a:xfrm>
+              <a:off x="35443" y="5135526"/>
+              <a:ext cx="9108557" cy="838200"/>
+            </a:xfrm>
+            <a:custGeom>
+              <a:avLst>
+                <a:gd name="A1" fmla="val 0"/>
+                <a:gd name="A2" fmla="val 0"/>
+                <a:gd name="A3" fmla="val 0"/>
+                <a:gd name="A4" fmla="val 0"/>
+                <a:gd name="A5" fmla="val 0"/>
+                <a:gd name="A6" fmla="val 0"/>
+                <a:gd name="A7" fmla="val 0"/>
+                <a:gd name="A8" fmla="val 0"/>
+              </a:avLst>
+              <a:gdLst/>
+              <a:ahLst/>
+              <a:cxnLst>
+                <a:cxn ang="0">
+                  <a:pos x="0" y="0"/>
+                </a:cxn>
+                <a:cxn ang="0">
+                  <a:pos x="5760" y="0"/>
+                </a:cxn>
+                <a:cxn ang="0">
+                  <a:pos x="5760" y="528"/>
+                </a:cxn>
+                <a:cxn ang="0">
+                  <a:pos x="48" y="0"/>
+                </a:cxn>
+              </a:cxnLst>
+              <a:rect l="0" t="0" r="0" b="0"/>
+              <a:pathLst>
+                <a:path w="5760" h="528">
+                  <a:moveTo>
+                    <a:pt x="0" y="0"/>
+                  </a:moveTo>
+                  <a:lnTo>
+                    <a:pt x="5760" y="0"/>
+                  </a:lnTo>
+                  <a:lnTo>
+                    <a:pt x="5760" y="528"/>
+                  </a:lnTo>
+                  <a:lnTo>
+                    <a:pt x="48" y="0"/>
+                  </a:lnTo>
+                </a:path>
+              </a:pathLst>
+            </a:custGeom>
+            <a:solidFill>
+              <a:srgbClr val="000000">
+                <a:alpha val="100000"/>
+              </a:srgbClr>
+            </a:solidFill>
+            <a:ln w="9525" cap="flat" cmpd="sng" algn="ctr">
+              <a:noFill/>
+              <a:prstDash val="solid"/>
+              <a:round/>
+              <a:headEnd type="none" w="med" len="med"/>
+              <a:tailEnd type="none" w="med" len="med"/>
+            </a:ln>
+            <a:effectLst/>
+          </p:spPr>
+          <p:txBody>
+            <a:bodyPr vert="horz" wrap="square" lIns="91440" tIns="45720" rIns="91440" bIns="45720" anchor="t" compatLnSpc="1"/>
+            <a:lstStyle>
+              <a:extLst/>
+            </a:lstStyle>
+            <a:p>
+              <a:endParaRPr kumimoji="0" lang="en-US"/>
+            </a:p>
+          </p:txBody>
+        </p:sp>
+        <p:sp>
+          <p:nvSpPr>
+            <p:cNvPr id="11" name="フリーフォーム 10"/>
+            <p:cNvSpPr>
+              <a:spLocks/>
+            </p:cNvSpPr>
+            <p:nvPr/>
+          </p:nvSpPr>
+          <p:spPr bwMode="auto">
+            <a:xfrm>
+              <a:off x="0" y="4883888"/>
+              <a:ext cx="9144000" cy="1981200"/>
+            </a:xfrm>
+            <a:custGeom>
+              <a:avLst>
+                <a:gd name="A1" fmla="val 0"/>
+                <a:gd name="A2" fmla="val 0"/>
+                <a:gd name="A3" fmla="val 0"/>
+                <a:gd name="A4" fmla="val 0"/>
+                <a:gd name="A5" fmla="val 0"/>
+                <a:gd name="A6" fmla="val 0"/>
+                <a:gd name="A7" fmla="val 0"/>
+                <a:gd name="A8" fmla="val 0"/>
+              </a:avLst>
+              <a:gdLst/>
+              <a:ahLst/>
+              <a:cxnLst>
+                <a:cxn ang="0">
+                  <a:pos x="0" y="0"/>
+                </a:cxn>
+                <a:cxn ang="0">
+                  <a:pos x="0" y="1248"/>
+                </a:cxn>
+                <a:cxn ang="0">
+                  <a:pos x="5760" y="1248"/>
+                </a:cxn>
+                <a:cxn ang="0">
+                  <a:pos x="5760" y="528"/>
+                </a:cxn>
+                <a:cxn ang="0">
+                  <a:pos x="0" y="0"/>
+                </a:cxn>
+              </a:cxnLst>
+              <a:rect l="0" t="0" r="0" b="0"/>
+              <a:pathLst>
+                <a:path w="5760" h="1248">
+                  <a:moveTo>
+                    <a:pt x="0" y="0"/>
+                  </a:moveTo>
+                  <a:lnTo>
+                    <a:pt x="0" y="1248"/>
+                  </a:lnTo>
+                  <a:lnTo>
+                    <a:pt x="5760" y="1248"/>
+                  </a:lnTo>
+                  <a:lnTo>
+                    <a:pt x="5760" y="528"/>
+                  </a:lnTo>
+                  <a:lnTo>
+                    <a:pt x="0" y="0"/>
+                  </a:lnTo>
+                  <a:close/>
+                </a:path>
+              </a:pathLst>
+            </a:custGeom>
+            <a:blipFill>
+              <a:blip r:embed="rId2">
+                <a:alphaModFix amt="50000"/>
+              </a:blip>
+              <a:tile tx="0" ty="0" sx="50000" sy="50000" flip="none" algn="t"/>
+            </a:blipFill>
+            <a:ln w="12700" cap="rnd" cmpd="thickThin" algn="ctr">
+              <a:noFill/>
+              <a:prstDash val="solid"/>
+            </a:ln>
+            <a:effectLst>
+              <a:fillOverlay blend="mult">
+                <a:gradFill flip="none" rotWithShape="1">
+                  <a:gsLst>
+                    <a:gs pos="0">
+                      <a:schemeClr val="accent1">
+                        <a:shade val="20000"/>
+                        <a:satMod val="176000"/>
+                        <a:alpha val="100000"/>
+                      </a:schemeClr>
+                    </a:gs>
+                    <a:gs pos="18000">
+                      <a:schemeClr val="accent1">
+                        <a:shade val="48000"/>
+                        <a:satMod val="153000"/>
+                        <a:alpha val="100000"/>
+                      </a:schemeClr>
+                    </a:gs>
+                    <a:gs pos="43000">
+                      <a:schemeClr val="accent1">
+                        <a:tint val="86000"/>
+                        <a:satMod val="149000"/>
+                        <a:alpha val="100000"/>
+                      </a:schemeClr>
+                    </a:gs>
+                    <a:gs pos="45000">
+                      <a:schemeClr val="accent1">
+                        <a:tint val="85000"/>
+                        <a:satMod val="150000"/>
+                        <a:alpha val="100000"/>
+                      </a:schemeClr>
+                    </a:gs>
+                    <a:gs pos="50000">
+                      <a:schemeClr val="accent1">
+                        <a:tint val="86000"/>
+                        <a:satMod val="149000"/>
+                        <a:alpha val="100000"/>
+                      </a:schemeClr>
+                    </a:gs>
+                    <a:gs pos="79000">
+                      <a:schemeClr val="accent1">
+                        <a:shade val="53000"/>
+                        <a:satMod val="150000"/>
+                        <a:alpha val="100000"/>
+                      </a:schemeClr>
+                    </a:gs>
+                    <a:gs pos="100000">
+                      <a:schemeClr val="accent1">
+                        <a:shade val="25000"/>
+                        <a:satMod val="170000"/>
+                        <a:alpha val="100000"/>
+                      </a:schemeClr>
+                    </a:gs>
+                  </a:gsLst>
+                  <a:lin ang="450000" scaled="1"/>
+                  <a:tileRect/>
+                </a:gradFill>
+              </a:fillOverlay>
+            </a:effectLst>
+          </p:spPr>
+          <p:style>
+            <a:lnRef idx="3">
+              <a:schemeClr val="lt1"/>
+            </a:lnRef>
+            <a:fillRef idx="1">
+              <a:schemeClr val="accent1"/>
+            </a:fillRef>
+            <a:effectRef idx="1">
+              <a:schemeClr val="accent1"/>
+            </a:effectRef>
+            <a:fontRef idx="minor">
+              <a:schemeClr val="lt1"/>
+            </a:fontRef>
+          </p:style>
+          <p:txBody>
+            <a:bodyPr vert="horz" wrap="square" lIns="91440" tIns="45720" rIns="91440" bIns="45720" anchor="ctr" compatLnSpc="1"/>
+            <a:lstStyle>
+              <a:extLst/>
+            </a:lstStyle>
+            <a:p>
+              <a:pPr algn="ctr" eaLnBrk="1" latinLnBrk="0" hangingPunct="1"/>
+              <a:endParaRPr kumimoji="0" lang="en-US"/>
+            </a:p>
+          </p:txBody>
+        </p:sp>
+        <p:cxnSp>
+          <p:nvCxnSpPr>
+            <p:cNvPr id="12" name="直線コネクタ 11"/>
+            <p:cNvCxnSpPr/>
+            <p:nvPr/>
+          </p:nvCxnSpPr>
+          <p:spPr>
+            <a:xfrm>
+              <a:off x="-3765" y="4880373"/>
+              <a:ext cx="9147765" cy="839943"/>
+            </a:xfrm>
+            <a:prstGeom prst="line">
+              <a:avLst/>
+            </a:prstGeom>
+            <a:noFill/>
+            <a:ln w="12065" cap="flat" cmpd="sng" algn="ctr">
+              <a:gradFill>
+                <a:gsLst>
+                  <a:gs pos="45000">
+                    <a:schemeClr val="accent1">
+                      <a:tint val="70000"/>
+                      <a:satMod val="110000"/>
+                    </a:schemeClr>
+                  </a:gs>
+                  <a:gs pos="15000">
+                    <a:schemeClr val="accent1">
+                      <a:shade val="40000"/>
+                      <a:satMod val="110000"/>
+                    </a:schemeClr>
+                  </a:gs>
+                </a:gsLst>
+                <a:lin ang="5400000" scaled="1"/>
+              </a:gradFill>
+              <a:prstDash val="solid"/>
+              <a:miter lim="800000"/>
+            </a:ln>
+            <a:effectLst/>
+          </p:spPr>
+          <p:style>
+            <a:lnRef idx="2">
+              <a:schemeClr val="accent1"/>
+            </a:lnRef>
+            <a:fillRef idx="0">
+              <a:schemeClr val="accent1"/>
+            </a:fillRef>
+            <a:effectRef idx="1">
+              <a:schemeClr val="accent1"/>
+            </a:effectRef>
+            <a:fontRef idx="minor">
+              <a:schemeClr val="tx1"/>
+            </a:fontRef>
+          </p:style>
+        </p:cxnSp>
+      </p:grpSp>
       <p:sp>
         <p:nvSpPr>
-          <p:cNvPr id="4" name="Date Placeholder 3"/>
+          <p:cNvPr id="30" name="日付プレースホルダー 29"/>
           <p:cNvSpPr>
             <a:spLocks noGrp="1"/>
           </p:cNvSpPr>
@@ -5329,12 +6108,21 @@
         <p:spPr/>
         <p:txBody>
           <a:bodyPr/>
-          <a:lstStyle/>
+          <a:lstStyle>
+            <a:lvl1pPr>
+              <a:defRPr>
+                <a:solidFill>
+                  <a:srgbClr val="FFFFFF"/>
+                </a:solidFill>
+              </a:defRPr>
+            </a:lvl1pPr>
+            <a:extLst/>
+          </a:lstStyle>
           <a:p>
             <a:fld id="{CAC6C4D1-4423-414E-889C-F10741AD3B79}" type="datetime1">
               <a:rPr kumimoji="1" lang="ja-JP" altLang="en-US" smtClean="0"/>
               <a:pPr/>
-              <a:t>2016/6/16</a:t>
+              <a:t>2016/6/17</a:t>
             </a:fld>
             <a:endParaRPr kumimoji="1" lang="ja-JP" altLang="en-US"/>
           </a:p>
@@ -5342,7 +6130,7 @@
       </p:sp>
       <p:sp>
         <p:nvSpPr>
-          <p:cNvPr id="5" name="Footer Placeholder 4"/>
+          <p:cNvPr id="19" name="フッター プレースホルダー 18"/>
           <p:cNvSpPr>
             <a:spLocks noGrp="1"/>
           </p:cNvSpPr>
@@ -5353,7 +6141,18 @@
         <p:spPr/>
         <p:txBody>
           <a:bodyPr/>
-          <a:lstStyle/>
+          <a:lstStyle>
+            <a:lvl1pPr>
+              <a:defRPr>
+                <a:solidFill>
+                  <a:schemeClr val="accent1">
+                    <a:tint val="20000"/>
+                  </a:schemeClr>
+                </a:solidFill>
+              </a:defRPr>
+            </a:lvl1pPr>
+            <a:extLst/>
+          </a:lstStyle>
           <a:p>
             <a:endParaRPr kumimoji="1" lang="ja-JP" altLang="en-US"/>
           </a:p>
@@ -5361,7 +6160,7 @@
       </p:sp>
       <p:sp>
         <p:nvSpPr>
-          <p:cNvPr id="6" name="Slide Number Placeholder 5"/>
+          <p:cNvPr id="27" name="スライド番号プレースホルダー 26"/>
           <p:cNvSpPr>
             <a:spLocks noGrp="1"/>
           </p:cNvSpPr>
@@ -5372,12 +6171,21 @@
         <p:spPr/>
         <p:txBody>
           <a:bodyPr/>
-          <a:lstStyle/>
+          <a:lstStyle>
+            <a:lvl1pPr>
+              <a:defRPr>
+                <a:solidFill>
+                  <a:srgbClr val="FFFFFF"/>
+                </a:solidFill>
+              </a:defRPr>
+            </a:lvl1pPr>
+            <a:extLst/>
+          </a:lstStyle>
           <a:p>
             <a:fld id="{1B2C9F7E-80B6-4C3C-8A6C-643968CAB744}" type="slidenum">
               <a:rPr kumimoji="1" lang="ja-JP" altLang="en-US" smtClean="0"/>
               <a:pPr/>
-              <a:t>&lt;#&gt;</a:t>
+              <a:t>‹#›</a:t>
             </a:fld>
             <a:endParaRPr kumimoji="1" lang="ja-JP" altLang="en-US"/>
           </a:p>
@@ -5388,13 +6196,6 @@
   <p:clrMapOvr>
     <a:masterClrMapping/>
   </p:clrMapOvr>
-  <p:timing>
-    <p:tnLst>
-      <p:par>
-        <p:cTn id="1" dur="indefinite" restart="never" nodeType="tmRoot"/>
-      </p:par>
-    </p:tnLst>
-  </p:timing>
 </p:sldLayout>
 </file>
 
@@ -5417,7 +6218,7 @@
       </p:grpSpPr>
       <p:sp>
         <p:nvSpPr>
-          <p:cNvPr id="2" name="Title 1"/>
+          <p:cNvPr id="2" name="タイトル 1"/>
           <p:cNvSpPr>
             <a:spLocks noGrp="1"/>
           </p:cNvSpPr>
@@ -5428,19 +6229,21 @@
         <p:spPr/>
         <p:txBody>
           <a:bodyPr/>
-          <a:lstStyle/>
+          <a:lstStyle>
+            <a:extLst/>
+          </a:lstStyle>
           <a:p>
             <a:r>
-              <a:rPr lang="ja-JP" altLang="en-US" smtClean="0"/>
+              <a:rPr kumimoji="0" lang="ja-JP" altLang="en-US" smtClean="0"/>
               <a:t>マスター タイトルの書式設定</a:t>
             </a:r>
-            <a:endParaRPr lang="en-US"/>
+            <a:endParaRPr kumimoji="0" lang="en-US"/>
           </a:p>
         </p:txBody>
       </p:sp>
       <p:sp>
         <p:nvSpPr>
-          <p:cNvPr id="3" name="Vertical Text Placeholder 2"/>
+          <p:cNvPr id="3" name="縦書きテキスト プレースホルダー 2"/>
           <p:cNvSpPr>
             <a:spLocks noGrp="1"/>
           </p:cNvSpPr>
@@ -5448,19 +6251,26 @@
             <p:ph type="body" orient="vert" idx="1"/>
           </p:nvPr>
         </p:nvSpPr>
-        <p:spPr/>
+        <p:spPr>
+          <a:xfrm>
+            <a:off x="457200" y="1481329"/>
+            <a:ext cx="8229600" cy="4386071"/>
+          </a:xfrm>
+        </p:spPr>
         <p:txBody>
           <a:bodyPr vert="eaVert"/>
-          <a:lstStyle/>
+          <a:lstStyle>
+            <a:extLst/>
+          </a:lstStyle>
           <a:p>
-            <a:pPr lvl="0"/>
+            <a:pPr lvl="0" eaLnBrk="1" latinLnBrk="0" hangingPunct="1"/>
             <a:r>
               <a:rPr lang="ja-JP" altLang="en-US" smtClean="0"/>
               <a:t>マスター テキストの書式設定</a:t>
             </a:r>
           </a:p>
           <a:p>
-            <a:pPr lvl="1"/>
+            <a:pPr lvl="1" eaLnBrk="1" latinLnBrk="0" hangingPunct="1"/>
             <a:r>
               <a:rPr lang="ja-JP" altLang="en-US" smtClean="0"/>
               <a:t>第 </a:t>
@@ -5475,7 +6285,7 @@
             </a:r>
           </a:p>
           <a:p>
-            <a:pPr lvl="2"/>
+            <a:pPr lvl="2" eaLnBrk="1" latinLnBrk="0" hangingPunct="1"/>
             <a:r>
               <a:rPr lang="ja-JP" altLang="en-US" smtClean="0"/>
               <a:t>第 </a:t>
@@ -5490,7 +6300,7 @@
             </a:r>
           </a:p>
           <a:p>
-            <a:pPr lvl="3"/>
+            <a:pPr lvl="3" eaLnBrk="1" latinLnBrk="0" hangingPunct="1"/>
             <a:r>
               <a:rPr lang="ja-JP" altLang="en-US" smtClean="0"/>
               <a:t>第 </a:t>
@@ -5505,7 +6315,7 @@
             </a:r>
           </a:p>
           <a:p>
-            <a:pPr lvl="4"/>
+            <a:pPr lvl="4" eaLnBrk="1" latinLnBrk="0" hangingPunct="1"/>
             <a:r>
               <a:rPr lang="ja-JP" altLang="en-US" smtClean="0"/>
               <a:t>第 </a:t>
@@ -5518,13 +6328,13 @@
               <a:rPr lang="ja-JP" altLang="en-US" smtClean="0"/>
               <a:t>レベル</a:t>
             </a:r>
-            <a:endParaRPr lang="en-US"/>
+            <a:endParaRPr kumimoji="0" lang="en-US"/>
           </a:p>
         </p:txBody>
       </p:sp>
       <p:sp>
         <p:nvSpPr>
-          <p:cNvPr id="4" name="Date Placeholder 3"/>
+          <p:cNvPr id="4" name="日付プレースホルダー 3"/>
           <p:cNvSpPr>
             <a:spLocks noGrp="1"/>
           </p:cNvSpPr>
@@ -5535,12 +6345,14 @@
         <p:spPr/>
         <p:txBody>
           <a:bodyPr/>
-          <a:lstStyle/>
+          <a:lstStyle>
+            <a:extLst/>
+          </a:lstStyle>
           <a:p>
             <a:fld id="{346379FB-2AC8-43B8-93B5-58769091B69C}" type="datetime1">
               <a:rPr kumimoji="1" lang="ja-JP" altLang="en-US" smtClean="0"/>
               <a:pPr/>
-              <a:t>2016/6/16</a:t>
+              <a:t>2016/6/17</a:t>
             </a:fld>
             <a:endParaRPr kumimoji="1" lang="ja-JP" altLang="en-US"/>
           </a:p>
@@ -5548,7 +6360,7 @@
       </p:sp>
       <p:sp>
         <p:nvSpPr>
-          <p:cNvPr id="5" name="Footer Placeholder 4"/>
+          <p:cNvPr id="5" name="フッター プレースホルダー 4"/>
           <p:cNvSpPr>
             <a:spLocks noGrp="1"/>
           </p:cNvSpPr>
@@ -5559,7 +6371,9 @@
         <p:spPr/>
         <p:txBody>
           <a:bodyPr/>
-          <a:lstStyle/>
+          <a:lstStyle>
+            <a:extLst/>
+          </a:lstStyle>
           <a:p>
             <a:endParaRPr kumimoji="1" lang="ja-JP" altLang="en-US"/>
           </a:p>
@@ -5567,7 +6381,7 @@
       </p:sp>
       <p:sp>
         <p:nvSpPr>
-          <p:cNvPr id="6" name="Slide Number Placeholder 5"/>
+          <p:cNvPr id="6" name="スライド番号プレースホルダー 5"/>
           <p:cNvSpPr>
             <a:spLocks noGrp="1"/>
           </p:cNvSpPr>
@@ -5578,12 +6392,14 @@
         <p:spPr/>
         <p:txBody>
           <a:bodyPr/>
-          <a:lstStyle/>
+          <a:lstStyle>
+            <a:extLst/>
+          </a:lstStyle>
           <a:p>
             <a:fld id="{1B2C9F7E-80B6-4C3C-8A6C-643968CAB744}" type="slidenum">
               <a:rPr kumimoji="1" lang="ja-JP" altLang="en-US" smtClean="0"/>
               <a:pPr/>
-              <a:t>&lt;#&gt;</a:t>
+              <a:t>‹#›</a:t>
             </a:fld>
             <a:endParaRPr kumimoji="1" lang="ja-JP" altLang="en-US"/>
           </a:p>
@@ -5616,7 +6432,7 @@
       </p:grpSpPr>
       <p:sp>
         <p:nvSpPr>
-          <p:cNvPr id="2" name="Vertical Title 1"/>
+          <p:cNvPr id="2" name="縦書きタイトル 1"/>
           <p:cNvSpPr>
             <a:spLocks noGrp="1"/>
           </p:cNvSpPr>
@@ -5626,25 +6442,27 @@
         </p:nvSpPr>
         <p:spPr>
           <a:xfrm>
-            <a:off x="6629400" y="274638"/>
-            <a:ext cx="1752600" cy="5851525"/>
+            <a:off x="6844013" y="274640"/>
+            <a:ext cx="1777470" cy="5592761"/>
           </a:xfrm>
         </p:spPr>
         <p:txBody>
-          <a:bodyPr vert="eaVert" anchor="b" anchorCtr="0"/>
-          <a:lstStyle/>
+          <a:bodyPr vert="eaVert"/>
+          <a:lstStyle>
+            <a:extLst/>
+          </a:lstStyle>
           <a:p>
             <a:r>
-              <a:rPr lang="ja-JP" altLang="en-US" smtClean="0"/>
+              <a:rPr kumimoji="0" lang="ja-JP" altLang="en-US" smtClean="0"/>
               <a:t>マスター タイトルの書式設定</a:t>
             </a:r>
-            <a:endParaRPr lang="en-US" dirty="0"/>
+            <a:endParaRPr kumimoji="0" lang="en-US"/>
           </a:p>
         </p:txBody>
       </p:sp>
       <p:sp>
         <p:nvSpPr>
-          <p:cNvPr id="3" name="Vertical Text Placeholder 2"/>
+          <p:cNvPr id="3" name="縦書きテキスト プレースホルダー 2"/>
           <p:cNvSpPr>
             <a:spLocks noGrp="1"/>
           </p:cNvSpPr>
@@ -5654,22 +6472,24 @@
         </p:nvSpPr>
         <p:spPr>
           <a:xfrm>
-            <a:off x="457200" y="274638"/>
-            <a:ext cx="6019800" cy="5851525"/>
+            <a:off x="457200" y="274641"/>
+            <a:ext cx="6324600" cy="5592760"/>
           </a:xfrm>
         </p:spPr>
         <p:txBody>
           <a:bodyPr vert="eaVert"/>
-          <a:lstStyle/>
+          <a:lstStyle>
+            <a:extLst/>
+          </a:lstStyle>
           <a:p>
-            <a:pPr lvl="0"/>
+            <a:pPr lvl="0" eaLnBrk="1" latinLnBrk="0" hangingPunct="1"/>
             <a:r>
               <a:rPr lang="ja-JP" altLang="en-US" smtClean="0"/>
               <a:t>マスター テキストの書式設定</a:t>
             </a:r>
           </a:p>
           <a:p>
-            <a:pPr lvl="1"/>
+            <a:pPr lvl="1" eaLnBrk="1" latinLnBrk="0" hangingPunct="1"/>
             <a:r>
               <a:rPr lang="ja-JP" altLang="en-US" smtClean="0"/>
               <a:t>第 </a:t>
@@ -5684,7 +6504,7 @@
             </a:r>
           </a:p>
           <a:p>
-            <a:pPr lvl="2"/>
+            <a:pPr lvl="2" eaLnBrk="1" latinLnBrk="0" hangingPunct="1"/>
             <a:r>
               <a:rPr lang="ja-JP" altLang="en-US" smtClean="0"/>
               <a:t>第 </a:t>
@@ -5699,7 +6519,7 @@
             </a:r>
           </a:p>
           <a:p>
-            <a:pPr lvl="3"/>
+            <a:pPr lvl="3" eaLnBrk="1" latinLnBrk="0" hangingPunct="1"/>
             <a:r>
               <a:rPr lang="ja-JP" altLang="en-US" smtClean="0"/>
               <a:t>第 </a:t>
@@ -5714,7 +6534,7 @@
             </a:r>
           </a:p>
           <a:p>
-            <a:pPr lvl="4"/>
+            <a:pPr lvl="4" eaLnBrk="1" latinLnBrk="0" hangingPunct="1"/>
             <a:r>
               <a:rPr lang="ja-JP" altLang="en-US" smtClean="0"/>
               <a:t>第 </a:t>
@@ -5727,13 +6547,13 @@
               <a:rPr lang="ja-JP" altLang="en-US" smtClean="0"/>
               <a:t>レベル</a:t>
             </a:r>
-            <a:endParaRPr lang="en-US"/>
+            <a:endParaRPr kumimoji="0" lang="en-US"/>
           </a:p>
         </p:txBody>
       </p:sp>
       <p:sp>
         <p:nvSpPr>
-          <p:cNvPr id="4" name="Date Placeholder 3"/>
+          <p:cNvPr id="4" name="日付プレースホルダー 3"/>
           <p:cNvSpPr>
             <a:spLocks noGrp="1"/>
           </p:cNvSpPr>
@@ -5744,12 +6564,14 @@
         <p:spPr/>
         <p:txBody>
           <a:bodyPr/>
-          <a:lstStyle/>
+          <a:lstStyle>
+            <a:extLst/>
+          </a:lstStyle>
           <a:p>
             <a:fld id="{9089317B-5568-4B54-96B9-A228DE4FD849}" type="datetime1">
               <a:rPr kumimoji="1" lang="ja-JP" altLang="en-US" smtClean="0"/>
               <a:pPr/>
-              <a:t>2016/6/16</a:t>
+              <a:t>2016/6/17</a:t>
             </a:fld>
             <a:endParaRPr kumimoji="1" lang="ja-JP" altLang="en-US"/>
           </a:p>
@@ -5757,7 +6579,7 @@
       </p:sp>
       <p:sp>
         <p:nvSpPr>
-          <p:cNvPr id="5" name="Footer Placeholder 4"/>
+          <p:cNvPr id="5" name="フッター プレースホルダー 4"/>
           <p:cNvSpPr>
             <a:spLocks noGrp="1"/>
           </p:cNvSpPr>
@@ -5768,7 +6590,9 @@
         <p:spPr/>
         <p:txBody>
           <a:bodyPr/>
-          <a:lstStyle/>
+          <a:lstStyle>
+            <a:extLst/>
+          </a:lstStyle>
           <a:p>
             <a:endParaRPr kumimoji="1" lang="ja-JP" altLang="en-US"/>
           </a:p>
@@ -5776,7 +6600,7 @@
       </p:sp>
       <p:sp>
         <p:nvSpPr>
-          <p:cNvPr id="6" name="Slide Number Placeholder 5"/>
+          <p:cNvPr id="6" name="スライド番号プレースホルダー 5"/>
           <p:cNvSpPr>
             <a:spLocks noGrp="1"/>
           </p:cNvSpPr>
@@ -5787,12 +6611,14 @@
         <p:spPr/>
         <p:txBody>
           <a:bodyPr/>
-          <a:lstStyle/>
+          <a:lstStyle>
+            <a:extLst/>
+          </a:lstStyle>
           <a:p>
             <a:fld id="{1B2C9F7E-80B6-4C3C-8A6C-643968CAB744}" type="slidenum">
               <a:rPr kumimoji="1" lang="ja-JP" altLang="en-US" smtClean="0"/>
               <a:pPr/>
-              <a:t>&lt;#&gt;</a:t>
+              <a:t>‹#›</a:t>
             </a:fld>
             <a:endParaRPr kumimoji="1" lang="ja-JP" altLang="en-US"/>
           </a:p>
@@ -5825,30 +6651,7 @@
       </p:grpSpPr>
       <p:sp>
         <p:nvSpPr>
-          <p:cNvPr id="2" name="Title 1"/>
-          <p:cNvSpPr>
-            <a:spLocks noGrp="1"/>
-          </p:cNvSpPr>
-          <p:nvPr>
-            <p:ph type="title"/>
-          </p:nvPr>
-        </p:nvSpPr>
-        <p:spPr/>
-        <p:txBody>
-          <a:bodyPr/>
-          <a:lstStyle/>
-          <a:p>
-            <a:r>
-              <a:rPr lang="ja-JP" altLang="en-US" smtClean="0"/>
-              <a:t>マスター タイトルの書式設定</a:t>
-            </a:r>
-            <a:endParaRPr lang="en-US"/>
-          </a:p>
-        </p:txBody>
-      </p:sp>
-      <p:sp>
-        <p:nvSpPr>
-          <p:cNvPr id="3" name="Content Placeholder 2"/>
+          <p:cNvPr id="3" name="コンテンツ プレースホルダー 2"/>
           <p:cNvSpPr>
             <a:spLocks noGrp="1"/>
           </p:cNvSpPr>
@@ -5859,16 +6662,18 @@
         <p:spPr/>
         <p:txBody>
           <a:bodyPr/>
-          <a:lstStyle/>
+          <a:lstStyle>
+            <a:extLst/>
+          </a:lstStyle>
           <a:p>
-            <a:pPr lvl="0"/>
+            <a:pPr lvl="0" eaLnBrk="1" latinLnBrk="0" hangingPunct="1"/>
             <a:r>
               <a:rPr lang="ja-JP" altLang="en-US" smtClean="0"/>
               <a:t>マスター テキストの書式設定</a:t>
             </a:r>
           </a:p>
           <a:p>
-            <a:pPr lvl="1"/>
+            <a:pPr lvl="1" eaLnBrk="1" latinLnBrk="0" hangingPunct="1"/>
             <a:r>
               <a:rPr lang="ja-JP" altLang="en-US" smtClean="0"/>
               <a:t>第 </a:t>
@@ -5883,7 +6688,7 @@
             </a:r>
           </a:p>
           <a:p>
-            <a:pPr lvl="2"/>
+            <a:pPr lvl="2" eaLnBrk="1" latinLnBrk="0" hangingPunct="1"/>
             <a:r>
               <a:rPr lang="ja-JP" altLang="en-US" smtClean="0"/>
               <a:t>第 </a:t>
@@ -5898,7 +6703,7 @@
             </a:r>
           </a:p>
           <a:p>
-            <a:pPr lvl="3"/>
+            <a:pPr lvl="3" eaLnBrk="1" latinLnBrk="0" hangingPunct="1"/>
             <a:r>
               <a:rPr lang="ja-JP" altLang="en-US" smtClean="0"/>
               <a:t>第 </a:t>
@@ -5913,7 +6718,7 @@
             </a:r>
           </a:p>
           <a:p>
-            <a:pPr lvl="4"/>
+            <a:pPr lvl="4" eaLnBrk="1" latinLnBrk="0" hangingPunct="1"/>
             <a:r>
               <a:rPr lang="ja-JP" altLang="en-US" smtClean="0"/>
               <a:t>第 </a:t>
@@ -5926,13 +6731,13 @@
               <a:rPr lang="ja-JP" altLang="en-US" smtClean="0"/>
               <a:t>レベル</a:t>
             </a:r>
-            <a:endParaRPr lang="en-US"/>
+            <a:endParaRPr kumimoji="0" lang="en-US"/>
           </a:p>
         </p:txBody>
       </p:sp>
       <p:sp>
         <p:nvSpPr>
-          <p:cNvPr id="4" name="Date Placeholder 3"/>
+          <p:cNvPr id="4" name="日付プレースホルダー 3"/>
           <p:cNvSpPr>
             <a:spLocks noGrp="1"/>
           </p:cNvSpPr>
@@ -5943,12 +6748,14 @@
         <p:spPr/>
         <p:txBody>
           <a:bodyPr/>
-          <a:lstStyle/>
+          <a:lstStyle>
+            <a:extLst/>
+          </a:lstStyle>
           <a:p>
             <a:fld id="{4AEA9A1D-6E33-4CE8-8266-F0ADCEDEEDC4}" type="datetime1">
               <a:rPr kumimoji="1" lang="ja-JP" altLang="en-US" smtClean="0"/>
               <a:pPr/>
-              <a:t>2016/6/16</a:t>
+              <a:t>2016/6/17</a:t>
             </a:fld>
             <a:endParaRPr kumimoji="1" lang="ja-JP" altLang="en-US"/>
           </a:p>
@@ -5956,7 +6763,7 @@
       </p:sp>
       <p:sp>
         <p:nvSpPr>
-          <p:cNvPr id="5" name="Footer Placeholder 4"/>
+          <p:cNvPr id="5" name="フッター プレースホルダー 4"/>
           <p:cNvSpPr>
             <a:spLocks noGrp="1"/>
           </p:cNvSpPr>
@@ -5967,7 +6774,9 @@
         <p:spPr/>
         <p:txBody>
           <a:bodyPr/>
-          <a:lstStyle/>
+          <a:lstStyle>
+            <a:extLst/>
+          </a:lstStyle>
           <a:p>
             <a:endParaRPr kumimoji="1" lang="ja-JP" altLang="en-US"/>
           </a:p>
@@ -5975,7 +6784,7 @@
       </p:sp>
       <p:sp>
         <p:nvSpPr>
-          <p:cNvPr id="6" name="Slide Number Placeholder 5"/>
+          <p:cNvPr id="6" name="スライド番号プレースホルダー 5"/>
           <p:cNvSpPr>
             <a:spLocks noGrp="1"/>
           </p:cNvSpPr>
@@ -5986,14 +6795,41 @@
         <p:spPr/>
         <p:txBody>
           <a:bodyPr/>
-          <a:lstStyle/>
+          <a:lstStyle>
+            <a:extLst/>
+          </a:lstStyle>
           <a:p>
             <a:fld id="{1B2C9F7E-80B6-4C3C-8A6C-643968CAB744}" type="slidenum">
               <a:rPr kumimoji="1" lang="ja-JP" altLang="en-US" smtClean="0"/>
               <a:pPr/>
-              <a:t>&lt;#&gt;</a:t>
+              <a:t>‹#›</a:t>
             </a:fld>
             <a:endParaRPr kumimoji="1" lang="ja-JP" altLang="en-US"/>
+          </a:p>
+        </p:txBody>
+      </p:sp>
+      <p:sp>
+        <p:nvSpPr>
+          <p:cNvPr id="7" name="タイトル 6"/>
+          <p:cNvSpPr>
+            <a:spLocks noGrp="1"/>
+          </p:cNvSpPr>
+          <p:nvPr>
+            <p:ph type="title"/>
+          </p:nvPr>
+        </p:nvSpPr>
+        <p:spPr/>
+        <p:txBody>
+          <a:bodyPr rtlCol="0"/>
+          <a:lstStyle>
+            <a:extLst/>
+          </a:lstStyle>
+          <a:p>
+            <a:r>
+              <a:rPr kumimoji="0" lang="ja-JP" altLang="en-US" smtClean="0"/>
+              <a:t>マスター タイトルの書式設定</a:t>
+            </a:r>
+            <a:endParaRPr kumimoji="0" lang="en-US"/>
           </a:p>
         </p:txBody>
       </p:sp>
@@ -6002,19 +6838,17 @@
   <p:clrMapOvr>
     <a:masterClrMapping/>
   </p:clrMapOvr>
-  <p:timing>
-    <p:tnLst>
-      <p:par>
-        <p:cTn id="1" dur="indefinite" restart="never" nodeType="tmRoot"/>
-      </p:par>
-    </p:tnLst>
-  </p:timing>
 </p:sldLayout>
 </file>
 
 <file path=ppt/slideLayouts/slideLayout3.xml><?xml version="1.0" encoding="utf-8"?>
 <p:sldLayout xmlns:a="http://schemas.openxmlformats.org/drawingml/2006/main" xmlns:r="http://schemas.openxmlformats.org/officeDocument/2006/relationships" xmlns:p="http://schemas.openxmlformats.org/presentationml/2006/main" type="secHead" preserve="1">
   <p:cSld name="セクション見出し">
+    <p:bg>
+      <p:bgRef idx="1002">
+        <a:schemeClr val="bg1"/>
+      </p:bgRef>
+    </p:bg>
     <p:spTree>
       <p:nvGrpSpPr>
         <p:cNvPr id="1" name=""/>
@@ -6031,7 +6865,7 @@
       </p:grpSpPr>
       <p:sp>
         <p:nvSpPr>
-          <p:cNvPr id="2" name="Title 1"/>
+          <p:cNvPr id="2" name="タイトル 1"/>
           <p:cNvSpPr>
             <a:spLocks noGrp="1"/>
           </p:cNvSpPr>
@@ -6041,29 +6875,48 @@
         </p:nvSpPr>
         <p:spPr>
           <a:xfrm>
-            <a:off x="722313" y="5486400"/>
-            <a:ext cx="7659687" cy="1168400"/>
+            <a:off x="722376" y="1059712"/>
+            <a:ext cx="7772400" cy="1828800"/>
           </a:xfrm>
         </p:spPr>
         <p:txBody>
-          <a:bodyPr anchor="t"/>
+          <a:bodyPr vert="horz" anchor="b">
+            <a:normAutofit/>
+            <a:scene3d>
+              <a:camera prst="orthographicFront"/>
+              <a:lightRig rig="soft" dir="t"/>
+            </a:scene3d>
+            <a:sp3d prstMaterial="softEdge">
+              <a:bevelT w="25400" h="25400"/>
+            </a:sp3d>
+          </a:bodyPr>
           <a:lstStyle>
-            <a:lvl1pPr algn="l">
-              <a:defRPr sz="3600" b="0" cap="all"/>
+            <a:lvl1pPr algn="r">
+              <a:buNone/>
+              <a:defRPr sz="4800" b="1" cap="none" baseline="0">
+                <a:effectLst>
+                  <a:outerShdw blurRad="31750" dist="25400" dir="5400000" algn="tl" rotWithShape="0">
+                    <a:srgbClr val="000000">
+                      <a:alpha val="25000"/>
+                    </a:srgbClr>
+                  </a:outerShdw>
+                </a:effectLst>
+              </a:defRPr>
             </a:lvl1pPr>
+            <a:extLst/>
           </a:lstStyle>
           <a:p>
             <a:r>
-              <a:rPr lang="ja-JP" altLang="en-US" smtClean="0"/>
+              <a:rPr kumimoji="0" lang="ja-JP" altLang="en-US" smtClean="0"/>
               <a:t>マスター タイトルの書式設定</a:t>
             </a:r>
-            <a:endParaRPr lang="en-US" dirty="0"/>
+            <a:endParaRPr kumimoji="0" lang="en-US"/>
           </a:p>
         </p:txBody>
       </p:sp>
       <p:sp>
         <p:nvSpPr>
-          <p:cNvPr id="3" name="Text Placeholder 2"/>
+          <p:cNvPr id="3" name="テキスト プレースホルダー 2"/>
           <p:cNvSpPr>
             <a:spLocks noGrp="1"/>
           </p:cNvSpPr>
@@ -6073,24 +6926,22 @@
         </p:nvSpPr>
         <p:spPr>
           <a:xfrm>
-            <a:off x="722313" y="3852863"/>
-            <a:ext cx="6135687" cy="1633538"/>
+            <a:off x="3922713" y="2931712"/>
+            <a:ext cx="4572000" cy="1454888"/>
           </a:xfrm>
         </p:spPr>
         <p:txBody>
-          <a:bodyPr anchor="b"/>
+          <a:bodyPr lIns="91440" rIns="91440" anchor="t"/>
           <a:lstStyle>
-            <a:lvl1pPr marL="0" indent="0">
+            <a:lvl1pPr marL="0" indent="0" algn="l">
               <a:buNone/>
-              <a:defRPr sz="2000">
+              <a:defRPr sz="2300">
                 <a:solidFill>
-                  <a:schemeClr val="tx1">
-                    <a:tint val="75000"/>
-                  </a:schemeClr>
+                  <a:schemeClr val="tx1"/>
                 </a:solidFill>
               </a:defRPr>
             </a:lvl1pPr>
-            <a:lvl2pPr marL="457200" indent="0">
+            <a:lvl2pPr>
               <a:buNone/>
               <a:defRPr sz="1800">
                 <a:solidFill>
@@ -6100,7 +6951,7 @@
                 </a:solidFill>
               </a:defRPr>
             </a:lvl2pPr>
-            <a:lvl3pPr marL="914400" indent="0">
+            <a:lvl3pPr>
               <a:buNone/>
               <a:defRPr sz="1600">
                 <a:solidFill>
@@ -6110,7 +6961,7 @@
                 </a:solidFill>
               </a:defRPr>
             </a:lvl3pPr>
-            <a:lvl4pPr marL="1371600" indent="0">
+            <a:lvl4pPr>
               <a:buNone/>
               <a:defRPr sz="1400">
                 <a:solidFill>
@@ -6120,7 +6971,7 @@
                 </a:solidFill>
               </a:defRPr>
             </a:lvl4pPr>
-            <a:lvl5pPr marL="1828800" indent="0">
+            <a:lvl5pPr>
               <a:buNone/>
               <a:defRPr sz="1400">
                 <a:solidFill>
@@ -6130,51 +6981,12 @@
                 </a:solidFill>
               </a:defRPr>
             </a:lvl5pPr>
-            <a:lvl6pPr marL="2286000" indent="0">
-              <a:buNone/>
-              <a:defRPr sz="1400">
-                <a:solidFill>
-                  <a:schemeClr val="tx1">
-                    <a:tint val="75000"/>
-                  </a:schemeClr>
-                </a:solidFill>
-              </a:defRPr>
-            </a:lvl6pPr>
-            <a:lvl7pPr marL="2743200" indent="0">
-              <a:buNone/>
-              <a:defRPr sz="1400">
-                <a:solidFill>
-                  <a:schemeClr val="tx1">
-                    <a:tint val="75000"/>
-                  </a:schemeClr>
-                </a:solidFill>
-              </a:defRPr>
-            </a:lvl7pPr>
-            <a:lvl8pPr marL="3200400" indent="0">
-              <a:buNone/>
-              <a:defRPr sz="1400">
-                <a:solidFill>
-                  <a:schemeClr val="tx1">
-                    <a:tint val="75000"/>
-                  </a:schemeClr>
-                </a:solidFill>
-              </a:defRPr>
-            </a:lvl8pPr>
-            <a:lvl9pPr marL="3657600" indent="0">
-              <a:buNone/>
-              <a:defRPr sz="1400">
-                <a:solidFill>
-                  <a:schemeClr val="tx1">
-                    <a:tint val="75000"/>
-                  </a:schemeClr>
-                </a:solidFill>
-              </a:defRPr>
-            </a:lvl9pPr>
+            <a:extLst/>
           </a:lstStyle>
           <a:p>
-            <a:pPr lvl="0"/>
+            <a:pPr lvl="0" eaLnBrk="1" latinLnBrk="0" hangingPunct="1"/>
             <a:r>
-              <a:rPr lang="ja-JP" altLang="en-US" smtClean="0"/>
+              <a:rPr kumimoji="0" lang="ja-JP" altLang="en-US" smtClean="0"/>
               <a:t>マスター テキストの書式設定</a:t>
             </a:r>
           </a:p>
@@ -6182,7 +6994,7 @@
       </p:sp>
       <p:sp>
         <p:nvSpPr>
-          <p:cNvPr id="4" name="Date Placeholder 3"/>
+          <p:cNvPr id="4" name="日付プレースホルダー 3"/>
           <p:cNvSpPr>
             <a:spLocks noGrp="1"/>
           </p:cNvSpPr>
@@ -6193,12 +7005,14 @@
         <p:spPr/>
         <p:txBody>
           <a:bodyPr/>
-          <a:lstStyle/>
+          <a:lstStyle>
+            <a:extLst/>
+          </a:lstStyle>
           <a:p>
             <a:fld id="{1E384A69-1A1B-465E-930C-DBC5C5CD32A8}" type="datetime1">
               <a:rPr kumimoji="1" lang="ja-JP" altLang="en-US" smtClean="0"/>
               <a:pPr/>
-              <a:t>2016/6/16</a:t>
+              <a:t>2016/6/17</a:t>
             </a:fld>
             <a:endParaRPr kumimoji="1" lang="ja-JP" altLang="en-US"/>
           </a:p>
@@ -6206,7 +7020,7 @@
       </p:sp>
       <p:sp>
         <p:nvSpPr>
-          <p:cNvPr id="5" name="Footer Placeholder 4"/>
+          <p:cNvPr id="5" name="フッター プレースホルダー 4"/>
           <p:cNvSpPr>
             <a:spLocks noGrp="1"/>
           </p:cNvSpPr>
@@ -6217,7 +7031,9 @@
         <p:spPr/>
         <p:txBody>
           <a:bodyPr/>
-          <a:lstStyle/>
+          <a:lstStyle>
+            <a:extLst/>
+          </a:lstStyle>
           <a:p>
             <a:endParaRPr kumimoji="1" lang="ja-JP" altLang="en-US"/>
           </a:p>
@@ -6225,7 +7041,7 @@
       </p:sp>
       <p:sp>
         <p:nvSpPr>
-          <p:cNvPr id="6" name="Slide Number Placeholder 5"/>
+          <p:cNvPr id="6" name="スライド番号プレースホルダー 5"/>
           <p:cNvSpPr>
             <a:spLocks noGrp="1"/>
           </p:cNvSpPr>
@@ -6236,21 +7052,183 @@
         <p:spPr/>
         <p:txBody>
           <a:bodyPr/>
-          <a:lstStyle/>
+          <a:lstStyle>
+            <a:extLst/>
+          </a:lstStyle>
           <a:p>
             <a:fld id="{1B2C9F7E-80B6-4C3C-8A6C-643968CAB744}" type="slidenum">
               <a:rPr kumimoji="1" lang="ja-JP" altLang="en-US" smtClean="0"/>
               <a:pPr/>
-              <a:t>&lt;#&gt;</a:t>
+              <a:t>‹#›</a:t>
             </a:fld>
             <a:endParaRPr kumimoji="1" lang="ja-JP" altLang="en-US"/>
+          </a:p>
+        </p:txBody>
+      </p:sp>
+      <p:sp>
+        <p:nvSpPr>
+          <p:cNvPr id="7" name="山形 6"/>
+          <p:cNvSpPr/>
+          <p:nvPr/>
+        </p:nvSpPr>
+        <p:spPr>
+          <a:xfrm>
+            <a:off x="3636680" y="3005472"/>
+            <a:ext cx="182880" cy="228600"/>
+          </a:xfrm>
+          <a:prstGeom prst="chevron">
+            <a:avLst>
+              <a:gd name="adj" fmla="val 50000"/>
+            </a:avLst>
+          </a:prstGeom>
+          <a:gradFill flip="none" rotWithShape="1">
+            <a:gsLst>
+              <a:gs pos="0">
+                <a:schemeClr val="accent1">
+                  <a:shade val="60000"/>
+                  <a:satMod val="125000"/>
+                </a:schemeClr>
+              </a:gs>
+              <a:gs pos="72000">
+                <a:schemeClr val="accent1">
+                  <a:tint val="90000"/>
+                  <a:satMod val="138000"/>
+                </a:schemeClr>
+              </a:gs>
+              <a:gs pos="100000">
+                <a:schemeClr val="accent1">
+                  <a:tint val="76000"/>
+                  <a:satMod val="136000"/>
+                </a:schemeClr>
+              </a:gs>
+            </a:gsLst>
+            <a:lin ang="16200000" scaled="0"/>
+          </a:gradFill>
+          <a:ln w="3175" cap="rnd" cmpd="sng" algn="ctr">
+            <a:solidFill>
+              <a:schemeClr val="accent1">
+                <a:shade val="50000"/>
+              </a:schemeClr>
+            </a:solidFill>
+            <a:prstDash val="solid"/>
+          </a:ln>
+          <a:effectLst>
+            <a:outerShdw blurRad="50800" dist="25400" dir="5400000">
+              <a:srgbClr val="000000">
+                <a:alpha val="46000"/>
+              </a:srgbClr>
+            </a:outerShdw>
+          </a:effectLst>
+        </p:spPr>
+        <p:style>
+          <a:lnRef idx="1">
+            <a:schemeClr val="accent1"/>
+          </a:lnRef>
+          <a:fillRef idx="3">
+            <a:schemeClr val="accent1"/>
+          </a:fillRef>
+          <a:effectRef idx="2">
+            <a:schemeClr val="accent1"/>
+          </a:effectRef>
+          <a:fontRef idx="minor">
+            <a:schemeClr val="lt1"/>
+          </a:fontRef>
+        </p:style>
+        <p:txBody>
+          <a:bodyPr anchor="ctr"/>
+          <a:lstStyle>
+            <a:extLst/>
+          </a:lstStyle>
+          <a:p>
+            <a:pPr algn="l" eaLnBrk="1" latinLnBrk="0" hangingPunct="1"/>
+            <a:endParaRPr kumimoji="0" lang="en-US"/>
+          </a:p>
+        </p:txBody>
+      </p:sp>
+      <p:sp>
+        <p:nvSpPr>
+          <p:cNvPr id="8" name="山形 7"/>
+          <p:cNvSpPr/>
+          <p:nvPr/>
+        </p:nvSpPr>
+        <p:spPr>
+          <a:xfrm>
+            <a:off x="3450264" y="3005472"/>
+            <a:ext cx="182880" cy="228600"/>
+          </a:xfrm>
+          <a:prstGeom prst="chevron">
+            <a:avLst>
+              <a:gd name="adj" fmla="val 50000"/>
+            </a:avLst>
+          </a:prstGeom>
+          <a:gradFill flip="none" rotWithShape="1">
+            <a:gsLst>
+              <a:gs pos="0">
+                <a:schemeClr val="accent1">
+                  <a:shade val="60000"/>
+                  <a:satMod val="125000"/>
+                </a:schemeClr>
+              </a:gs>
+              <a:gs pos="72000">
+                <a:schemeClr val="accent1">
+                  <a:tint val="90000"/>
+                  <a:satMod val="138000"/>
+                </a:schemeClr>
+              </a:gs>
+              <a:gs pos="100000">
+                <a:schemeClr val="accent1">
+                  <a:tint val="76000"/>
+                  <a:satMod val="136000"/>
+                </a:schemeClr>
+              </a:gs>
+            </a:gsLst>
+            <a:lin ang="16200000" scaled="0"/>
+          </a:gradFill>
+          <a:ln w="3175" cap="rnd" cmpd="sng" algn="ctr">
+            <a:solidFill>
+              <a:schemeClr val="accent1">
+                <a:shade val="50000"/>
+              </a:schemeClr>
+            </a:solidFill>
+            <a:prstDash val="solid"/>
+          </a:ln>
+          <a:effectLst>
+            <a:outerShdw blurRad="50800" dist="25400" dir="5400000">
+              <a:srgbClr val="000000">
+                <a:alpha val="46000"/>
+              </a:srgbClr>
+            </a:outerShdw>
+          </a:effectLst>
+        </p:spPr>
+        <p:style>
+          <a:lnRef idx="1">
+            <a:schemeClr val="accent1"/>
+          </a:lnRef>
+          <a:fillRef idx="3">
+            <a:schemeClr val="accent1"/>
+          </a:fillRef>
+          <a:effectRef idx="2">
+            <a:schemeClr val="accent1"/>
+          </a:effectRef>
+          <a:fontRef idx="minor">
+            <a:schemeClr val="lt1"/>
+          </a:fontRef>
+        </p:style>
+        <p:txBody>
+          <a:bodyPr anchor="ctr"/>
+          <a:lstStyle>
+            <a:extLst/>
+          </a:lstStyle>
+          <a:p>
+            <a:pPr algn="l" eaLnBrk="1" latinLnBrk="0" hangingPunct="1"/>
+            <a:endParaRPr kumimoji="0" lang="en-US"/>
           </a:p>
         </p:txBody>
       </p:sp>
     </p:spTree>
   </p:cSld>
   <p:clrMapOvr>
-    <a:masterClrMapping/>
+    <a:overrideClrMapping bg1="dk1" tx1="lt1" bg2="dk2" tx2="lt2" accent1="accent1" accent2="accent2" accent3="accent3" accent4="accent4" accent5="accent5" accent6="accent6" hlink="hlink" folHlink="folHlink"/>
   </p:clrMapOvr>
 </p:sldLayout>
 </file>
@@ -6258,6 +7236,11 @@
 <file path=ppt/slideLayouts/slideLayout4.xml><?xml version="1.0" encoding="utf-8"?>
 <p:sldLayout xmlns:a="http://schemas.openxmlformats.org/drawingml/2006/main" xmlns:r="http://schemas.openxmlformats.org/officeDocument/2006/relationships" xmlns:p="http://schemas.openxmlformats.org/presentationml/2006/main" type="twoObj" preserve="1">
   <p:cSld name="2 つのコンテンツ">
+    <p:bg>
+      <p:bgRef idx="1002">
+        <a:schemeClr val="bg1"/>
+      </p:bgRef>
+    </p:bg>
     <p:spTree>
       <p:nvGrpSpPr>
         <p:cNvPr id="1" name=""/>
@@ -6274,30 +7257,7 @@
       </p:grpSpPr>
       <p:sp>
         <p:nvSpPr>
-          <p:cNvPr id="2" name="Title 1"/>
-          <p:cNvSpPr>
-            <a:spLocks noGrp="1"/>
-          </p:cNvSpPr>
-          <p:nvPr>
-            <p:ph type="title"/>
-          </p:nvPr>
-        </p:nvSpPr>
-        <p:spPr/>
-        <p:txBody>
-          <a:bodyPr/>
-          <a:lstStyle/>
-          <a:p>
-            <a:r>
-              <a:rPr lang="ja-JP" altLang="en-US" smtClean="0"/>
-              <a:t>マスター タイトルの書式設定</a:t>
-            </a:r>
-            <a:endParaRPr lang="en-US"/>
-          </a:p>
-        </p:txBody>
-      </p:sp>
-      <p:sp>
-        <p:nvSpPr>
-          <p:cNvPr id="3" name="Content Placeholder 2"/>
+          <p:cNvPr id="3" name="コンテンツ プレースホルダー 2"/>
           <p:cNvSpPr>
             <a:spLocks noGrp="1"/>
           </p:cNvSpPr>
@@ -6307,8 +7267,8 @@
         </p:nvSpPr>
         <p:spPr>
           <a:xfrm>
-            <a:off x="457200" y="1536192"/>
-            <a:ext cx="3657600" cy="4590288"/>
+            <a:off x="457200" y="1481328"/>
+            <a:ext cx="4038600" cy="4525963"/>
           </a:xfrm>
         </p:spPr>
         <p:txBody>
@@ -6329,28 +7289,17 @@
             <a:lvl5pPr>
               <a:defRPr sz="1800"/>
             </a:lvl5pPr>
-            <a:lvl6pPr>
-              <a:defRPr sz="1800"/>
-            </a:lvl6pPr>
-            <a:lvl7pPr>
-              <a:defRPr sz="1800"/>
-            </a:lvl7pPr>
-            <a:lvl8pPr>
-              <a:defRPr sz="1800"/>
-            </a:lvl8pPr>
-            <a:lvl9pPr>
-              <a:defRPr sz="1800"/>
-            </a:lvl9pPr>
+            <a:extLst/>
           </a:lstStyle>
           <a:p>
-            <a:pPr lvl="0"/>
+            <a:pPr lvl="0" eaLnBrk="1" latinLnBrk="0" hangingPunct="1"/>
             <a:r>
               <a:rPr lang="ja-JP" altLang="en-US" smtClean="0"/>
               <a:t>マスター テキストの書式設定</a:t>
             </a:r>
           </a:p>
           <a:p>
-            <a:pPr lvl="1"/>
+            <a:pPr lvl="1" eaLnBrk="1" latinLnBrk="0" hangingPunct="1"/>
             <a:r>
               <a:rPr lang="ja-JP" altLang="en-US" smtClean="0"/>
               <a:t>第 </a:t>
@@ -6365,7 +7314,7 @@
             </a:r>
           </a:p>
           <a:p>
-            <a:pPr lvl="2"/>
+            <a:pPr lvl="2" eaLnBrk="1" latinLnBrk="0" hangingPunct="1"/>
             <a:r>
               <a:rPr lang="ja-JP" altLang="en-US" smtClean="0"/>
               <a:t>第 </a:t>
@@ -6380,7 +7329,7 @@
             </a:r>
           </a:p>
           <a:p>
-            <a:pPr lvl="3"/>
+            <a:pPr lvl="3" eaLnBrk="1" latinLnBrk="0" hangingPunct="1"/>
             <a:r>
               <a:rPr lang="ja-JP" altLang="en-US" smtClean="0"/>
               <a:t>第 </a:t>
@@ -6395,7 +7344,7 @@
             </a:r>
           </a:p>
           <a:p>
-            <a:pPr lvl="4"/>
+            <a:pPr lvl="4" eaLnBrk="1" latinLnBrk="0" hangingPunct="1"/>
             <a:r>
               <a:rPr lang="ja-JP" altLang="en-US" smtClean="0"/>
               <a:t>第 </a:t>
@@ -6408,13 +7357,13 @@
               <a:rPr lang="ja-JP" altLang="en-US" smtClean="0"/>
               <a:t>レベル</a:t>
             </a:r>
-            <a:endParaRPr lang="en-US" dirty="0"/>
+            <a:endParaRPr kumimoji="0" lang="en-US"/>
           </a:p>
         </p:txBody>
       </p:sp>
       <p:sp>
         <p:nvSpPr>
-          <p:cNvPr id="4" name="Content Placeholder 3"/>
+          <p:cNvPr id="4" name="コンテンツ プレースホルダー 3"/>
           <p:cNvSpPr>
             <a:spLocks noGrp="1"/>
           </p:cNvSpPr>
@@ -6424,8 +7373,8 @@
         </p:nvSpPr>
         <p:spPr>
           <a:xfrm>
-            <a:off x="4419600" y="1536192"/>
-            <a:ext cx="3657600" cy="4590288"/>
+            <a:off x="4648200" y="1481328"/>
+            <a:ext cx="4038600" cy="4525963"/>
           </a:xfrm>
         </p:spPr>
         <p:txBody>
@@ -6446,28 +7395,17 @@
             <a:lvl5pPr>
               <a:defRPr sz="1800"/>
             </a:lvl5pPr>
-            <a:lvl6pPr>
-              <a:defRPr sz="1800"/>
-            </a:lvl6pPr>
-            <a:lvl7pPr>
-              <a:defRPr sz="1800"/>
-            </a:lvl7pPr>
-            <a:lvl8pPr>
-              <a:defRPr sz="1800"/>
-            </a:lvl8pPr>
-            <a:lvl9pPr>
-              <a:defRPr sz="1800"/>
-            </a:lvl9pPr>
+            <a:extLst/>
           </a:lstStyle>
           <a:p>
-            <a:pPr lvl="0"/>
+            <a:pPr lvl="0" eaLnBrk="1" latinLnBrk="0" hangingPunct="1"/>
             <a:r>
               <a:rPr lang="ja-JP" altLang="en-US" smtClean="0"/>
               <a:t>マスター テキストの書式設定</a:t>
             </a:r>
           </a:p>
           <a:p>
-            <a:pPr lvl="1"/>
+            <a:pPr lvl="1" eaLnBrk="1" latinLnBrk="0" hangingPunct="1"/>
             <a:r>
               <a:rPr lang="ja-JP" altLang="en-US" smtClean="0"/>
               <a:t>第 </a:t>
@@ -6482,7 +7420,7 @@
             </a:r>
           </a:p>
           <a:p>
-            <a:pPr lvl="2"/>
+            <a:pPr lvl="2" eaLnBrk="1" latinLnBrk="0" hangingPunct="1"/>
             <a:r>
               <a:rPr lang="ja-JP" altLang="en-US" smtClean="0"/>
               <a:t>第 </a:t>
@@ -6497,7 +7435,7 @@
             </a:r>
           </a:p>
           <a:p>
-            <a:pPr lvl="3"/>
+            <a:pPr lvl="3" eaLnBrk="1" latinLnBrk="0" hangingPunct="1"/>
             <a:r>
               <a:rPr lang="ja-JP" altLang="en-US" smtClean="0"/>
               <a:t>第 </a:t>
@@ -6512,7 +7450,7 @@
             </a:r>
           </a:p>
           <a:p>
-            <a:pPr lvl="4"/>
+            <a:pPr lvl="4" eaLnBrk="1" latinLnBrk="0" hangingPunct="1"/>
             <a:r>
               <a:rPr lang="ja-JP" altLang="en-US" smtClean="0"/>
               <a:t>第 </a:t>
@@ -6525,13 +7463,13 @@
               <a:rPr lang="ja-JP" altLang="en-US" smtClean="0"/>
               <a:t>レベル</a:t>
             </a:r>
-            <a:endParaRPr lang="en-US" dirty="0"/>
+            <a:endParaRPr kumimoji="0" lang="en-US"/>
           </a:p>
         </p:txBody>
       </p:sp>
       <p:sp>
         <p:nvSpPr>
-          <p:cNvPr id="5" name="Date Placeholder 4"/>
+          <p:cNvPr id="5" name="日付プレースホルダー 4"/>
           <p:cNvSpPr>
             <a:spLocks noGrp="1"/>
           </p:cNvSpPr>
@@ -6542,12 +7480,14 @@
         <p:spPr/>
         <p:txBody>
           <a:bodyPr/>
-          <a:lstStyle/>
+          <a:lstStyle>
+            <a:extLst/>
+          </a:lstStyle>
           <a:p>
             <a:fld id="{3346FB3B-3767-43ED-BE33-D5DC3A5EEB04}" type="datetime1">
               <a:rPr kumimoji="1" lang="ja-JP" altLang="en-US" smtClean="0"/>
               <a:pPr/>
-              <a:t>2016/6/16</a:t>
+              <a:t>2016/6/17</a:t>
             </a:fld>
             <a:endParaRPr kumimoji="1" lang="ja-JP" altLang="en-US"/>
           </a:p>
@@ -6555,7 +7495,7 @@
       </p:sp>
       <p:sp>
         <p:nvSpPr>
-          <p:cNvPr id="6" name="Footer Placeholder 5"/>
+          <p:cNvPr id="6" name="フッター プレースホルダー 5"/>
           <p:cNvSpPr>
             <a:spLocks noGrp="1"/>
           </p:cNvSpPr>
@@ -6566,7 +7506,9 @@
         <p:spPr/>
         <p:txBody>
           <a:bodyPr/>
-          <a:lstStyle/>
+          <a:lstStyle>
+            <a:extLst/>
+          </a:lstStyle>
           <a:p>
             <a:endParaRPr kumimoji="1" lang="ja-JP" altLang="en-US"/>
           </a:p>
@@ -6574,7 +7516,7 @@
       </p:sp>
       <p:sp>
         <p:nvSpPr>
-          <p:cNvPr id="7" name="Slide Number Placeholder 6"/>
+          <p:cNvPr id="7" name="スライド番号プレースホルダー 6"/>
           <p:cNvSpPr>
             <a:spLocks noGrp="1"/>
           </p:cNvSpPr>
@@ -6585,28 +7527,60 @@
         <p:spPr/>
         <p:txBody>
           <a:bodyPr/>
-          <a:lstStyle/>
+          <a:lstStyle>
+            <a:extLst/>
+          </a:lstStyle>
           <a:p>
             <a:fld id="{1B2C9F7E-80B6-4C3C-8A6C-643968CAB744}" type="slidenum">
               <a:rPr kumimoji="1" lang="ja-JP" altLang="en-US" smtClean="0"/>
               <a:pPr/>
-              <a:t>&lt;#&gt;</a:t>
+              <a:t>‹#›</a:t>
             </a:fld>
             <a:endParaRPr kumimoji="1" lang="ja-JP" altLang="en-US"/>
+          </a:p>
+        </p:txBody>
+      </p:sp>
+      <p:sp>
+        <p:nvSpPr>
+          <p:cNvPr id="8" name="タイトル 7"/>
+          <p:cNvSpPr>
+            <a:spLocks noGrp="1"/>
+          </p:cNvSpPr>
+          <p:nvPr>
+            <p:ph type="title"/>
+          </p:nvPr>
+        </p:nvSpPr>
+        <p:spPr/>
+        <p:txBody>
+          <a:bodyPr rtlCol="0"/>
+          <a:lstStyle>
+            <a:extLst/>
+          </a:lstStyle>
+          <a:p>
+            <a:r>
+              <a:rPr kumimoji="0" lang="ja-JP" altLang="en-US" smtClean="0"/>
+              <a:t>マスター タイトルの書式設定</a:t>
+            </a:r>
+            <a:endParaRPr kumimoji="0" lang="en-US"/>
           </a:p>
         </p:txBody>
       </p:sp>
     </p:spTree>
   </p:cSld>
   <p:clrMapOvr>
-    <a:masterClrMapping/>
+    <a:overrideClrMapping bg1="dk1" tx1="lt1" bg2="dk2" tx2="lt2" accent1="accent1" accent2="accent2" accent3="accent3" accent4="accent4" accent5="accent5" accent6="accent6" hlink="hlink" folHlink="folHlink"/>
   </p:clrMapOvr>
 </p:sldLayout>
 </file>
 
 <file path=ppt/slideLayouts/slideLayout5.xml><?xml version="1.0" encoding="utf-8"?>
-<p:sldLayout xmlns:a="http://schemas.openxmlformats.org/drawingml/2006/main" xmlns:r="http://schemas.openxmlformats.org/officeDocument/2006/relationships" xmlns:p="http://schemas.openxmlformats.org/presentationml/2006/main" type="twoTxTwoObj" preserve="1">
+<p:sldLayout xmlns:a="http://schemas.openxmlformats.org/drawingml/2006/main" xmlns:r="http://schemas.openxmlformats.org/officeDocument/2006/relationships" xmlns:p="http://schemas.openxmlformats.org/presentationml/2006/main" showMasterSp="0" type="twoTxTwoObj" preserve="1">
   <p:cSld name="比較">
+    <p:bg>
+      <p:bgRef idx="1003">
+        <a:schemeClr val="bg1"/>
+      </p:bgRef>
+    </p:bg>
     <p:spTree>
       <p:nvGrpSpPr>
         <p:cNvPr id="1" name=""/>
@@ -6623,7 +7597,7 @@
       </p:grpSpPr>
       <p:sp>
         <p:nvSpPr>
-          <p:cNvPr id="2" name="Title 1"/>
+          <p:cNvPr id="2" name="タイトル 1"/>
           <p:cNvSpPr>
             <a:spLocks noGrp="1"/>
           </p:cNvSpPr>
@@ -6631,26 +7605,32 @@
             <p:ph type="title"/>
           </p:nvPr>
         </p:nvSpPr>
-        <p:spPr/>
+        <p:spPr>
+          <a:xfrm>
+            <a:off x="457200" y="273050"/>
+            <a:ext cx="8229600" cy="1143000"/>
+          </a:xfrm>
+        </p:spPr>
         <p:txBody>
-          <a:bodyPr/>
+          <a:bodyPr anchor="ctr"/>
           <a:lstStyle>
             <a:lvl1pPr>
               <a:defRPr/>
             </a:lvl1pPr>
+            <a:extLst/>
           </a:lstStyle>
           <a:p>
             <a:r>
-              <a:rPr lang="ja-JP" altLang="en-US" smtClean="0"/>
+              <a:rPr kumimoji="0" lang="ja-JP" altLang="en-US" smtClean="0"/>
               <a:t>マスター タイトルの書式設定</a:t>
             </a:r>
-            <a:endParaRPr lang="en-US"/>
+            <a:endParaRPr kumimoji="0" lang="en-US"/>
           </a:p>
         </p:txBody>
       </p:sp>
       <p:sp>
         <p:nvSpPr>
-          <p:cNvPr id="3" name="Text Placeholder 2"/>
+          <p:cNvPr id="3" name="テキスト プレースホルダー 2"/>
           <p:cNvSpPr>
             <a:spLocks noGrp="1"/>
           </p:cNvSpPr>
@@ -6660,60 +7640,52 @@
         </p:nvSpPr>
         <p:spPr>
           <a:xfrm>
-            <a:off x="457200" y="1535113"/>
-            <a:ext cx="3657600" cy="639762"/>
+            <a:off x="457200" y="5410200"/>
+            <a:ext cx="4040188" cy="762000"/>
           </a:xfrm>
+          <a:solidFill>
+            <a:schemeClr val="accent1"/>
+          </a:solidFill>
+          <a:ln w="9652">
+            <a:solidFill>
+              <a:schemeClr val="accent1"/>
+            </a:solidFill>
+            <a:miter lim="800000"/>
+          </a:ln>
         </p:spPr>
         <p:txBody>
-          <a:bodyPr anchor="b">
-            <a:noAutofit/>
-          </a:bodyPr>
+          <a:bodyPr lIns="182880" anchor="ctr"/>
           <a:lstStyle>
-            <a:lvl1pPr marL="0" indent="0" algn="ctr">
+            <a:lvl1pPr marL="0" indent="0">
               <a:buNone/>
-              <a:defRPr sz="2000" b="1">
+              <a:defRPr sz="2400" b="0">
                 <a:solidFill>
-                  <a:schemeClr val="tx2"/>
+                  <a:schemeClr val="bg1"/>
                 </a:solidFill>
               </a:defRPr>
             </a:lvl1pPr>
-            <a:lvl2pPr marL="457200" indent="0">
+            <a:lvl2pPr>
               <a:buNone/>
               <a:defRPr sz="2000" b="1"/>
             </a:lvl2pPr>
-            <a:lvl3pPr marL="914400" indent="0">
+            <a:lvl3pPr>
               <a:buNone/>
               <a:defRPr sz="1800" b="1"/>
             </a:lvl3pPr>
-            <a:lvl4pPr marL="1371600" indent="0">
+            <a:lvl4pPr>
               <a:buNone/>
               <a:defRPr sz="1600" b="1"/>
             </a:lvl4pPr>
-            <a:lvl5pPr marL="1828800" indent="0">
+            <a:lvl5pPr>
               <a:buNone/>
               <a:defRPr sz="1600" b="1"/>
             </a:lvl5pPr>
-            <a:lvl6pPr marL="2286000" indent="0">
-              <a:buNone/>
-              <a:defRPr sz="1600" b="1"/>
-            </a:lvl6pPr>
-            <a:lvl7pPr marL="2743200" indent="0">
-              <a:buNone/>
-              <a:defRPr sz="1600" b="1"/>
-            </a:lvl7pPr>
-            <a:lvl8pPr marL="3200400" indent="0">
-              <a:buNone/>
-              <a:defRPr sz="1600" b="1"/>
-            </a:lvl8pPr>
-            <a:lvl9pPr marL="3657600" indent="0">
-              <a:buNone/>
-              <a:defRPr sz="1600" b="1"/>
-            </a:lvl9pPr>
+            <a:extLst/>
           </a:lstStyle>
           <a:p>
-            <a:pPr lvl="0"/>
+            <a:pPr lvl="0" eaLnBrk="1" latinLnBrk="0" hangingPunct="1"/>
             <a:r>
-              <a:rPr lang="ja-JP" altLang="en-US" smtClean="0"/>
+              <a:rPr kumimoji="0" lang="ja-JP" altLang="en-US" smtClean="0"/>
               <a:t>マスター テキストの書式設定</a:t>
             </a:r>
           </a:p>
@@ -6721,19 +7693,87 @@
       </p:sp>
       <p:sp>
         <p:nvSpPr>
-          <p:cNvPr id="4" name="Content Placeholder 3"/>
+          <p:cNvPr id="4" name="テキスト プレースホルダー 3"/>
           <p:cNvSpPr>
             <a:spLocks noGrp="1"/>
           </p:cNvSpPr>
           <p:nvPr>
-            <p:ph sz="half" idx="2"/>
+            <p:ph type="body" sz="half" idx="3"/>
           </p:nvPr>
         </p:nvSpPr>
         <p:spPr>
           <a:xfrm>
-            <a:off x="457200" y="2174875"/>
-            <a:ext cx="3657600" cy="3951288"/>
+            <a:off x="4645026" y="5410200"/>
+            <a:ext cx="4041775" cy="762000"/>
           </a:xfrm>
+          <a:solidFill>
+            <a:schemeClr val="accent1"/>
+          </a:solidFill>
+          <a:ln w="9652">
+            <a:solidFill>
+              <a:schemeClr val="accent1"/>
+            </a:solidFill>
+            <a:miter lim="800000"/>
+          </a:ln>
+        </p:spPr>
+        <p:txBody>
+          <a:bodyPr lIns="182880" anchor="ctr"/>
+          <a:lstStyle>
+            <a:lvl1pPr marL="0" indent="0">
+              <a:buNone/>
+              <a:defRPr sz="2400" b="0">
+                <a:solidFill>
+                  <a:schemeClr val="bg1"/>
+                </a:solidFill>
+              </a:defRPr>
+            </a:lvl1pPr>
+            <a:lvl2pPr>
+              <a:buNone/>
+              <a:defRPr sz="2000" b="1"/>
+            </a:lvl2pPr>
+            <a:lvl3pPr>
+              <a:buNone/>
+              <a:defRPr sz="1800" b="1"/>
+            </a:lvl3pPr>
+            <a:lvl4pPr>
+              <a:buNone/>
+              <a:defRPr sz="1600" b="1"/>
+            </a:lvl4pPr>
+            <a:lvl5pPr>
+              <a:buNone/>
+              <a:defRPr sz="1600" b="1"/>
+            </a:lvl5pPr>
+            <a:extLst/>
+          </a:lstStyle>
+          <a:p>
+            <a:pPr lvl="0" eaLnBrk="1" latinLnBrk="0" hangingPunct="1"/>
+            <a:r>
+              <a:rPr kumimoji="0" lang="ja-JP" altLang="en-US" smtClean="0"/>
+              <a:t>マスター テキストの書式設定</a:t>
+            </a:r>
+          </a:p>
+        </p:txBody>
+      </p:sp>
+      <p:sp>
+        <p:nvSpPr>
+          <p:cNvPr id="5" name="コンテンツ プレースホルダー 4"/>
+          <p:cNvSpPr>
+            <a:spLocks noGrp="1"/>
+          </p:cNvSpPr>
+          <p:nvPr>
+            <p:ph sz="quarter" idx="2"/>
+          </p:nvPr>
+        </p:nvSpPr>
+        <p:spPr>
+          <a:xfrm>
+            <a:off x="457200" y="1444294"/>
+            <a:ext cx="4040188" cy="3941763"/>
+          </a:xfrm>
+          <a:ln>
+            <a:noFill/>
+            <a:prstDash val="sysDash"/>
+            <a:miter lim="800000"/>
+          </a:ln>
         </p:spPr>
         <p:txBody>
           <a:bodyPr/>
@@ -6753,28 +7793,17 @@
             <a:lvl5pPr>
               <a:defRPr sz="1600"/>
             </a:lvl5pPr>
-            <a:lvl6pPr>
-              <a:defRPr sz="1600"/>
-            </a:lvl6pPr>
-            <a:lvl7pPr>
-              <a:defRPr sz="1600"/>
-            </a:lvl7pPr>
-            <a:lvl8pPr>
-              <a:defRPr sz="1600"/>
-            </a:lvl8pPr>
-            <a:lvl9pPr>
-              <a:defRPr sz="1600"/>
-            </a:lvl9pPr>
+            <a:extLst/>
           </a:lstStyle>
           <a:p>
-            <a:pPr lvl="0"/>
+            <a:pPr lvl="0" eaLnBrk="1" latinLnBrk="0" hangingPunct="1"/>
             <a:r>
               <a:rPr lang="ja-JP" altLang="en-US" smtClean="0"/>
               <a:t>マスター テキストの書式設定</a:t>
             </a:r>
           </a:p>
           <a:p>
-            <a:pPr lvl="1"/>
+            <a:pPr lvl="1" eaLnBrk="1" latinLnBrk="0" hangingPunct="1"/>
             <a:r>
               <a:rPr lang="ja-JP" altLang="en-US" smtClean="0"/>
               <a:t>第 </a:t>
@@ -6789,7 +7818,7 @@
             </a:r>
           </a:p>
           <a:p>
-            <a:pPr lvl="2"/>
+            <a:pPr lvl="2" eaLnBrk="1" latinLnBrk="0" hangingPunct="1"/>
             <a:r>
               <a:rPr lang="ja-JP" altLang="en-US" smtClean="0"/>
               <a:t>第 </a:t>
@@ -6804,7 +7833,7 @@
             </a:r>
           </a:p>
           <a:p>
-            <a:pPr lvl="3"/>
+            <a:pPr lvl="3" eaLnBrk="1" latinLnBrk="0" hangingPunct="1"/>
             <a:r>
               <a:rPr lang="ja-JP" altLang="en-US" smtClean="0"/>
               <a:t>第 </a:t>
@@ -6819,7 +7848,7 @@
             </a:r>
           </a:p>
           <a:p>
-            <a:pPr lvl="4"/>
+            <a:pPr lvl="4" eaLnBrk="1" latinLnBrk="0" hangingPunct="1"/>
             <a:r>
               <a:rPr lang="ja-JP" altLang="en-US" smtClean="0"/>
               <a:t>第 </a:t>
@@ -6832,84 +7861,13 @@
               <a:rPr lang="ja-JP" altLang="en-US" smtClean="0"/>
               <a:t>レベル</a:t>
             </a:r>
-            <a:endParaRPr lang="en-US" dirty="0"/>
+            <a:endParaRPr kumimoji="0" lang="en-US"/>
           </a:p>
         </p:txBody>
       </p:sp>
       <p:sp>
         <p:nvSpPr>
-          <p:cNvPr id="5" name="Text Placeholder 4"/>
-          <p:cNvSpPr>
-            <a:spLocks noGrp="1"/>
-          </p:cNvSpPr>
-          <p:nvPr>
-            <p:ph type="body" sz="quarter" idx="3"/>
-          </p:nvPr>
-        </p:nvSpPr>
-        <p:spPr>
-          <a:xfrm>
-            <a:off x="4419600" y="1535113"/>
-            <a:ext cx="3657600" cy="639762"/>
-          </a:xfrm>
-        </p:spPr>
-        <p:txBody>
-          <a:bodyPr anchor="b">
-            <a:noAutofit/>
-          </a:bodyPr>
-          <a:lstStyle>
-            <a:lvl1pPr marL="0" indent="0" algn="ctr">
-              <a:buNone/>
-              <a:defRPr sz="2000" b="1">
-                <a:solidFill>
-                  <a:schemeClr val="tx2"/>
-                </a:solidFill>
-              </a:defRPr>
-            </a:lvl1pPr>
-            <a:lvl2pPr marL="457200" indent="0">
-              <a:buNone/>
-              <a:defRPr sz="2000" b="1"/>
-            </a:lvl2pPr>
-            <a:lvl3pPr marL="914400" indent="0">
-              <a:buNone/>
-              <a:defRPr sz="1800" b="1"/>
-            </a:lvl3pPr>
-            <a:lvl4pPr marL="1371600" indent="0">
-              <a:buNone/>
-              <a:defRPr sz="1600" b="1"/>
-            </a:lvl4pPr>
-            <a:lvl5pPr marL="1828800" indent="0">
-              <a:buNone/>
-              <a:defRPr sz="1600" b="1"/>
-            </a:lvl5pPr>
-            <a:lvl6pPr marL="2286000" indent="0">
-              <a:buNone/>
-              <a:defRPr sz="1600" b="1"/>
-            </a:lvl6pPr>
-            <a:lvl7pPr marL="2743200" indent="0">
-              <a:buNone/>
-              <a:defRPr sz="1600" b="1"/>
-            </a:lvl7pPr>
-            <a:lvl8pPr marL="3200400" indent="0">
-              <a:buNone/>
-              <a:defRPr sz="1600" b="1"/>
-            </a:lvl8pPr>
-            <a:lvl9pPr marL="3657600" indent="0">
-              <a:buNone/>
-              <a:defRPr sz="1600" b="1"/>
-            </a:lvl9pPr>
-          </a:lstStyle>
-          <a:p>
-            <a:pPr lvl="0"/>
-            <a:r>
-              <a:rPr lang="ja-JP" altLang="en-US" smtClean="0"/>
-              <a:t>マスター テキストの書式設定</a:t>
-            </a:r>
-          </a:p>
-        </p:txBody>
-      </p:sp>
-      <p:sp>
-        <p:nvSpPr>
-          <p:cNvPr id="6" name="Content Placeholder 5"/>
+          <p:cNvPr id="6" name="コンテンツ プレースホルダー 5"/>
           <p:cNvSpPr>
             <a:spLocks noGrp="1"/>
           </p:cNvSpPr>
@@ -6919,14 +7877,22 @@
         </p:nvSpPr>
         <p:spPr>
           <a:xfrm>
-            <a:off x="4419600" y="2174875"/>
-            <a:ext cx="3657600" cy="3951288"/>
+            <a:off x="4645025" y="1444294"/>
+            <a:ext cx="4041775" cy="3941763"/>
           </a:xfrm>
+          <a:ln>
+            <a:noFill/>
+            <a:prstDash val="sysDash"/>
+            <a:miter lim="800000"/>
+          </a:ln>
         </p:spPr>
         <p:txBody>
           <a:bodyPr/>
           <a:lstStyle>
             <a:lvl1pPr>
+              <a:spcBef>
+                <a:spcPts val="0"/>
+              </a:spcBef>
               <a:defRPr sz="2400"/>
             </a:lvl1pPr>
             <a:lvl2pPr>
@@ -6941,28 +7907,17 @@
             <a:lvl5pPr>
               <a:defRPr sz="1600"/>
             </a:lvl5pPr>
-            <a:lvl6pPr>
-              <a:defRPr sz="1600"/>
-            </a:lvl6pPr>
-            <a:lvl7pPr>
-              <a:defRPr sz="1600"/>
-            </a:lvl7pPr>
-            <a:lvl8pPr>
-              <a:defRPr sz="1600"/>
-            </a:lvl8pPr>
-            <a:lvl9pPr>
-              <a:defRPr sz="1600"/>
-            </a:lvl9pPr>
+            <a:extLst/>
           </a:lstStyle>
           <a:p>
-            <a:pPr lvl="0"/>
+            <a:pPr lvl="0" eaLnBrk="1" latinLnBrk="0" hangingPunct="1"/>
             <a:r>
               <a:rPr lang="ja-JP" altLang="en-US" smtClean="0"/>
               <a:t>マスター テキストの書式設定</a:t>
             </a:r>
           </a:p>
           <a:p>
-            <a:pPr lvl="1"/>
+            <a:pPr lvl="1" eaLnBrk="1" latinLnBrk="0" hangingPunct="1"/>
             <a:r>
               <a:rPr lang="ja-JP" altLang="en-US" smtClean="0"/>
               <a:t>第 </a:t>
@@ -6977,7 +7932,7 @@
             </a:r>
           </a:p>
           <a:p>
-            <a:pPr lvl="2"/>
+            <a:pPr lvl="2" eaLnBrk="1" latinLnBrk="0" hangingPunct="1"/>
             <a:r>
               <a:rPr lang="ja-JP" altLang="en-US" smtClean="0"/>
               <a:t>第 </a:t>
@@ -6992,7 +7947,7 @@
             </a:r>
           </a:p>
           <a:p>
-            <a:pPr lvl="3"/>
+            <a:pPr lvl="3" eaLnBrk="1" latinLnBrk="0" hangingPunct="1"/>
             <a:r>
               <a:rPr lang="ja-JP" altLang="en-US" smtClean="0"/>
               <a:t>第 </a:t>
@@ -7007,7 +7962,7 @@
             </a:r>
           </a:p>
           <a:p>
-            <a:pPr lvl="4"/>
+            <a:pPr lvl="4" eaLnBrk="1" latinLnBrk="0" hangingPunct="1"/>
             <a:r>
               <a:rPr lang="ja-JP" altLang="en-US" smtClean="0"/>
               <a:t>第 </a:t>
@@ -7020,13 +7975,13 @@
               <a:rPr lang="ja-JP" altLang="en-US" smtClean="0"/>
               <a:t>レベル</a:t>
             </a:r>
-            <a:endParaRPr lang="en-US"/>
+            <a:endParaRPr kumimoji="0" lang="en-US"/>
           </a:p>
         </p:txBody>
       </p:sp>
       <p:sp>
         <p:nvSpPr>
-          <p:cNvPr id="7" name="Date Placeholder 6"/>
+          <p:cNvPr id="7" name="日付プレースホルダー 6"/>
           <p:cNvSpPr>
             <a:spLocks noGrp="1"/>
           </p:cNvSpPr>
@@ -7037,12 +7992,14 @@
         <p:spPr/>
         <p:txBody>
           <a:bodyPr/>
-          <a:lstStyle/>
+          <a:lstStyle>
+            <a:extLst/>
+          </a:lstStyle>
           <a:p>
             <a:fld id="{91DC7991-8D09-4520-819C-C9FDBA1A81DC}" type="datetime1">
               <a:rPr kumimoji="1" lang="ja-JP" altLang="en-US" smtClean="0"/>
               <a:pPr/>
-              <a:t>2016/6/16</a:t>
+              <a:t>2016/6/17</a:t>
             </a:fld>
             <a:endParaRPr kumimoji="1" lang="ja-JP" altLang="en-US"/>
           </a:p>
@@ -7050,7 +8007,7 @@
       </p:sp>
       <p:sp>
         <p:nvSpPr>
-          <p:cNvPr id="8" name="Footer Placeholder 7"/>
+          <p:cNvPr id="8" name="フッター プレースホルダー 7"/>
           <p:cNvSpPr>
             <a:spLocks noGrp="1"/>
           </p:cNvSpPr>
@@ -7061,7 +8018,9 @@
         <p:spPr/>
         <p:txBody>
           <a:bodyPr/>
-          <a:lstStyle/>
+          <a:lstStyle>
+            <a:extLst/>
+          </a:lstStyle>
           <a:p>
             <a:endParaRPr kumimoji="1" lang="ja-JP" altLang="en-US"/>
           </a:p>
@@ -7069,7 +8028,7 @@
       </p:sp>
       <p:sp>
         <p:nvSpPr>
-          <p:cNvPr id="9" name="Slide Number Placeholder 8"/>
+          <p:cNvPr id="9" name="スライド番号プレースホルダー 8"/>
           <p:cNvSpPr>
             <a:spLocks noGrp="1"/>
           </p:cNvSpPr>
@@ -7080,12 +8039,14 @@
         <p:spPr/>
         <p:txBody>
           <a:bodyPr/>
-          <a:lstStyle/>
+          <a:lstStyle>
+            <a:extLst/>
+          </a:lstStyle>
           <a:p>
             <a:fld id="{1B2C9F7E-80B6-4C3C-8A6C-643968CAB744}" type="slidenum">
               <a:rPr kumimoji="1" lang="ja-JP" altLang="en-US" smtClean="0"/>
               <a:pPr/>
-              <a:t>&lt;#&gt;</a:t>
+              <a:t>‹#›</a:t>
             </a:fld>
             <a:endParaRPr kumimoji="1" lang="ja-JP" altLang="en-US"/>
           </a:p>
@@ -7094,7 +8055,7 @@
     </p:spTree>
   </p:cSld>
   <p:clrMapOvr>
-    <a:masterClrMapping/>
+    <a:overrideClrMapping bg1="lt1" tx1="dk1" bg2="lt2" tx2="dk2" accent1="accent1" accent2="accent2" accent3="accent3" accent4="accent4" accent5="accent5" accent6="accent6" hlink="hlink" folHlink="folHlink"/>
   </p:clrMapOvr>
 </p:sldLayout>
 </file>
@@ -7102,6 +8063,11 @@
 <file path=ppt/slideLayouts/slideLayout6.xml><?xml version="1.0" encoding="utf-8"?>
 <p:sldLayout xmlns:a="http://schemas.openxmlformats.org/drawingml/2006/main" xmlns:r="http://schemas.openxmlformats.org/officeDocument/2006/relationships" xmlns:p="http://schemas.openxmlformats.org/presentationml/2006/main" type="titleOnly" preserve="1">
   <p:cSld name="タイトルのみ">
+    <p:bg>
+      <p:bgRef idx="1002">
+        <a:schemeClr val="bg1"/>
+      </p:bgRef>
+    </p:bg>
     <p:spTree>
       <p:nvGrpSpPr>
         <p:cNvPr id="1" name=""/>
@@ -7118,30 +8084,7 @@
       </p:grpSpPr>
       <p:sp>
         <p:nvSpPr>
-          <p:cNvPr id="2" name="Title 1"/>
-          <p:cNvSpPr>
-            <a:spLocks noGrp="1"/>
-          </p:cNvSpPr>
-          <p:nvPr>
-            <p:ph type="title"/>
-          </p:nvPr>
-        </p:nvSpPr>
-        <p:spPr/>
-        <p:txBody>
-          <a:bodyPr/>
-          <a:lstStyle/>
-          <a:p>
-            <a:r>
-              <a:rPr lang="ja-JP" altLang="en-US" smtClean="0"/>
-              <a:t>マスター タイトルの書式設定</a:t>
-            </a:r>
-            <a:endParaRPr lang="en-US"/>
-          </a:p>
-        </p:txBody>
-      </p:sp>
-      <p:sp>
-        <p:nvSpPr>
-          <p:cNvPr id="3" name="Date Placeholder 2"/>
+          <p:cNvPr id="3" name="日付プレースホルダー 2"/>
           <p:cNvSpPr>
             <a:spLocks noGrp="1"/>
           </p:cNvSpPr>
@@ -7152,12 +8095,14 @@
         <p:spPr/>
         <p:txBody>
           <a:bodyPr/>
-          <a:lstStyle/>
+          <a:lstStyle>
+            <a:extLst/>
+          </a:lstStyle>
           <a:p>
             <a:fld id="{E953B60A-2FEE-474F-A37A-5F7446E9A621}" type="datetime1">
               <a:rPr kumimoji="1" lang="ja-JP" altLang="en-US" smtClean="0"/>
               <a:pPr/>
-              <a:t>2016/6/16</a:t>
+              <a:t>2016/6/17</a:t>
             </a:fld>
             <a:endParaRPr kumimoji="1" lang="ja-JP" altLang="en-US"/>
           </a:p>
@@ -7165,7 +8110,7 @@
       </p:sp>
       <p:sp>
         <p:nvSpPr>
-          <p:cNvPr id="4" name="Footer Placeholder 3"/>
+          <p:cNvPr id="4" name="フッター プレースホルダー 3"/>
           <p:cNvSpPr>
             <a:spLocks noGrp="1"/>
           </p:cNvSpPr>
@@ -7176,7 +8121,9 @@
         <p:spPr/>
         <p:txBody>
           <a:bodyPr/>
-          <a:lstStyle/>
+          <a:lstStyle>
+            <a:extLst/>
+          </a:lstStyle>
           <a:p>
             <a:endParaRPr kumimoji="1" lang="ja-JP" altLang="en-US"/>
           </a:p>
@@ -7184,7 +8131,7 @@
       </p:sp>
       <p:sp>
         <p:nvSpPr>
-          <p:cNvPr id="5" name="Slide Number Placeholder 4"/>
+          <p:cNvPr id="5" name="スライド番号プレースホルダー 4"/>
           <p:cNvSpPr>
             <a:spLocks noGrp="1"/>
           </p:cNvSpPr>
@@ -7195,21 +8142,48 @@
         <p:spPr/>
         <p:txBody>
           <a:bodyPr/>
-          <a:lstStyle/>
+          <a:lstStyle>
+            <a:extLst/>
+          </a:lstStyle>
           <a:p>
             <a:fld id="{1B2C9F7E-80B6-4C3C-8A6C-643968CAB744}" type="slidenum">
               <a:rPr kumimoji="1" lang="ja-JP" altLang="en-US" smtClean="0"/>
               <a:pPr/>
-              <a:t>&lt;#&gt;</a:t>
+              <a:t>‹#›</a:t>
             </a:fld>
             <a:endParaRPr kumimoji="1" lang="ja-JP" altLang="en-US"/>
+          </a:p>
+        </p:txBody>
+      </p:sp>
+      <p:sp>
+        <p:nvSpPr>
+          <p:cNvPr id="6" name="タイトル 5"/>
+          <p:cNvSpPr>
+            <a:spLocks noGrp="1"/>
+          </p:cNvSpPr>
+          <p:nvPr>
+            <p:ph type="title"/>
+          </p:nvPr>
+        </p:nvSpPr>
+        <p:spPr/>
+        <p:txBody>
+          <a:bodyPr rtlCol="0"/>
+          <a:lstStyle>
+            <a:extLst/>
+          </a:lstStyle>
+          <a:p>
+            <a:r>
+              <a:rPr kumimoji="0" lang="ja-JP" altLang="en-US" smtClean="0"/>
+              <a:t>マスター タイトルの書式設定</a:t>
+            </a:r>
+            <a:endParaRPr kumimoji="0" lang="en-US"/>
           </a:p>
         </p:txBody>
       </p:sp>
     </p:spTree>
   </p:cSld>
   <p:clrMapOvr>
-    <a:masterClrMapping/>
+    <a:overrideClrMapping bg1="dk1" tx1="lt1" bg2="dk2" tx2="lt2" accent1="accent1" accent2="accent2" accent3="accent3" accent4="accent4" accent5="accent5" accent6="accent6" hlink="hlink" folHlink="folHlink"/>
   </p:clrMapOvr>
 </p:sldLayout>
 </file>
@@ -7233,7 +8207,7 @@
       </p:grpSpPr>
       <p:sp>
         <p:nvSpPr>
-          <p:cNvPr id="2" name="Date Placeholder 1"/>
+          <p:cNvPr id="2" name="日付プレースホルダー 1"/>
           <p:cNvSpPr>
             <a:spLocks noGrp="1"/>
           </p:cNvSpPr>
@@ -7244,12 +8218,14 @@
         <p:spPr/>
         <p:txBody>
           <a:bodyPr/>
-          <a:lstStyle/>
+          <a:lstStyle>
+            <a:extLst/>
+          </a:lstStyle>
           <a:p>
             <a:fld id="{FA500818-433F-4844-BA6A-3BC06D8D4CAE}" type="datetime1">
               <a:rPr kumimoji="1" lang="ja-JP" altLang="en-US" smtClean="0"/>
               <a:pPr/>
-              <a:t>2016/6/16</a:t>
+              <a:t>2016/6/17</a:t>
             </a:fld>
             <a:endParaRPr kumimoji="1" lang="ja-JP" altLang="en-US"/>
           </a:p>
@@ -7257,7 +8233,7 @@
       </p:sp>
       <p:sp>
         <p:nvSpPr>
-          <p:cNvPr id="3" name="Footer Placeholder 2"/>
+          <p:cNvPr id="3" name="フッター プレースホルダー 2"/>
           <p:cNvSpPr>
             <a:spLocks noGrp="1"/>
           </p:cNvSpPr>
@@ -7268,7 +8244,9 @@
         <p:spPr/>
         <p:txBody>
           <a:bodyPr/>
-          <a:lstStyle/>
+          <a:lstStyle>
+            <a:extLst/>
+          </a:lstStyle>
           <a:p>
             <a:endParaRPr kumimoji="1" lang="ja-JP" altLang="en-US"/>
           </a:p>
@@ -7276,7 +8254,7 @@
       </p:sp>
       <p:sp>
         <p:nvSpPr>
-          <p:cNvPr id="4" name="Slide Number Placeholder 3"/>
+          <p:cNvPr id="4" name="スライド番号プレースホルダー 3"/>
           <p:cNvSpPr>
             <a:spLocks noGrp="1"/>
           </p:cNvSpPr>
@@ -7287,12 +8265,14 @@
         <p:spPr/>
         <p:txBody>
           <a:bodyPr/>
-          <a:lstStyle/>
+          <a:lstStyle>
+            <a:extLst/>
+          </a:lstStyle>
           <a:p>
             <a:fld id="{1B2C9F7E-80B6-4C3C-8A6C-643968CAB744}" type="slidenum">
               <a:rPr kumimoji="1" lang="ja-JP" altLang="en-US" smtClean="0"/>
               <a:pPr/>
-              <a:t>&lt;#&gt;</a:t>
+              <a:t>‹#›</a:t>
             </a:fld>
             <a:endParaRPr kumimoji="1" lang="ja-JP" altLang="en-US"/>
           </a:p>
@@ -7307,8 +8287,13 @@
 </file>
 
 <file path=ppt/slideLayouts/slideLayout8.xml><?xml version="1.0" encoding="utf-8"?>
-<p:sldLayout xmlns:a="http://schemas.openxmlformats.org/drawingml/2006/main" xmlns:r="http://schemas.openxmlformats.org/officeDocument/2006/relationships" xmlns:p="http://schemas.openxmlformats.org/presentationml/2006/main" type="objTx" preserve="1">
+<p:sldLayout xmlns:a="http://schemas.openxmlformats.org/drawingml/2006/main" xmlns:r="http://schemas.openxmlformats.org/officeDocument/2006/relationships" xmlns:p="http://schemas.openxmlformats.org/presentationml/2006/main" showMasterSp="0" type="objTx" preserve="1">
   <p:cSld name="タイトル付きの&#10;コンテンツ">
+    <p:bg>
+      <p:bgRef idx="1003">
+        <a:schemeClr val="bg1"/>
+      </p:bgRef>
+    </p:bg>
     <p:spTree>
       <p:nvGrpSpPr>
         <p:cNvPr id="1" name=""/>
@@ -7325,7 +8310,7 @@
       </p:grpSpPr>
       <p:sp>
         <p:nvSpPr>
-          <p:cNvPr id="2" name="Title 1"/>
+          <p:cNvPr id="2" name="タイトル 1"/>
           <p:cNvSpPr>
             <a:spLocks noGrp="1"/>
           </p:cNvSpPr>
@@ -7335,88 +8320,83 @@
         </p:nvSpPr>
         <p:spPr>
           <a:xfrm>
-            <a:off x="304801" y="5495544"/>
-            <a:ext cx="7772400" cy="594360"/>
+            <a:off x="914400" y="4876800"/>
+            <a:ext cx="7481776" cy="457200"/>
           </a:xfrm>
         </p:spPr>
         <p:txBody>
-          <a:bodyPr anchor="b"/>
+          <a:bodyPr vert="horz" anchor="t">
+            <a:noAutofit/>
+            <a:sp3d prstMaterial="softEdge">
+              <a:bevelT w="0" h="0"/>
+            </a:sp3d>
+          </a:bodyPr>
           <a:lstStyle>
-            <a:lvl1pPr algn="ctr">
-              <a:defRPr sz="2200" b="1"/>
+            <a:lvl1pPr algn="r">
+              <a:buNone/>
+              <a:defRPr sz="2500" b="0">
+                <a:solidFill>
+                  <a:schemeClr val="accent1"/>
+                </a:solidFill>
+                <a:effectLst/>
+              </a:defRPr>
             </a:lvl1pPr>
+            <a:extLst/>
           </a:lstStyle>
           <a:p>
             <a:r>
-              <a:rPr lang="ja-JP" altLang="en-US" smtClean="0"/>
+              <a:rPr kumimoji="0" lang="ja-JP" altLang="en-US" smtClean="0"/>
               <a:t>マスター タイトルの書式設定</a:t>
             </a:r>
-            <a:endParaRPr lang="en-US" dirty="0"/>
+            <a:endParaRPr kumimoji="0" lang="en-US"/>
           </a:p>
         </p:txBody>
       </p:sp>
       <p:sp>
         <p:nvSpPr>
-          <p:cNvPr id="4" name="Text Placeholder 3"/>
+          <p:cNvPr id="3" name="テキスト プレースホルダー 2"/>
           <p:cNvSpPr>
             <a:spLocks noGrp="1"/>
           </p:cNvSpPr>
           <p:nvPr>
-            <p:ph type="body" sz="half" idx="2"/>
+            <p:ph type="body" idx="2"/>
           </p:nvPr>
         </p:nvSpPr>
         <p:spPr>
           <a:xfrm>
-            <a:off x="304799" y="6096000"/>
-            <a:ext cx="7772401" cy="609600"/>
+            <a:off x="4419600" y="5355102"/>
+            <a:ext cx="3974592" cy="914400"/>
           </a:xfrm>
         </p:spPr>
         <p:txBody>
-          <a:bodyPr>
-            <a:normAutofit/>
-          </a:bodyPr>
+          <a:bodyPr/>
           <a:lstStyle>
-            <a:lvl1pPr marL="0" indent="0" algn="ctr">
+            <a:lvl1pPr marL="0" indent="0" algn="r">
               <a:buNone/>
               <a:defRPr sz="1600"/>
             </a:lvl1pPr>
-            <a:lvl2pPr marL="457200" indent="0">
+            <a:lvl2pPr>
               <a:buNone/>
               <a:defRPr sz="1200"/>
             </a:lvl2pPr>
-            <a:lvl3pPr marL="914400" indent="0">
+            <a:lvl3pPr>
               <a:buNone/>
               <a:defRPr sz="1000"/>
             </a:lvl3pPr>
-            <a:lvl4pPr marL="1371600" indent="0">
+            <a:lvl4pPr>
               <a:buNone/>
               <a:defRPr sz="900"/>
             </a:lvl4pPr>
-            <a:lvl5pPr marL="1828800" indent="0">
+            <a:lvl5pPr>
               <a:buNone/>
               <a:defRPr sz="900"/>
             </a:lvl5pPr>
-            <a:lvl6pPr marL="2286000" indent="0">
-              <a:buNone/>
-              <a:defRPr sz="900"/>
-            </a:lvl6pPr>
-            <a:lvl7pPr marL="2743200" indent="0">
-              <a:buNone/>
-              <a:defRPr sz="900"/>
-            </a:lvl7pPr>
-            <a:lvl8pPr marL="3200400" indent="0">
-              <a:buNone/>
-              <a:defRPr sz="900"/>
-            </a:lvl8pPr>
-            <a:lvl9pPr marL="3657600" indent="0">
-              <a:buNone/>
-              <a:defRPr sz="900"/>
-            </a:lvl9pPr>
+            <a:extLst/>
           </a:lstStyle>
           <a:p>
-            <a:pPr lvl="0"/>
+            <a:pPr lvl="0" eaLnBrk="1" latinLnBrk="0" hangingPunct="1"/>
             <a:r>
-              <a:rPr lang="ja-JP" altLang="en-US" smtClean="0"/>
+              <a:rPr kumimoji="0" lang="ja-JP" altLang="en-US" smtClean="0"/>
               <a:t>マスター テキストの書式設定</a:t>
             </a:r>
           </a:p>
@@ -7424,99 +8404,49 @@
       </p:sp>
       <p:sp>
         <p:nvSpPr>
-          <p:cNvPr id="5" name="Date Placeholder 4"/>
+          <p:cNvPr id="4" name="コンテンツ プレースホルダー 3"/>
           <p:cNvSpPr>
             <a:spLocks noGrp="1"/>
           </p:cNvSpPr>
           <p:nvPr>
-            <p:ph type="dt" sz="half" idx="10"/>
-          </p:nvPr>
-        </p:nvSpPr>
-        <p:spPr/>
-        <p:txBody>
-          <a:bodyPr/>
-          <a:lstStyle/>
-          <a:p>
-            <a:fld id="{B4BCAA4E-5F7D-4545-B5D2-D23DF9E06A0E}" type="datetime1">
-              <a:rPr kumimoji="1" lang="ja-JP" altLang="en-US" smtClean="0"/>
-              <a:pPr/>
-              <a:t>2016/6/16</a:t>
-            </a:fld>
-            <a:endParaRPr kumimoji="1" lang="ja-JP" altLang="en-US"/>
-          </a:p>
-        </p:txBody>
-      </p:sp>
-      <p:sp>
-        <p:nvSpPr>
-          <p:cNvPr id="6" name="Footer Placeholder 5"/>
-          <p:cNvSpPr>
-            <a:spLocks noGrp="1"/>
-          </p:cNvSpPr>
-          <p:nvPr>
-            <p:ph type="ftr" sz="quarter" idx="11"/>
-          </p:nvPr>
-        </p:nvSpPr>
-        <p:spPr/>
-        <p:txBody>
-          <a:bodyPr/>
-          <a:lstStyle/>
-          <a:p>
-            <a:endParaRPr kumimoji="1" lang="ja-JP" altLang="en-US"/>
-          </a:p>
-        </p:txBody>
-      </p:sp>
-      <p:sp>
-        <p:nvSpPr>
-          <p:cNvPr id="7" name="Slide Number Placeholder 6"/>
-          <p:cNvSpPr>
-            <a:spLocks noGrp="1"/>
-          </p:cNvSpPr>
-          <p:nvPr>
-            <p:ph type="sldNum" sz="quarter" idx="12"/>
-          </p:nvPr>
-        </p:nvSpPr>
-        <p:spPr/>
-        <p:txBody>
-          <a:bodyPr/>
-          <a:lstStyle/>
-          <a:p>
-            <a:fld id="{1B2C9F7E-80B6-4C3C-8A6C-643968CAB744}" type="slidenum">
-              <a:rPr kumimoji="1" lang="ja-JP" altLang="en-US" smtClean="0"/>
-              <a:pPr/>
-              <a:t>&lt;#&gt;</a:t>
-            </a:fld>
-            <a:endParaRPr kumimoji="1" lang="ja-JP" altLang="en-US"/>
-          </a:p>
-        </p:txBody>
-      </p:sp>
-      <p:sp>
-        <p:nvSpPr>
-          <p:cNvPr id="9" name="Content Placeholder 8"/>
-          <p:cNvSpPr>
-            <a:spLocks noGrp="1"/>
-          </p:cNvSpPr>
-          <p:nvPr>
-            <p:ph sz="quarter" idx="13"/>
+            <p:ph sz="half" idx="1"/>
           </p:nvPr>
         </p:nvSpPr>
         <p:spPr>
           <a:xfrm>
-            <a:off x="304800" y="381000"/>
-            <a:ext cx="7772400" cy="4942840"/>
+            <a:off x="914400" y="274320"/>
+            <a:ext cx="7479792" cy="4572000"/>
           </a:xfrm>
         </p:spPr>
         <p:txBody>
           <a:bodyPr/>
-          <a:lstStyle/>
+          <a:lstStyle>
+            <a:lvl1pPr>
+              <a:defRPr sz="3200"/>
+            </a:lvl1pPr>
+            <a:lvl2pPr>
+              <a:defRPr sz="2800"/>
+            </a:lvl2pPr>
+            <a:lvl3pPr>
+              <a:defRPr sz="2400"/>
+            </a:lvl3pPr>
+            <a:lvl4pPr>
+              <a:defRPr sz="2000"/>
+            </a:lvl4pPr>
+            <a:lvl5pPr>
+              <a:defRPr sz="2000"/>
+            </a:lvl5pPr>
+            <a:extLst/>
+          </a:lstStyle>
           <a:p>
-            <a:pPr lvl="0"/>
+            <a:pPr lvl="0" eaLnBrk="1" latinLnBrk="0" hangingPunct="1"/>
             <a:r>
               <a:rPr lang="ja-JP" altLang="en-US" smtClean="0"/>
               <a:t>マスター テキストの書式設定</a:t>
             </a:r>
           </a:p>
           <a:p>
-            <a:pPr lvl="1"/>
+            <a:pPr lvl="1" eaLnBrk="1" latinLnBrk="0" hangingPunct="1"/>
             <a:r>
               <a:rPr lang="ja-JP" altLang="en-US" smtClean="0"/>
               <a:t>第 </a:t>
@@ -7531,7 +8461,7 @@
             </a:r>
           </a:p>
           <a:p>
-            <a:pPr lvl="2"/>
+            <a:pPr lvl="2" eaLnBrk="1" latinLnBrk="0" hangingPunct="1"/>
             <a:r>
               <a:rPr lang="ja-JP" altLang="en-US" smtClean="0"/>
               <a:t>第 </a:t>
@@ -7546,7 +8476,7 @@
             </a:r>
           </a:p>
           <a:p>
-            <a:pPr lvl="3"/>
+            <a:pPr lvl="3" eaLnBrk="1" latinLnBrk="0" hangingPunct="1"/>
             <a:r>
               <a:rPr lang="ja-JP" altLang="en-US" smtClean="0"/>
               <a:t>第 </a:t>
@@ -7561,7 +8491,7 @@
             </a:r>
           </a:p>
           <a:p>
-            <a:pPr lvl="4"/>
+            <a:pPr lvl="4" eaLnBrk="1" latinLnBrk="0" hangingPunct="1"/>
             <a:r>
               <a:rPr lang="ja-JP" altLang="en-US" smtClean="0"/>
               <a:t>第 </a:t>
@@ -7574,209 +8504,13 @@
               <a:rPr lang="ja-JP" altLang="en-US" smtClean="0"/>
               <a:t>レベル</a:t>
             </a:r>
-            <a:endParaRPr lang="en-US"/>
-          </a:p>
-        </p:txBody>
-      </p:sp>
-    </p:spTree>
-  </p:cSld>
-  <p:clrMapOvr>
-    <a:masterClrMapping/>
-  </p:clrMapOvr>
-</p:sldLayout>
-</file>
-
-<file path=ppt/slideLayouts/slideLayout9.xml><?xml version="1.0" encoding="utf-8"?>
-<p:sldLayout xmlns:a="http://schemas.openxmlformats.org/drawingml/2006/main" xmlns:r="http://schemas.openxmlformats.org/officeDocument/2006/relationships" xmlns:p="http://schemas.openxmlformats.org/presentationml/2006/main" type="picTx" preserve="1">
-  <p:cSld name="タイトル付きの図">
-    <p:spTree>
-      <p:nvGrpSpPr>
-        <p:cNvPr id="1" name=""/>
-        <p:cNvGrpSpPr/>
-        <p:nvPr/>
-      </p:nvGrpSpPr>
-      <p:grpSpPr>
-        <a:xfrm>
-          <a:off x="0" y="0"/>
-          <a:ext cx="0" cy="0"/>
-          <a:chOff x="0" y="0"/>
-          <a:chExt cx="0" cy="0"/>
-        </a:xfrm>
-      </p:grpSpPr>
-      <p:sp>
-        <p:nvSpPr>
-          <p:cNvPr id="2" name="Title 1"/>
-          <p:cNvSpPr>
-            <a:spLocks noGrp="1"/>
-          </p:cNvSpPr>
-          <p:nvPr>
-            <p:ph type="title"/>
-          </p:nvPr>
-        </p:nvSpPr>
-        <p:spPr>
-          <a:xfrm>
-            <a:off x="301752" y="5495278"/>
-            <a:ext cx="7772400" cy="594626"/>
-          </a:xfrm>
-        </p:spPr>
-        <p:txBody>
-          <a:bodyPr anchor="b"/>
-          <a:lstStyle>
-            <a:lvl1pPr algn="ctr">
-              <a:defRPr sz="2200" b="1">
-                <a:ln>
-                  <a:noFill/>
-                </a:ln>
-                <a:solidFill>
-                  <a:schemeClr val="tx2"/>
-                </a:solidFill>
-              </a:defRPr>
-            </a:lvl1pPr>
-          </a:lstStyle>
-          <a:p>
-            <a:r>
-              <a:rPr lang="ja-JP" altLang="en-US" smtClean="0"/>
-              <a:t>マスター タイトルの書式設定</a:t>
-            </a:r>
-            <a:endParaRPr lang="en-US" dirty="0"/>
+            <a:endParaRPr kumimoji="0" lang="en-US"/>
           </a:p>
         </p:txBody>
       </p:sp>
       <p:sp>
         <p:nvSpPr>
-          <p:cNvPr id="3" name="Picture Placeholder 2"/>
-          <p:cNvSpPr>
-            <a:spLocks noGrp="1"/>
-          </p:cNvSpPr>
-          <p:nvPr>
-            <p:ph type="pic" idx="1"/>
-          </p:nvPr>
-        </p:nvSpPr>
-        <p:spPr>
-          <a:xfrm>
-            <a:off x="0" y="0"/>
-            <a:ext cx="8458200" cy="5486400"/>
-          </a:xfrm>
-        </p:spPr>
-        <p:txBody>
-          <a:bodyPr/>
-          <a:lstStyle>
-            <a:lvl1pPr marL="0" indent="0">
-              <a:buNone/>
-              <a:defRPr sz="3200"/>
-            </a:lvl1pPr>
-            <a:lvl2pPr marL="457200" indent="0">
-              <a:buNone/>
-              <a:defRPr sz="2800"/>
-            </a:lvl2pPr>
-            <a:lvl3pPr marL="914400" indent="0">
-              <a:buNone/>
-              <a:defRPr sz="2400"/>
-            </a:lvl3pPr>
-            <a:lvl4pPr marL="1371600" indent="0">
-              <a:buNone/>
-              <a:defRPr sz="2000"/>
-            </a:lvl4pPr>
-            <a:lvl5pPr marL="1828800" indent="0">
-              <a:buNone/>
-              <a:defRPr sz="2000"/>
-            </a:lvl5pPr>
-            <a:lvl6pPr marL="2286000" indent="0">
-              <a:buNone/>
-              <a:defRPr sz="2000"/>
-            </a:lvl6pPr>
-            <a:lvl7pPr marL="2743200" indent="0">
-              <a:buNone/>
-              <a:defRPr sz="2000"/>
-            </a:lvl7pPr>
-            <a:lvl8pPr marL="3200400" indent="0">
-              <a:buNone/>
-              <a:defRPr sz="2000"/>
-            </a:lvl8pPr>
-            <a:lvl9pPr marL="3657600" indent="0">
-              <a:buNone/>
-              <a:defRPr sz="2000"/>
-            </a:lvl9pPr>
-          </a:lstStyle>
-          <a:p>
-            <a:r>
-              <a:rPr lang="ja-JP" altLang="en-US" smtClean="0"/>
-              <a:t>アイコンをクリックして図を追加</a:t>
-            </a:r>
-            <a:endParaRPr lang="en-US" dirty="0"/>
-          </a:p>
-        </p:txBody>
-      </p:sp>
-      <p:sp>
-        <p:nvSpPr>
-          <p:cNvPr id="4" name="Text Placeholder 3"/>
-          <p:cNvSpPr>
-            <a:spLocks noGrp="1"/>
-          </p:cNvSpPr>
-          <p:nvPr>
-            <p:ph type="body" sz="half" idx="2"/>
-          </p:nvPr>
-        </p:nvSpPr>
-        <p:spPr>
-          <a:xfrm>
-            <a:off x="301752" y="6096000"/>
-            <a:ext cx="7772400" cy="612648"/>
-          </a:xfrm>
-        </p:spPr>
-        <p:txBody>
-          <a:bodyPr>
-            <a:normAutofit/>
-          </a:bodyPr>
-          <a:lstStyle>
-            <a:lvl1pPr marL="0" indent="0" algn="ctr">
-              <a:buNone/>
-              <a:defRPr sz="1600"/>
-            </a:lvl1pPr>
-            <a:lvl2pPr marL="457200" indent="0">
-              <a:buNone/>
-              <a:defRPr sz="1200"/>
-            </a:lvl2pPr>
-            <a:lvl3pPr marL="914400" indent="0">
-              <a:buNone/>
-              <a:defRPr sz="1000"/>
-            </a:lvl3pPr>
-            <a:lvl4pPr marL="1371600" indent="0">
-              <a:buNone/>
-              <a:defRPr sz="900"/>
-            </a:lvl4pPr>
-            <a:lvl5pPr marL="1828800" indent="0">
-              <a:buNone/>
-              <a:defRPr sz="900"/>
-            </a:lvl5pPr>
-            <a:lvl6pPr marL="2286000" indent="0">
-              <a:buNone/>
-              <a:defRPr sz="900"/>
-            </a:lvl6pPr>
-            <a:lvl7pPr marL="2743200" indent="0">
-              <a:buNone/>
-              <a:defRPr sz="900"/>
-            </a:lvl7pPr>
-            <a:lvl8pPr marL="3200400" indent="0">
-              <a:buNone/>
-              <a:defRPr sz="900"/>
-            </a:lvl8pPr>
-            <a:lvl9pPr marL="3657600" indent="0">
-              <a:buNone/>
-              <a:defRPr sz="900"/>
-            </a:lvl9pPr>
-          </a:lstStyle>
-          <a:p>
-            <a:pPr lvl="0"/>
-            <a:r>
-              <a:rPr lang="ja-JP" altLang="en-US" smtClean="0"/>
-              <a:t>マスター テキストの書式設定</a:t>
-            </a:r>
-          </a:p>
-        </p:txBody>
-      </p:sp>
-      <p:sp>
-        <p:nvSpPr>
-          <p:cNvPr id="8" name="Date Placeholder 7"/>
+          <p:cNvPr id="5" name="日付プレースホルダー 4"/>
           <p:cNvSpPr>
             <a:spLocks noGrp="1"/>
           </p:cNvSpPr>
@@ -7784,15 +8518,22 @@
             <p:ph type="dt" sz="half" idx="10"/>
           </p:nvPr>
         </p:nvSpPr>
-        <p:spPr/>
+        <p:spPr>
+          <a:xfrm>
+            <a:off x="6727032" y="6407944"/>
+            <a:ext cx="1920240" cy="365760"/>
+          </a:xfrm>
+        </p:spPr>
         <p:txBody>
           <a:bodyPr/>
-          <a:lstStyle/>
+          <a:lstStyle>
+            <a:extLst/>
+          </a:lstStyle>
           <a:p>
-            <a:fld id="{3EAA3131-F9F4-449C-BDE8-BB1F9A4A5F54}" type="datetime1">
+            <a:fld id="{B4BCAA4E-5F7D-4545-B5D2-D23DF9E06A0E}" type="datetime1">
               <a:rPr kumimoji="1" lang="ja-JP" altLang="en-US" smtClean="0"/>
               <a:pPr/>
-              <a:t>2016/6/16</a:t>
+              <a:t>2016/6/17</a:t>
             </a:fld>
             <a:endParaRPr kumimoji="1" lang="ja-JP" altLang="en-US"/>
           </a:p>
@@ -7800,43 +8541,47 @@
       </p:sp>
       <p:sp>
         <p:nvSpPr>
-          <p:cNvPr id="9" name="Slide Number Placeholder 8"/>
+          <p:cNvPr id="6" name="フッター プレースホルダー 5"/>
           <p:cNvSpPr>
             <a:spLocks noGrp="1"/>
           </p:cNvSpPr>
           <p:nvPr>
-            <p:ph type="sldNum" sz="quarter" idx="11"/>
+            <p:ph type="ftr" sz="quarter" idx="11"/>
           </p:nvPr>
         </p:nvSpPr>
         <p:spPr/>
         <p:txBody>
           <a:bodyPr/>
-          <a:lstStyle/>
+          <a:lstStyle>
+            <a:extLst/>
+          </a:lstStyle>
           <a:p>
-            <a:fld id="{1B2C9F7E-80B6-4C3C-8A6C-643968CAB744}" type="slidenum">
-              <a:rPr kumimoji="1" lang="ja-JP" altLang="en-US" smtClean="0"/>
-              <a:pPr/>
-              <a:t>&lt;#&gt;</a:t>
-            </a:fld>
             <a:endParaRPr kumimoji="1" lang="ja-JP" altLang="en-US"/>
           </a:p>
         </p:txBody>
       </p:sp>
       <p:sp>
         <p:nvSpPr>
-          <p:cNvPr id="10" name="Footer Placeholder 9"/>
+          <p:cNvPr id="7" name="スライド番号プレースホルダー 6"/>
           <p:cNvSpPr>
             <a:spLocks noGrp="1"/>
           </p:cNvSpPr>
           <p:nvPr>
-            <p:ph type="ftr" sz="quarter" idx="12"/>
+            <p:ph type="sldNum" sz="quarter" idx="12"/>
           </p:nvPr>
         </p:nvSpPr>
         <p:spPr/>
         <p:txBody>
           <a:bodyPr/>
-          <a:lstStyle/>
+          <a:lstStyle>
+            <a:extLst/>
+          </a:lstStyle>
           <a:p>
+            <a:fld id="{1B2C9F7E-80B6-4C3C-8A6C-643968CAB744}" type="slidenum">
+              <a:rPr kumimoji="1" lang="ja-JP" altLang="en-US" smtClean="0"/>
+              <a:pPr/>
+              <a:t>‹#›</a:t>
+            </a:fld>
             <a:endParaRPr kumimoji="1" lang="ja-JP" altLang="en-US"/>
           </a:p>
         </p:txBody>
@@ -7844,14 +8589,14 @@
     </p:spTree>
   </p:cSld>
   <p:clrMapOvr>
-    <a:masterClrMapping/>
+    <a:overrideClrMapping bg1="lt1" tx1="dk1" bg2="lt2" tx2="dk2" accent1="accent1" accent2="accent2" accent3="accent3" accent4="accent4" accent5="accent5" accent6="accent6" hlink="hlink" folHlink="folHlink"/>
   </p:clrMapOvr>
 </p:sldLayout>
 </file>
 
-<file path=ppt/slideMasters/slideMaster1.xml><?xml version="1.0" encoding="utf-8"?>
-<p:sldMaster xmlns:a="http://schemas.openxmlformats.org/drawingml/2006/main" xmlns:r="http://schemas.openxmlformats.org/officeDocument/2006/relationships" xmlns:p="http://schemas.openxmlformats.org/presentationml/2006/main">
-  <p:cSld>
+<file path=ppt/slideLayouts/slideLayout9.xml><?xml version="1.0" encoding="utf-8"?>
+<p:sldLayout xmlns:a="http://schemas.openxmlformats.org/drawingml/2006/main" xmlns:r="http://schemas.openxmlformats.org/officeDocument/2006/relationships" xmlns:p="http://schemas.openxmlformats.org/presentationml/2006/main" showMasterSp="0" type="picTx" preserve="1">
+  <p:cSld name="タイトル付きの図">
     <p:bg>
       <p:bgRef idx="1002">
         <a:schemeClr val="bg1"/>
@@ -7873,7 +8618,1101 @@
       </p:grpSpPr>
       <p:sp>
         <p:nvSpPr>
-          <p:cNvPr id="2" name="Title Placeholder 1"/>
+          <p:cNvPr id="4" name="テキスト プレースホルダー 3"/>
+          <p:cNvSpPr>
+            <a:spLocks noGrp="1"/>
+          </p:cNvSpPr>
+          <p:nvPr>
+            <p:ph type="body" sz="half" idx="2"/>
+          </p:nvPr>
+        </p:nvSpPr>
+        <p:spPr>
+          <a:xfrm>
+            <a:off x="1141232" y="5443402"/>
+            <a:ext cx="7162800" cy="648232"/>
+          </a:xfrm>
+          <a:noFill/>
+        </p:spPr>
+        <p:txBody>
+          <a:bodyPr lIns="91440" tIns="0" rIns="91440" anchor="t"/>
+          <a:lstStyle>
+            <a:lvl1pPr marL="0" marR="18288" indent="0" algn="r">
+              <a:buNone/>
+              <a:defRPr sz="1400"/>
+            </a:lvl1pPr>
+            <a:lvl2pPr>
+              <a:defRPr sz="1200"/>
+            </a:lvl2pPr>
+            <a:lvl3pPr>
+              <a:defRPr sz="1000"/>
+            </a:lvl3pPr>
+            <a:lvl4pPr>
+              <a:defRPr sz="900"/>
+            </a:lvl4pPr>
+            <a:lvl5pPr>
+              <a:defRPr sz="900"/>
+            </a:lvl5pPr>
+            <a:extLst/>
+          </a:lstStyle>
+          <a:p>
+            <a:pPr lvl="0" eaLnBrk="1" latinLnBrk="0" hangingPunct="1"/>
+            <a:r>
+              <a:rPr kumimoji="0" lang="ja-JP" altLang="en-US" smtClean="0"/>
+              <a:t>マスター テキストの書式設定</a:t>
+            </a:r>
+          </a:p>
+        </p:txBody>
+      </p:sp>
+      <p:sp>
+        <p:nvSpPr>
+          <p:cNvPr id="3" name="図プレースホルダー 2"/>
+          <p:cNvSpPr>
+            <a:spLocks noGrp="1"/>
+          </p:cNvSpPr>
+          <p:nvPr>
+            <p:ph type="pic" idx="1"/>
+          </p:nvPr>
+        </p:nvSpPr>
+        <p:spPr>
+          <a:xfrm>
+            <a:off x="228600" y="189968"/>
+            <a:ext cx="8686800" cy="4389120"/>
+          </a:xfrm>
+          <a:prstGeom prst="rect">
+            <a:avLst/>
+          </a:prstGeom>
+          <a:solidFill>
+            <a:schemeClr val="bg2"/>
+          </a:solidFill>
+          <a:ln>
+            <a:solidFill>
+              <a:schemeClr val="bg1"/>
+            </a:solidFill>
+          </a:ln>
+          <a:effectLst>
+            <a:innerShdw blurRad="95250">
+              <a:srgbClr val="000000"/>
+            </a:innerShdw>
+          </a:effectLst>
+        </p:spPr>
+        <p:txBody>
+          <a:bodyPr/>
+          <a:lstStyle>
+            <a:lvl1pPr marL="0" indent="0">
+              <a:buNone/>
+              <a:defRPr sz="3200"/>
+            </a:lvl1pPr>
+            <a:extLst/>
+          </a:lstStyle>
+          <a:p>
+            <a:r>
+              <a:rPr kumimoji="0" lang="ja-JP" altLang="en-US" smtClean="0"/>
+              <a:t>アイコンをクリックして図を追加</a:t>
+            </a:r>
+            <a:endParaRPr kumimoji="0" lang="en-US" dirty="0"/>
+          </a:p>
+        </p:txBody>
+      </p:sp>
+      <p:sp>
+        <p:nvSpPr>
+          <p:cNvPr id="5" name="日付プレースホルダー 4"/>
+          <p:cNvSpPr>
+            <a:spLocks noGrp="1"/>
+          </p:cNvSpPr>
+          <p:nvPr>
+            <p:ph type="dt" sz="half" idx="10"/>
+          </p:nvPr>
+        </p:nvSpPr>
+        <p:spPr/>
+        <p:txBody>
+          <a:bodyPr/>
+          <a:lstStyle>
+            <a:lvl1pPr>
+              <a:defRPr>
+                <a:solidFill>
+                  <a:schemeClr val="tx1"/>
+                </a:solidFill>
+              </a:defRPr>
+            </a:lvl1pPr>
+            <a:extLst/>
+          </a:lstStyle>
+          <a:p>
+            <a:fld id="{3EAA3131-F9F4-449C-BDE8-BB1F9A4A5F54}" type="datetime1">
+              <a:rPr kumimoji="1" lang="ja-JP" altLang="en-US" smtClean="0"/>
+              <a:pPr/>
+              <a:t>2016/6/17</a:t>
+            </a:fld>
+            <a:endParaRPr kumimoji="1" lang="ja-JP" altLang="en-US"/>
+          </a:p>
+        </p:txBody>
+      </p:sp>
+      <p:sp>
+        <p:nvSpPr>
+          <p:cNvPr id="6" name="フッター プレースホルダー 5"/>
+          <p:cNvSpPr>
+            <a:spLocks noGrp="1"/>
+          </p:cNvSpPr>
+          <p:nvPr>
+            <p:ph type="ftr" sz="quarter" idx="11"/>
+          </p:nvPr>
+        </p:nvSpPr>
+        <p:spPr>
+          <a:xfrm>
+            <a:off x="4380072" y="6407944"/>
+            <a:ext cx="2350681" cy="365125"/>
+          </a:xfrm>
+        </p:spPr>
+        <p:txBody>
+          <a:bodyPr/>
+          <a:lstStyle>
+            <a:lvl1pPr>
+              <a:defRPr>
+                <a:solidFill>
+                  <a:schemeClr val="tx1"/>
+                </a:solidFill>
+              </a:defRPr>
+            </a:lvl1pPr>
+            <a:extLst/>
+          </a:lstStyle>
+          <a:p>
+            <a:endParaRPr kumimoji="1" lang="ja-JP" altLang="en-US"/>
+          </a:p>
+        </p:txBody>
+      </p:sp>
+      <p:sp>
+        <p:nvSpPr>
+          <p:cNvPr id="7" name="スライド番号プレースホルダー 6"/>
+          <p:cNvSpPr>
+            <a:spLocks noGrp="1"/>
+          </p:cNvSpPr>
+          <p:nvPr>
+            <p:ph type="sldNum" sz="quarter" idx="12"/>
+          </p:nvPr>
+        </p:nvSpPr>
+        <p:spPr/>
+        <p:txBody>
+          <a:bodyPr/>
+          <a:lstStyle>
+            <a:lvl1pPr>
+              <a:defRPr>
+                <a:solidFill>
+                  <a:schemeClr val="tx1"/>
+                </a:solidFill>
+              </a:defRPr>
+            </a:lvl1pPr>
+            <a:extLst/>
+          </a:lstStyle>
+          <a:p>
+            <a:fld id="{1B2C9F7E-80B6-4C3C-8A6C-643968CAB744}" type="slidenum">
+              <a:rPr kumimoji="1" lang="ja-JP" altLang="en-US" smtClean="0"/>
+              <a:pPr/>
+              <a:t>‹#›</a:t>
+            </a:fld>
+            <a:endParaRPr kumimoji="1" lang="ja-JP" altLang="en-US"/>
+          </a:p>
+        </p:txBody>
+      </p:sp>
+      <p:sp>
+        <p:nvSpPr>
+          <p:cNvPr id="2" name="タイトル 1"/>
+          <p:cNvSpPr>
+            <a:spLocks noGrp="1"/>
+          </p:cNvSpPr>
+          <p:nvPr>
+            <p:ph type="title"/>
+          </p:nvPr>
+        </p:nvSpPr>
+        <p:spPr>
+          <a:xfrm>
+            <a:off x="228600" y="4865122"/>
+            <a:ext cx="8075432" cy="562672"/>
+          </a:xfrm>
+          <a:noFill/>
+        </p:spPr>
+        <p:txBody>
+          <a:bodyPr anchor="t">
+            <a:sp3d prstMaterial="softEdge"/>
+          </a:bodyPr>
+          <a:lstStyle>
+            <a:lvl1pPr marR="0" algn="r">
+              <a:buNone/>
+              <a:defRPr sz="3000" b="0">
+                <a:solidFill>
+                  <a:schemeClr val="accent1"/>
+                </a:solidFill>
+                <a:effectLst>
+                  <a:outerShdw blurRad="50800" dist="25000" dir="5400000" algn="t" rotWithShape="0">
+                    <a:prstClr val="black">
+                      <a:alpha val="45000"/>
+                    </a:prstClr>
+                  </a:outerShdw>
+                </a:effectLst>
+              </a:defRPr>
+            </a:lvl1pPr>
+            <a:extLst/>
+          </a:lstStyle>
+          <a:p>
+            <a:r>
+              <a:rPr kumimoji="0" lang="ja-JP" altLang="en-US" smtClean="0"/>
+              <a:t>マスター タイトルの書式設定</a:t>
+            </a:r>
+            <a:endParaRPr kumimoji="0" lang="en-US"/>
+          </a:p>
+        </p:txBody>
+      </p:sp>
+      <p:sp>
+        <p:nvSpPr>
+          <p:cNvPr id="8" name="フリーフォーム 7"/>
+          <p:cNvSpPr>
+            <a:spLocks/>
+          </p:cNvSpPr>
+          <p:nvPr/>
+        </p:nvSpPr>
+        <p:spPr bwMode="auto">
+          <a:xfrm>
+            <a:off x="499273" y="5944936"/>
+            <a:ext cx="4940624" cy="921076"/>
+          </a:xfrm>
+          <a:custGeom>
+            <a:avLst>
+              <a:gd name="A1" fmla="val 0"/>
+              <a:gd name="A2" fmla="val 0"/>
+              <a:gd name="A3" fmla="val 0"/>
+              <a:gd name="A4" fmla="val 0"/>
+              <a:gd name="A5" fmla="val 0"/>
+              <a:gd name="A6" fmla="val 0"/>
+              <a:gd name="A7" fmla="val 0"/>
+              <a:gd name="A8" fmla="val 0"/>
+            </a:avLst>
+            <a:gdLst/>
+            <a:ahLst/>
+            <a:cxnLst>
+              <a:cxn ang="0">
+                <a:pos x="0" y="0"/>
+              </a:cxn>
+              <a:cxn ang="0">
+                <a:pos x="5760" y="0"/>
+              </a:cxn>
+              <a:cxn ang="0">
+                <a:pos x="5760" y="528"/>
+              </a:cxn>
+              <a:cxn ang="0">
+                <a:pos x="48" y="0"/>
+              </a:cxn>
+            </a:cxnLst>
+            <a:rect l="0" t="0" r="0" b="0"/>
+            <a:pathLst>
+              <a:path w="7485" h="337">
+                <a:moveTo>
+                  <a:pt x="0" y="2"/>
+                </a:moveTo>
+                <a:lnTo>
+                  <a:pt x="7485" y="337"/>
+                </a:lnTo>
+                <a:lnTo>
+                  <a:pt x="5558" y="337"/>
+                </a:lnTo>
+                <a:lnTo>
+                  <a:pt x="1" y="0"/>
+                </a:lnTo>
+              </a:path>
+            </a:pathLst>
+          </a:custGeom>
+          <a:solidFill>
+            <a:schemeClr val="accent1">
+              <a:tint val="65000"/>
+              <a:satMod val="115000"/>
+              <a:alpha val="40000"/>
+            </a:schemeClr>
+          </a:solidFill>
+          <a:ln w="9525" cap="flat" cmpd="sng" algn="ctr">
+            <a:noFill/>
+            <a:prstDash val="solid"/>
+            <a:round/>
+            <a:headEnd type="none" w="med" len="med"/>
+            <a:tailEnd type="none" w="med" len="med"/>
+          </a:ln>
+          <a:effectLst/>
+        </p:spPr>
+        <p:txBody>
+          <a:bodyPr vert="horz" wrap="square" lIns="91440" tIns="45720" rIns="91440" bIns="45720" anchor="t" compatLnSpc="1"/>
+          <a:lstStyle>
+            <a:extLst/>
+          </a:lstStyle>
+          <a:p>
+            <a:endParaRPr kumimoji="0" lang="en-US"/>
+          </a:p>
+        </p:txBody>
+      </p:sp>
+      <p:sp>
+        <p:nvSpPr>
+          <p:cNvPr id="9" name="フリーフォーム 8"/>
+          <p:cNvSpPr>
+            <a:spLocks/>
+          </p:cNvSpPr>
+          <p:nvPr/>
+        </p:nvSpPr>
+        <p:spPr bwMode="auto">
+          <a:xfrm>
+            <a:off x="485717" y="5939011"/>
+            <a:ext cx="3690451" cy="933450"/>
+          </a:xfrm>
+          <a:custGeom>
+            <a:avLst>
+              <a:gd name="A1" fmla="val 0"/>
+              <a:gd name="A2" fmla="val 0"/>
+              <a:gd name="A3" fmla="val 0"/>
+              <a:gd name="A4" fmla="val 0"/>
+              <a:gd name="A5" fmla="val 0"/>
+              <a:gd name="A6" fmla="val 0"/>
+              <a:gd name="A7" fmla="val 0"/>
+              <a:gd name="A8" fmla="val 0"/>
+            </a:avLst>
+            <a:gdLst/>
+            <a:ahLst/>
+            <a:cxnLst>
+              <a:cxn ang="0">
+                <a:pos x="0" y="0"/>
+              </a:cxn>
+              <a:cxn ang="0">
+                <a:pos x="5760" y="0"/>
+              </a:cxn>
+              <a:cxn ang="0">
+                <a:pos x="5760" y="528"/>
+              </a:cxn>
+              <a:cxn ang="0">
+                <a:pos x="48" y="0"/>
+              </a:cxn>
+            </a:cxnLst>
+            <a:rect l="0" t="0" r="0" b="0"/>
+            <a:pathLst>
+              <a:path w="5591" h="588">
+                <a:moveTo>
+                  <a:pt x="0" y="0"/>
+                </a:moveTo>
+                <a:lnTo>
+                  <a:pt x="5591" y="585"/>
+                </a:lnTo>
+                <a:lnTo>
+                  <a:pt x="4415" y="588"/>
+                </a:lnTo>
+                <a:lnTo>
+                  <a:pt x="12" y="4"/>
+                </a:lnTo>
+              </a:path>
+            </a:pathLst>
+          </a:custGeom>
+          <a:solidFill>
+            <a:srgbClr val="000000">
+              <a:alpha val="100000"/>
+            </a:srgbClr>
+          </a:solidFill>
+          <a:ln w="9525" cap="flat" cmpd="sng" algn="ctr">
+            <a:noFill/>
+            <a:prstDash val="solid"/>
+            <a:round/>
+            <a:headEnd type="none" w="med" len="med"/>
+            <a:tailEnd type="none" w="med" len="med"/>
+          </a:ln>
+          <a:effectLst/>
+        </p:spPr>
+        <p:txBody>
+          <a:bodyPr vert="horz" wrap="square" lIns="91440" tIns="45720" rIns="91440" bIns="45720" anchor="t" compatLnSpc="1"/>
+          <a:lstStyle>
+            <a:extLst/>
+          </a:lstStyle>
+          <a:p>
+            <a:endParaRPr kumimoji="0" lang="en-US"/>
+          </a:p>
+        </p:txBody>
+      </p:sp>
+      <p:sp>
+        <p:nvSpPr>
+          <p:cNvPr id="10" name="直角三角形 9"/>
+          <p:cNvSpPr>
+            <a:spLocks/>
+          </p:cNvSpPr>
+          <p:nvPr/>
+        </p:nvSpPr>
+        <p:spPr bwMode="auto">
+          <a:xfrm>
+            <a:off x="-6042" y="5791253"/>
+            <a:ext cx="3402314" cy="1080868"/>
+          </a:xfrm>
+          <a:prstGeom prst="rtTriangle">
+            <a:avLst/>
+          </a:prstGeom>
+          <a:blipFill>
+            <a:blip r:embed="rId2">
+              <a:alphaModFix amt="50000"/>
+            </a:blip>
+            <a:tile tx="0" ty="0" sx="50000" sy="50000" flip="none" algn="t"/>
+          </a:blipFill>
+          <a:ln w="12700" cap="rnd" cmpd="thickThin" algn="ctr">
+            <a:noFill/>
+            <a:prstDash val="solid"/>
+          </a:ln>
+          <a:effectLst>
+            <a:fillOverlay blend="mult">
+              <a:gradFill flip="none" rotWithShape="1">
+                <a:gsLst>
+                  <a:gs pos="0">
+                    <a:schemeClr val="accent1">
+                      <a:shade val="20000"/>
+                      <a:satMod val="176000"/>
+                      <a:alpha val="100000"/>
+                    </a:schemeClr>
+                  </a:gs>
+                  <a:gs pos="18000">
+                    <a:schemeClr val="accent1">
+                      <a:shade val="48000"/>
+                      <a:satMod val="153000"/>
+                      <a:alpha val="100000"/>
+                    </a:schemeClr>
+                  </a:gs>
+                  <a:gs pos="43000">
+                    <a:schemeClr val="accent1">
+                      <a:tint val="86000"/>
+                      <a:satMod val="149000"/>
+                      <a:alpha val="100000"/>
+                    </a:schemeClr>
+                  </a:gs>
+                  <a:gs pos="45000">
+                    <a:schemeClr val="accent1">
+                      <a:tint val="85000"/>
+                      <a:satMod val="150000"/>
+                      <a:alpha val="100000"/>
+                    </a:schemeClr>
+                  </a:gs>
+                  <a:gs pos="50000">
+                    <a:schemeClr val="accent1">
+                      <a:tint val="86000"/>
+                      <a:satMod val="149000"/>
+                      <a:alpha val="100000"/>
+                    </a:schemeClr>
+                  </a:gs>
+                  <a:gs pos="79000">
+                    <a:schemeClr val="accent1">
+                      <a:shade val="53000"/>
+                      <a:satMod val="150000"/>
+                      <a:alpha val="100000"/>
+                    </a:schemeClr>
+                  </a:gs>
+                  <a:gs pos="100000">
+                    <a:schemeClr val="accent1">
+                      <a:shade val="25000"/>
+                      <a:satMod val="170000"/>
+                      <a:alpha val="100000"/>
+                    </a:schemeClr>
+                  </a:gs>
+                </a:gsLst>
+                <a:lin ang="450000" scaled="1"/>
+                <a:tileRect/>
+              </a:gradFill>
+            </a:fillOverlay>
+          </a:effectLst>
+        </p:spPr>
+        <p:style>
+          <a:lnRef idx="3">
+            <a:schemeClr val="lt1"/>
+          </a:lnRef>
+          <a:fillRef idx="1">
+            <a:schemeClr val="accent1"/>
+          </a:fillRef>
+          <a:effectRef idx="1">
+            <a:schemeClr val="accent1"/>
+          </a:effectRef>
+          <a:fontRef idx="minor">
+            <a:schemeClr val="lt1"/>
+          </a:fontRef>
+        </p:style>
+        <p:txBody>
+          <a:bodyPr vert="horz" wrap="square" lIns="91440" tIns="45720" rIns="91440" bIns="45720" anchor="ctr" compatLnSpc="1"/>
+          <a:lstStyle>
+            <a:extLst/>
+          </a:lstStyle>
+          <a:p>
+            <a:pPr algn="ctr" eaLnBrk="1" latinLnBrk="0" hangingPunct="1"/>
+            <a:endParaRPr kumimoji="0" lang="en-US"/>
+          </a:p>
+        </p:txBody>
+      </p:sp>
+      <p:cxnSp>
+        <p:nvCxnSpPr>
+          <p:cNvPr id="11" name="直線コネクタ 10"/>
+          <p:cNvCxnSpPr/>
+          <p:nvPr/>
+        </p:nvCxnSpPr>
+        <p:spPr>
+          <a:xfrm>
+            <a:off x="-9237" y="5787738"/>
+            <a:ext cx="3405509" cy="1084383"/>
+          </a:xfrm>
+          <a:prstGeom prst="line">
+            <a:avLst/>
+          </a:prstGeom>
+          <a:noFill/>
+          <a:ln w="12065" cap="flat" cmpd="sng" algn="ctr">
+            <a:gradFill>
+              <a:gsLst>
+                <a:gs pos="45000">
+                  <a:schemeClr val="accent1">
+                    <a:tint val="70000"/>
+                    <a:satMod val="110000"/>
+                  </a:schemeClr>
+                </a:gs>
+                <a:gs pos="15000">
+                  <a:schemeClr val="accent1">
+                    <a:shade val="40000"/>
+                    <a:satMod val="110000"/>
+                  </a:schemeClr>
+                </a:gs>
+              </a:gsLst>
+              <a:lin ang="5400000" scaled="1"/>
+            </a:gradFill>
+            <a:prstDash val="solid"/>
+            <a:miter lim="800000"/>
+          </a:ln>
+          <a:effectLst/>
+        </p:spPr>
+        <p:style>
+          <a:lnRef idx="2">
+            <a:schemeClr val="accent1"/>
+          </a:lnRef>
+          <a:fillRef idx="0">
+            <a:schemeClr val="accent1"/>
+          </a:fillRef>
+          <a:effectRef idx="1">
+            <a:schemeClr val="accent1"/>
+          </a:effectRef>
+          <a:fontRef idx="minor">
+            <a:schemeClr val="tx1"/>
+          </a:fontRef>
+        </p:style>
+      </p:cxnSp>
+      <p:sp>
+        <p:nvSpPr>
+          <p:cNvPr id="12" name="山形 11"/>
+          <p:cNvSpPr/>
+          <p:nvPr/>
+        </p:nvSpPr>
+        <p:spPr>
+          <a:xfrm>
+            <a:off x="8664112" y="4988440"/>
+            <a:ext cx="182880" cy="228600"/>
+          </a:xfrm>
+          <a:prstGeom prst="chevron">
+            <a:avLst>
+              <a:gd name="adj" fmla="val 50000"/>
+            </a:avLst>
+          </a:prstGeom>
+          <a:gradFill flip="none" rotWithShape="1">
+            <a:gsLst>
+              <a:gs pos="0">
+                <a:schemeClr val="accent1">
+                  <a:shade val="60000"/>
+                  <a:satMod val="125000"/>
+                </a:schemeClr>
+              </a:gs>
+              <a:gs pos="72000">
+                <a:schemeClr val="accent1">
+                  <a:tint val="90000"/>
+                  <a:satMod val="138000"/>
+                </a:schemeClr>
+              </a:gs>
+              <a:gs pos="100000">
+                <a:schemeClr val="accent1">
+                  <a:tint val="76000"/>
+                  <a:satMod val="136000"/>
+                </a:schemeClr>
+              </a:gs>
+            </a:gsLst>
+            <a:lin ang="16200000" scaled="0"/>
+          </a:gradFill>
+          <a:ln w="3175" cap="rnd" cmpd="sng" algn="ctr">
+            <a:solidFill>
+              <a:schemeClr val="accent1">
+                <a:shade val="50000"/>
+              </a:schemeClr>
+            </a:solidFill>
+            <a:prstDash val="solid"/>
+          </a:ln>
+          <a:effectLst>
+            <a:outerShdw blurRad="50800" dist="25400" dir="5400000">
+              <a:srgbClr val="000000">
+                <a:alpha val="46000"/>
+              </a:srgbClr>
+            </a:outerShdw>
+          </a:effectLst>
+        </p:spPr>
+        <p:style>
+          <a:lnRef idx="1">
+            <a:schemeClr val="accent1"/>
+          </a:lnRef>
+          <a:fillRef idx="3">
+            <a:schemeClr val="accent1"/>
+          </a:fillRef>
+          <a:effectRef idx="2">
+            <a:schemeClr val="accent1"/>
+          </a:effectRef>
+          <a:fontRef idx="minor">
+            <a:schemeClr val="lt1"/>
+          </a:fontRef>
+        </p:style>
+        <p:txBody>
+          <a:bodyPr anchor="ctr"/>
+          <a:lstStyle>
+            <a:extLst/>
+          </a:lstStyle>
+          <a:p>
+            <a:pPr algn="l" eaLnBrk="1" latinLnBrk="0" hangingPunct="1"/>
+            <a:endParaRPr kumimoji="0" lang="en-US"/>
+          </a:p>
+        </p:txBody>
+      </p:sp>
+      <p:sp>
+        <p:nvSpPr>
+          <p:cNvPr id="13" name="山形 12"/>
+          <p:cNvSpPr/>
+          <p:nvPr/>
+        </p:nvSpPr>
+        <p:spPr>
+          <a:xfrm>
+            <a:off x="8477696" y="4988440"/>
+            <a:ext cx="182880" cy="228600"/>
+          </a:xfrm>
+          <a:prstGeom prst="chevron">
+            <a:avLst>
+              <a:gd name="adj" fmla="val 50000"/>
+            </a:avLst>
+          </a:prstGeom>
+          <a:gradFill flip="none" rotWithShape="1">
+            <a:gsLst>
+              <a:gs pos="0">
+                <a:schemeClr val="accent1">
+                  <a:shade val="60000"/>
+                  <a:satMod val="125000"/>
+                </a:schemeClr>
+              </a:gs>
+              <a:gs pos="72000">
+                <a:schemeClr val="accent1">
+                  <a:tint val="90000"/>
+                  <a:satMod val="138000"/>
+                </a:schemeClr>
+              </a:gs>
+              <a:gs pos="100000">
+                <a:schemeClr val="accent1">
+                  <a:tint val="76000"/>
+                  <a:satMod val="136000"/>
+                </a:schemeClr>
+              </a:gs>
+            </a:gsLst>
+            <a:lin ang="16200000" scaled="0"/>
+          </a:gradFill>
+          <a:ln w="3175" cap="rnd" cmpd="sng" algn="ctr">
+            <a:solidFill>
+              <a:schemeClr val="accent1">
+                <a:shade val="50000"/>
+              </a:schemeClr>
+            </a:solidFill>
+            <a:prstDash val="solid"/>
+          </a:ln>
+          <a:effectLst>
+            <a:outerShdw blurRad="50800" dist="25400" dir="5400000">
+              <a:srgbClr val="000000">
+                <a:alpha val="46000"/>
+              </a:srgbClr>
+            </a:outerShdw>
+          </a:effectLst>
+        </p:spPr>
+        <p:style>
+          <a:lnRef idx="1">
+            <a:schemeClr val="accent1"/>
+          </a:lnRef>
+          <a:fillRef idx="3">
+            <a:schemeClr val="accent1"/>
+          </a:fillRef>
+          <a:effectRef idx="2">
+            <a:schemeClr val="accent1"/>
+          </a:effectRef>
+          <a:fontRef idx="minor">
+            <a:schemeClr val="lt1"/>
+          </a:fontRef>
+        </p:style>
+        <p:txBody>
+          <a:bodyPr anchor="ctr"/>
+          <a:lstStyle>
+            <a:extLst/>
+          </a:lstStyle>
+          <a:p>
+            <a:pPr algn="l" eaLnBrk="1" latinLnBrk="0" hangingPunct="1"/>
+            <a:endParaRPr kumimoji="0" lang="en-US"/>
+          </a:p>
+        </p:txBody>
+      </p:sp>
+    </p:spTree>
+  </p:cSld>
+  <p:clrMapOvr>
+    <a:overrideClrMapping bg1="dk1" tx1="lt1" bg2="dk2" tx2="lt2" accent1="accent1" accent2="accent2" accent3="accent3" accent4="accent4" accent5="accent5" accent6="accent6" hlink="hlink" folHlink="folHlink"/>
+  </p:clrMapOvr>
+</p:sldLayout>
+</file>
+
+<file path=ppt/slideMasters/slideMaster1.xml><?xml version="1.0" encoding="utf-8"?>
+<p:sldMaster xmlns:a="http://schemas.openxmlformats.org/drawingml/2006/main" xmlns:r="http://schemas.openxmlformats.org/officeDocument/2006/relationships" xmlns:p="http://schemas.openxmlformats.org/presentationml/2006/main">
+  <p:cSld>
+    <p:bg>
+      <p:bgRef idx="1001">
+        <a:schemeClr val="bg1"/>
+      </p:bgRef>
+    </p:bg>
+    <p:spTree>
+      <p:nvGrpSpPr>
+        <p:cNvPr id="1" name=""/>
+        <p:cNvGrpSpPr/>
+        <p:nvPr/>
+      </p:nvGrpSpPr>
+      <p:grpSpPr>
+        <a:xfrm>
+          <a:off x="0" y="0"/>
+          <a:ext cx="0" cy="0"/>
+          <a:chOff x="0" y="0"/>
+          <a:chExt cx="0" cy="0"/>
+        </a:xfrm>
+      </p:grpSpPr>
+      <p:sp>
+        <p:nvSpPr>
+          <p:cNvPr id="13" name="フリーフォーム 12"/>
+          <p:cNvSpPr>
+            <a:spLocks/>
+          </p:cNvSpPr>
+          <p:nvPr/>
+        </p:nvSpPr>
+        <p:spPr bwMode="auto">
+          <a:xfrm>
+            <a:off x="499273" y="5944936"/>
+            <a:ext cx="4940624" cy="921076"/>
+          </a:xfrm>
+          <a:custGeom>
+            <a:avLst>
+              <a:gd name="A1" fmla="val 0"/>
+              <a:gd name="A2" fmla="val 0"/>
+              <a:gd name="A3" fmla="val 0"/>
+              <a:gd name="A4" fmla="val 0"/>
+              <a:gd name="A5" fmla="val 0"/>
+              <a:gd name="A6" fmla="val 0"/>
+              <a:gd name="A7" fmla="val 0"/>
+              <a:gd name="A8" fmla="val 0"/>
+            </a:avLst>
+            <a:gdLst/>
+            <a:ahLst/>
+            <a:cxnLst>
+              <a:cxn ang="0">
+                <a:pos x="0" y="0"/>
+              </a:cxn>
+              <a:cxn ang="0">
+                <a:pos x="5760" y="0"/>
+              </a:cxn>
+              <a:cxn ang="0">
+                <a:pos x="5760" y="528"/>
+              </a:cxn>
+              <a:cxn ang="0">
+                <a:pos x="48" y="0"/>
+              </a:cxn>
+            </a:cxnLst>
+            <a:rect l="0" t="0" r="0" b="0"/>
+            <a:pathLst>
+              <a:path w="7485" h="337">
+                <a:moveTo>
+                  <a:pt x="0" y="2"/>
+                </a:moveTo>
+                <a:lnTo>
+                  <a:pt x="7485" y="337"/>
+                </a:lnTo>
+                <a:lnTo>
+                  <a:pt x="5558" y="337"/>
+                </a:lnTo>
+                <a:lnTo>
+                  <a:pt x="1" y="0"/>
+                </a:lnTo>
+              </a:path>
+            </a:pathLst>
+          </a:custGeom>
+          <a:solidFill>
+            <a:schemeClr val="accent1">
+              <a:tint val="65000"/>
+              <a:satMod val="115000"/>
+              <a:alpha val="40000"/>
+            </a:schemeClr>
+          </a:solidFill>
+          <a:ln w="9525" cap="flat" cmpd="sng" algn="ctr">
+            <a:noFill/>
+            <a:prstDash val="solid"/>
+            <a:round/>
+            <a:headEnd type="none" w="med" len="med"/>
+            <a:tailEnd type="none" w="med" len="med"/>
+          </a:ln>
+          <a:effectLst/>
+        </p:spPr>
+        <p:txBody>
+          <a:bodyPr vert="horz" wrap="square" lIns="91440" tIns="45720" rIns="91440" bIns="45720" anchor="t" compatLnSpc="1"/>
+          <a:lstStyle>
+            <a:extLst/>
+          </a:lstStyle>
+          <a:p>
+            <a:endParaRPr kumimoji="0" lang="en-US"/>
+          </a:p>
+        </p:txBody>
+      </p:sp>
+      <p:sp>
+        <p:nvSpPr>
+          <p:cNvPr id="12" name="フリーフォーム 11"/>
+          <p:cNvSpPr>
+            <a:spLocks/>
+          </p:cNvSpPr>
+          <p:nvPr/>
+        </p:nvSpPr>
+        <p:spPr bwMode="auto">
+          <a:xfrm>
+            <a:off x="485717" y="5939011"/>
+            <a:ext cx="3690451" cy="933450"/>
+          </a:xfrm>
+          <a:custGeom>
+            <a:avLst>
+              <a:gd name="A1" fmla="val 0"/>
+              <a:gd name="A2" fmla="val 0"/>
+              <a:gd name="A3" fmla="val 0"/>
+              <a:gd name="A4" fmla="val 0"/>
+              <a:gd name="A5" fmla="val 0"/>
+              <a:gd name="A6" fmla="val 0"/>
+              <a:gd name="A7" fmla="val 0"/>
+              <a:gd name="A8" fmla="val 0"/>
+            </a:avLst>
+            <a:gdLst/>
+            <a:ahLst/>
+            <a:cxnLst>
+              <a:cxn ang="0">
+                <a:pos x="0" y="0"/>
+              </a:cxn>
+              <a:cxn ang="0">
+                <a:pos x="5760" y="0"/>
+              </a:cxn>
+              <a:cxn ang="0">
+                <a:pos x="5760" y="528"/>
+              </a:cxn>
+              <a:cxn ang="0">
+                <a:pos x="48" y="0"/>
+              </a:cxn>
+            </a:cxnLst>
+            <a:rect l="0" t="0" r="0" b="0"/>
+            <a:pathLst>
+              <a:path w="5591" h="588">
+                <a:moveTo>
+                  <a:pt x="0" y="0"/>
+                </a:moveTo>
+                <a:lnTo>
+                  <a:pt x="5591" y="585"/>
+                </a:lnTo>
+                <a:lnTo>
+                  <a:pt x="4415" y="588"/>
+                </a:lnTo>
+                <a:lnTo>
+                  <a:pt x="12" y="4"/>
+                </a:lnTo>
+              </a:path>
+            </a:pathLst>
+          </a:custGeom>
+          <a:solidFill>
+            <a:srgbClr val="000000">
+              <a:alpha val="100000"/>
+            </a:srgbClr>
+          </a:solidFill>
+          <a:ln w="9525" cap="flat" cmpd="sng" algn="ctr">
+            <a:noFill/>
+            <a:prstDash val="solid"/>
+            <a:round/>
+            <a:headEnd type="none" w="med" len="med"/>
+            <a:tailEnd type="none" w="med" len="med"/>
+          </a:ln>
+          <a:effectLst/>
+        </p:spPr>
+        <p:txBody>
+          <a:bodyPr vert="horz" wrap="square" lIns="91440" tIns="45720" rIns="91440" bIns="45720" anchor="t" compatLnSpc="1"/>
+          <a:lstStyle>
+            <a:extLst/>
+          </a:lstStyle>
+          <a:p>
+            <a:endParaRPr kumimoji="0" lang="en-US"/>
+          </a:p>
+        </p:txBody>
+      </p:sp>
+      <p:sp>
+        <p:nvSpPr>
+          <p:cNvPr id="14" name="直角三角形 13"/>
+          <p:cNvSpPr>
+            <a:spLocks/>
+          </p:cNvSpPr>
+          <p:nvPr/>
+        </p:nvSpPr>
+        <p:spPr bwMode="auto">
+          <a:xfrm>
+            <a:off x="-6042" y="5791253"/>
+            <a:ext cx="3402314" cy="1080868"/>
+          </a:xfrm>
+          <a:prstGeom prst="rtTriangle">
+            <a:avLst/>
+          </a:prstGeom>
+          <a:blipFill>
+            <a:blip r:embed="rId13">
+              <a:alphaModFix amt="50000"/>
+            </a:blip>
+            <a:tile tx="0" ty="0" sx="50000" sy="50000" flip="none" algn="t"/>
+          </a:blipFill>
+          <a:ln w="12700" cap="rnd" cmpd="thickThin" algn="ctr">
+            <a:noFill/>
+            <a:prstDash val="solid"/>
+          </a:ln>
+          <a:effectLst>
+            <a:fillOverlay blend="mult">
+              <a:gradFill flip="none" rotWithShape="1">
+                <a:gsLst>
+                  <a:gs pos="0">
+                    <a:schemeClr val="accent1">
+                      <a:shade val="20000"/>
+                      <a:satMod val="176000"/>
+                      <a:alpha val="100000"/>
+                    </a:schemeClr>
+                  </a:gs>
+                  <a:gs pos="18000">
+                    <a:schemeClr val="accent1">
+                      <a:shade val="48000"/>
+                      <a:satMod val="153000"/>
+                      <a:alpha val="100000"/>
+                    </a:schemeClr>
+                  </a:gs>
+                  <a:gs pos="43000">
+                    <a:schemeClr val="accent1">
+                      <a:tint val="86000"/>
+                      <a:satMod val="149000"/>
+                      <a:alpha val="100000"/>
+                    </a:schemeClr>
+                  </a:gs>
+                  <a:gs pos="45000">
+                    <a:schemeClr val="accent1">
+                      <a:tint val="85000"/>
+                      <a:satMod val="150000"/>
+                      <a:alpha val="100000"/>
+                    </a:schemeClr>
+                  </a:gs>
+                  <a:gs pos="50000">
+                    <a:schemeClr val="accent1">
+                      <a:tint val="86000"/>
+                      <a:satMod val="149000"/>
+                      <a:alpha val="100000"/>
+                    </a:schemeClr>
+                  </a:gs>
+                  <a:gs pos="79000">
+                    <a:schemeClr val="accent1">
+                      <a:shade val="53000"/>
+                      <a:satMod val="150000"/>
+                      <a:alpha val="100000"/>
+                    </a:schemeClr>
+                  </a:gs>
+                  <a:gs pos="100000">
+                    <a:schemeClr val="accent1">
+                      <a:shade val="25000"/>
+                      <a:satMod val="170000"/>
+                      <a:alpha val="100000"/>
+                    </a:schemeClr>
+                  </a:gs>
+                </a:gsLst>
+                <a:lin ang="450000" scaled="1"/>
+                <a:tileRect/>
+              </a:gradFill>
+            </a:fillOverlay>
+          </a:effectLst>
+        </p:spPr>
+        <p:style>
+          <a:lnRef idx="3">
+            <a:schemeClr val="lt1"/>
+          </a:lnRef>
+          <a:fillRef idx="1">
+            <a:schemeClr val="accent1"/>
+          </a:fillRef>
+          <a:effectRef idx="1">
+            <a:schemeClr val="accent1"/>
+          </a:effectRef>
+          <a:fontRef idx="minor">
+            <a:schemeClr val="lt1"/>
+          </a:fontRef>
+        </p:style>
+        <p:txBody>
+          <a:bodyPr vert="horz" wrap="square" lIns="91440" tIns="45720" rIns="91440" bIns="45720" anchor="ctr" compatLnSpc="1"/>
+          <a:lstStyle>
+            <a:extLst/>
+          </a:lstStyle>
+          <a:p>
+            <a:pPr algn="ctr" eaLnBrk="1" latinLnBrk="0" hangingPunct="1"/>
+            <a:endParaRPr kumimoji="0" lang="en-US"/>
+          </a:p>
+        </p:txBody>
+      </p:sp>
+      <p:cxnSp>
+        <p:nvCxnSpPr>
+          <p:cNvPr id="15" name="直線コネクタ 14"/>
+          <p:cNvCxnSpPr/>
+          <p:nvPr/>
+        </p:nvCxnSpPr>
+        <p:spPr>
+          <a:xfrm>
+            <a:off x="-9237" y="5787738"/>
+            <a:ext cx="3405509" cy="1084383"/>
+          </a:xfrm>
+          <a:prstGeom prst="line">
+            <a:avLst/>
+          </a:prstGeom>
+          <a:noFill/>
+          <a:ln w="12065" cap="flat" cmpd="sng" algn="ctr">
+            <a:gradFill>
+              <a:gsLst>
+                <a:gs pos="45000">
+                  <a:schemeClr val="accent1">
+                    <a:tint val="70000"/>
+                    <a:satMod val="110000"/>
+                  </a:schemeClr>
+                </a:gs>
+                <a:gs pos="15000">
+                  <a:schemeClr val="accent1">
+                    <a:shade val="40000"/>
+                    <a:satMod val="110000"/>
+                  </a:schemeClr>
+                </a:gs>
+              </a:gsLst>
+              <a:lin ang="5400000" scaled="1"/>
+            </a:gradFill>
+            <a:prstDash val="solid"/>
+            <a:miter lim="800000"/>
+          </a:ln>
+          <a:effectLst/>
+        </p:spPr>
+        <p:style>
+          <a:lnRef idx="2">
+            <a:schemeClr val="accent1"/>
+          </a:lnRef>
+          <a:fillRef idx="0">
+            <a:schemeClr val="accent1"/>
+          </a:fillRef>
+          <a:effectRef idx="1">
+            <a:schemeClr val="accent1"/>
+          </a:effectRef>
+          <a:fontRef idx="minor">
+            <a:schemeClr val="tx1"/>
+          </a:fontRef>
+        </p:style>
+      </p:cxnSp>
+      <p:sp>
+        <p:nvSpPr>
+          <p:cNvPr id="9" name="タイトル プレースホルダー 8"/>
           <p:cNvSpPr>
             <a:spLocks noGrp="1"/>
           </p:cNvSpPr>
@@ -7884,29 +9723,38 @@
         <p:spPr>
           <a:xfrm>
             <a:off x="457200" y="274638"/>
-            <a:ext cx="7620000" cy="1143000"/>
+            <a:ext cx="8229600" cy="1143000"/>
           </a:xfrm>
           <a:prstGeom prst="rect">
             <a:avLst/>
           </a:prstGeom>
         </p:spPr>
         <p:txBody>
-          <a:bodyPr vert="horz" lIns="91440" tIns="45720" rIns="91440" bIns="45720" rtlCol="0" anchor="ctr">
-            <a:noAutofit/>
+          <a:bodyPr vert="horz" anchor="ctr">
+            <a:normAutofit/>
+            <a:scene3d>
+              <a:camera prst="orthographicFront"/>
+              <a:lightRig rig="soft" dir="t"/>
+            </a:scene3d>
+            <a:sp3d prstMaterial="softEdge">
+              <a:bevelT w="25400" h="25400"/>
+            </a:sp3d>
           </a:bodyPr>
-          <a:lstStyle/>
+          <a:lstStyle>
+            <a:extLst/>
+          </a:lstStyle>
           <a:p>
             <a:r>
-              <a:rPr lang="ja-JP" altLang="en-US" smtClean="0"/>
+              <a:rPr kumimoji="0" lang="ja-JP" altLang="en-US" smtClean="0"/>
               <a:t>マスター タイトルの書式設定</a:t>
             </a:r>
-            <a:endParaRPr lang="en-US" dirty="0"/>
+            <a:endParaRPr kumimoji="0" lang="en-US"/>
           </a:p>
         </p:txBody>
       </p:sp>
       <p:sp>
         <p:nvSpPr>
-          <p:cNvPr id="3" name="Text Placeholder 2"/>
+          <p:cNvPr id="30" name="テキスト プレースホルダー 29"/>
           <p:cNvSpPr>
             <a:spLocks noGrp="1"/>
           </p:cNvSpPr>
@@ -7916,183 +9764,170 @@
         </p:nvSpPr>
         <p:spPr>
           <a:xfrm>
-            <a:off x="457200" y="1600200"/>
-            <a:ext cx="7620000" cy="4800600"/>
+            <a:off x="457200" y="1481328"/>
+            <a:ext cx="8229600" cy="4525963"/>
           </a:xfrm>
           <a:prstGeom prst="rect">
             <a:avLst/>
           </a:prstGeom>
         </p:spPr>
         <p:txBody>
-          <a:bodyPr vert="horz" lIns="91440" tIns="45720" rIns="91440" bIns="45720" rtlCol="0">
+          <a:bodyPr vert="horz">
             <a:normAutofit/>
           </a:bodyPr>
-          <a:lstStyle/>
+          <a:lstStyle>
+            <a:extLst/>
+          </a:lstStyle>
           <a:p>
-            <a:pPr lvl="0"/>
+            <a:pPr lvl="0" eaLnBrk="1" latinLnBrk="0" hangingPunct="1"/>
             <a:r>
-              <a:rPr lang="ja-JP" altLang="en-US" smtClean="0"/>
+              <a:rPr kumimoji="0" lang="ja-JP" altLang="en-US" smtClean="0"/>
               <a:t>マスター テキストの書式設定</a:t>
             </a:r>
           </a:p>
           <a:p>
-            <a:pPr lvl="1"/>
+            <a:pPr lvl="1" eaLnBrk="1" latinLnBrk="0" hangingPunct="1"/>
             <a:r>
-              <a:rPr lang="ja-JP" altLang="en-US" smtClean="0"/>
+              <a:rPr kumimoji="0" lang="ja-JP" altLang="en-US" smtClean="0"/>
               <a:t>第 </a:t>
             </a:r>
             <a:r>
-              <a:rPr lang="en-US" altLang="ja-JP" smtClean="0"/>
+              <a:rPr kumimoji="0" lang="en-US" altLang="ja-JP" smtClean="0"/>
               <a:t>2 </a:t>
             </a:r>
             <a:r>
-              <a:rPr lang="ja-JP" altLang="en-US" smtClean="0"/>
+              <a:rPr kumimoji="0" lang="ja-JP" altLang="en-US" smtClean="0"/>
               <a:t>レベル</a:t>
             </a:r>
           </a:p>
           <a:p>
-            <a:pPr lvl="2"/>
+            <a:pPr lvl="2" eaLnBrk="1" latinLnBrk="0" hangingPunct="1"/>
             <a:r>
-              <a:rPr lang="ja-JP" altLang="en-US" smtClean="0"/>
+              <a:rPr kumimoji="0" lang="ja-JP" altLang="en-US" smtClean="0"/>
               <a:t>第 </a:t>
             </a:r>
             <a:r>
-              <a:rPr lang="en-US" altLang="ja-JP" smtClean="0"/>
+              <a:rPr kumimoji="0" lang="en-US" altLang="ja-JP" smtClean="0"/>
               <a:t>3 </a:t>
             </a:r>
             <a:r>
-              <a:rPr lang="ja-JP" altLang="en-US" smtClean="0"/>
+              <a:rPr kumimoji="0" lang="ja-JP" altLang="en-US" smtClean="0"/>
               <a:t>レベル</a:t>
             </a:r>
           </a:p>
           <a:p>
-            <a:pPr lvl="3"/>
+            <a:pPr lvl="3" eaLnBrk="1" latinLnBrk="0" hangingPunct="1"/>
             <a:r>
-              <a:rPr lang="ja-JP" altLang="en-US" smtClean="0"/>
+              <a:rPr kumimoji="0" lang="ja-JP" altLang="en-US" smtClean="0"/>
               <a:t>第 </a:t>
             </a:r>
             <a:r>
-              <a:rPr lang="en-US" altLang="ja-JP" smtClean="0"/>
+              <a:rPr kumimoji="0" lang="en-US" altLang="ja-JP" smtClean="0"/>
               <a:t>4 </a:t>
             </a:r>
             <a:r>
-              <a:rPr lang="ja-JP" altLang="en-US" smtClean="0"/>
+              <a:rPr kumimoji="0" lang="ja-JP" altLang="en-US" smtClean="0"/>
               <a:t>レベル</a:t>
             </a:r>
           </a:p>
           <a:p>
-            <a:pPr lvl="4"/>
+            <a:pPr lvl="4" eaLnBrk="1" latinLnBrk="0" hangingPunct="1"/>
             <a:r>
-              <a:rPr lang="ja-JP" altLang="en-US" smtClean="0"/>
+              <a:rPr kumimoji="0" lang="ja-JP" altLang="en-US" smtClean="0"/>
               <a:t>第 </a:t>
             </a:r>
             <a:r>
-              <a:rPr lang="en-US" altLang="ja-JP" smtClean="0"/>
+              <a:rPr kumimoji="0" lang="en-US" altLang="ja-JP" smtClean="0"/>
               <a:t>5 </a:t>
             </a:r>
             <a:r>
-              <a:rPr lang="ja-JP" altLang="en-US" smtClean="0"/>
+              <a:rPr kumimoji="0" lang="ja-JP" altLang="en-US" smtClean="0"/>
               <a:t>レベル</a:t>
             </a:r>
-            <a:endParaRPr lang="en-US" dirty="0"/>
+            <a:endParaRPr kumimoji="0" lang="en-US"/>
           </a:p>
         </p:txBody>
       </p:sp>
       <p:sp>
         <p:nvSpPr>
-          <p:cNvPr id="7" name="Rectangle 6"/>
-          <p:cNvSpPr/>
-          <p:nvPr/>
+          <p:cNvPr id="10" name="日付プレースホルダー 9"/>
+          <p:cNvSpPr>
+            <a:spLocks noGrp="1"/>
+          </p:cNvSpPr>
+          <p:nvPr>
+            <p:ph type="dt" sz="half" idx="2"/>
+          </p:nvPr>
         </p:nvSpPr>
         <p:spPr>
           <a:xfrm>
-            <a:off x="8458200" y="0"/>
-            <a:ext cx="685800" cy="6858000"/>
+            <a:off x="6727032" y="6407944"/>
+            <a:ext cx="1920240" cy="365760"/>
           </a:xfrm>
           <a:prstGeom prst="rect">
             <a:avLst/>
           </a:prstGeom>
-          <a:solidFill>
-            <a:schemeClr val="tx2"/>
-          </a:solidFill>
-          <a:ln>
-            <a:noFill/>
-          </a:ln>
         </p:spPr>
-        <p:style>
-          <a:lnRef idx="2">
-            <a:schemeClr val="accent1">
-              <a:shade val="50000"/>
-            </a:schemeClr>
-          </a:lnRef>
-          <a:fillRef idx="1">
-            <a:schemeClr val="accent1"/>
-          </a:fillRef>
-          <a:effectRef idx="0">
-            <a:schemeClr val="accent1"/>
-          </a:effectRef>
-          <a:fontRef idx="minor">
-            <a:schemeClr val="lt1"/>
-          </a:fontRef>
-        </p:style>
         <p:txBody>
-          <a:bodyPr rtlCol="0" anchor="ctr"/>
-          <a:lstStyle/>
+          <a:bodyPr vert="horz" anchor="b"/>
+          <a:lstStyle>
+            <a:lvl1pPr algn="l" eaLnBrk="1" latinLnBrk="0" hangingPunct="1">
+              <a:defRPr kumimoji="0" sz="1000">
+                <a:solidFill>
+                  <a:schemeClr val="tx1"/>
+                </a:solidFill>
+              </a:defRPr>
+            </a:lvl1pPr>
+            <a:extLst/>
+          </a:lstStyle>
           <a:p>
-            <a:pPr algn="ctr"/>
-            <a:endParaRPr lang="en-US"/>
+            <a:fld id="{AF63582A-B701-4162-B5A3-BBEF2FB928E9}" type="datetime1">
+              <a:rPr kumimoji="1" lang="ja-JP" altLang="en-US" smtClean="0"/>
+              <a:pPr/>
+              <a:t>2016/6/17</a:t>
+            </a:fld>
+            <a:endParaRPr kumimoji="1" lang="ja-JP" altLang="en-US"/>
           </a:p>
         </p:txBody>
       </p:sp>
       <p:sp>
         <p:nvSpPr>
-          <p:cNvPr id="8" name="Rectangle 7"/>
-          <p:cNvSpPr/>
-          <p:nvPr/>
+          <p:cNvPr id="22" name="フッター プレースホルダー 21"/>
+          <p:cNvSpPr>
+            <a:spLocks noGrp="1"/>
+          </p:cNvSpPr>
+          <p:nvPr>
+            <p:ph type="ftr" sz="quarter" idx="3"/>
+          </p:nvPr>
         </p:nvSpPr>
         <p:spPr>
           <a:xfrm>
-            <a:off x="8458200" y="5486400"/>
-            <a:ext cx="685800" cy="685800"/>
+            <a:off x="4380072" y="6407944"/>
+            <a:ext cx="2350681" cy="365125"/>
           </a:xfrm>
           <a:prstGeom prst="rect">
             <a:avLst/>
           </a:prstGeom>
-          <a:solidFill>
-            <a:schemeClr val="accent1"/>
-          </a:solidFill>
-          <a:ln>
-            <a:noFill/>
-          </a:ln>
         </p:spPr>
-        <p:style>
-          <a:lnRef idx="2">
-            <a:schemeClr val="accent1">
-              <a:shade val="50000"/>
-            </a:schemeClr>
-          </a:lnRef>
-          <a:fillRef idx="1">
-            <a:schemeClr val="accent1"/>
-          </a:fillRef>
-          <a:effectRef idx="0">
-            <a:schemeClr val="accent1"/>
-          </a:effectRef>
-          <a:fontRef idx="minor">
-            <a:schemeClr val="lt1"/>
-          </a:fontRef>
-        </p:style>
         <p:txBody>
-          <a:bodyPr rtlCol="0" anchor="ctr"/>
-          <a:lstStyle/>
+          <a:bodyPr vert="horz" anchor="b"/>
+          <a:lstStyle>
+            <a:lvl1pPr algn="r" eaLnBrk="1" latinLnBrk="0" hangingPunct="1">
+              <a:defRPr kumimoji="0" sz="1000">
+                <a:solidFill>
+                  <a:schemeClr val="tx1"/>
+                </a:solidFill>
+              </a:defRPr>
+            </a:lvl1pPr>
+            <a:extLst/>
+          </a:lstStyle>
           <a:p>
-            <a:pPr algn="ctr"/>
-            <a:endParaRPr lang="en-US"/>
+            <a:endParaRPr kumimoji="1" lang="ja-JP" altLang="en-US"/>
           </a:p>
         </p:txBody>
       </p:sp>
       <p:sp>
         <p:nvSpPr>
-          <p:cNvPr id="6" name="Slide Number Placeholder 5"/>
+          <p:cNvPr id="18" name="スライド番号プレースホルダー 17"/>
           <p:cNvSpPr>
             <a:spLocks noGrp="1"/>
           </p:cNvSpPr>
@@ -8102,111 +9937,30 @@
         </p:nvSpPr>
         <p:spPr>
           <a:xfrm>
-            <a:off x="8531788" y="5648960"/>
-            <a:ext cx="548640" cy="396240"/>
-          </a:xfrm>
-          <a:prstGeom prst="bracketPair">
-            <a:avLst>
-              <a:gd name="adj" fmla="val 17949"/>
-            </a:avLst>
-          </a:prstGeom>
-          <a:ln w="19050">
-            <a:solidFill>
-              <a:srgbClr val="FFFFFF"/>
-            </a:solidFill>
-          </a:ln>
-        </p:spPr>
-        <p:txBody>
-          <a:bodyPr vert="horz" lIns="0" tIns="0" rIns="0" bIns="0" rtlCol="0" anchor="ctr"/>
-          <a:lstStyle>
-            <a:lvl1pPr algn="ctr">
-              <a:defRPr sz="1800">
-                <a:solidFill>
-                  <a:srgbClr val="FFFFFF"/>
-                </a:solidFill>
-              </a:defRPr>
-            </a:lvl1pPr>
-          </a:lstStyle>
-          <a:p>
-            <a:fld id="{1B2C9F7E-80B6-4C3C-8A6C-643968CAB744}" type="slidenum">
-              <a:rPr kumimoji="1" lang="ja-JP" altLang="en-US" smtClean="0"/>
-              <a:pPr/>
-              <a:t>&lt;#&gt;</a:t>
-            </a:fld>
-            <a:endParaRPr kumimoji="1" lang="ja-JP" altLang="en-US"/>
-          </a:p>
-        </p:txBody>
-      </p:sp>
-      <p:sp>
-        <p:nvSpPr>
-          <p:cNvPr id="5" name="Footer Placeholder 4"/>
-          <p:cNvSpPr>
-            <a:spLocks noGrp="1"/>
-          </p:cNvSpPr>
-          <p:nvPr>
-            <p:ph type="ftr" sz="quarter" idx="3"/>
-          </p:nvPr>
-        </p:nvSpPr>
-        <p:spPr>
-          <a:xfrm rot="16200000">
-            <a:off x="7586910" y="4048760"/>
-            <a:ext cx="2367281" cy="365760"/>
+            <a:off x="8647272" y="6407944"/>
+            <a:ext cx="365760" cy="365125"/>
           </a:xfrm>
           <a:prstGeom prst="rect">
             <a:avLst/>
           </a:prstGeom>
         </p:spPr>
         <p:txBody>
-          <a:bodyPr vert="horz" lIns="91440" tIns="45720" rIns="91440" bIns="45720" rtlCol="0" anchor="ctr"/>
+          <a:bodyPr vert="horz" anchor="b"/>
           <a:lstStyle>
-            <a:lvl1pPr algn="r">
-              <a:defRPr sz="1200">
+            <a:lvl1pPr algn="r" eaLnBrk="1" latinLnBrk="0" hangingPunct="1">
+              <a:defRPr kumimoji="0" sz="1000" b="0">
                 <a:solidFill>
-                  <a:schemeClr val="bg2"/>
+                  <a:schemeClr val="tx1"/>
                 </a:solidFill>
               </a:defRPr>
             </a:lvl1pPr>
+            <a:extLst/>
           </a:lstStyle>
           <a:p>
-            <a:endParaRPr kumimoji="1" lang="ja-JP" altLang="en-US"/>
-          </a:p>
-        </p:txBody>
-      </p:sp>
-      <p:sp>
-        <p:nvSpPr>
-          <p:cNvPr id="4" name="Date Placeholder 3"/>
-          <p:cNvSpPr>
-            <a:spLocks noGrp="1"/>
-          </p:cNvSpPr>
-          <p:nvPr>
-            <p:ph type="dt" sz="half" idx="2"/>
-          </p:nvPr>
-        </p:nvSpPr>
-        <p:spPr>
-          <a:xfrm rot="16200000">
-            <a:off x="7551351" y="1645920"/>
-            <a:ext cx="2438399" cy="365760"/>
-          </a:xfrm>
-          <a:prstGeom prst="rect">
-            <a:avLst/>
-          </a:prstGeom>
-        </p:spPr>
-        <p:txBody>
-          <a:bodyPr vert="horz" lIns="91440" tIns="45720" rIns="91440" bIns="45720" rtlCol="0" anchor="ctr"/>
-          <a:lstStyle>
-            <a:lvl1pPr algn="l">
-              <a:defRPr sz="1200">
-                <a:solidFill>
-                  <a:schemeClr val="bg2"/>
-                </a:solidFill>
-              </a:defRPr>
-            </a:lvl1pPr>
-          </a:lstStyle>
-          <a:p>
-            <a:fld id="{AF63582A-B701-4162-B5A3-BBEF2FB928E9}" type="datetime1">
+            <a:fld id="{1B2C9F7E-80B6-4C3C-8A6C-643968CAB744}" type="slidenum">
               <a:rPr kumimoji="1" lang="ja-JP" altLang="en-US" smtClean="0"/>
               <a:pPr/>
-              <a:t>2016/6/16</a:t>
+              <a:t>‹#›</a:t>
             </a:fld>
             <a:endParaRPr kumimoji="1" lang="ja-JP" altLang="en-US"/>
           </a:p>
@@ -8216,58 +9970,59 @@
   </p:cSld>
   <p:clrMap bg1="lt1" tx1="dk1" bg2="lt2" tx2="dk2" accent1="accent1" accent2="accent2" accent3="accent3" accent4="accent4" accent5="accent5" accent6="accent6" hlink="hlink" folHlink="folHlink"/>
   <p:sldLayoutIdLst>
-    <p:sldLayoutId id="2147483661" r:id="rId1"/>
-    <p:sldLayoutId id="2147483662" r:id="rId2"/>
-    <p:sldLayoutId id="2147483663" r:id="rId3"/>
-    <p:sldLayoutId id="2147483664" r:id="rId4"/>
-    <p:sldLayoutId id="2147483665" r:id="rId5"/>
-    <p:sldLayoutId id="2147483666" r:id="rId6"/>
-    <p:sldLayoutId id="2147483667" r:id="rId7"/>
-    <p:sldLayoutId id="2147483668" r:id="rId8"/>
-    <p:sldLayoutId id="2147483669" r:id="rId9"/>
-    <p:sldLayoutId id="2147483670" r:id="rId10"/>
-    <p:sldLayoutId id="2147483671" r:id="rId11"/>
+    <p:sldLayoutId id="2147483673" r:id="rId1"/>
+    <p:sldLayoutId id="2147483674" r:id="rId2"/>
+    <p:sldLayoutId id="2147483675" r:id="rId3"/>
+    <p:sldLayoutId id="2147483676" r:id="rId4"/>
+    <p:sldLayoutId id="2147483677" r:id="rId5"/>
+    <p:sldLayoutId id="2147483678" r:id="rId6"/>
+    <p:sldLayoutId id="2147483679" r:id="rId7"/>
+    <p:sldLayoutId id="2147483680" r:id="rId8"/>
+    <p:sldLayoutId id="2147483681" r:id="rId9"/>
+    <p:sldLayoutId id="2147483682" r:id="rId10"/>
+    <p:sldLayoutId id="2147483683" r:id="rId11"/>
   </p:sldLayoutIdLst>
-  <p:timing>
-    <p:tnLst>
-      <p:par>
-        <p:cTn id="1" dur="indefinite" restart="never" nodeType="tmRoot"/>
-      </p:par>
-    </p:tnLst>
-  </p:timing>
   <p:hf hdr="0" ftr="0" dt="0"/>
   <p:txStyles>
     <p:titleStyle>
-      <a:lvl1pPr algn="l" defTabSz="914400" rtl="0" eaLnBrk="1" latinLnBrk="0" hangingPunct="1">
+      <a:lvl1pPr algn="l" rtl="0" eaLnBrk="1" latinLnBrk="0" hangingPunct="1">
         <a:spcBef>
           <a:spcPct val="0"/>
         </a:spcBef>
         <a:buNone/>
-        <a:defRPr kumimoji="1" sz="4600" kern="1200" cap="none" spc="-100" baseline="0">
-          <a:ln>
-            <a:noFill/>
-          </a:ln>
+        <a:defRPr kumimoji="1" sz="4100" b="1" kern="1200">
           <a:solidFill>
             <a:schemeClr val="tx2"/>
           </a:solidFill>
-          <a:effectLst/>
+          <a:effectLst>
+            <a:outerShdw blurRad="31750" dist="25400" dir="5400000" algn="tl" rotWithShape="0">
+              <a:srgbClr val="000000">
+                <a:alpha val="25000"/>
+              </a:srgbClr>
+            </a:outerShdw>
+          </a:effectLst>
           <a:latin typeface="+mj-lt"/>
           <a:ea typeface="+mj-ea"/>
           <a:cs typeface="+mj-cs"/>
         </a:defRPr>
       </a:lvl1pPr>
+      <a:extLst/>
     </p:titleStyle>
     <p:bodyStyle>
-      <a:lvl1pPr marL="342900" indent="-228600" algn="l" defTabSz="914400" rtl="0" eaLnBrk="1" latinLnBrk="0" hangingPunct="1">
+      <a:lvl1pPr marL="365760" indent="-256032" algn="l" rtl="0" eaLnBrk="1" latinLnBrk="0" hangingPunct="1">
         <a:spcBef>
-          <a:spcPct val="20000"/>
+          <a:spcPts val="400"/>
         </a:spcBef>
+        <a:spcAft>
+          <a:spcPts val="0"/>
+        </a:spcAft>
         <a:buClr>
           <a:schemeClr val="accent1"/>
         </a:buClr>
-        <a:buFont typeface="Arial" pitchFamily="34" charset="0"/>
-        <a:buChar char="•"/>
-        <a:defRPr kumimoji="1" sz="2200" kern="1200">
+        <a:buSzPct val="68000"/>
+        <a:buFont typeface="Wingdings 3"/>
+        <a:buChar char=""/>
+        <a:defRPr kumimoji="1" sz="2700" kern="1200">
           <a:solidFill>
             <a:schemeClr val="tx1"/>
           </a:solidFill>
@@ -8276,16 +10031,16 @@
           <a:cs typeface="+mn-cs"/>
         </a:defRPr>
       </a:lvl1pPr>
-      <a:lvl2pPr marL="640080" indent="-228600" algn="l" defTabSz="914400" rtl="0" eaLnBrk="1" latinLnBrk="0" hangingPunct="1">
+      <a:lvl2pPr marL="621792" indent="-228600" algn="l" rtl="0" eaLnBrk="1" latinLnBrk="0" hangingPunct="1">
         <a:spcBef>
-          <a:spcPct val="20000"/>
+          <a:spcPts val="324"/>
         </a:spcBef>
         <a:buClr>
-          <a:schemeClr val="accent2"/>
+          <a:schemeClr val="accent1"/>
         </a:buClr>
-        <a:buFont typeface="Arial" pitchFamily="34" charset="0"/>
-        <a:buChar char="•"/>
-        <a:defRPr kumimoji="1" sz="2000" kern="1200">
+        <a:buFont typeface="Verdana"/>
+        <a:buChar char="◦"/>
+        <a:defRPr kumimoji="1" sz="2300" kern="1200">
           <a:solidFill>
             <a:schemeClr val="tx1"/>
           </a:solidFill>
@@ -8294,16 +10049,17 @@
           <a:cs typeface="+mn-cs"/>
         </a:defRPr>
       </a:lvl2pPr>
-      <a:lvl3pPr marL="1005840" indent="-228600" algn="l" defTabSz="914400" rtl="0" eaLnBrk="1" latinLnBrk="0" hangingPunct="1">
+      <a:lvl3pPr marL="859536" indent="-228600" algn="l" rtl="0" eaLnBrk="1" latinLnBrk="0" hangingPunct="1">
         <a:spcBef>
-          <a:spcPct val="20000"/>
+          <a:spcPts val="350"/>
         </a:spcBef>
         <a:buClr>
-          <a:schemeClr val="accent3"/>
+          <a:schemeClr val="accent2"/>
         </a:buClr>
-        <a:buFont typeface="Arial" pitchFamily="34" charset="0"/>
-        <a:buChar char="•"/>
-        <a:defRPr kumimoji="1" sz="1800" kern="1200">
+        <a:buSzPct val="100000"/>
+        <a:buFont typeface="Wingdings 2"/>
+        <a:buChar char=""/>
+        <a:defRPr kumimoji="1" sz="2100" kern="1200">
           <a:solidFill>
             <a:schemeClr val="tx1"/>
           </a:solidFill>
@@ -8312,16 +10068,16 @@
           <a:cs typeface="+mn-cs"/>
         </a:defRPr>
       </a:lvl3pPr>
-      <a:lvl4pPr marL="1280160" indent="-228600" algn="l" defTabSz="914400" rtl="0" eaLnBrk="1" latinLnBrk="0" hangingPunct="1">
+      <a:lvl4pPr marL="1143000" indent="-228600" algn="l" rtl="0" eaLnBrk="1" latinLnBrk="0" hangingPunct="1">
         <a:spcBef>
-          <a:spcPct val="20000"/>
+          <a:spcPts val="350"/>
         </a:spcBef>
         <a:buClr>
-          <a:schemeClr val="accent4"/>
+          <a:schemeClr val="accent2"/>
         </a:buClr>
-        <a:buFont typeface="Arial" pitchFamily="34" charset="0"/>
-        <a:buChar char="•"/>
-        <a:defRPr kumimoji="1" sz="1600" kern="1200">
+        <a:buFont typeface="Wingdings 2"/>
+        <a:buChar char=""/>
+        <a:defRPr kumimoji="1" sz="1900" kern="1200">
           <a:solidFill>
             <a:schemeClr val="tx1"/>
           </a:solidFill>
@@ -8330,142 +10086,15 @@
           <a:cs typeface="+mn-cs"/>
         </a:defRPr>
       </a:lvl4pPr>
-      <a:lvl5pPr marL="1554480" indent="-228600" algn="l" defTabSz="914400" rtl="0" eaLnBrk="1" latinLnBrk="0" hangingPunct="1">
+      <a:lvl5pPr marL="1371600" indent="-228600" algn="l" rtl="0" eaLnBrk="1" latinLnBrk="0" hangingPunct="1">
         <a:spcBef>
-          <a:spcPct val="20000"/>
-        </a:spcBef>
-        <a:buClr>
-          <a:schemeClr val="accent5"/>
-        </a:buClr>
-        <a:buFont typeface="Arial" pitchFamily="34" charset="0"/>
-        <a:buChar char="•"/>
-        <a:defRPr kumimoji="1" sz="1400" kern="1200" baseline="0">
-          <a:solidFill>
-            <a:schemeClr val="tx1"/>
-          </a:solidFill>
-          <a:latin typeface="+mn-lt"/>
-          <a:ea typeface="+mn-ea"/>
-          <a:cs typeface="+mn-cs"/>
-        </a:defRPr>
-      </a:lvl5pPr>
-      <a:lvl6pPr marL="1737360" indent="-182880" algn="l" defTabSz="914400" rtl="0" eaLnBrk="1" latinLnBrk="0" hangingPunct="1">
-        <a:spcBef>
-          <a:spcPct val="20000"/>
-        </a:spcBef>
-        <a:buClr>
-          <a:schemeClr val="accent1"/>
-        </a:buClr>
-        <a:buFont typeface="Arial" pitchFamily="34" charset="0"/>
-        <a:buChar char="•"/>
-        <a:defRPr kumimoji="1" sz="1400" kern="1200" baseline="0">
-          <a:solidFill>
-            <a:schemeClr val="tx1"/>
-          </a:solidFill>
-          <a:latin typeface="+mn-lt"/>
-          <a:ea typeface="+mn-ea"/>
-          <a:cs typeface="+mn-cs"/>
-        </a:defRPr>
-      </a:lvl6pPr>
-      <a:lvl7pPr marL="1920240" indent="-182880" algn="l" defTabSz="914400" rtl="0" eaLnBrk="1" latinLnBrk="0" hangingPunct="1">
-        <a:spcBef>
-          <a:spcPct val="20000"/>
+          <a:spcPts val="350"/>
         </a:spcBef>
         <a:buClr>
           <a:schemeClr val="accent2"/>
         </a:buClr>
-        <a:buFont typeface="Arial" pitchFamily="34" charset="0"/>
-        <a:buChar char="•"/>
-        <a:defRPr kumimoji="1" sz="1400" kern="1200">
-          <a:solidFill>
-            <a:schemeClr val="tx1"/>
-          </a:solidFill>
-          <a:latin typeface="+mn-lt"/>
-          <a:ea typeface="+mn-ea"/>
-          <a:cs typeface="+mn-cs"/>
-        </a:defRPr>
-      </a:lvl7pPr>
-      <a:lvl8pPr marL="2103120" indent="-182880" algn="l" defTabSz="914400" rtl="0" eaLnBrk="1" latinLnBrk="0" hangingPunct="1">
-        <a:spcBef>
-          <a:spcPct val="20000"/>
-        </a:spcBef>
-        <a:buClr>
-          <a:schemeClr val="accent3"/>
-        </a:buClr>
-        <a:buFont typeface="Arial" pitchFamily="34" charset="0"/>
-        <a:buChar char="•"/>
-        <a:defRPr kumimoji="1" sz="1400" kern="1200">
-          <a:solidFill>
-            <a:schemeClr val="tx1"/>
-          </a:solidFill>
-          <a:latin typeface="+mn-lt"/>
-          <a:ea typeface="+mn-ea"/>
-          <a:cs typeface="+mn-cs"/>
-        </a:defRPr>
-      </a:lvl8pPr>
-      <a:lvl9pPr marL="2286000" indent="-182880" algn="l" defTabSz="914400" rtl="0" eaLnBrk="1" latinLnBrk="0" hangingPunct="1">
-        <a:spcBef>
-          <a:spcPct val="20000"/>
-        </a:spcBef>
-        <a:buClr>
-          <a:schemeClr val="accent4"/>
-        </a:buClr>
-        <a:buFont typeface="Arial" pitchFamily="34" charset="0"/>
-        <a:buChar char="•"/>
-        <a:defRPr kumimoji="1" sz="1400" kern="1200">
-          <a:solidFill>
-            <a:schemeClr val="tx1"/>
-          </a:solidFill>
-          <a:latin typeface="+mn-lt"/>
-          <a:ea typeface="+mn-ea"/>
-          <a:cs typeface="+mn-cs"/>
-        </a:defRPr>
-      </a:lvl9pPr>
-    </p:bodyStyle>
-    <p:otherStyle>
-      <a:defPPr>
-        <a:defRPr lang="en-US"/>
-      </a:defPPr>
-      <a:lvl1pPr marL="0" algn="l" defTabSz="914400" rtl="0" eaLnBrk="1" latinLnBrk="0" hangingPunct="1">
-        <a:defRPr kumimoji="1" sz="1800" kern="1200">
-          <a:solidFill>
-            <a:schemeClr val="tx1"/>
-          </a:solidFill>
-          <a:latin typeface="+mn-lt"/>
-          <a:ea typeface="+mn-ea"/>
-          <a:cs typeface="+mn-cs"/>
-        </a:defRPr>
-      </a:lvl1pPr>
-      <a:lvl2pPr marL="457200" algn="l" defTabSz="914400" rtl="0" eaLnBrk="1" latinLnBrk="0" hangingPunct="1">
-        <a:defRPr kumimoji="1" sz="1800" kern="1200">
-          <a:solidFill>
-            <a:schemeClr val="tx1"/>
-          </a:solidFill>
-          <a:latin typeface="+mn-lt"/>
-          <a:ea typeface="+mn-ea"/>
-          <a:cs typeface="+mn-cs"/>
-        </a:defRPr>
-      </a:lvl2pPr>
-      <a:lvl3pPr marL="914400" algn="l" defTabSz="914400" rtl="0" eaLnBrk="1" latinLnBrk="0" hangingPunct="1">
-        <a:defRPr kumimoji="1" sz="1800" kern="1200">
-          <a:solidFill>
-            <a:schemeClr val="tx1"/>
-          </a:solidFill>
-          <a:latin typeface="+mn-lt"/>
-          <a:ea typeface="+mn-ea"/>
-          <a:cs typeface="+mn-cs"/>
-        </a:defRPr>
-      </a:lvl3pPr>
-      <a:lvl4pPr marL="1371600" algn="l" defTabSz="914400" rtl="0" eaLnBrk="1" latinLnBrk="0" hangingPunct="1">
-        <a:defRPr kumimoji="1" sz="1800" kern="1200">
-          <a:solidFill>
-            <a:schemeClr val="tx1"/>
-          </a:solidFill>
-          <a:latin typeface="+mn-lt"/>
-          <a:ea typeface="+mn-ea"/>
-          <a:cs typeface="+mn-cs"/>
-        </a:defRPr>
-      </a:lvl4pPr>
-      <a:lvl5pPr marL="1828800" algn="l" defTabSz="914400" rtl="0" eaLnBrk="1" latinLnBrk="0" hangingPunct="1">
+        <a:buFont typeface="Wingdings 2"/>
+        <a:buChar char=""/>
         <a:defRPr kumimoji="1" sz="1800" kern="1200">
           <a:solidFill>
             <a:schemeClr val="tx1"/>
@@ -8475,7 +10104,15 @@
           <a:cs typeface="+mn-cs"/>
         </a:defRPr>
       </a:lvl5pPr>
-      <a:lvl6pPr marL="2286000" algn="l" defTabSz="914400" rtl="0" eaLnBrk="1" latinLnBrk="0" hangingPunct="1">
+      <a:lvl6pPr marL="1600200" indent="-228600" algn="l" rtl="0" eaLnBrk="1" latinLnBrk="0" hangingPunct="1">
+        <a:spcBef>
+          <a:spcPts val="350"/>
+        </a:spcBef>
+        <a:buClr>
+          <a:schemeClr val="accent3"/>
+        </a:buClr>
+        <a:buFont typeface="Wingdings 2"/>
+        <a:buChar char=""/>
         <a:defRPr kumimoji="1" sz="1800" kern="1200">
           <a:solidFill>
             <a:schemeClr val="tx1"/>
@@ -8485,8 +10122,16 @@
           <a:cs typeface="+mn-cs"/>
         </a:defRPr>
       </a:lvl6pPr>
-      <a:lvl7pPr marL="2743200" algn="l" defTabSz="914400" rtl="0" eaLnBrk="1" latinLnBrk="0" hangingPunct="1">
-        <a:defRPr kumimoji="1" sz="1800" kern="1200">
+      <a:lvl7pPr marL="1828800" indent="-228600" algn="l" rtl="0" eaLnBrk="1" latinLnBrk="0" hangingPunct="1">
+        <a:spcBef>
+          <a:spcPts val="350"/>
+        </a:spcBef>
+        <a:buClr>
+          <a:schemeClr val="accent3"/>
+        </a:buClr>
+        <a:buFont typeface="Wingdings 2"/>
+        <a:buChar char=""/>
+        <a:defRPr kumimoji="1" sz="1600" kern="1200">
           <a:solidFill>
             <a:schemeClr val="tx1"/>
           </a:solidFill>
@@ -8495,8 +10140,16 @@
           <a:cs typeface="+mn-cs"/>
         </a:defRPr>
       </a:lvl7pPr>
-      <a:lvl8pPr marL="3200400" algn="l" defTabSz="914400" rtl="0" eaLnBrk="1" latinLnBrk="0" hangingPunct="1">
-        <a:defRPr kumimoji="1" sz="1800" kern="1200">
+      <a:lvl8pPr marL="2057400" indent="-228600" algn="l" rtl="0" eaLnBrk="1" latinLnBrk="0" hangingPunct="1">
+        <a:spcBef>
+          <a:spcPts val="350"/>
+        </a:spcBef>
+        <a:buClr>
+          <a:schemeClr val="accent3"/>
+        </a:buClr>
+        <a:buFont typeface="Wingdings 2"/>
+        <a:buChar char=""/>
+        <a:defRPr kumimoji="1" sz="1600" kern="1200">
           <a:solidFill>
             <a:schemeClr val="tx1"/>
           </a:solidFill>
@@ -8505,8 +10158,16 @@
           <a:cs typeface="+mn-cs"/>
         </a:defRPr>
       </a:lvl8pPr>
-      <a:lvl9pPr marL="3657600" algn="l" defTabSz="914400" rtl="0" eaLnBrk="1" latinLnBrk="0" hangingPunct="1">
-        <a:defRPr kumimoji="1" sz="1800" kern="1200">
+      <a:lvl9pPr marL="2286000" indent="-228600" algn="l" rtl="0" eaLnBrk="1" latinLnBrk="0" hangingPunct="1">
+        <a:spcBef>
+          <a:spcPts val="350"/>
+        </a:spcBef>
+        <a:buClr>
+          <a:schemeClr val="accent3"/>
+        </a:buClr>
+        <a:buFont typeface="Wingdings 2"/>
+        <a:buChar char=""/>
+        <a:defRPr kumimoji="1" sz="1600" kern="1200" baseline="0">
           <a:solidFill>
             <a:schemeClr val="tx1"/>
           </a:solidFill>
@@ -8515,6 +10176,100 @@
           <a:cs typeface="+mn-cs"/>
         </a:defRPr>
       </a:lvl9pPr>
+      <a:extLst/>
+    </p:bodyStyle>
+    <p:otherStyle>
+      <a:lvl1pPr marL="0" algn="l" rtl="0" eaLnBrk="1" latinLnBrk="0" hangingPunct="1">
+        <a:defRPr kumimoji="1" kern="1200">
+          <a:solidFill>
+            <a:schemeClr val="tx1"/>
+          </a:solidFill>
+          <a:latin typeface="+mn-lt"/>
+          <a:ea typeface="+mn-ea"/>
+          <a:cs typeface="+mn-cs"/>
+        </a:defRPr>
+      </a:lvl1pPr>
+      <a:lvl2pPr marL="457200" algn="l" rtl="0" eaLnBrk="1" latinLnBrk="0" hangingPunct="1">
+        <a:defRPr kumimoji="1" kern="1200">
+          <a:solidFill>
+            <a:schemeClr val="tx1"/>
+          </a:solidFill>
+          <a:latin typeface="+mn-lt"/>
+          <a:ea typeface="+mn-ea"/>
+          <a:cs typeface="+mn-cs"/>
+        </a:defRPr>
+      </a:lvl2pPr>
+      <a:lvl3pPr marL="914400" algn="l" rtl="0" eaLnBrk="1" latinLnBrk="0" hangingPunct="1">
+        <a:defRPr kumimoji="1" kern="1200">
+          <a:solidFill>
+            <a:schemeClr val="tx1"/>
+          </a:solidFill>
+          <a:latin typeface="+mn-lt"/>
+          <a:ea typeface="+mn-ea"/>
+          <a:cs typeface="+mn-cs"/>
+        </a:defRPr>
+      </a:lvl3pPr>
+      <a:lvl4pPr marL="1371600" algn="l" rtl="0" eaLnBrk="1" latinLnBrk="0" hangingPunct="1">
+        <a:defRPr kumimoji="1" kern="1200">
+          <a:solidFill>
+            <a:schemeClr val="tx1"/>
+          </a:solidFill>
+          <a:latin typeface="+mn-lt"/>
+          <a:ea typeface="+mn-ea"/>
+          <a:cs typeface="+mn-cs"/>
+        </a:defRPr>
+      </a:lvl4pPr>
+      <a:lvl5pPr marL="1828800" algn="l" rtl="0" eaLnBrk="1" latinLnBrk="0" hangingPunct="1">
+        <a:defRPr kumimoji="1" kern="1200">
+          <a:solidFill>
+            <a:schemeClr val="tx1"/>
+          </a:solidFill>
+          <a:latin typeface="+mn-lt"/>
+          <a:ea typeface="+mn-ea"/>
+          <a:cs typeface="+mn-cs"/>
+        </a:defRPr>
+      </a:lvl5pPr>
+      <a:lvl6pPr marL="2286000" algn="l" rtl="0" eaLnBrk="1" latinLnBrk="0" hangingPunct="1">
+        <a:defRPr kumimoji="1" kern="1200">
+          <a:solidFill>
+            <a:schemeClr val="tx1"/>
+          </a:solidFill>
+          <a:latin typeface="+mn-lt"/>
+          <a:ea typeface="+mn-ea"/>
+          <a:cs typeface="+mn-cs"/>
+        </a:defRPr>
+      </a:lvl6pPr>
+      <a:lvl7pPr marL="2743200" algn="l" rtl="0" eaLnBrk="1" latinLnBrk="0" hangingPunct="1">
+        <a:defRPr kumimoji="1" kern="1200">
+          <a:solidFill>
+            <a:schemeClr val="tx1"/>
+          </a:solidFill>
+          <a:latin typeface="+mn-lt"/>
+          <a:ea typeface="+mn-ea"/>
+          <a:cs typeface="+mn-cs"/>
+        </a:defRPr>
+      </a:lvl7pPr>
+      <a:lvl8pPr marL="3200400" algn="l" rtl="0" eaLnBrk="1" latinLnBrk="0" hangingPunct="1">
+        <a:defRPr kumimoji="1" kern="1200">
+          <a:solidFill>
+            <a:schemeClr val="tx1"/>
+          </a:solidFill>
+          <a:latin typeface="+mn-lt"/>
+          <a:ea typeface="+mn-ea"/>
+          <a:cs typeface="+mn-cs"/>
+        </a:defRPr>
+      </a:lvl8pPr>
+      <a:lvl9pPr marL="3657600" algn="l" rtl="0" eaLnBrk="1" latinLnBrk="0" hangingPunct="1">
+        <a:defRPr kumimoji="1" kern="1200">
+          <a:solidFill>
+            <a:schemeClr val="tx1"/>
+          </a:solidFill>
+          <a:latin typeface="+mn-lt"/>
+          <a:ea typeface="+mn-ea"/>
+          <a:cs typeface="+mn-cs"/>
+        </a:defRPr>
+      </a:lvl9pPr>
+      <a:extLst/>
     </p:otherStyle>
   </p:txStyles>
 </p:sldMaster>
@@ -8610,7 +10365,7 @@
     </p:spTree>
     <p:extLst>
       <p:ext uri="{BB962C8B-B14F-4D97-AF65-F5344CB8AC3E}">
-        <p14:creationId xmlns:p14="http://schemas.microsoft.com/office/powerpoint/2010/main" xmlns="" val="1290919065"/>
+        <p14:creationId xmlns:p14="http://schemas.microsoft.com/office/powerpoint/2010/main" val="1290919065"/>
       </p:ext>
     </p:extLst>
   </p:cSld>
@@ -8644,37 +10399,6 @@
           <a:chExt cx="0" cy="0"/>
         </a:xfrm>
       </p:grpSpPr>
-      <p:sp>
-        <p:nvSpPr>
-          <p:cNvPr id="2" name="タイトル 1"/>
-          <p:cNvSpPr>
-            <a:spLocks noGrp="1"/>
-          </p:cNvSpPr>
-          <p:nvPr>
-            <p:ph type="title"/>
-          </p:nvPr>
-        </p:nvSpPr>
-        <p:spPr/>
-        <p:txBody>
-          <a:bodyPr/>
-          <a:lstStyle/>
-          <a:p>
-            <a:r>
-              <a:rPr kumimoji="1" lang="ja-JP" altLang="en-US" dirty="0" smtClean="0"/>
-              <a:t>５－２．画面</a:t>
-            </a:r>
-            <a:r>
-              <a:rPr lang="ja-JP" altLang="en-US" dirty="0" smtClean="0"/>
-              <a:t>／</a:t>
-            </a:r>
-            <a:r>
-              <a:rPr kumimoji="1" lang="ja-JP" altLang="en-US" dirty="0" smtClean="0"/>
-              <a:t>機能一覧</a:t>
-            </a:r>
-            <a:endParaRPr kumimoji="1" lang="ja-JP" altLang="en-US" dirty="0"/>
-          </a:p>
-        </p:txBody>
-      </p:sp>
       <p:graphicFrame>
         <p:nvGraphicFramePr>
           <p:cNvPr id="5" name="コンテンツ プレースホルダー 4"/>
@@ -8685,13 +10409,13 @@
             <p:ph idx="1"/>
             <p:extLst>
               <p:ext uri="{D42A27DB-BD31-4B8C-83A1-F6EECF244321}">
-                <p14:modId xmlns:p14="http://schemas.microsoft.com/office/powerpoint/2010/main" xmlns="" val="3965284707"/>
+                <p14:modId xmlns:p14="http://schemas.microsoft.com/office/powerpoint/2010/main" val="3338738591"/>
               </p:ext>
             </p:extLst>
           </p:nvPr>
         </p:nvGraphicFramePr>
         <p:xfrm>
-          <a:off x="323528" y="1484785"/>
+          <a:off x="601215" y="1484785"/>
           <a:ext cx="7931225" cy="3131628"/>
         </p:xfrm>
         <a:graphic>
@@ -9379,10 +11103,41 @@
           </a:p>
         </p:txBody>
       </p:sp>
+      <p:sp>
+        <p:nvSpPr>
+          <p:cNvPr id="2" name="タイトル 1"/>
+          <p:cNvSpPr>
+            <a:spLocks noGrp="1"/>
+          </p:cNvSpPr>
+          <p:nvPr>
+            <p:ph type="title"/>
+          </p:nvPr>
+        </p:nvSpPr>
+        <p:spPr/>
+        <p:txBody>
+          <a:bodyPr/>
+          <a:lstStyle/>
+          <a:p>
+            <a:r>
+              <a:rPr kumimoji="1" lang="ja-JP" altLang="en-US" dirty="0" smtClean="0"/>
+              <a:t>５－２．画面</a:t>
+            </a:r>
+            <a:r>
+              <a:rPr lang="ja-JP" altLang="en-US" dirty="0" smtClean="0"/>
+              <a:t>／</a:t>
+            </a:r>
+            <a:r>
+              <a:rPr kumimoji="1" lang="ja-JP" altLang="en-US" dirty="0" smtClean="0"/>
+              <a:t>機能一覧</a:t>
+            </a:r>
+            <a:endParaRPr kumimoji="1" lang="ja-JP" altLang="en-US" dirty="0"/>
+          </a:p>
+        </p:txBody>
+      </p:sp>
     </p:spTree>
     <p:extLst>
       <p:ext uri="{BB962C8B-B14F-4D97-AF65-F5344CB8AC3E}">
-        <p14:creationId xmlns:p14="http://schemas.microsoft.com/office/powerpoint/2010/main" xmlns="" val="192748555"/>
+        <p14:creationId xmlns:p14="http://schemas.microsoft.com/office/powerpoint/2010/main" val="192748555"/>
       </p:ext>
     </p:extLst>
   </p:cSld>
@@ -9418,6 +11173,30 @@
       </p:grpSpPr>
       <p:sp>
         <p:nvSpPr>
+          <p:cNvPr id="5" name="スライド番号プレースホルダー 4"/>
+          <p:cNvSpPr>
+            <a:spLocks noGrp="1"/>
+          </p:cNvSpPr>
+          <p:nvPr>
+            <p:ph type="sldNum" sz="quarter" idx="12"/>
+          </p:nvPr>
+        </p:nvSpPr>
+        <p:spPr/>
+        <p:txBody>
+          <a:bodyPr/>
+          <a:lstStyle/>
+          <a:p>
+            <a:fld id="{1B2C9F7E-80B6-4C3C-8A6C-643968CAB744}" type="slidenum">
+              <a:rPr kumimoji="1" lang="ja-JP" altLang="en-US" smtClean="0"/>
+              <a:pPr/>
+              <a:t>11</a:t>
+            </a:fld>
+            <a:endParaRPr kumimoji="1" lang="ja-JP" altLang="en-US"/>
+          </a:p>
+        </p:txBody>
+      </p:sp>
+      <p:sp>
+        <p:nvSpPr>
           <p:cNvPr id="2" name="タイトル 1"/>
           <p:cNvSpPr>
             <a:spLocks noGrp="1"/>
@@ -9443,30 +11222,6 @@
           </a:p>
         </p:txBody>
       </p:sp>
-      <p:sp>
-        <p:nvSpPr>
-          <p:cNvPr id="5" name="スライド番号プレースホルダー 4"/>
-          <p:cNvSpPr>
-            <a:spLocks noGrp="1"/>
-          </p:cNvSpPr>
-          <p:nvPr>
-            <p:ph type="sldNum" sz="quarter" idx="12"/>
-          </p:nvPr>
-        </p:nvSpPr>
-        <p:spPr/>
-        <p:txBody>
-          <a:bodyPr/>
-          <a:lstStyle/>
-          <a:p>
-            <a:fld id="{1B2C9F7E-80B6-4C3C-8A6C-643968CAB744}" type="slidenum">
-              <a:rPr kumimoji="1" lang="ja-JP" altLang="en-US" smtClean="0"/>
-              <a:pPr/>
-              <a:t>11</a:t>
-            </a:fld>
-            <a:endParaRPr kumimoji="1" lang="ja-JP" altLang="en-US"/>
-          </a:p>
-        </p:txBody>
-      </p:sp>
       <p:graphicFrame>
         <p:nvGraphicFramePr>
           <p:cNvPr id="11" name="表 10"/>
@@ -9476,13 +11231,13 @@
           <p:nvPr>
             <p:extLst>
               <p:ext uri="{D42A27DB-BD31-4B8C-83A1-F6EECF244321}">
-                <p14:modId xmlns:p14="http://schemas.microsoft.com/office/powerpoint/2010/main" xmlns="" val="840884989"/>
+                <p14:modId xmlns:p14="http://schemas.microsoft.com/office/powerpoint/2010/main" val="16913936"/>
               </p:ext>
             </p:extLst>
           </p:nvPr>
         </p:nvGraphicFramePr>
         <p:xfrm>
-          <a:off x="323527" y="1556792"/>
+          <a:off x="611560" y="1556792"/>
           <a:ext cx="7992888" cy="4032444"/>
         </p:xfrm>
         <a:graphic>
@@ -23939,7 +25694,7 @@
     </p:spTree>
     <p:extLst>
       <p:ext uri="{BB962C8B-B14F-4D97-AF65-F5344CB8AC3E}">
-        <p14:creationId xmlns:p14="http://schemas.microsoft.com/office/powerpoint/2010/main" xmlns="" val="1262519209"/>
+        <p14:creationId xmlns:p14="http://schemas.microsoft.com/office/powerpoint/2010/main" val="1262519209"/>
       </p:ext>
     </p:extLst>
   </p:cSld>
@@ -23973,29 +25728,6 @@
           <a:chExt cx="0" cy="0"/>
         </a:xfrm>
       </p:grpSpPr>
-      <p:sp>
-        <p:nvSpPr>
-          <p:cNvPr id="2" name="タイトル 1"/>
-          <p:cNvSpPr>
-            <a:spLocks noGrp="1"/>
-          </p:cNvSpPr>
-          <p:nvPr>
-            <p:ph type="title"/>
-          </p:nvPr>
-        </p:nvSpPr>
-        <p:spPr/>
-        <p:txBody>
-          <a:bodyPr/>
-          <a:lstStyle/>
-          <a:p>
-            <a:r>
-              <a:rPr kumimoji="1" lang="ja-JP" altLang="en-US" dirty="0" smtClean="0"/>
-              <a:t>メモ</a:t>
-            </a:r>
-            <a:endParaRPr kumimoji="1" lang="ja-JP" altLang="en-US" dirty="0"/>
-          </a:p>
-        </p:txBody>
-      </p:sp>
       <p:sp>
         <p:nvSpPr>
           <p:cNvPr id="3" name="コンテンツ プレースホルダー 2"/>
@@ -24066,10 +25798,33 @@
           </a:p>
         </p:txBody>
       </p:sp>
+      <p:sp>
+        <p:nvSpPr>
+          <p:cNvPr id="2" name="タイトル 1"/>
+          <p:cNvSpPr>
+            <a:spLocks noGrp="1"/>
+          </p:cNvSpPr>
+          <p:nvPr>
+            <p:ph type="title"/>
+          </p:nvPr>
+        </p:nvSpPr>
+        <p:spPr/>
+        <p:txBody>
+          <a:bodyPr/>
+          <a:lstStyle/>
+          <a:p>
+            <a:r>
+              <a:rPr kumimoji="1" lang="ja-JP" altLang="en-US" dirty="0" smtClean="0"/>
+              <a:t>メモ</a:t>
+            </a:r>
+            <a:endParaRPr kumimoji="1" lang="ja-JP" altLang="en-US" dirty="0"/>
+          </a:p>
+        </p:txBody>
+      </p:sp>
     </p:spTree>
     <p:extLst>
       <p:ext uri="{BB962C8B-B14F-4D97-AF65-F5344CB8AC3E}">
-        <p14:creationId xmlns:p14="http://schemas.microsoft.com/office/powerpoint/2010/main" xmlns="" val="1582328436"/>
+        <p14:creationId xmlns:p14="http://schemas.microsoft.com/office/powerpoint/2010/main" val="1582328436"/>
       </p:ext>
     </p:extLst>
   </p:cSld>
@@ -24115,7 +25870,7 @@
           <a:blip r:embed="rId2" cstate="print">
             <a:extLst>
               <a:ext uri="{28A0092B-C50C-407E-A947-70E740481C1C}">
-                <a14:useLocalDpi xmlns:a14="http://schemas.microsoft.com/office/drawing/2010/main" xmlns="" val="0"/>
+                <a14:useLocalDpi xmlns:a14="http://schemas.microsoft.com/office/drawing/2010/main" val="0"/>
               </a:ext>
             </a:extLst>
           </a:blip>
@@ -24135,7 +25890,7 @@
           <a:noFill/>
           <a:extLst>
             <a:ext uri="{909E8E84-426E-40DD-AFC4-6F175D3DCCD1}">
-              <a14:hiddenFill xmlns:a14="http://schemas.microsoft.com/office/drawing/2010/main" xmlns="">
+              <a14:hiddenFill xmlns:a14="http://schemas.microsoft.com/office/drawing/2010/main">
                 <a:solidFill>
                   <a:srgbClr val="FFFFFF"/>
                 </a:solidFill>
@@ -24171,7 +25926,7 @@
     </p:spTree>
     <p:extLst>
       <p:ext uri="{BB962C8B-B14F-4D97-AF65-F5344CB8AC3E}">
-        <p14:creationId xmlns:p14="http://schemas.microsoft.com/office/powerpoint/2010/main" xmlns="" val="981421116"/>
+        <p14:creationId xmlns:p14="http://schemas.microsoft.com/office/powerpoint/2010/main" val="981421116"/>
       </p:ext>
     </p:extLst>
   </p:cSld>
@@ -24205,29 +25960,6 @@
           <a:chExt cx="0" cy="0"/>
         </a:xfrm>
       </p:grpSpPr>
-      <p:sp>
-        <p:nvSpPr>
-          <p:cNvPr id="2" name="タイトル 1"/>
-          <p:cNvSpPr>
-            <a:spLocks noGrp="1"/>
-          </p:cNvSpPr>
-          <p:nvPr>
-            <p:ph type="title"/>
-          </p:nvPr>
-        </p:nvSpPr>
-        <p:spPr/>
-        <p:txBody>
-          <a:bodyPr/>
-          <a:lstStyle/>
-          <a:p>
-            <a:r>
-              <a:rPr kumimoji="1" lang="ja-JP" altLang="en-US" dirty="0" smtClean="0"/>
-              <a:t>目次</a:t>
-            </a:r>
-            <a:endParaRPr kumimoji="1" lang="ja-JP" altLang="en-US" dirty="0"/>
-          </a:p>
-        </p:txBody>
-      </p:sp>
       <p:sp>
         <p:nvSpPr>
           <p:cNvPr id="3" name="コンテンツ プレースホルダー 2"/>
@@ -24368,10 +26100,33 @@
           </a:p>
         </p:txBody>
       </p:sp>
+      <p:sp>
+        <p:nvSpPr>
+          <p:cNvPr id="2" name="タイトル 1"/>
+          <p:cNvSpPr>
+            <a:spLocks noGrp="1"/>
+          </p:cNvSpPr>
+          <p:nvPr>
+            <p:ph type="title"/>
+          </p:nvPr>
+        </p:nvSpPr>
+        <p:spPr/>
+        <p:txBody>
+          <a:bodyPr/>
+          <a:lstStyle/>
+          <a:p>
+            <a:r>
+              <a:rPr kumimoji="1" lang="ja-JP" altLang="en-US" dirty="0" smtClean="0"/>
+              <a:t>目次</a:t>
+            </a:r>
+            <a:endParaRPr kumimoji="1" lang="ja-JP" altLang="en-US" dirty="0"/>
+          </a:p>
+        </p:txBody>
+      </p:sp>
     </p:spTree>
     <p:extLst>
       <p:ext uri="{BB962C8B-B14F-4D97-AF65-F5344CB8AC3E}">
-        <p14:creationId xmlns:p14="http://schemas.microsoft.com/office/powerpoint/2010/main" xmlns="" val="625836834"/>
+        <p14:creationId xmlns:p14="http://schemas.microsoft.com/office/powerpoint/2010/main" val="625836834"/>
       </p:ext>
     </p:extLst>
   </p:cSld>
@@ -24407,6 +26162,30 @@
       </p:grpSpPr>
       <p:sp>
         <p:nvSpPr>
+          <p:cNvPr id="50" name="スライド番号プレースホルダー 49"/>
+          <p:cNvSpPr>
+            <a:spLocks noGrp="1"/>
+          </p:cNvSpPr>
+          <p:nvPr>
+            <p:ph type="sldNum" sz="quarter" idx="12"/>
+          </p:nvPr>
+        </p:nvSpPr>
+        <p:spPr/>
+        <p:txBody>
+          <a:bodyPr/>
+          <a:lstStyle/>
+          <a:p>
+            <a:fld id="{1B2C9F7E-80B6-4C3C-8A6C-643968CAB744}" type="slidenum">
+              <a:rPr kumimoji="1" lang="ja-JP" altLang="en-US" smtClean="0"/>
+              <a:pPr/>
+              <a:t>3</a:t>
+            </a:fld>
+            <a:endParaRPr kumimoji="1" lang="ja-JP" altLang="en-US"/>
+          </a:p>
+        </p:txBody>
+      </p:sp>
+      <p:sp>
+        <p:nvSpPr>
           <p:cNvPr id="2" name="タイトル 1"/>
           <p:cNvSpPr>
             <a:spLocks noGrp="1"/>
@@ -24440,7 +26219,7 @@
           <a:blip r:embed="rId2" cstate="print">
             <a:extLst>
               <a:ext uri="{28A0092B-C50C-407E-A947-70E740481C1C}">
-                <a14:useLocalDpi xmlns:a14="http://schemas.microsoft.com/office/drawing/2010/main" xmlns="" val="0"/>
+                <a14:useLocalDpi xmlns:a14="http://schemas.microsoft.com/office/drawing/2010/main" val="0"/>
               </a:ext>
             </a:extLst>
           </a:blip>
@@ -24460,7 +26239,7 @@
           <a:noFill/>
           <a:extLst>
             <a:ext uri="{909E8E84-426E-40DD-AFC4-6F175D3DCCD1}">
-              <a14:hiddenFill xmlns:a14="http://schemas.microsoft.com/office/drawing/2010/main" xmlns="">
+              <a14:hiddenFill xmlns:a14="http://schemas.microsoft.com/office/drawing/2010/main">
                 <a:solidFill>
                   <a:srgbClr val="FFFFFF"/>
                 </a:solidFill>
@@ -24481,7 +26260,7 @@
           <a:blip r:embed="rId3" cstate="print">
             <a:extLst>
               <a:ext uri="{28A0092B-C50C-407E-A947-70E740481C1C}">
-                <a14:useLocalDpi xmlns:a14="http://schemas.microsoft.com/office/drawing/2010/main" xmlns="" val="0"/>
+                <a14:useLocalDpi xmlns:a14="http://schemas.microsoft.com/office/drawing/2010/main" val="0"/>
               </a:ext>
             </a:extLst>
           </a:blip>
@@ -24501,7 +26280,7 @@
           <a:noFill/>
           <a:extLst>
             <a:ext uri="{909E8E84-426E-40DD-AFC4-6F175D3DCCD1}">
-              <a14:hiddenFill xmlns:a14="http://schemas.microsoft.com/office/drawing/2010/main" xmlns="">
+              <a14:hiddenFill xmlns:a14="http://schemas.microsoft.com/office/drawing/2010/main">
                 <a:solidFill>
                   <a:srgbClr val="FFFFFF"/>
                 </a:solidFill>
@@ -24522,7 +26301,7 @@
           <a:blip r:embed="rId4" cstate="print">
             <a:extLst>
               <a:ext uri="{28A0092B-C50C-407E-A947-70E740481C1C}">
-                <a14:useLocalDpi xmlns:a14="http://schemas.microsoft.com/office/drawing/2010/main" xmlns="" val="0"/>
+                <a14:useLocalDpi xmlns:a14="http://schemas.microsoft.com/office/drawing/2010/main" val="0"/>
               </a:ext>
             </a:extLst>
           </a:blip>
@@ -24542,7 +26321,7 @@
           <a:noFill/>
           <a:extLst>
             <a:ext uri="{909E8E84-426E-40DD-AFC4-6F175D3DCCD1}">
-              <a14:hiddenFill xmlns:a14="http://schemas.microsoft.com/office/drawing/2010/main" xmlns="">
+              <a14:hiddenFill xmlns:a14="http://schemas.microsoft.com/office/drawing/2010/main">
                 <a:solidFill>
                   <a:srgbClr val="FFFFFF"/>
                 </a:solidFill>
@@ -25149,7 +26928,7 @@
           <a:blip r:embed="rId5" cstate="print">
             <a:extLst>
               <a:ext uri="{28A0092B-C50C-407E-A947-70E740481C1C}">
-                <a14:useLocalDpi xmlns:a14="http://schemas.microsoft.com/office/drawing/2010/main" xmlns="" val="0"/>
+                <a14:useLocalDpi xmlns:a14="http://schemas.microsoft.com/office/drawing/2010/main" val="0"/>
               </a:ext>
             </a:extLst>
           </a:blip>
@@ -25169,7 +26948,7 @@
           <a:noFill/>
           <a:extLst>
             <a:ext uri="{909E8E84-426E-40DD-AFC4-6F175D3DCCD1}">
-              <a14:hiddenFill xmlns:a14="http://schemas.microsoft.com/office/drawing/2010/main" xmlns="">
+              <a14:hiddenFill xmlns:a14="http://schemas.microsoft.com/office/drawing/2010/main">
                 <a:solidFill>
                   <a:srgbClr val="FFFFFF"/>
                 </a:solidFill>
@@ -25407,7 +27186,7 @@
           <a:blip r:embed="rId6" cstate="print">
             <a:extLst>
               <a:ext uri="{28A0092B-C50C-407E-A947-70E740481C1C}">
-                <a14:useLocalDpi xmlns:a14="http://schemas.microsoft.com/office/drawing/2010/main" xmlns="" val="0"/>
+                <a14:useLocalDpi xmlns:a14="http://schemas.microsoft.com/office/drawing/2010/main" val="0"/>
               </a:ext>
             </a:extLst>
           </a:blip>
@@ -25427,7 +27206,7 @@
           <a:noFill/>
           <a:extLst>
             <a:ext uri="{909E8E84-426E-40DD-AFC4-6F175D3DCCD1}">
-              <a14:hiddenFill xmlns:a14="http://schemas.microsoft.com/office/drawing/2010/main" xmlns="">
+              <a14:hiddenFill xmlns:a14="http://schemas.microsoft.com/office/drawing/2010/main">
                 <a:solidFill>
                   <a:srgbClr val="FFFFFF"/>
                 </a:solidFill>
@@ -25436,30 +27215,6 @@
           </a:extLst>
         </p:spPr>
       </p:pic>
-      <p:sp>
-        <p:nvSpPr>
-          <p:cNvPr id="50" name="スライド番号プレースホルダー 49"/>
-          <p:cNvSpPr>
-            <a:spLocks noGrp="1"/>
-          </p:cNvSpPr>
-          <p:nvPr>
-            <p:ph type="sldNum" sz="quarter" idx="12"/>
-          </p:nvPr>
-        </p:nvSpPr>
-        <p:spPr/>
-        <p:txBody>
-          <a:bodyPr/>
-          <a:lstStyle/>
-          <a:p>
-            <a:fld id="{1B2C9F7E-80B6-4C3C-8A6C-643968CAB744}" type="slidenum">
-              <a:rPr kumimoji="1" lang="ja-JP" altLang="en-US" smtClean="0"/>
-              <a:pPr/>
-              <a:t>3</a:t>
-            </a:fld>
-            <a:endParaRPr kumimoji="1" lang="ja-JP" altLang="en-US"/>
-          </a:p>
-        </p:txBody>
-      </p:sp>
       <p:sp>
         <p:nvSpPr>
           <p:cNvPr id="54" name="テキスト ボックス 53"/>
@@ -25509,7 +27264,7 @@
           <a:blip r:embed="rId7" cstate="print">
             <a:extLst>
               <a:ext uri="{28A0092B-C50C-407E-A947-70E740481C1C}">
-                <a14:useLocalDpi xmlns:a14="http://schemas.microsoft.com/office/drawing/2010/main" xmlns="" val="0"/>
+                <a14:useLocalDpi xmlns:a14="http://schemas.microsoft.com/office/drawing/2010/main" val="0"/>
               </a:ext>
             </a:extLst>
           </a:blip>
@@ -25529,7 +27284,7 @@
           <a:noFill/>
           <a:extLst>
             <a:ext uri="{909E8E84-426E-40DD-AFC4-6F175D3DCCD1}">
-              <a14:hiddenFill xmlns:a14="http://schemas.microsoft.com/office/drawing/2010/main" xmlns="">
+              <a14:hiddenFill xmlns:a14="http://schemas.microsoft.com/office/drawing/2010/main">
                 <a:solidFill>
                   <a:srgbClr val="FFFFFF"/>
                 </a:solidFill>
@@ -25550,7 +27305,7 @@
           <a:blip r:embed="rId7" cstate="print">
             <a:extLst>
               <a:ext uri="{28A0092B-C50C-407E-A947-70E740481C1C}">
-                <a14:useLocalDpi xmlns:a14="http://schemas.microsoft.com/office/drawing/2010/main" xmlns="" val="0"/>
+                <a14:useLocalDpi xmlns:a14="http://schemas.microsoft.com/office/drawing/2010/main" val="0"/>
               </a:ext>
             </a:extLst>
           </a:blip>
@@ -25570,7 +27325,7 @@
           <a:noFill/>
           <a:extLst>
             <a:ext uri="{909E8E84-426E-40DD-AFC4-6F175D3DCCD1}">
-              <a14:hiddenFill xmlns:a14="http://schemas.microsoft.com/office/drawing/2010/main" xmlns="">
+              <a14:hiddenFill xmlns:a14="http://schemas.microsoft.com/office/drawing/2010/main">
                 <a:solidFill>
                   <a:srgbClr val="FFFFFF"/>
                 </a:solidFill>
@@ -25591,7 +27346,7 @@
           <a:blip r:embed="rId7" cstate="print">
             <a:extLst>
               <a:ext uri="{28A0092B-C50C-407E-A947-70E740481C1C}">
-                <a14:useLocalDpi xmlns:a14="http://schemas.microsoft.com/office/drawing/2010/main" xmlns="" val="0"/>
+                <a14:useLocalDpi xmlns:a14="http://schemas.microsoft.com/office/drawing/2010/main" val="0"/>
               </a:ext>
             </a:extLst>
           </a:blip>
@@ -25611,7 +27366,7 @@
           <a:noFill/>
           <a:extLst>
             <a:ext uri="{909E8E84-426E-40DD-AFC4-6F175D3DCCD1}">
-              <a14:hiddenFill xmlns:a14="http://schemas.microsoft.com/office/drawing/2010/main" xmlns="">
+              <a14:hiddenFill xmlns:a14="http://schemas.microsoft.com/office/drawing/2010/main">
                 <a:solidFill>
                   <a:srgbClr val="FFFFFF"/>
                 </a:solidFill>
@@ -25632,7 +27387,7 @@
           <a:blip r:embed="rId7" cstate="print">
             <a:extLst>
               <a:ext uri="{28A0092B-C50C-407E-A947-70E740481C1C}">
-                <a14:useLocalDpi xmlns:a14="http://schemas.microsoft.com/office/drawing/2010/main" xmlns="" val="0"/>
+                <a14:useLocalDpi xmlns:a14="http://schemas.microsoft.com/office/drawing/2010/main" val="0"/>
               </a:ext>
             </a:extLst>
           </a:blip>
@@ -25652,7 +27407,7 @@
           <a:noFill/>
           <a:extLst>
             <a:ext uri="{909E8E84-426E-40DD-AFC4-6F175D3DCCD1}">
-              <a14:hiddenFill xmlns:a14="http://schemas.microsoft.com/office/drawing/2010/main" xmlns="">
+              <a14:hiddenFill xmlns:a14="http://schemas.microsoft.com/office/drawing/2010/main">
                 <a:solidFill>
                   <a:srgbClr val="FFFFFF"/>
                 </a:solidFill>
@@ -25673,7 +27428,7 @@
           <a:blip r:embed="rId8" cstate="print">
             <a:extLst>
               <a:ext uri="{28A0092B-C50C-407E-A947-70E740481C1C}">
-                <a14:useLocalDpi xmlns:a14="http://schemas.microsoft.com/office/drawing/2010/main" xmlns="" val="0"/>
+                <a14:useLocalDpi xmlns:a14="http://schemas.microsoft.com/office/drawing/2010/main" val="0"/>
               </a:ext>
             </a:extLst>
           </a:blip>
@@ -25693,7 +27448,7 @@
           <a:noFill/>
           <a:extLst>
             <a:ext uri="{909E8E84-426E-40DD-AFC4-6F175D3DCCD1}">
-              <a14:hiddenFill xmlns:a14="http://schemas.microsoft.com/office/drawing/2010/main" xmlns="">
+              <a14:hiddenFill xmlns:a14="http://schemas.microsoft.com/office/drawing/2010/main">
                 <a:solidFill>
                   <a:srgbClr val="FFFFFF"/>
                 </a:solidFill>
@@ -25705,7 +27460,7 @@
     </p:spTree>
     <p:extLst>
       <p:ext uri="{BB962C8B-B14F-4D97-AF65-F5344CB8AC3E}">
-        <p14:creationId xmlns:p14="http://schemas.microsoft.com/office/powerpoint/2010/main" xmlns="" val="96403512"/>
+        <p14:creationId xmlns:p14="http://schemas.microsoft.com/office/powerpoint/2010/main" val="96403512"/>
       </p:ext>
     </p:extLst>
   </p:cSld>
@@ -25739,29 +27494,6 @@
           <a:chExt cx="0" cy="0"/>
         </a:xfrm>
       </p:grpSpPr>
-      <p:sp>
-        <p:nvSpPr>
-          <p:cNvPr id="2" name="タイトル 1"/>
-          <p:cNvSpPr>
-            <a:spLocks noGrp="1"/>
-          </p:cNvSpPr>
-          <p:nvPr>
-            <p:ph type="title"/>
-          </p:nvPr>
-        </p:nvSpPr>
-        <p:spPr/>
-        <p:txBody>
-          <a:bodyPr/>
-          <a:lstStyle/>
-          <a:p>
-            <a:r>
-              <a:rPr kumimoji="1" lang="ja-JP" altLang="en-US" dirty="0" smtClean="0"/>
-              <a:t>２．現状課題</a:t>
-            </a:r>
-            <a:endParaRPr kumimoji="1" lang="ja-JP" altLang="en-US" dirty="0"/>
-          </a:p>
-        </p:txBody>
-      </p:sp>
       <p:sp>
         <p:nvSpPr>
           <p:cNvPr id="3" name="コンテンツ プレースホルダー 2"/>
@@ -25931,10 +27663,33 @@
           </a:p>
         </p:txBody>
       </p:sp>
+      <p:sp>
+        <p:nvSpPr>
+          <p:cNvPr id="2" name="タイトル 1"/>
+          <p:cNvSpPr>
+            <a:spLocks noGrp="1"/>
+          </p:cNvSpPr>
+          <p:nvPr>
+            <p:ph type="title"/>
+          </p:nvPr>
+        </p:nvSpPr>
+        <p:spPr/>
+        <p:txBody>
+          <a:bodyPr/>
+          <a:lstStyle/>
+          <a:p>
+            <a:r>
+              <a:rPr kumimoji="1" lang="ja-JP" altLang="en-US" dirty="0" smtClean="0"/>
+              <a:t>２．現状課題</a:t>
+            </a:r>
+            <a:endParaRPr kumimoji="1" lang="ja-JP" altLang="en-US" dirty="0"/>
+          </a:p>
+        </p:txBody>
+      </p:sp>
     </p:spTree>
     <p:extLst>
       <p:ext uri="{BB962C8B-B14F-4D97-AF65-F5344CB8AC3E}">
-        <p14:creationId xmlns:p14="http://schemas.microsoft.com/office/powerpoint/2010/main" xmlns="" val="3618065312"/>
+        <p14:creationId xmlns:p14="http://schemas.microsoft.com/office/powerpoint/2010/main" val="3618065312"/>
       </p:ext>
     </p:extLst>
   </p:cSld>
@@ -25968,37 +27723,6 @@
           <a:chExt cx="0" cy="0"/>
         </a:xfrm>
       </p:grpSpPr>
-      <p:sp>
-        <p:nvSpPr>
-          <p:cNvPr id="2" name="タイトル 1"/>
-          <p:cNvSpPr>
-            <a:spLocks noGrp="1"/>
-          </p:cNvSpPr>
-          <p:nvPr>
-            <p:ph type="title"/>
-          </p:nvPr>
-        </p:nvSpPr>
-        <p:spPr/>
-        <p:txBody>
-          <a:bodyPr/>
-          <a:lstStyle/>
-          <a:p>
-            <a:r>
-              <a:rPr lang="ja-JP" altLang="en-US" dirty="0"/>
-              <a:t>３</a:t>
-            </a:r>
-            <a:r>
-              <a:rPr kumimoji="1" lang="ja-JP" altLang="en-US" dirty="0" smtClean="0"/>
-              <a:t>．システム化</a:t>
-            </a:r>
-            <a:r>
-              <a:rPr lang="ja-JP" altLang="en-US" dirty="0" smtClean="0"/>
-              <a:t>のメリット</a:t>
-            </a:r>
-            <a:endParaRPr kumimoji="1" lang="ja-JP" altLang="en-US" dirty="0"/>
-          </a:p>
-        </p:txBody>
-      </p:sp>
       <p:sp>
         <p:nvSpPr>
           <p:cNvPr id="3" name="コンテンツ プレースホルダー 2"/>
@@ -26130,10 +27854,41 @@
           </a:p>
         </p:txBody>
       </p:sp>
+      <p:sp>
+        <p:nvSpPr>
+          <p:cNvPr id="2" name="タイトル 1"/>
+          <p:cNvSpPr>
+            <a:spLocks noGrp="1"/>
+          </p:cNvSpPr>
+          <p:nvPr>
+            <p:ph type="title"/>
+          </p:nvPr>
+        </p:nvSpPr>
+        <p:spPr/>
+        <p:txBody>
+          <a:bodyPr/>
+          <a:lstStyle/>
+          <a:p>
+            <a:r>
+              <a:rPr lang="ja-JP" altLang="en-US" dirty="0"/>
+              <a:t>３</a:t>
+            </a:r>
+            <a:r>
+              <a:rPr kumimoji="1" lang="ja-JP" altLang="en-US" dirty="0" smtClean="0"/>
+              <a:t>．システム化</a:t>
+            </a:r>
+            <a:r>
+              <a:rPr lang="ja-JP" altLang="en-US" dirty="0" smtClean="0"/>
+              <a:t>のメリット</a:t>
+            </a:r>
+            <a:endParaRPr kumimoji="1" lang="ja-JP" altLang="en-US" dirty="0"/>
+          </a:p>
+        </p:txBody>
+      </p:sp>
     </p:spTree>
     <p:extLst>
       <p:ext uri="{BB962C8B-B14F-4D97-AF65-F5344CB8AC3E}">
-        <p14:creationId xmlns:p14="http://schemas.microsoft.com/office/powerpoint/2010/main" xmlns="" val="1814037007"/>
+        <p14:creationId xmlns:p14="http://schemas.microsoft.com/office/powerpoint/2010/main" val="1814037007"/>
       </p:ext>
     </p:extLst>
   </p:cSld>
@@ -26167,6 +27922,30 @@
           <a:chExt cx="0" cy="0"/>
         </a:xfrm>
       </p:grpSpPr>
+      <p:sp>
+        <p:nvSpPr>
+          <p:cNvPr id="50" name="スライド番号プレースホルダー 49"/>
+          <p:cNvSpPr>
+            <a:spLocks noGrp="1"/>
+          </p:cNvSpPr>
+          <p:nvPr>
+            <p:ph type="sldNum" sz="quarter" idx="12"/>
+          </p:nvPr>
+        </p:nvSpPr>
+        <p:spPr/>
+        <p:txBody>
+          <a:bodyPr/>
+          <a:lstStyle/>
+          <a:p>
+            <a:fld id="{1B2C9F7E-80B6-4C3C-8A6C-643968CAB744}" type="slidenum">
+              <a:rPr kumimoji="1" lang="ja-JP" altLang="en-US" smtClean="0"/>
+              <a:pPr/>
+              <a:t>6</a:t>
+            </a:fld>
+            <a:endParaRPr kumimoji="1" lang="ja-JP" altLang="en-US"/>
+          </a:p>
+        </p:txBody>
+      </p:sp>
       <p:sp>
         <p:nvSpPr>
           <p:cNvPr id="2" name="タイトル 1"/>
@@ -26206,7 +27985,7 @@
           <a:blip r:embed="rId2" cstate="print">
             <a:extLst>
               <a:ext uri="{28A0092B-C50C-407E-A947-70E740481C1C}">
-                <a14:useLocalDpi xmlns:a14="http://schemas.microsoft.com/office/drawing/2010/main" xmlns="" val="0"/>
+                <a14:useLocalDpi xmlns:a14="http://schemas.microsoft.com/office/drawing/2010/main" val="0"/>
               </a:ext>
             </a:extLst>
           </a:blip>
@@ -26217,7 +27996,7 @@
         </p:blipFill>
         <p:spPr bwMode="auto">
           <a:xfrm>
-            <a:off x="107503" y="4888930"/>
+            <a:off x="753093" y="4332030"/>
             <a:ext cx="1595661" cy="1595661"/>
           </a:xfrm>
           <a:prstGeom prst="rect">
@@ -26226,7 +28005,7 @@
           <a:noFill/>
           <a:extLst>
             <a:ext uri="{909E8E84-426E-40DD-AFC4-6F175D3DCCD1}">
-              <a14:hiddenFill xmlns:a14="http://schemas.microsoft.com/office/drawing/2010/main" xmlns="">
+              <a14:hiddenFill xmlns:a14="http://schemas.microsoft.com/office/drawing/2010/main">
                 <a:solidFill>
                   <a:srgbClr val="FFFFFF"/>
                 </a:solidFill>
@@ -26247,7 +28026,7 @@
           <a:blip r:embed="rId3" cstate="print">
             <a:extLst>
               <a:ext uri="{28A0092B-C50C-407E-A947-70E740481C1C}">
-                <a14:useLocalDpi xmlns:a14="http://schemas.microsoft.com/office/drawing/2010/main" xmlns="" val="0"/>
+                <a14:useLocalDpi xmlns:a14="http://schemas.microsoft.com/office/drawing/2010/main" val="0"/>
               </a:ext>
             </a:extLst>
           </a:blip>
@@ -26258,7 +28037,7 @@
         </p:blipFill>
         <p:spPr bwMode="auto">
           <a:xfrm>
-            <a:off x="2123728" y="4888930"/>
+            <a:off x="2769318" y="4332030"/>
             <a:ext cx="1595661" cy="1595661"/>
           </a:xfrm>
           <a:prstGeom prst="rect">
@@ -26267,7 +28046,7 @@
           <a:noFill/>
           <a:extLst>
             <a:ext uri="{909E8E84-426E-40DD-AFC4-6F175D3DCCD1}">
-              <a14:hiddenFill xmlns:a14="http://schemas.microsoft.com/office/drawing/2010/main" xmlns="">
+              <a14:hiddenFill xmlns:a14="http://schemas.microsoft.com/office/drawing/2010/main">
                 <a:solidFill>
                   <a:srgbClr val="FFFFFF"/>
                 </a:solidFill>
@@ -26288,7 +28067,7 @@
           <a:blip r:embed="rId4" cstate="print">
             <a:extLst>
               <a:ext uri="{28A0092B-C50C-407E-A947-70E740481C1C}">
-                <a14:useLocalDpi xmlns:a14="http://schemas.microsoft.com/office/drawing/2010/main" xmlns="" val="0"/>
+                <a14:useLocalDpi xmlns:a14="http://schemas.microsoft.com/office/drawing/2010/main" val="0"/>
               </a:ext>
             </a:extLst>
           </a:blip>
@@ -26299,7 +28078,7 @@
         </p:blipFill>
         <p:spPr bwMode="auto">
           <a:xfrm>
-            <a:off x="4067944" y="4888930"/>
+            <a:off x="4713534" y="4332030"/>
             <a:ext cx="1595661" cy="1595661"/>
           </a:xfrm>
           <a:prstGeom prst="rect">
@@ -26308,7 +28087,7 @@
           <a:noFill/>
           <a:extLst>
             <a:ext uri="{909E8E84-426E-40DD-AFC4-6F175D3DCCD1}">
-              <a14:hiddenFill xmlns:a14="http://schemas.microsoft.com/office/drawing/2010/main" xmlns="">
+              <a14:hiddenFill xmlns:a14="http://schemas.microsoft.com/office/drawing/2010/main">
                 <a:solidFill>
                   <a:srgbClr val="FFFFFF"/>
                 </a:solidFill>
@@ -26325,7 +28104,7 @@
         </p:nvSpPr>
         <p:spPr>
           <a:xfrm>
-            <a:off x="479028" y="4633972"/>
+            <a:off x="1124618" y="4077072"/>
             <a:ext cx="1224136" cy="369332"/>
           </a:xfrm>
           <a:prstGeom prst="rect">
@@ -26373,7 +28152,7 @@
         </p:nvSpPr>
         <p:spPr>
           <a:xfrm>
-            <a:off x="2195735" y="4647872"/>
+            <a:off x="2841325" y="4090972"/>
             <a:ext cx="1644699" cy="369332"/>
           </a:xfrm>
           <a:prstGeom prst="rect">
@@ -26417,7 +28196,7 @@
         </p:nvSpPr>
         <p:spPr>
           <a:xfrm>
-            <a:off x="4283968" y="4647872"/>
+            <a:off x="4929558" y="4090972"/>
             <a:ext cx="1448953" cy="369332"/>
           </a:xfrm>
           <a:prstGeom prst="rect">
@@ -26461,7 +28240,7 @@
         </p:nvSpPr>
         <p:spPr>
           <a:xfrm>
-            <a:off x="467543" y="6146140"/>
+            <a:off x="1113133" y="5589240"/>
             <a:ext cx="1296144" cy="523220"/>
           </a:xfrm>
           <a:prstGeom prst="rect">
@@ -26510,7 +28289,7 @@
         </p:nvSpPr>
         <p:spPr>
           <a:xfrm>
-            <a:off x="2351236" y="6146140"/>
+            <a:off x="2996826" y="5589240"/>
             <a:ext cx="1944217" cy="307777"/>
           </a:xfrm>
           <a:prstGeom prst="rect">
@@ -26540,7 +28319,7 @@
         </p:nvCxnSpPr>
         <p:spPr>
           <a:xfrm flipV="1">
-            <a:off x="1259632" y="2780929"/>
+            <a:off x="1905222" y="2348881"/>
             <a:ext cx="1008112" cy="1682605"/>
           </a:xfrm>
           <a:prstGeom prst="straightConnector1">
@@ -26573,7 +28352,7 @@
         </p:nvSpPr>
         <p:spPr>
           <a:xfrm>
-            <a:off x="1115616" y="2708920"/>
+            <a:off x="1761206" y="2276872"/>
             <a:ext cx="1128087" cy="523220"/>
           </a:xfrm>
           <a:prstGeom prst="rect">
@@ -26621,7 +28400,7 @@
           <a:blip r:embed="rId5" cstate="print">
             <a:extLst>
               <a:ext uri="{28A0092B-C50C-407E-A947-70E740481C1C}">
-                <a14:useLocalDpi xmlns:a14="http://schemas.microsoft.com/office/drawing/2010/main" xmlns="" val="0"/>
+                <a14:useLocalDpi xmlns:a14="http://schemas.microsoft.com/office/drawing/2010/main" val="0"/>
               </a:ext>
             </a:extLst>
           </a:blip>
@@ -26632,7 +28411,7 @@
         </p:blipFill>
         <p:spPr bwMode="auto">
           <a:xfrm>
-            <a:off x="5869251" y="4910281"/>
+            <a:off x="6514841" y="4353381"/>
             <a:ext cx="1718291" cy="1718291"/>
           </a:xfrm>
           <a:prstGeom prst="rect">
@@ -26641,7 +28420,7 @@
           <a:noFill/>
           <a:extLst>
             <a:ext uri="{909E8E84-426E-40DD-AFC4-6F175D3DCCD1}">
-              <a14:hiddenFill xmlns:a14="http://schemas.microsoft.com/office/drawing/2010/main" xmlns="">
+              <a14:hiddenFill xmlns:a14="http://schemas.microsoft.com/office/drawing/2010/main">
                 <a:solidFill>
                   <a:srgbClr val="FFFFFF"/>
                 </a:solidFill>
@@ -26652,30 +28431,6 @@
       </p:pic>
       <p:sp>
         <p:nvSpPr>
-          <p:cNvPr id="50" name="スライド番号プレースホルダー 49"/>
-          <p:cNvSpPr>
-            <a:spLocks noGrp="1"/>
-          </p:cNvSpPr>
-          <p:nvPr>
-            <p:ph type="sldNum" sz="quarter" idx="12"/>
-          </p:nvPr>
-        </p:nvSpPr>
-        <p:spPr/>
-        <p:txBody>
-          <a:bodyPr/>
-          <a:lstStyle/>
-          <a:p>
-            <a:fld id="{1B2C9F7E-80B6-4C3C-8A6C-643968CAB744}" type="slidenum">
-              <a:rPr kumimoji="1" lang="ja-JP" altLang="en-US" smtClean="0"/>
-              <a:pPr/>
-              <a:t>6</a:t>
-            </a:fld>
-            <a:endParaRPr kumimoji="1" lang="ja-JP" altLang="en-US"/>
-          </a:p>
-        </p:txBody>
-      </p:sp>
-      <p:sp>
-        <p:nvSpPr>
           <p:cNvPr id="7" name="Cloud"/>
           <p:cNvSpPr>
             <a:spLocks noChangeAspect="1" noEditPoints="1" noChangeArrowheads="1"/>
@@ -26684,8 +28439,8 @@
         </p:nvSpPr>
         <p:spPr bwMode="auto">
           <a:xfrm>
-            <a:off x="1475656" y="1268761"/>
-            <a:ext cx="4968552" cy="1512168"/>
+            <a:off x="2121246" y="1268761"/>
+            <a:ext cx="4968552" cy="1152127"/>
           </a:xfrm>
           <a:custGeom>
             <a:avLst/>
@@ -27024,7 +28779,7 @@
           </a:effectLst>
         </p:spPr>
         <p:txBody>
-          <a:bodyPr vert="horz" wrap="square" lIns="91440" tIns="45720" rIns="91440" bIns="45720" numCol="1" anchor="ctr" anchorCtr="0" compatLnSpc="1">
+          <a:bodyPr vert="horz" wrap="square" lIns="91440" tIns="45720" rIns="91440" bIns="45720" numCol="1" anchor="b" anchorCtr="0" compatLnSpc="1">
             <a:prstTxWarp prst="textNoShape">
               <a:avLst/>
             </a:prstTxWarp>
@@ -27052,7 +28807,7 @@
         </p:nvSpPr>
         <p:spPr>
           <a:xfrm>
-            <a:off x="6147383" y="4647872"/>
+            <a:off x="6792973" y="4090972"/>
             <a:ext cx="1448953" cy="369332"/>
           </a:xfrm>
           <a:prstGeom prst="rect">
@@ -27096,7 +28851,7 @@
         </p:nvCxnSpPr>
         <p:spPr>
           <a:xfrm>
-            <a:off x="2846638" y="2852936"/>
+            <a:off x="3492228" y="2420888"/>
             <a:ext cx="0" cy="1610598"/>
           </a:xfrm>
           <a:prstGeom prst="straightConnector1">
@@ -27129,7 +28884,7 @@
         </p:nvSpPr>
         <p:spPr>
           <a:xfrm>
-            <a:off x="1808694" y="3619763"/>
+            <a:off x="2454284" y="3187715"/>
             <a:ext cx="1514650" cy="307777"/>
           </a:xfrm>
           <a:prstGeom prst="rect">
@@ -27167,7 +28922,7 @@
           <a:blip r:embed="rId6" cstate="print">
             <a:extLst>
               <a:ext uri="{28A0092B-C50C-407E-A947-70E740481C1C}">
-                <a14:useLocalDpi xmlns:a14="http://schemas.microsoft.com/office/drawing/2010/main" xmlns="" val="0"/>
+                <a14:useLocalDpi xmlns:a14="http://schemas.microsoft.com/office/drawing/2010/main" val="0"/>
               </a:ext>
             </a:extLst>
           </a:blip>
@@ -27178,7 +28933,7 @@
         </p:blipFill>
         <p:spPr bwMode="auto">
           <a:xfrm>
-            <a:off x="1430309" y="3163405"/>
+            <a:off x="2075899" y="2731357"/>
             <a:ext cx="301105" cy="301105"/>
           </a:xfrm>
           <a:prstGeom prst="rect">
@@ -27187,7 +28942,7 @@
           <a:noFill/>
           <a:extLst>
             <a:ext uri="{909E8E84-426E-40DD-AFC4-6F175D3DCCD1}">
-              <a14:hiddenFill xmlns:a14="http://schemas.microsoft.com/office/drawing/2010/main" xmlns="">
+              <a14:hiddenFill xmlns:a14="http://schemas.microsoft.com/office/drawing/2010/main">
                 <a:solidFill>
                   <a:srgbClr val="FFFFFF"/>
                 </a:solidFill>
@@ -27208,7 +28963,7 @@
           <a:blip r:embed="rId6" cstate="print">
             <a:extLst>
               <a:ext uri="{28A0092B-C50C-407E-A947-70E740481C1C}">
-                <a14:useLocalDpi xmlns:a14="http://schemas.microsoft.com/office/drawing/2010/main" xmlns="" val="0"/>
+                <a14:useLocalDpi xmlns:a14="http://schemas.microsoft.com/office/drawing/2010/main" val="0"/>
               </a:ext>
             </a:extLst>
           </a:blip>
@@ -27219,7 +28974,7 @@
         </p:blipFill>
         <p:spPr bwMode="auto">
           <a:xfrm>
-            <a:off x="2411760" y="3941440"/>
+            <a:off x="3057350" y="3509392"/>
             <a:ext cx="301105" cy="301105"/>
           </a:xfrm>
           <a:prstGeom prst="rect">
@@ -27228,7 +28983,7 @@
           <a:noFill/>
           <a:extLst>
             <a:ext uri="{909E8E84-426E-40DD-AFC4-6F175D3DCCD1}">
-              <a14:hiddenFill xmlns:a14="http://schemas.microsoft.com/office/drawing/2010/main" xmlns="">
+              <a14:hiddenFill xmlns:a14="http://schemas.microsoft.com/office/drawing/2010/main">
                 <a:solidFill>
                   <a:srgbClr val="FFFFFF"/>
                 </a:solidFill>
@@ -27245,7 +29000,7 @@
         </p:nvCxnSpPr>
         <p:spPr>
           <a:xfrm>
-            <a:off x="3134670" y="2852936"/>
+            <a:off x="3780260" y="2420888"/>
             <a:ext cx="0" cy="1610598"/>
           </a:xfrm>
           <a:prstGeom prst="straightConnector1">
@@ -27279,7 +29034,7 @@
         </p:nvCxnSpPr>
         <p:spPr>
           <a:xfrm>
-            <a:off x="4815026" y="2826514"/>
+            <a:off x="5460616" y="2394466"/>
             <a:ext cx="0" cy="1610598"/>
           </a:xfrm>
           <a:prstGeom prst="straightConnector1">
@@ -27312,7 +29067,7 @@
         </p:nvSpPr>
         <p:spPr>
           <a:xfrm>
-            <a:off x="3779912" y="3670314"/>
+            <a:off x="4425502" y="3238266"/>
             <a:ext cx="1514650" cy="307777"/>
           </a:xfrm>
           <a:prstGeom prst="rect">
@@ -27350,7 +29105,7 @@
           <a:blip r:embed="rId6" cstate="print">
             <a:extLst>
               <a:ext uri="{28A0092B-C50C-407E-A947-70E740481C1C}">
-                <a14:useLocalDpi xmlns:a14="http://schemas.microsoft.com/office/drawing/2010/main" xmlns="" val="0"/>
+                <a14:useLocalDpi xmlns:a14="http://schemas.microsoft.com/office/drawing/2010/main" val="0"/>
               </a:ext>
             </a:extLst>
           </a:blip>
@@ -27361,7 +29116,7 @@
         </p:blipFill>
         <p:spPr bwMode="auto">
           <a:xfrm>
-            <a:off x="4342903" y="3991991"/>
+            <a:off x="4988493" y="3559943"/>
             <a:ext cx="301105" cy="301105"/>
           </a:xfrm>
           <a:prstGeom prst="rect">
@@ -27370,7 +29125,7 @@
           <a:noFill/>
           <a:extLst>
             <a:ext uri="{909E8E84-426E-40DD-AFC4-6F175D3DCCD1}">
-              <a14:hiddenFill xmlns:a14="http://schemas.microsoft.com/office/drawing/2010/main" xmlns="">
+              <a14:hiddenFill xmlns:a14="http://schemas.microsoft.com/office/drawing/2010/main">
                 <a:solidFill>
                   <a:srgbClr val="FFFFFF"/>
                 </a:solidFill>
@@ -27387,7 +29142,7 @@
         </p:nvCxnSpPr>
         <p:spPr>
           <a:xfrm>
-            <a:off x="5105540" y="2826514"/>
+            <a:off x="5751130" y="2394466"/>
             <a:ext cx="0" cy="1610598"/>
           </a:xfrm>
           <a:prstGeom prst="straightConnector1">
@@ -27421,7 +29176,7 @@
         </p:nvCxnSpPr>
         <p:spPr>
           <a:xfrm>
-            <a:off x="5868144" y="2852936"/>
+            <a:off x="6513734" y="2420888"/>
             <a:ext cx="1215342" cy="1533654"/>
           </a:xfrm>
           <a:prstGeom prst="straightConnector1">
@@ -27454,7 +29209,7 @@
         </p:nvSpPr>
         <p:spPr>
           <a:xfrm>
-            <a:off x="6444208" y="3454290"/>
+            <a:off x="7089798" y="3022242"/>
             <a:ext cx="1514650" cy="307777"/>
           </a:xfrm>
           <a:prstGeom prst="rect">
@@ -27492,7 +29247,7 @@
           <a:blip r:embed="rId6" cstate="print">
             <a:extLst>
               <a:ext uri="{28A0092B-C50C-407E-A947-70E740481C1C}">
-                <a14:useLocalDpi xmlns:a14="http://schemas.microsoft.com/office/drawing/2010/main" xmlns="" val="0"/>
+                <a14:useLocalDpi xmlns:a14="http://schemas.microsoft.com/office/drawing/2010/main" val="0"/>
               </a:ext>
             </a:extLst>
           </a:blip>
@@ -27503,7 +29258,7 @@
         </p:blipFill>
         <p:spPr bwMode="auto">
           <a:xfrm>
-            <a:off x="6900428" y="3775967"/>
+            <a:off x="7546018" y="3343919"/>
             <a:ext cx="301105" cy="301105"/>
           </a:xfrm>
           <a:prstGeom prst="rect">
@@ -27512,7 +29267,7 @@
           <a:noFill/>
           <a:extLst>
             <a:ext uri="{909E8E84-426E-40DD-AFC4-6F175D3DCCD1}">
-              <a14:hiddenFill xmlns:a14="http://schemas.microsoft.com/office/drawing/2010/main" xmlns="">
+              <a14:hiddenFill xmlns:a14="http://schemas.microsoft.com/office/drawing/2010/main">
                 <a:solidFill>
                   <a:srgbClr val="FFFFFF"/>
                 </a:solidFill>
@@ -27529,7 +29284,7 @@
         </p:nvSpPr>
         <p:spPr>
           <a:xfrm>
-            <a:off x="4265284" y="6176814"/>
+            <a:off x="4910874" y="5619914"/>
             <a:ext cx="1944217" cy="307777"/>
           </a:xfrm>
           <a:prstGeom prst="rect">
@@ -27559,7 +29314,7 @@
         </p:nvSpPr>
         <p:spPr>
           <a:xfrm>
-            <a:off x="3155881" y="2977788"/>
+            <a:off x="3801471" y="2545740"/>
             <a:ext cx="1128087" cy="523220"/>
           </a:xfrm>
           <a:prstGeom prst="rect">
@@ -27603,7 +29358,7 @@
           <a:blip r:embed="rId6" cstate="print">
             <a:extLst>
               <a:ext uri="{28A0092B-C50C-407E-A947-70E740481C1C}">
-                <a14:useLocalDpi xmlns:a14="http://schemas.microsoft.com/office/drawing/2010/main" xmlns="" val="0"/>
+                <a14:useLocalDpi xmlns:a14="http://schemas.microsoft.com/office/drawing/2010/main" val="0"/>
               </a:ext>
             </a:extLst>
           </a:blip>
@@ -27614,7 +29369,7 @@
         </p:blipFill>
         <p:spPr bwMode="auto">
           <a:xfrm>
-            <a:off x="3457596" y="3429000"/>
+            <a:off x="4103186" y="2996952"/>
             <a:ext cx="301105" cy="301105"/>
           </a:xfrm>
           <a:prstGeom prst="rect">
@@ -27623,7 +29378,7 @@
           <a:noFill/>
           <a:extLst>
             <a:ext uri="{909E8E84-426E-40DD-AFC4-6F175D3DCCD1}">
-              <a14:hiddenFill xmlns:a14="http://schemas.microsoft.com/office/drawing/2010/main" xmlns="">
+              <a14:hiddenFill xmlns:a14="http://schemas.microsoft.com/office/drawing/2010/main">
                 <a:solidFill>
                   <a:srgbClr val="FFFFFF"/>
                 </a:solidFill>
@@ -27640,7 +29395,7 @@
         </p:nvSpPr>
         <p:spPr>
           <a:xfrm>
-            <a:off x="5100097" y="3023650"/>
+            <a:off x="5745687" y="2591602"/>
             <a:ext cx="1128087" cy="523220"/>
           </a:xfrm>
           <a:prstGeom prst="rect">
@@ -27684,7 +29439,7 @@
           <a:blip r:embed="rId6" cstate="print">
             <a:extLst>
               <a:ext uri="{28A0092B-C50C-407E-A947-70E740481C1C}">
-                <a14:useLocalDpi xmlns:a14="http://schemas.microsoft.com/office/drawing/2010/main" xmlns="" val="0"/>
+                <a14:useLocalDpi xmlns:a14="http://schemas.microsoft.com/office/drawing/2010/main" val="0"/>
               </a:ext>
             </a:extLst>
           </a:blip>
@@ -27695,7 +29450,7 @@
         </p:blipFill>
         <p:spPr bwMode="auto">
           <a:xfrm>
-            <a:off x="5401812" y="3474862"/>
+            <a:off x="6047402" y="3042814"/>
             <a:ext cx="301105" cy="301105"/>
           </a:xfrm>
           <a:prstGeom prst="rect">
@@ -27704,7 +29459,7 @@
           <a:noFill/>
           <a:extLst>
             <a:ext uri="{909E8E84-426E-40DD-AFC4-6F175D3DCCD1}">
-              <a14:hiddenFill xmlns:a14="http://schemas.microsoft.com/office/drawing/2010/main" xmlns="">
+              <a14:hiddenFill xmlns:a14="http://schemas.microsoft.com/office/drawing/2010/main">
                 <a:solidFill>
                   <a:srgbClr val="FFFFFF"/>
                 </a:solidFill>
@@ -27716,7 +29471,7 @@
     </p:spTree>
     <p:extLst>
       <p:ext uri="{BB962C8B-B14F-4D97-AF65-F5344CB8AC3E}">
-        <p14:creationId xmlns:p14="http://schemas.microsoft.com/office/powerpoint/2010/main" xmlns="" val="3571895763"/>
+        <p14:creationId xmlns:p14="http://schemas.microsoft.com/office/powerpoint/2010/main" val="3571895763"/>
       </p:ext>
     </p:extLst>
   </p:cSld>
@@ -27752,12 +29507,12 @@
       </p:grpSpPr>
       <p:sp>
         <p:nvSpPr>
-          <p:cNvPr id="2" name="タイトル 1"/>
+          <p:cNvPr id="5" name="コンテンツ プレースホルダー 2"/>
           <p:cNvSpPr>
             <a:spLocks noGrp="1"/>
           </p:cNvSpPr>
           <p:nvPr>
-            <p:ph type="title"/>
+            <p:ph idx="1"/>
           </p:nvPr>
         </p:nvSpPr>
         <p:spPr/>
@@ -27765,11 +29520,7 @@
           <a:bodyPr/>
           <a:lstStyle/>
           <a:p>
-            <a:r>
-              <a:rPr lang="ja-JP" altLang="en-US" dirty="0" smtClean="0"/>
-              <a:t>５．システム構成</a:t>
-            </a:r>
-            <a:endParaRPr kumimoji="1" lang="ja-JP" altLang="en-US" dirty="0"/>
+            <a:endParaRPr kumimoji="1" lang="ja-JP" altLang="en-US"/>
           </a:p>
         </p:txBody>
       </p:sp>
@@ -27799,32 +29550,31 @@
       </p:sp>
       <p:sp>
         <p:nvSpPr>
-          <p:cNvPr id="5" name="コンテンツ プレースホルダー 2"/>
+          <p:cNvPr id="2" name="タイトル 1"/>
           <p:cNvSpPr>
             <a:spLocks noGrp="1"/>
           </p:cNvSpPr>
           <p:nvPr>
-            <p:ph idx="1"/>
+            <p:ph type="title"/>
           </p:nvPr>
         </p:nvSpPr>
-        <p:spPr>
-          <a:xfrm>
-            <a:off x="457200" y="1600200"/>
-            <a:ext cx="7620000" cy="4800600"/>
-          </a:xfrm>
-        </p:spPr>
+        <p:spPr/>
         <p:txBody>
           <a:bodyPr/>
           <a:lstStyle/>
           <a:p>
-            <a:endParaRPr kumimoji="1" lang="ja-JP" altLang="en-US"/>
+            <a:r>
+              <a:rPr lang="ja-JP" altLang="en-US" dirty="0" smtClean="0"/>
+              <a:t>５．システム構成</a:t>
+            </a:r>
+            <a:endParaRPr kumimoji="1" lang="ja-JP" altLang="en-US" dirty="0"/>
           </a:p>
         </p:txBody>
       </p:sp>
     </p:spTree>
     <p:extLst>
       <p:ext uri="{BB962C8B-B14F-4D97-AF65-F5344CB8AC3E}">
-        <p14:creationId xmlns:p14="http://schemas.microsoft.com/office/powerpoint/2010/main" xmlns="" val="3812227446"/>
+        <p14:creationId xmlns:p14="http://schemas.microsoft.com/office/powerpoint/2010/main" val="3812227446"/>
       </p:ext>
     </p:extLst>
   </p:cSld>
@@ -27865,13 +29615,13 @@
           <p:nvPr>
             <p:extLst>
               <p:ext uri="{D42A27DB-BD31-4B8C-83A1-F6EECF244321}">
-                <p14:modId xmlns:p14="http://schemas.microsoft.com/office/powerpoint/2010/main" xmlns="" val="1940385506"/>
+                <p14:modId xmlns:p14="http://schemas.microsoft.com/office/powerpoint/2010/main" val="2319150339"/>
               </p:ext>
             </p:extLst>
           </p:nvPr>
         </p:nvGraphicFramePr>
         <p:xfrm>
-          <a:off x="251520" y="2060848"/>
+          <a:off x="539552" y="1920320"/>
           <a:ext cx="7992888" cy="4608512"/>
         </p:xfrm>
         <a:graphic>
@@ -27880,29 +29630,6 @@
           </a:graphicData>
         </a:graphic>
       </p:graphicFrame>
-      <p:sp>
-        <p:nvSpPr>
-          <p:cNvPr id="2" name="タイトル 1"/>
-          <p:cNvSpPr>
-            <a:spLocks noGrp="1"/>
-          </p:cNvSpPr>
-          <p:nvPr>
-            <p:ph type="title"/>
-          </p:nvPr>
-        </p:nvSpPr>
-        <p:spPr/>
-        <p:txBody>
-          <a:bodyPr/>
-          <a:lstStyle/>
-          <a:p>
-            <a:r>
-              <a:rPr lang="ja-JP" altLang="en-US" dirty="0" smtClean="0"/>
-              <a:t>５－１．画面／機能構成</a:t>
-            </a:r>
-            <a:endParaRPr kumimoji="1" lang="ja-JP" altLang="en-US" dirty="0"/>
-          </a:p>
-        </p:txBody>
-      </p:sp>
       <p:sp>
         <p:nvSpPr>
           <p:cNvPr id="4" name="スライド番号プレースホルダー 3"/>
@@ -27929,13 +29656,36 @@
       </p:sp>
       <p:sp>
         <p:nvSpPr>
+          <p:cNvPr id="2" name="タイトル 1"/>
+          <p:cNvSpPr>
+            <a:spLocks noGrp="1"/>
+          </p:cNvSpPr>
+          <p:nvPr>
+            <p:ph type="title"/>
+          </p:nvPr>
+        </p:nvSpPr>
+        <p:spPr/>
+        <p:txBody>
+          <a:bodyPr/>
+          <a:lstStyle/>
+          <a:p>
+            <a:r>
+              <a:rPr lang="ja-JP" altLang="en-US" dirty="0" smtClean="0"/>
+              <a:t>５－１．画面／機能構成</a:t>
+            </a:r>
+            <a:endParaRPr kumimoji="1" lang="ja-JP" altLang="en-US" dirty="0"/>
+          </a:p>
+        </p:txBody>
+      </p:sp>
+      <p:sp>
+        <p:nvSpPr>
           <p:cNvPr id="26" name="正方形/長方形 25"/>
           <p:cNvSpPr/>
           <p:nvPr/>
         </p:nvSpPr>
         <p:spPr>
           <a:xfrm>
-            <a:off x="6732240" y="1697320"/>
+            <a:off x="7020272" y="1556792"/>
             <a:ext cx="1366630" cy="560032"/>
           </a:xfrm>
           <a:prstGeom prst="rect">
@@ -28086,7 +29836,7 @@
         </p:nvSpPr>
         <p:spPr>
           <a:xfrm>
-            <a:off x="5220072" y="1697320"/>
+            <a:off x="5508104" y="1556792"/>
             <a:ext cx="1366630" cy="560032"/>
           </a:xfrm>
           <a:prstGeom prst="rect">
@@ -28224,7 +29974,7 @@
     </p:spTree>
     <p:extLst>
       <p:ext uri="{BB962C8B-B14F-4D97-AF65-F5344CB8AC3E}">
-        <p14:creationId xmlns:p14="http://schemas.microsoft.com/office/powerpoint/2010/main" xmlns="" val="2747427363"/>
+        <p14:creationId xmlns:p14="http://schemas.microsoft.com/office/powerpoint/2010/main" val="2747427363"/>
       </p:ext>
     </p:extLst>
   </p:cSld>
@@ -28258,37 +30008,6 @@
           <a:chExt cx="0" cy="0"/>
         </a:xfrm>
       </p:grpSpPr>
-      <p:sp>
-        <p:nvSpPr>
-          <p:cNvPr id="2" name="タイトル 1"/>
-          <p:cNvSpPr>
-            <a:spLocks noGrp="1"/>
-          </p:cNvSpPr>
-          <p:nvPr>
-            <p:ph type="title"/>
-          </p:nvPr>
-        </p:nvSpPr>
-        <p:spPr/>
-        <p:txBody>
-          <a:bodyPr/>
-          <a:lstStyle/>
-          <a:p>
-            <a:r>
-              <a:rPr kumimoji="1" lang="ja-JP" altLang="en-US" dirty="0" smtClean="0"/>
-              <a:t>５－２．画面</a:t>
-            </a:r>
-            <a:r>
-              <a:rPr lang="ja-JP" altLang="en-US" dirty="0" smtClean="0"/>
-              <a:t>／</a:t>
-            </a:r>
-            <a:r>
-              <a:rPr kumimoji="1" lang="ja-JP" altLang="en-US" dirty="0" smtClean="0"/>
-              <a:t>機能一覧</a:t>
-            </a:r>
-            <a:endParaRPr kumimoji="1" lang="ja-JP" altLang="en-US" dirty="0"/>
-          </a:p>
-        </p:txBody>
-      </p:sp>
       <p:graphicFrame>
         <p:nvGraphicFramePr>
           <p:cNvPr id="5" name="コンテンツ プレースホルダー 4"/>
@@ -28299,13 +30018,13 @@
             <p:ph idx="1"/>
             <p:extLst>
               <p:ext uri="{D42A27DB-BD31-4B8C-83A1-F6EECF244321}">
-                <p14:modId xmlns:p14="http://schemas.microsoft.com/office/powerpoint/2010/main" xmlns="" val="3965284707"/>
+                <p14:modId xmlns:p14="http://schemas.microsoft.com/office/powerpoint/2010/main" val="4274211420"/>
               </p:ext>
             </p:extLst>
           </p:nvPr>
         </p:nvGraphicFramePr>
         <p:xfrm>
-          <a:off x="323528" y="1484785"/>
+          <a:off x="601215" y="1484785"/>
           <a:ext cx="7931225" cy="4254956"/>
         </p:xfrm>
         <a:graphic>
@@ -28801,27 +30520,7 @@
                           <a:effectLst/>
                           <a:latin typeface="ＭＳ Ｐゴシック"/>
                         </a:rPr>
-                        <a:t>月報をアップロードして</a:t>
-                      </a:r>
-                      <a:r>
-                        <a:rPr lang="ja-JP" altLang="en-US" sz="1200" b="0" i="0" u="none" strike="noStrike" dirty="0" smtClean="0">
-                          <a:solidFill>
-                            <a:srgbClr val="000000"/>
-                          </a:solidFill>
-                          <a:effectLst/>
-                          <a:latin typeface="ＭＳ Ｐゴシック"/>
-                        </a:rPr>
-                        <a:t>申請を</a:t>
-                      </a:r>
-                      <a:r>
-                        <a:rPr lang="ja-JP" altLang="en-US" sz="1200" b="0" i="0" u="none" strike="noStrike" dirty="0" smtClean="0">
-                          <a:solidFill>
-                            <a:srgbClr val="000000"/>
-                          </a:solidFill>
-                          <a:effectLst/>
-                          <a:latin typeface="ＭＳ Ｐゴシック"/>
-                        </a:rPr>
-                        <a:t>行う。</a:t>
+                        <a:t>月報をアップロードして申請を行う。</a:t>
                       </a:r>
                       <a:endParaRPr lang="ja-JP" altLang="en-US" sz="1200" b="0" i="0" u="none" strike="noStrike" dirty="0">
                         <a:solidFill>
@@ -28950,19 +30649,7 @@
                         <a:rPr lang="ja-JP" altLang="en-US" sz="1200" u="none" strike="noStrike" dirty="0" smtClean="0">
                           <a:effectLst/>
                         </a:rPr>
-                        <a:t>月報</a:t>
-                      </a:r>
-                      <a:r>
-                        <a:rPr lang="ja-JP" altLang="en-US" sz="1200" u="none" strike="noStrike" dirty="0" smtClean="0">
-                          <a:effectLst/>
-                        </a:rPr>
-                        <a:t>を承認・否認する</a:t>
-                      </a:r>
-                      <a:r>
-                        <a:rPr lang="ja-JP" altLang="en-US" sz="1200" u="none" strike="noStrike" dirty="0" smtClean="0">
-                          <a:effectLst/>
-                        </a:rPr>
-                        <a:t>画面。</a:t>
+                        <a:t>月報を承認・否認する画面。</a:t>
                       </a:r>
                       <a:endParaRPr lang="en-US" altLang="ja-JP" sz="1200" u="none" strike="noStrike" dirty="0" smtClean="0">
                         <a:effectLst/>
@@ -28978,27 +30665,7 @@
                           <a:effectLst/>
                           <a:latin typeface="ＭＳ Ｐゴシック"/>
                         </a:rPr>
-                        <a:t>月報をアップロード</a:t>
-                      </a:r>
-                      <a:r>
-                        <a:rPr lang="ja-JP" altLang="en-US" sz="1200" b="0" i="0" u="none" strike="noStrike" dirty="0" smtClean="0">
-                          <a:solidFill>
-                            <a:srgbClr val="000000"/>
-                          </a:solidFill>
-                          <a:effectLst/>
-                          <a:latin typeface="ＭＳ Ｐゴシック"/>
-                        </a:rPr>
-                        <a:t>して承認を</a:t>
-                      </a:r>
-                      <a:r>
-                        <a:rPr lang="ja-JP" altLang="en-US" sz="1200" b="0" i="0" u="none" strike="noStrike" dirty="0" smtClean="0">
-                          <a:solidFill>
-                            <a:srgbClr val="000000"/>
-                          </a:solidFill>
-                          <a:effectLst/>
-                          <a:latin typeface="ＭＳ Ｐゴシック"/>
-                        </a:rPr>
-                        <a:t>行う。</a:t>
+                        <a:t>月報をアップロードして承認を行う。</a:t>
                       </a:r>
                       <a:endParaRPr lang="ja-JP" altLang="en-US" sz="1200" b="0" i="0" u="none" strike="noStrike" dirty="0">
                         <a:solidFill>
@@ -29454,27 +31121,7 @@
                           <a:effectLst/>
                           <a:latin typeface="ＭＳ Ｐゴシック"/>
                         </a:rPr>
-                        <a:t>・</a:t>
-                      </a:r>
-                      <a:r>
-                        <a:rPr lang="ja-JP" altLang="en-US" sz="1200" b="0" i="0" u="none" strike="noStrike" dirty="0" smtClean="0">
-                          <a:solidFill>
-                            <a:srgbClr val="000000"/>
-                          </a:solidFill>
-                          <a:effectLst/>
-                          <a:latin typeface="ＭＳ Ｐゴシック"/>
-                        </a:rPr>
-                        <a:t>月報</a:t>
-                      </a:r>
-                      <a:r>
-                        <a:rPr lang="ja-JP" altLang="en-US" sz="1200" b="0" i="0" u="none" strike="noStrike" dirty="0" smtClean="0">
-                          <a:solidFill>
-                            <a:srgbClr val="000000"/>
-                          </a:solidFill>
-                          <a:effectLst/>
-                          <a:latin typeface="ＭＳ Ｐゴシック"/>
-                        </a:rPr>
-                        <a:t>一括アップロード</a:t>
+                        <a:t>・月報一括アップロード</a:t>
                       </a:r>
                       <a:endParaRPr lang="ja-JP" altLang="en-US" sz="1200" b="0" i="0" u="none" strike="noStrike" dirty="0">
                         <a:solidFill>
@@ -29619,10 +31266,41 @@
           </a:p>
         </p:txBody>
       </p:sp>
+      <p:sp>
+        <p:nvSpPr>
+          <p:cNvPr id="2" name="タイトル 1"/>
+          <p:cNvSpPr>
+            <a:spLocks noGrp="1"/>
+          </p:cNvSpPr>
+          <p:nvPr>
+            <p:ph type="title"/>
+          </p:nvPr>
+        </p:nvSpPr>
+        <p:spPr/>
+        <p:txBody>
+          <a:bodyPr/>
+          <a:lstStyle/>
+          <a:p>
+            <a:r>
+              <a:rPr kumimoji="1" lang="ja-JP" altLang="en-US" dirty="0" smtClean="0"/>
+              <a:t>５－２．画面</a:t>
+            </a:r>
+            <a:r>
+              <a:rPr lang="ja-JP" altLang="en-US" dirty="0" smtClean="0"/>
+              <a:t>／</a:t>
+            </a:r>
+            <a:r>
+              <a:rPr kumimoji="1" lang="ja-JP" altLang="en-US" dirty="0" smtClean="0"/>
+              <a:t>機能一覧</a:t>
+            </a:r>
+            <a:endParaRPr kumimoji="1" lang="ja-JP" altLang="en-US" dirty="0"/>
+          </a:p>
+        </p:txBody>
+      </p:sp>
     </p:spTree>
     <p:extLst>
       <p:ext uri="{BB962C8B-B14F-4D97-AF65-F5344CB8AC3E}">
-        <p14:creationId xmlns:p14="http://schemas.microsoft.com/office/powerpoint/2010/main" xmlns="" val="192748555"/>
+        <p14:creationId xmlns:p14="http://schemas.microsoft.com/office/powerpoint/2010/main" val="192748555"/>
       </p:ext>
     </p:extLst>
   </p:cSld>
@@ -29640,9 +31318,9 @@
 </file>
 
 <file path=ppt/theme/theme1.xml><?xml version="1.0" encoding="utf-8"?>
-<a:theme xmlns:a="http://schemas.openxmlformats.org/drawingml/2006/main" name="ナチュラル">
+<a:theme xmlns:a="http://schemas.openxmlformats.org/drawingml/2006/main" name="ビジネス">
   <a:themeElements>
-    <a:clrScheme name="エレメント">
+    <a:clrScheme name="Office">
       <a:dk1>
         <a:sysClr val="windowText" lastClr="000000"/>
       </a:dk1>
@@ -29650,79 +31328,180 @@
         <a:sysClr val="window" lastClr="FFFFFF"/>
       </a:lt1>
       <a:dk2>
-        <a:srgbClr val="242852"/>
+        <a:srgbClr val="1F497D"/>
       </a:dk2>
       <a:lt2>
-        <a:srgbClr val="ACCBF9"/>
+        <a:srgbClr val="EEECE1"/>
       </a:lt2>
       <a:accent1>
-        <a:srgbClr val="629DD1"/>
+        <a:srgbClr val="4F81BD"/>
       </a:accent1>
       <a:accent2>
-        <a:srgbClr val="297FD5"/>
+        <a:srgbClr val="C0504D"/>
       </a:accent2>
       <a:accent3>
-        <a:srgbClr val="7F8FA9"/>
+        <a:srgbClr val="9BBB59"/>
       </a:accent3>
       <a:accent4>
-        <a:srgbClr val="4A66AC"/>
+        <a:srgbClr val="8064A2"/>
       </a:accent4>
       <a:accent5>
-        <a:srgbClr val="5AA2AE"/>
+        <a:srgbClr val="4BACC6"/>
       </a:accent5>
       <a:accent6>
-        <a:srgbClr val="9D90A0"/>
+        <a:srgbClr val="F79646"/>
       </a:accent6>
       <a:hlink>
-        <a:srgbClr val="9454C3"/>
+        <a:srgbClr val="0000FF"/>
       </a:hlink>
       <a:folHlink>
-        <a:srgbClr val="3EBBF0"/>
+        <a:srgbClr val="800080"/>
       </a:folHlink>
     </a:clrScheme>
-    <a:fontScheme name="ユーザー定義 2">
+    <a:fontScheme name="ビジネス">
       <a:majorFont>
-        <a:latin typeface="Cambria"/>
-        <a:ea typeface="Meiryo UI"/>
+        <a:latin typeface="Lucida Sans Unicode"/>
+        <a:ea typeface=""/>
         <a:cs typeface=""/>
+        <a:font script="Jpan" typeface="ＭＳ Ｐゴシック"/>
+        <a:font script="Hang" typeface="맑은 고딕"/>
+        <a:font script="Hans" typeface="黑体"/>
+        <a:font script="Hant" typeface="微軟正黑體"/>
+        <a:font script="Arab" typeface="Arial"/>
+        <a:font script="Hebr" typeface="Arial"/>
+        <a:font script="Thai" typeface="Cordia New"/>
+        <a:font script="Ethi" typeface="Nyala"/>
+        <a:font script="Beng" typeface="Vrinda"/>
+        <a:font script="Gujr" typeface="Shruti"/>
+        <a:font script="Khmr" typeface="DaunPenh"/>
+        <a:font script="Knda" typeface="Tunga"/>
+        <a:font script="Guru" typeface="Raavi"/>
+        <a:font script="Cans" typeface="Euphemia"/>
+        <a:font script="Cher" typeface="Plantagenet Cherokee"/>
+        <a:font script="Yiii" typeface="Microsoft Yi Baiti"/>
+        <a:font script="Tibt" typeface="Microsoft Himalaya"/>
+        <a:font script="Thaa" typeface="MV Boli"/>
+        <a:font script="Deva" typeface="Mangal"/>
+        <a:font script="Telu" typeface="Gautami"/>
+        <a:font script="Taml" typeface="Latha"/>
+        <a:font script="Syrc" typeface="Estrangelo Edessa"/>
+        <a:font script="Orya" typeface="Kalinga"/>
+        <a:font script="Mlym" typeface="Kartika"/>
+        <a:font script="Laoo" typeface="DokChampa"/>
+        <a:font script="Sinh" typeface="Iskoola Pota"/>
+        <a:font script="Mong" typeface="Mongolian Baiti"/>
+        <a:font script="Uigh" typeface="Microsoft Uighur"/>
+        <a:font script="Geor" typeface="Sylfaen"/>
       </a:majorFont>
       <a:minorFont>
-        <a:latin typeface="Calibri"/>
-        <a:ea typeface="Meiryo UI"/>
+        <a:latin typeface="Lucida Sans Unicode"/>
+        <a:ea typeface=""/>
         <a:cs typeface=""/>
+        <a:font script="Jpan" typeface="ＭＳ Ｐゴシック"/>
+        <a:font script="Hang" typeface="맑은 고딕"/>
+        <a:font script="Hans" typeface="黑体"/>
+        <a:font script="Hant" typeface="微軟正黑體"/>
+        <a:font script="Arab" typeface="Arial"/>
+        <a:font script="Hebr" typeface="Arial"/>
+        <a:font script="Thai" typeface="Cordia New"/>
+        <a:font script="Ethi" typeface="Nyala"/>
+        <a:font script="Beng" typeface="Vrinda"/>
+        <a:font script="Gujr" typeface="Shruti"/>
+        <a:font script="Khmr" typeface="DaunPenh"/>
+        <a:font script="Knda" typeface="Tunga"/>
+        <a:font script="Guru" typeface="Raavi"/>
+        <a:font script="Cans" typeface="Euphemia"/>
+        <a:font script="Cher" typeface="Plantagenet Cherokee"/>
+        <a:font script="Yiii" typeface="Microsoft Yi Baiti"/>
+        <a:font script="Tibt" typeface="Microsoft Himalaya"/>
+        <a:font script="Thaa" typeface="MV Boli"/>
+        <a:font script="Deva" typeface="Mangal"/>
+        <a:font script="Telu" typeface="Gautami"/>
+        <a:font script="Taml" typeface="Latha"/>
+        <a:font script="Syrc" typeface="Estrangelo Edessa"/>
+        <a:font script="Orya" typeface="Kalinga"/>
+        <a:font script="Mlym" typeface="Kartika"/>
+        <a:font script="Laoo" typeface="DokChampa"/>
+        <a:font script="Sinh" typeface="Iskoola Pota"/>
+        <a:font script="Mong" typeface="Mongolian Baiti"/>
+        <a:font script="Uigh" typeface="Microsoft Uighur"/>
+        <a:font script="Geor" typeface="Sylfaen"/>
       </a:minorFont>
     </a:fontScheme>
-    <a:fmtScheme name="ナチュラル">
+    <a:fmtScheme name="ビジネス">
       <a:fillStyleLst>
         <a:solidFill>
           <a:schemeClr val="phClr"/>
         </a:solidFill>
-        <a:solidFill>
-          <a:schemeClr val="phClr">
-            <a:tint val="55000"/>
-          </a:schemeClr>
-        </a:solidFill>
-        <a:solidFill>
-          <a:schemeClr val="phClr"/>
-        </a:solidFill>
+        <a:gradFill rotWithShape="1">
+          <a:gsLst>
+            <a:gs pos="0">
+              <a:schemeClr val="phClr">
+                <a:tint val="62000"/>
+                <a:satMod val="180000"/>
+              </a:schemeClr>
+            </a:gs>
+            <a:gs pos="65000">
+              <a:schemeClr val="phClr">
+                <a:tint val="32000"/>
+                <a:satMod val="250000"/>
+              </a:schemeClr>
+            </a:gs>
+            <a:gs pos="100000">
+              <a:schemeClr val="phClr">
+                <a:tint val="23000"/>
+                <a:satMod val="300000"/>
+              </a:schemeClr>
+            </a:gs>
+          </a:gsLst>
+          <a:lin ang="16200000" scaled="0"/>
+        </a:gradFill>
+        <a:gradFill rotWithShape="1">
+          <a:gsLst>
+            <a:gs pos="0">
+              <a:schemeClr val="phClr">
+                <a:shade val="15000"/>
+                <a:satMod val="180000"/>
+              </a:schemeClr>
+            </a:gs>
+            <a:gs pos="50000">
+              <a:schemeClr val="phClr">
+                <a:shade val="45000"/>
+                <a:satMod val="170000"/>
+              </a:schemeClr>
+            </a:gs>
+            <a:gs pos="70000">
+              <a:schemeClr val="phClr">
+                <a:tint val="99000"/>
+                <a:shade val="65000"/>
+                <a:satMod val="155000"/>
+              </a:schemeClr>
+            </a:gs>
+            <a:gs pos="100000">
+              <a:schemeClr val="phClr">
+                <a:tint val="95500"/>
+                <a:shade val="100000"/>
+                <a:satMod val="155000"/>
+              </a:schemeClr>
+            </a:gs>
+          </a:gsLst>
+          <a:lin ang="16200000" scaled="0"/>
+        </a:gradFill>
       </a:fillStyleLst>
       <a:lnStyleLst>
-        <a:ln w="12700" cap="flat" cmpd="sng" algn="ctr">
-          <a:solidFill>
-            <a:schemeClr val="phClr">
-              <a:shade val="95000"/>
-              <a:satMod val="105000"/>
-            </a:schemeClr>
-          </a:solidFill>
-          <a:prstDash val="solid"/>
-        </a:ln>
-        <a:ln w="25400" cap="flat" cmpd="sng" algn="ctr">
+        <a:ln w="9525" cap="flat" cmpd="sng" algn="ctr">
           <a:solidFill>
             <a:schemeClr val="phClr"/>
           </a:solidFill>
           <a:prstDash val="solid"/>
         </a:ln>
-        <a:ln w="38100" cap="flat" cmpd="sng" algn="ctr">
+        <a:ln w="55000" cap="flat" cmpd="thickThin" algn="ctr">
+          <a:solidFill>
+            <a:schemeClr val="phClr"/>
+          </a:solidFill>
+          <a:prstDash val="solid"/>
+        </a:ln>
+        <a:ln w="63500" cap="flat" cmpd="thickThin" algn="ctr">
           <a:solidFill>
             <a:schemeClr val="phClr"/>
           </a:solidFill>
@@ -29731,33 +31510,44 @@
       </a:lnStyleLst>
       <a:effectStyleLst>
         <a:effectStyle>
-          <a:effectLst/>
-        </a:effectStyle>
-        <a:effectStyle>
           <a:effectLst>
-            <a:outerShdw blurRad="50800" dist="25400" algn="bl" rotWithShape="0">
+            <a:outerShdw blurRad="50800" dist="38100" dir="5400000" rotWithShape="0">
               <a:srgbClr val="000000">
-                <a:alpha val="60000"/>
+                <a:alpha val="35000"/>
               </a:srgbClr>
             </a:outerShdw>
           </a:effectLst>
         </a:effectStyle>
         <a:effectStyle>
-          <a:effectLst/>
+          <a:effectLst>
+            <a:outerShdw blurRad="50800" dist="38100" dir="5400000" rotWithShape="0">
+              <a:srgbClr val="000000">
+                <a:alpha val="35000"/>
+              </a:srgbClr>
+            </a:outerShdw>
+          </a:effectLst>
+        </a:effectStyle>
+        <a:effectStyle>
+          <a:effectLst>
+            <a:outerShdw blurRad="63500" dist="38100" dir="5400000" rotWithShape="0">
+              <a:srgbClr val="000000">
+                <a:alpha val="45000"/>
+              </a:srgbClr>
+            </a:outerShdw>
+          </a:effectLst>
           <a:scene3d>
-            <a:camera prst="orthographicFront">
+            <a:camera prst="orthographicFront" fov="0">
               <a:rot lat="0" lon="0" rev="0"/>
             </a:camera>
-            <a:lightRig rig="brightRoom" dir="tl">
-              <a:rot lat="0" lon="0" rev="1800000"/>
+            <a:lightRig rig="glow" dir="t">
+              <a:rot lat="0" lon="0" rev="6360000"/>
             </a:lightRig>
           </a:scene3d>
-          <a:sp3d contourW="10160" prstMaterial="dkEdge">
-            <a:bevelT w="38100" h="50800" prst="angle"/>
+          <a:sp3d contourW="1000" prstMaterial="flat">
+            <a:bevelT w="95250" h="101600"/>
             <a:contourClr>
               <a:schemeClr val="phClr">
-                <a:shade val="40000"/>
-                <a:satMod val="150000"/>
+                <a:satMod val="300000"/>
               </a:schemeClr>
             </a:contourClr>
           </a:sp3d>
@@ -29771,38 +31561,40 @@
           <a:gsLst>
             <a:gs pos="0">
               <a:schemeClr val="phClr">
-                <a:tint val="90000"/>
+                <a:tint val="55000"/>
+                <a:satMod val="300000"/>
               </a:schemeClr>
             </a:gs>
-            <a:gs pos="75000">
+            <a:gs pos="40000">
               <a:schemeClr val="phClr">
-                <a:shade val="100000"/>
-                <a:satMod val="115000"/>
+                <a:tint val="65000"/>
+                <a:satMod val="300000"/>
               </a:schemeClr>
             </a:gs>
             <a:gs pos="100000">
               <a:schemeClr val="phClr">
-                <a:shade val="70000"/>
-                <a:satMod val="130000"/>
+                <a:shade val="65000"/>
+                <a:satMod val="300000"/>
               </a:schemeClr>
             </a:gs>
           </a:gsLst>
           <a:path path="circle">
-            <a:fillToRect l="20000" t="50000" r="100000" b="50000"/>
+            <a:fillToRect l="65000" b="98000"/>
           </a:path>
         </a:gradFill>
-        <a:blipFill rotWithShape="1">
+        <a:blipFill>
           <a:blip xmlns:r="http://schemas.openxmlformats.org/officeDocument/2006/relationships" r:embed="rId1">
             <a:duotone>
               <a:schemeClr val="phClr">
-                <a:tint val="97000"/>
+                <a:shade val="60000"/>
+                <a:satMod val="110000"/>
               </a:schemeClr>
               <a:schemeClr val="phClr">
-                <a:shade val="96000"/>
+                <a:tint val="95000"/>
               </a:schemeClr>
             </a:duotone>
           </a:blip>
-          <a:tile tx="0" ty="0" sx="32000" sy="32000" flip="none" algn="tl"/>
+          <a:tile tx="0" ty="0" sx="50000" sy="50000" flip="none" algn="tl"/>
         </a:blipFill>
       </a:bgFillStyleLst>
     </a:fmtScheme>
